--- a/UI.pptx
+++ b/UI.pptx
@@ -10,6 +10,8 @@
     <p:sldId id="258" r:id="rId4"/>
     <p:sldId id="259" r:id="rId5"/>
     <p:sldId id="260" r:id="rId6"/>
+    <p:sldId id="261" r:id="rId7"/>
+    <p:sldId id="262" r:id="rId8"/>
   </p:sldIdLst>
   <p:sldSz cx="12192000" cy="6858000"/>
   <p:notesSz cx="6858000" cy="9144000"/>
@@ -263,7 +265,7 @@
           <a:p>
             <a:fld id="{3AFA5745-1944-4375-9A62-C9C7A2D27294}" type="datetimeFigureOut">
               <a:rPr lang="ko-KR" altLang="en-US" smtClean="0"/>
-              <a:t>2025-09-19</a:t>
+              <a:t>2025-09-21</a:t>
             </a:fld>
             <a:endParaRPr lang="ko-KR" altLang="en-US"/>
           </a:p>
@@ -461,7 +463,7 @@
           <a:p>
             <a:fld id="{3AFA5745-1944-4375-9A62-C9C7A2D27294}" type="datetimeFigureOut">
               <a:rPr lang="ko-KR" altLang="en-US" smtClean="0"/>
-              <a:t>2025-09-19</a:t>
+              <a:t>2025-09-21</a:t>
             </a:fld>
             <a:endParaRPr lang="ko-KR" altLang="en-US"/>
           </a:p>
@@ -669,7 +671,7 @@
           <a:p>
             <a:fld id="{3AFA5745-1944-4375-9A62-C9C7A2D27294}" type="datetimeFigureOut">
               <a:rPr lang="ko-KR" altLang="en-US" smtClean="0"/>
-              <a:t>2025-09-19</a:t>
+              <a:t>2025-09-21</a:t>
             </a:fld>
             <a:endParaRPr lang="ko-KR" altLang="en-US"/>
           </a:p>
@@ -867,7 +869,7 @@
           <a:p>
             <a:fld id="{3AFA5745-1944-4375-9A62-C9C7A2D27294}" type="datetimeFigureOut">
               <a:rPr lang="ko-KR" altLang="en-US" smtClean="0"/>
-              <a:t>2025-09-19</a:t>
+              <a:t>2025-09-21</a:t>
             </a:fld>
             <a:endParaRPr lang="ko-KR" altLang="en-US"/>
           </a:p>
@@ -1142,7 +1144,7 @@
           <a:p>
             <a:fld id="{3AFA5745-1944-4375-9A62-C9C7A2D27294}" type="datetimeFigureOut">
               <a:rPr lang="ko-KR" altLang="en-US" smtClean="0"/>
-              <a:t>2025-09-19</a:t>
+              <a:t>2025-09-21</a:t>
             </a:fld>
             <a:endParaRPr lang="ko-KR" altLang="en-US"/>
           </a:p>
@@ -1407,7 +1409,7 @@
           <a:p>
             <a:fld id="{3AFA5745-1944-4375-9A62-C9C7A2D27294}" type="datetimeFigureOut">
               <a:rPr lang="ko-KR" altLang="en-US" smtClean="0"/>
-              <a:t>2025-09-19</a:t>
+              <a:t>2025-09-21</a:t>
             </a:fld>
             <a:endParaRPr lang="ko-KR" altLang="en-US"/>
           </a:p>
@@ -1819,7 +1821,7 @@
           <a:p>
             <a:fld id="{3AFA5745-1944-4375-9A62-C9C7A2D27294}" type="datetimeFigureOut">
               <a:rPr lang="ko-KR" altLang="en-US" smtClean="0"/>
-              <a:t>2025-09-19</a:t>
+              <a:t>2025-09-21</a:t>
             </a:fld>
             <a:endParaRPr lang="ko-KR" altLang="en-US"/>
           </a:p>
@@ -1960,7 +1962,7 @@
           <a:p>
             <a:fld id="{3AFA5745-1944-4375-9A62-C9C7A2D27294}" type="datetimeFigureOut">
               <a:rPr lang="ko-KR" altLang="en-US" smtClean="0"/>
-              <a:t>2025-09-19</a:t>
+              <a:t>2025-09-21</a:t>
             </a:fld>
             <a:endParaRPr lang="ko-KR" altLang="en-US"/>
           </a:p>
@@ -2073,7 +2075,7 @@
           <a:p>
             <a:fld id="{3AFA5745-1944-4375-9A62-C9C7A2D27294}" type="datetimeFigureOut">
               <a:rPr lang="ko-KR" altLang="en-US" smtClean="0"/>
-              <a:t>2025-09-19</a:t>
+              <a:t>2025-09-21</a:t>
             </a:fld>
             <a:endParaRPr lang="ko-KR" altLang="en-US"/>
           </a:p>
@@ -2384,7 +2386,7 @@
           <a:p>
             <a:fld id="{3AFA5745-1944-4375-9A62-C9C7A2D27294}" type="datetimeFigureOut">
               <a:rPr lang="ko-KR" altLang="en-US" smtClean="0"/>
-              <a:t>2025-09-19</a:t>
+              <a:t>2025-09-21</a:t>
             </a:fld>
             <a:endParaRPr lang="ko-KR" altLang="en-US"/>
           </a:p>
@@ -2672,7 +2674,7 @@
           <a:p>
             <a:fld id="{3AFA5745-1944-4375-9A62-C9C7A2D27294}" type="datetimeFigureOut">
               <a:rPr lang="ko-KR" altLang="en-US" smtClean="0"/>
-              <a:t>2025-09-19</a:t>
+              <a:t>2025-09-21</a:t>
             </a:fld>
             <a:endParaRPr lang="ko-KR" altLang="en-US"/>
           </a:p>
@@ -2913,7 +2915,7 @@
           <a:p>
             <a:fld id="{3AFA5745-1944-4375-9A62-C9C7A2D27294}" type="datetimeFigureOut">
               <a:rPr lang="ko-KR" altLang="en-US" smtClean="0"/>
-              <a:t>2025-09-19</a:t>
+              <a:t>2025-09-21</a:t>
             </a:fld>
             <a:endParaRPr lang="ko-KR" altLang="en-US"/>
           </a:p>
@@ -6695,6 +6697,1771 @@
 </p:sld>
 </file>
 
+<file path=ppt/slides/slide6.xml><?xml version="1.0" encoding="utf-8"?>
+<p:sld xmlns:a="http://schemas.openxmlformats.org/drawingml/2006/main" xmlns:r="http://schemas.openxmlformats.org/officeDocument/2006/relationships" xmlns:p="http://schemas.openxmlformats.org/presentationml/2006/main">
+  <p:cSld>
+    <p:spTree>
+      <p:nvGrpSpPr>
+        <p:cNvPr id="1" name=""/>
+        <p:cNvGrpSpPr/>
+        <p:nvPr/>
+      </p:nvGrpSpPr>
+      <p:grpSpPr>
+        <a:xfrm>
+          <a:off x="0" y="0"/>
+          <a:ext cx="0" cy="0"/>
+          <a:chOff x="0" y="0"/>
+          <a:chExt cx="0" cy="0"/>
+        </a:xfrm>
+      </p:grpSpPr>
+      <p:sp>
+        <p:nvSpPr>
+          <p:cNvPr id="23" name="직사각형 22">
+            <a:extLst>
+              <a:ext uri="{FF2B5EF4-FFF2-40B4-BE49-F238E27FC236}">
+                <a16:creationId xmlns:a16="http://schemas.microsoft.com/office/drawing/2014/main" id="{E764D55F-D4E3-F0A1-DB1E-DD000D7A5B78}"/>
+              </a:ext>
+            </a:extLst>
+          </p:cNvPr>
+          <p:cNvSpPr/>
+          <p:nvPr/>
+        </p:nvSpPr>
+        <p:spPr>
+          <a:xfrm>
+            <a:off x="313704" y="389299"/>
+            <a:ext cx="5993394" cy="4977637"/>
+          </a:xfrm>
+          <a:prstGeom prst="rect">
+            <a:avLst/>
+          </a:prstGeom>
+          <a:noFill/>
+        </p:spPr>
+        <p:style>
+          <a:lnRef idx="2">
+            <a:schemeClr val="accent1">
+              <a:shade val="15000"/>
+            </a:schemeClr>
+          </a:lnRef>
+          <a:fillRef idx="1">
+            <a:schemeClr val="accent1"/>
+          </a:fillRef>
+          <a:effectRef idx="0">
+            <a:schemeClr val="accent1"/>
+          </a:effectRef>
+          <a:fontRef idx="minor">
+            <a:schemeClr val="lt1"/>
+          </a:fontRef>
+        </p:style>
+        <p:txBody>
+          <a:bodyPr rtlCol="0" anchor="ctr"/>
+          <a:lstStyle/>
+          <a:p>
+            <a:pPr algn="ctr"/>
+            <a:endParaRPr lang="ko-KR" altLang="en-US"/>
+          </a:p>
+        </p:txBody>
+      </p:sp>
+      <p:sp>
+        <p:nvSpPr>
+          <p:cNvPr id="4" name="직사각형 3">
+            <a:extLst>
+              <a:ext uri="{FF2B5EF4-FFF2-40B4-BE49-F238E27FC236}">
+                <a16:creationId xmlns:a16="http://schemas.microsoft.com/office/drawing/2014/main" id="{0FAA3A47-25AE-A13D-7811-7D73AABC56A6}"/>
+              </a:ext>
+            </a:extLst>
+          </p:cNvPr>
+          <p:cNvSpPr/>
+          <p:nvPr/>
+        </p:nvSpPr>
+        <p:spPr>
+          <a:xfrm>
+            <a:off x="820695" y="1364316"/>
+            <a:ext cx="959669" cy="364895"/>
+          </a:xfrm>
+          <a:prstGeom prst="rect">
+            <a:avLst/>
+          </a:prstGeom>
+        </p:spPr>
+        <p:style>
+          <a:lnRef idx="2">
+            <a:schemeClr val="accent1">
+              <a:shade val="15000"/>
+            </a:schemeClr>
+          </a:lnRef>
+          <a:fillRef idx="1">
+            <a:schemeClr val="accent1"/>
+          </a:fillRef>
+          <a:effectRef idx="0">
+            <a:schemeClr val="accent1"/>
+          </a:effectRef>
+          <a:fontRef idx="minor">
+            <a:schemeClr val="lt1"/>
+          </a:fontRef>
+        </p:style>
+        <p:txBody>
+          <a:bodyPr rtlCol="0" anchor="ctr"/>
+          <a:lstStyle/>
+          <a:p>
+            <a:pPr algn="ctr"/>
+            <a:r>
+              <a:rPr lang="en-US" altLang="ko-KR"/>
+              <a:t>EECP</a:t>
+            </a:r>
+            <a:endParaRPr lang="ko-KR" altLang="en-US"/>
+          </a:p>
+        </p:txBody>
+      </p:sp>
+      <p:sp>
+        <p:nvSpPr>
+          <p:cNvPr id="7" name="직사각형 6">
+            <a:extLst>
+              <a:ext uri="{FF2B5EF4-FFF2-40B4-BE49-F238E27FC236}">
+                <a16:creationId xmlns:a16="http://schemas.microsoft.com/office/drawing/2014/main" id="{C8E6B8F6-D3DE-0303-005A-A37A4E391812}"/>
+              </a:ext>
+            </a:extLst>
+          </p:cNvPr>
+          <p:cNvSpPr/>
+          <p:nvPr/>
+        </p:nvSpPr>
+        <p:spPr>
+          <a:xfrm>
+            <a:off x="2168152" y="1364315"/>
+            <a:ext cx="3695326" cy="364895"/>
+          </a:xfrm>
+          <a:prstGeom prst="rect">
+            <a:avLst/>
+          </a:prstGeom>
+          <a:noFill/>
+        </p:spPr>
+        <p:style>
+          <a:lnRef idx="2">
+            <a:schemeClr val="accent1">
+              <a:shade val="15000"/>
+            </a:schemeClr>
+          </a:lnRef>
+          <a:fillRef idx="1">
+            <a:schemeClr val="accent1"/>
+          </a:fillRef>
+          <a:effectRef idx="0">
+            <a:schemeClr val="accent1"/>
+          </a:effectRef>
+          <a:fontRef idx="minor">
+            <a:schemeClr val="lt1"/>
+          </a:fontRef>
+        </p:style>
+        <p:txBody>
+          <a:bodyPr rtlCol="0" anchor="ctr"/>
+          <a:lstStyle/>
+          <a:p>
+            <a:pPr algn="ctr"/>
+            <a:endParaRPr lang="ko-KR" altLang="en-US"/>
+          </a:p>
+        </p:txBody>
+      </p:sp>
+      <p:sp>
+        <p:nvSpPr>
+          <p:cNvPr id="8" name="직사각형 7">
+            <a:extLst>
+              <a:ext uri="{FF2B5EF4-FFF2-40B4-BE49-F238E27FC236}">
+                <a16:creationId xmlns:a16="http://schemas.microsoft.com/office/drawing/2014/main" id="{74E48E11-DD9E-BA9C-FE0C-74AD61FE0839}"/>
+              </a:ext>
+            </a:extLst>
+          </p:cNvPr>
+          <p:cNvSpPr/>
+          <p:nvPr/>
+        </p:nvSpPr>
+        <p:spPr>
+          <a:xfrm>
+            <a:off x="820695" y="1942229"/>
+            <a:ext cx="959669" cy="364895"/>
+          </a:xfrm>
+          <a:prstGeom prst="rect">
+            <a:avLst/>
+          </a:prstGeom>
+        </p:spPr>
+        <p:style>
+          <a:lnRef idx="2">
+            <a:schemeClr val="accent1">
+              <a:shade val="15000"/>
+            </a:schemeClr>
+          </a:lnRef>
+          <a:fillRef idx="1">
+            <a:schemeClr val="accent1"/>
+          </a:fillRef>
+          <a:effectRef idx="0">
+            <a:schemeClr val="accent1"/>
+          </a:effectRef>
+          <a:fontRef idx="minor">
+            <a:schemeClr val="lt1"/>
+          </a:fontRef>
+        </p:style>
+        <p:txBody>
+          <a:bodyPr rtlCol="0" anchor="ctr"/>
+          <a:lstStyle/>
+          <a:p>
+            <a:pPr algn="ctr"/>
+            <a:r>
+              <a:rPr lang="en-US" altLang="ko-KR"/>
+              <a:t>CIM</a:t>
+            </a:r>
+            <a:endParaRPr lang="ko-KR" altLang="en-US"/>
+          </a:p>
+        </p:txBody>
+      </p:sp>
+      <p:sp>
+        <p:nvSpPr>
+          <p:cNvPr id="9" name="직사각형 8">
+            <a:extLst>
+              <a:ext uri="{FF2B5EF4-FFF2-40B4-BE49-F238E27FC236}">
+                <a16:creationId xmlns:a16="http://schemas.microsoft.com/office/drawing/2014/main" id="{4BBF0E0F-52F7-E6D0-4425-70B8842E1B2B}"/>
+              </a:ext>
+            </a:extLst>
+          </p:cNvPr>
+          <p:cNvSpPr/>
+          <p:nvPr/>
+        </p:nvSpPr>
+        <p:spPr>
+          <a:xfrm>
+            <a:off x="2168152" y="1942228"/>
+            <a:ext cx="3695326" cy="364895"/>
+          </a:xfrm>
+          <a:prstGeom prst="rect">
+            <a:avLst/>
+          </a:prstGeom>
+          <a:noFill/>
+        </p:spPr>
+        <p:style>
+          <a:lnRef idx="2">
+            <a:schemeClr val="accent1">
+              <a:shade val="15000"/>
+            </a:schemeClr>
+          </a:lnRef>
+          <a:fillRef idx="1">
+            <a:schemeClr val="accent1"/>
+          </a:fillRef>
+          <a:effectRef idx="0">
+            <a:schemeClr val="accent1"/>
+          </a:effectRef>
+          <a:fontRef idx="minor">
+            <a:schemeClr val="lt1"/>
+          </a:fontRef>
+        </p:style>
+        <p:txBody>
+          <a:bodyPr rtlCol="0" anchor="ctr"/>
+          <a:lstStyle/>
+          <a:p>
+            <a:pPr algn="ctr"/>
+            <a:endParaRPr lang="ko-KR" altLang="en-US"/>
+          </a:p>
+        </p:txBody>
+      </p:sp>
+      <p:sp>
+        <p:nvSpPr>
+          <p:cNvPr id="10" name="직사각형 9">
+            <a:extLst>
+              <a:ext uri="{FF2B5EF4-FFF2-40B4-BE49-F238E27FC236}">
+                <a16:creationId xmlns:a16="http://schemas.microsoft.com/office/drawing/2014/main" id="{5785AB7D-E23C-E717-A1D8-F85323C8B1DD}"/>
+              </a:ext>
+            </a:extLst>
+          </p:cNvPr>
+          <p:cNvSpPr/>
+          <p:nvPr/>
+        </p:nvSpPr>
+        <p:spPr>
+          <a:xfrm>
+            <a:off x="820695" y="3045237"/>
+            <a:ext cx="959669" cy="364895"/>
+          </a:xfrm>
+          <a:prstGeom prst="rect">
+            <a:avLst/>
+          </a:prstGeom>
+        </p:spPr>
+        <p:style>
+          <a:lnRef idx="2">
+            <a:schemeClr val="accent1">
+              <a:shade val="15000"/>
+            </a:schemeClr>
+          </a:lnRef>
+          <a:fillRef idx="1">
+            <a:schemeClr val="accent1"/>
+          </a:fillRef>
+          <a:effectRef idx="0">
+            <a:schemeClr val="accent1"/>
+          </a:effectRef>
+          <a:fontRef idx="minor">
+            <a:schemeClr val="lt1"/>
+          </a:fontRef>
+        </p:style>
+        <p:txBody>
+          <a:bodyPr rtlCol="0" anchor="ctr"/>
+          <a:lstStyle/>
+          <a:p>
+            <a:pPr algn="ctr"/>
+            <a:r>
+              <a:rPr lang="en-US" altLang="ko-KR"/>
+              <a:t>Recipe</a:t>
+            </a:r>
+            <a:endParaRPr lang="ko-KR" altLang="en-US"/>
+          </a:p>
+        </p:txBody>
+      </p:sp>
+      <p:sp>
+        <p:nvSpPr>
+          <p:cNvPr id="11" name="직사각형 10">
+            <a:extLst>
+              <a:ext uri="{FF2B5EF4-FFF2-40B4-BE49-F238E27FC236}">
+                <a16:creationId xmlns:a16="http://schemas.microsoft.com/office/drawing/2014/main" id="{4B1047CA-2182-7BE1-5D1B-9D780F68BE7E}"/>
+              </a:ext>
+            </a:extLst>
+          </p:cNvPr>
+          <p:cNvSpPr/>
+          <p:nvPr/>
+        </p:nvSpPr>
+        <p:spPr>
+          <a:xfrm>
+            <a:off x="2168152" y="3045236"/>
+            <a:ext cx="3695326" cy="364895"/>
+          </a:xfrm>
+          <a:prstGeom prst="rect">
+            <a:avLst/>
+          </a:prstGeom>
+          <a:noFill/>
+        </p:spPr>
+        <p:style>
+          <a:lnRef idx="2">
+            <a:schemeClr val="accent1">
+              <a:shade val="15000"/>
+            </a:schemeClr>
+          </a:lnRef>
+          <a:fillRef idx="1">
+            <a:schemeClr val="accent1"/>
+          </a:fillRef>
+          <a:effectRef idx="0">
+            <a:schemeClr val="accent1"/>
+          </a:effectRef>
+          <a:fontRef idx="minor">
+            <a:schemeClr val="lt1"/>
+          </a:fontRef>
+        </p:style>
+        <p:txBody>
+          <a:bodyPr rtlCol="0" anchor="ctr"/>
+          <a:lstStyle/>
+          <a:p>
+            <a:pPr algn="ctr"/>
+            <a:endParaRPr lang="ko-KR" altLang="en-US"/>
+          </a:p>
+        </p:txBody>
+      </p:sp>
+      <p:sp>
+        <p:nvSpPr>
+          <p:cNvPr id="12" name="직사각형 11">
+            <a:extLst>
+              <a:ext uri="{FF2B5EF4-FFF2-40B4-BE49-F238E27FC236}">
+                <a16:creationId xmlns:a16="http://schemas.microsoft.com/office/drawing/2014/main" id="{47AB4998-DC4A-87BE-630D-DA71E46DE9CA}"/>
+              </a:ext>
+            </a:extLst>
+          </p:cNvPr>
+          <p:cNvSpPr/>
+          <p:nvPr/>
+        </p:nvSpPr>
+        <p:spPr>
+          <a:xfrm>
+            <a:off x="820695" y="3623150"/>
+            <a:ext cx="959669" cy="364895"/>
+          </a:xfrm>
+          <a:prstGeom prst="rect">
+            <a:avLst/>
+          </a:prstGeom>
+        </p:spPr>
+        <p:style>
+          <a:lnRef idx="2">
+            <a:schemeClr val="accent1">
+              <a:shade val="15000"/>
+            </a:schemeClr>
+          </a:lnRef>
+          <a:fillRef idx="1">
+            <a:schemeClr val="accent1"/>
+          </a:fillRef>
+          <a:effectRef idx="0">
+            <a:schemeClr val="accent1"/>
+          </a:effectRef>
+          <a:fontRef idx="minor">
+            <a:schemeClr val="lt1"/>
+          </a:fontRef>
+        </p:style>
+        <p:txBody>
+          <a:bodyPr rtlCol="0" anchor="ctr"/>
+          <a:lstStyle/>
+          <a:p>
+            <a:pPr algn="ctr"/>
+            <a:r>
+              <a:rPr lang="en-US" altLang="ko-KR"/>
+              <a:t>DLL</a:t>
+            </a:r>
+            <a:endParaRPr lang="ko-KR" altLang="en-US"/>
+          </a:p>
+        </p:txBody>
+      </p:sp>
+      <p:sp>
+        <p:nvSpPr>
+          <p:cNvPr id="13" name="직사각형 12">
+            <a:extLst>
+              <a:ext uri="{FF2B5EF4-FFF2-40B4-BE49-F238E27FC236}">
+                <a16:creationId xmlns:a16="http://schemas.microsoft.com/office/drawing/2014/main" id="{89D6141E-7895-B44F-9B80-9074E524A0F9}"/>
+              </a:ext>
+            </a:extLst>
+          </p:cNvPr>
+          <p:cNvSpPr/>
+          <p:nvPr/>
+        </p:nvSpPr>
+        <p:spPr>
+          <a:xfrm>
+            <a:off x="2168152" y="3623149"/>
+            <a:ext cx="3695326" cy="364895"/>
+          </a:xfrm>
+          <a:prstGeom prst="rect">
+            <a:avLst/>
+          </a:prstGeom>
+          <a:noFill/>
+        </p:spPr>
+        <p:style>
+          <a:lnRef idx="2">
+            <a:schemeClr val="accent1">
+              <a:shade val="15000"/>
+            </a:schemeClr>
+          </a:lnRef>
+          <a:fillRef idx="1">
+            <a:schemeClr val="accent1"/>
+          </a:fillRef>
+          <a:effectRef idx="0">
+            <a:schemeClr val="accent1"/>
+          </a:effectRef>
+          <a:fontRef idx="minor">
+            <a:schemeClr val="lt1"/>
+          </a:fontRef>
+        </p:style>
+        <p:txBody>
+          <a:bodyPr rtlCol="0" anchor="ctr"/>
+          <a:lstStyle/>
+          <a:p>
+            <a:pPr algn="ctr"/>
+            <a:endParaRPr lang="ko-KR" altLang="en-US"/>
+          </a:p>
+        </p:txBody>
+      </p:sp>
+      <p:sp>
+        <p:nvSpPr>
+          <p:cNvPr id="14" name="TextBox 13">
+            <a:extLst>
+              <a:ext uri="{FF2B5EF4-FFF2-40B4-BE49-F238E27FC236}">
+                <a16:creationId xmlns:a16="http://schemas.microsoft.com/office/drawing/2014/main" id="{16663C93-4626-F1BA-8156-D7D054DFEDE0}"/>
+              </a:ext>
+            </a:extLst>
+          </p:cNvPr>
+          <p:cNvSpPr txBox="1"/>
+          <p:nvPr/>
+        </p:nvSpPr>
+        <p:spPr>
+          <a:xfrm>
+            <a:off x="739216" y="781966"/>
+            <a:ext cx="854336" cy="369332"/>
+          </a:xfrm>
+          <a:prstGeom prst="rect">
+            <a:avLst/>
+          </a:prstGeom>
+          <a:noFill/>
+        </p:spPr>
+        <p:txBody>
+          <a:bodyPr wrap="none" rtlCol="0">
+            <a:spAutoFit/>
+          </a:bodyPr>
+          <a:lstStyle/>
+          <a:p>
+            <a:r>
+              <a:rPr lang="en-US" altLang="ko-KR"/>
+              <a:t>Create</a:t>
+            </a:r>
+            <a:endParaRPr lang="ko-KR" altLang="en-US"/>
+          </a:p>
+        </p:txBody>
+      </p:sp>
+      <p:cxnSp>
+        <p:nvCxnSpPr>
+          <p:cNvPr id="16" name="직선 연결선 15">
+            <a:extLst>
+              <a:ext uri="{FF2B5EF4-FFF2-40B4-BE49-F238E27FC236}">
+                <a16:creationId xmlns:a16="http://schemas.microsoft.com/office/drawing/2014/main" id="{918B89A4-4ECC-1E3B-22AF-84FA26E8B7CA}"/>
+              </a:ext>
+            </a:extLst>
+          </p:cNvPr>
+          <p:cNvCxnSpPr>
+            <a:cxnSpLocks/>
+            <a:stCxn id="14" idx="3"/>
+          </p:cNvCxnSpPr>
+          <p:nvPr/>
+        </p:nvCxnSpPr>
+        <p:spPr>
+          <a:xfrm>
+            <a:off x="1593552" y="966632"/>
+            <a:ext cx="4269926" cy="9472"/>
+          </a:xfrm>
+          <a:prstGeom prst="line">
+            <a:avLst/>
+          </a:prstGeom>
+        </p:spPr>
+        <p:style>
+          <a:lnRef idx="2">
+            <a:schemeClr val="accent1"/>
+          </a:lnRef>
+          <a:fillRef idx="0">
+            <a:schemeClr val="accent1"/>
+          </a:fillRef>
+          <a:effectRef idx="1">
+            <a:schemeClr val="accent1"/>
+          </a:effectRef>
+          <a:fontRef idx="minor">
+            <a:schemeClr val="tx1"/>
+          </a:fontRef>
+        </p:style>
+      </p:cxnSp>
+      <p:sp>
+        <p:nvSpPr>
+          <p:cNvPr id="19" name="TextBox 18">
+            <a:extLst>
+              <a:ext uri="{FF2B5EF4-FFF2-40B4-BE49-F238E27FC236}">
+                <a16:creationId xmlns:a16="http://schemas.microsoft.com/office/drawing/2014/main" id="{3AA31086-6C7F-1C00-B4E9-A7495D6FA9AD}"/>
+              </a:ext>
+            </a:extLst>
+          </p:cNvPr>
+          <p:cNvSpPr txBox="1"/>
+          <p:nvPr/>
+        </p:nvSpPr>
+        <p:spPr>
+          <a:xfrm>
+            <a:off x="739216" y="2538287"/>
+            <a:ext cx="689548" cy="369332"/>
+          </a:xfrm>
+          <a:prstGeom prst="rect">
+            <a:avLst/>
+          </a:prstGeom>
+          <a:noFill/>
+        </p:spPr>
+        <p:txBody>
+          <a:bodyPr wrap="none" rtlCol="0">
+            <a:spAutoFit/>
+          </a:bodyPr>
+          <a:lstStyle/>
+          <a:p>
+            <a:r>
+              <a:rPr lang="en-US" altLang="ko-KR"/>
+              <a:t>Load</a:t>
+            </a:r>
+            <a:endParaRPr lang="ko-KR" altLang="en-US"/>
+          </a:p>
+        </p:txBody>
+      </p:sp>
+      <p:cxnSp>
+        <p:nvCxnSpPr>
+          <p:cNvPr id="20" name="직선 연결선 19">
+            <a:extLst>
+              <a:ext uri="{FF2B5EF4-FFF2-40B4-BE49-F238E27FC236}">
+                <a16:creationId xmlns:a16="http://schemas.microsoft.com/office/drawing/2014/main" id="{63013A0B-14B3-B689-CC74-9F34B018521B}"/>
+              </a:ext>
+            </a:extLst>
+          </p:cNvPr>
+          <p:cNvCxnSpPr>
+            <a:cxnSpLocks/>
+          </p:cNvCxnSpPr>
+          <p:nvPr/>
+        </p:nvCxnSpPr>
+        <p:spPr>
+          <a:xfrm>
+            <a:off x="1593552" y="2725763"/>
+            <a:ext cx="4269926" cy="6662"/>
+          </a:xfrm>
+          <a:prstGeom prst="line">
+            <a:avLst/>
+          </a:prstGeom>
+        </p:spPr>
+        <p:style>
+          <a:lnRef idx="2">
+            <a:schemeClr val="accent1"/>
+          </a:lnRef>
+          <a:fillRef idx="0">
+            <a:schemeClr val="accent1"/>
+          </a:fillRef>
+          <a:effectRef idx="1">
+            <a:schemeClr val="accent1"/>
+          </a:effectRef>
+          <a:fontRef idx="minor">
+            <a:schemeClr val="tx1"/>
+          </a:fontRef>
+        </p:style>
+      </p:cxnSp>
+      <p:sp>
+        <p:nvSpPr>
+          <p:cNvPr id="22" name="사각형: 둥근 모서리 21">
+            <a:extLst>
+              <a:ext uri="{FF2B5EF4-FFF2-40B4-BE49-F238E27FC236}">
+                <a16:creationId xmlns:a16="http://schemas.microsoft.com/office/drawing/2014/main" id="{FCEDF359-8B00-C884-EBD2-BBA83FD72F09}"/>
+              </a:ext>
+            </a:extLst>
+          </p:cNvPr>
+          <p:cNvSpPr/>
+          <p:nvPr/>
+        </p:nvSpPr>
+        <p:spPr>
+          <a:xfrm>
+            <a:off x="2242092" y="4482084"/>
+            <a:ext cx="1964602" cy="525613"/>
+          </a:xfrm>
+          <a:prstGeom prst="roundRect">
+            <a:avLst/>
+          </a:prstGeom>
+        </p:spPr>
+        <p:style>
+          <a:lnRef idx="2">
+            <a:schemeClr val="accent1">
+              <a:shade val="15000"/>
+            </a:schemeClr>
+          </a:lnRef>
+          <a:fillRef idx="1">
+            <a:schemeClr val="accent1"/>
+          </a:fillRef>
+          <a:effectRef idx="0">
+            <a:schemeClr val="accent1"/>
+          </a:effectRef>
+          <a:fontRef idx="minor">
+            <a:schemeClr val="lt1"/>
+          </a:fontRef>
+        </p:style>
+        <p:txBody>
+          <a:bodyPr rtlCol="0" anchor="ctr"/>
+          <a:lstStyle/>
+          <a:p>
+            <a:pPr algn="ctr"/>
+            <a:r>
+              <a:rPr lang="en-US" altLang="ko-KR"/>
+              <a:t>SAVE</a:t>
+            </a:r>
+            <a:endParaRPr lang="ko-KR" altLang="en-US"/>
+          </a:p>
+        </p:txBody>
+      </p:sp>
+      <p:sp>
+        <p:nvSpPr>
+          <p:cNvPr id="24" name="직사각형 23">
+            <a:extLst>
+              <a:ext uri="{FF2B5EF4-FFF2-40B4-BE49-F238E27FC236}">
+                <a16:creationId xmlns:a16="http://schemas.microsoft.com/office/drawing/2014/main" id="{AC5F11E8-6411-7C0F-B5B4-5C45E1120EC2}"/>
+              </a:ext>
+            </a:extLst>
+          </p:cNvPr>
+          <p:cNvSpPr/>
+          <p:nvPr/>
+        </p:nvSpPr>
+        <p:spPr>
+          <a:xfrm>
+            <a:off x="6732610" y="363901"/>
+            <a:ext cx="5145686" cy="4977637"/>
+          </a:xfrm>
+          <a:prstGeom prst="rect">
+            <a:avLst/>
+          </a:prstGeom>
+          <a:noFill/>
+        </p:spPr>
+        <p:style>
+          <a:lnRef idx="2">
+            <a:schemeClr val="accent1">
+              <a:shade val="15000"/>
+            </a:schemeClr>
+          </a:lnRef>
+          <a:fillRef idx="1">
+            <a:schemeClr val="accent1"/>
+          </a:fillRef>
+          <a:effectRef idx="0">
+            <a:schemeClr val="accent1"/>
+          </a:effectRef>
+          <a:fontRef idx="minor">
+            <a:schemeClr val="lt1"/>
+          </a:fontRef>
+        </p:style>
+        <p:txBody>
+          <a:bodyPr rtlCol="0" anchor="ctr"/>
+          <a:lstStyle/>
+          <a:p>
+            <a:pPr algn="ctr"/>
+            <a:endParaRPr lang="ko-KR" altLang="en-US"/>
+          </a:p>
+        </p:txBody>
+      </p:sp>
+      <p:sp>
+        <p:nvSpPr>
+          <p:cNvPr id="25" name="직사각형 24">
+            <a:extLst>
+              <a:ext uri="{FF2B5EF4-FFF2-40B4-BE49-F238E27FC236}">
+                <a16:creationId xmlns:a16="http://schemas.microsoft.com/office/drawing/2014/main" id="{6AF6A5D9-6417-3D39-CCFF-1B58300AFC63}"/>
+              </a:ext>
+            </a:extLst>
+          </p:cNvPr>
+          <p:cNvSpPr/>
+          <p:nvPr/>
+        </p:nvSpPr>
+        <p:spPr>
+          <a:xfrm>
+            <a:off x="6843570" y="1334015"/>
+            <a:ext cx="1114424" cy="364895"/>
+          </a:xfrm>
+          <a:prstGeom prst="rect">
+            <a:avLst/>
+          </a:prstGeom>
+        </p:spPr>
+        <p:style>
+          <a:lnRef idx="2">
+            <a:schemeClr val="accent1">
+              <a:shade val="15000"/>
+            </a:schemeClr>
+          </a:lnRef>
+          <a:fillRef idx="1">
+            <a:schemeClr val="accent1"/>
+          </a:fillRef>
+          <a:effectRef idx="0">
+            <a:schemeClr val="accent1"/>
+          </a:effectRef>
+          <a:fontRef idx="minor">
+            <a:schemeClr val="lt1"/>
+          </a:fontRef>
+        </p:style>
+        <p:txBody>
+          <a:bodyPr rtlCol="0" anchor="ctr"/>
+          <a:lstStyle/>
+          <a:p>
+            <a:pPr algn="ctr"/>
+            <a:r>
+              <a:rPr lang="en-US" altLang="ko-KR"/>
+              <a:t>Cell ID</a:t>
+            </a:r>
+            <a:endParaRPr lang="ko-KR" altLang="en-US"/>
+          </a:p>
+        </p:txBody>
+      </p:sp>
+      <p:sp>
+        <p:nvSpPr>
+          <p:cNvPr id="26" name="직사각형 25">
+            <a:extLst>
+              <a:ext uri="{FF2B5EF4-FFF2-40B4-BE49-F238E27FC236}">
+                <a16:creationId xmlns:a16="http://schemas.microsoft.com/office/drawing/2014/main" id="{517C3F22-A82D-1CA7-3E3A-82D8E42ED903}"/>
+              </a:ext>
+            </a:extLst>
+          </p:cNvPr>
+          <p:cNvSpPr/>
+          <p:nvPr/>
+        </p:nvSpPr>
+        <p:spPr>
+          <a:xfrm>
+            <a:off x="8176185" y="1334014"/>
+            <a:ext cx="3638587" cy="364895"/>
+          </a:xfrm>
+          <a:prstGeom prst="rect">
+            <a:avLst/>
+          </a:prstGeom>
+          <a:noFill/>
+        </p:spPr>
+        <p:style>
+          <a:lnRef idx="2">
+            <a:schemeClr val="accent1">
+              <a:shade val="15000"/>
+            </a:schemeClr>
+          </a:lnRef>
+          <a:fillRef idx="1">
+            <a:schemeClr val="accent1"/>
+          </a:fillRef>
+          <a:effectRef idx="0">
+            <a:schemeClr val="accent1"/>
+          </a:effectRef>
+          <a:fontRef idx="minor">
+            <a:schemeClr val="lt1"/>
+          </a:fontRef>
+        </p:style>
+        <p:txBody>
+          <a:bodyPr rtlCol="0" anchor="ctr"/>
+          <a:lstStyle/>
+          <a:p>
+            <a:pPr algn="ctr"/>
+            <a:endParaRPr lang="ko-KR" altLang="en-US"/>
+          </a:p>
+        </p:txBody>
+      </p:sp>
+      <p:sp>
+        <p:nvSpPr>
+          <p:cNvPr id="27" name="직사각형 26">
+            <a:extLst>
+              <a:ext uri="{FF2B5EF4-FFF2-40B4-BE49-F238E27FC236}">
+                <a16:creationId xmlns:a16="http://schemas.microsoft.com/office/drawing/2014/main" id="{08554018-8C6C-5770-3D88-9062D5520EB6}"/>
+              </a:ext>
+            </a:extLst>
+          </p:cNvPr>
+          <p:cNvSpPr/>
+          <p:nvPr/>
+        </p:nvSpPr>
+        <p:spPr>
+          <a:xfrm>
+            <a:off x="6843570" y="1911928"/>
+            <a:ext cx="1114424" cy="364895"/>
+          </a:xfrm>
+          <a:prstGeom prst="rect">
+            <a:avLst/>
+          </a:prstGeom>
+        </p:spPr>
+        <p:style>
+          <a:lnRef idx="2">
+            <a:schemeClr val="accent1">
+              <a:shade val="15000"/>
+            </a:schemeClr>
+          </a:lnRef>
+          <a:fillRef idx="1">
+            <a:schemeClr val="accent1"/>
+          </a:fillRef>
+          <a:effectRef idx="0">
+            <a:schemeClr val="accent1"/>
+          </a:effectRef>
+          <a:fontRef idx="minor">
+            <a:schemeClr val="lt1"/>
+          </a:fontRef>
+        </p:style>
+        <p:txBody>
+          <a:bodyPr rtlCol="0" anchor="ctr"/>
+          <a:lstStyle/>
+          <a:p>
+            <a:pPr algn="ctr"/>
+            <a:r>
+              <a:rPr lang="en-US" altLang="ko-KR"/>
+              <a:t>Inner ID</a:t>
+            </a:r>
+            <a:endParaRPr lang="ko-KR" altLang="en-US"/>
+          </a:p>
+        </p:txBody>
+      </p:sp>
+      <p:sp>
+        <p:nvSpPr>
+          <p:cNvPr id="28" name="직사각형 27">
+            <a:extLst>
+              <a:ext uri="{FF2B5EF4-FFF2-40B4-BE49-F238E27FC236}">
+                <a16:creationId xmlns:a16="http://schemas.microsoft.com/office/drawing/2014/main" id="{25A99553-4543-5491-5281-44D709CF4A84}"/>
+              </a:ext>
+            </a:extLst>
+          </p:cNvPr>
+          <p:cNvSpPr/>
+          <p:nvPr/>
+        </p:nvSpPr>
+        <p:spPr>
+          <a:xfrm>
+            <a:off x="8176185" y="1911927"/>
+            <a:ext cx="3638587" cy="364895"/>
+          </a:xfrm>
+          <a:prstGeom prst="rect">
+            <a:avLst/>
+          </a:prstGeom>
+          <a:noFill/>
+        </p:spPr>
+        <p:style>
+          <a:lnRef idx="2">
+            <a:schemeClr val="accent1">
+              <a:shade val="15000"/>
+            </a:schemeClr>
+          </a:lnRef>
+          <a:fillRef idx="1">
+            <a:schemeClr val="accent1"/>
+          </a:fillRef>
+          <a:effectRef idx="0">
+            <a:schemeClr val="accent1"/>
+          </a:effectRef>
+          <a:fontRef idx="minor">
+            <a:schemeClr val="lt1"/>
+          </a:fontRef>
+        </p:style>
+        <p:txBody>
+          <a:bodyPr rtlCol="0" anchor="ctr"/>
+          <a:lstStyle/>
+          <a:p>
+            <a:pPr algn="ctr"/>
+            <a:endParaRPr lang="ko-KR" altLang="en-US"/>
+          </a:p>
+        </p:txBody>
+      </p:sp>
+      <p:sp>
+        <p:nvSpPr>
+          <p:cNvPr id="29" name="사각형: 둥근 모서리 28">
+            <a:extLst>
+              <a:ext uri="{FF2B5EF4-FFF2-40B4-BE49-F238E27FC236}">
+                <a16:creationId xmlns:a16="http://schemas.microsoft.com/office/drawing/2014/main" id="{0846DDF9-819C-991B-D729-8D88DDCF020F}"/>
+              </a:ext>
+            </a:extLst>
+          </p:cNvPr>
+          <p:cNvSpPr/>
+          <p:nvPr/>
+        </p:nvSpPr>
+        <p:spPr>
+          <a:xfrm>
+            <a:off x="8235486" y="4318372"/>
+            <a:ext cx="1964602" cy="525613"/>
+          </a:xfrm>
+          <a:prstGeom prst="roundRect">
+            <a:avLst/>
+          </a:prstGeom>
+        </p:spPr>
+        <p:style>
+          <a:lnRef idx="2">
+            <a:schemeClr val="accent1">
+              <a:shade val="15000"/>
+            </a:schemeClr>
+          </a:lnRef>
+          <a:fillRef idx="1">
+            <a:schemeClr val="accent1"/>
+          </a:fillRef>
+          <a:effectRef idx="0">
+            <a:schemeClr val="accent1"/>
+          </a:effectRef>
+          <a:fontRef idx="minor">
+            <a:schemeClr val="lt1"/>
+          </a:fontRef>
+        </p:style>
+        <p:txBody>
+          <a:bodyPr rtlCol="0" anchor="ctr"/>
+          <a:lstStyle/>
+          <a:p>
+            <a:pPr algn="ctr"/>
+            <a:r>
+              <a:rPr lang="en-US" altLang="ko-KR"/>
+              <a:t>SAVE</a:t>
+            </a:r>
+            <a:endParaRPr lang="ko-KR" altLang="en-US"/>
+          </a:p>
+        </p:txBody>
+      </p:sp>
+    </p:spTree>
+    <p:extLst>
+      <p:ext uri="{BB962C8B-B14F-4D97-AF65-F5344CB8AC3E}">
+        <p14:creationId xmlns:p14="http://schemas.microsoft.com/office/powerpoint/2010/main" val="190144487"/>
+      </p:ext>
+    </p:extLst>
+  </p:cSld>
+  <p:clrMapOvr>
+    <a:masterClrMapping/>
+  </p:clrMapOvr>
+</p:sld>
+</file>
+
+<file path=ppt/slides/slide7.xml><?xml version="1.0" encoding="utf-8"?>
+<p:sld xmlns:a="http://schemas.openxmlformats.org/drawingml/2006/main" xmlns:r="http://schemas.openxmlformats.org/officeDocument/2006/relationships" xmlns:p="http://schemas.openxmlformats.org/presentationml/2006/main">
+  <p:cSld>
+    <p:spTree>
+      <p:nvGrpSpPr>
+        <p:cNvPr id="1" name=""/>
+        <p:cNvGrpSpPr/>
+        <p:nvPr/>
+      </p:nvGrpSpPr>
+      <p:grpSpPr>
+        <a:xfrm>
+          <a:off x="0" y="0"/>
+          <a:ext cx="0" cy="0"/>
+          <a:chOff x="0" y="0"/>
+          <a:chExt cx="0" cy="0"/>
+        </a:xfrm>
+      </p:grpSpPr>
+      <p:pic>
+        <p:nvPicPr>
+          <p:cNvPr id="5" name="그림 4">
+            <a:extLst>
+              <a:ext uri="{FF2B5EF4-FFF2-40B4-BE49-F238E27FC236}">
+                <a16:creationId xmlns:a16="http://schemas.microsoft.com/office/drawing/2014/main" id="{C8C3F91E-8E52-0E59-7EE0-4022F0CB8B06}"/>
+              </a:ext>
+            </a:extLst>
+          </p:cNvPr>
+          <p:cNvPicPr>
+            <a:picLocks noChangeAspect="1"/>
+          </p:cNvPicPr>
+          <p:nvPr/>
+        </p:nvPicPr>
+        <p:blipFill>
+          <a:blip r:embed="rId2"/>
+          <a:stretch>
+            <a:fillRect/>
+          </a:stretch>
+        </p:blipFill>
+        <p:spPr>
+          <a:xfrm>
+            <a:off x="861282" y="1728550"/>
+            <a:ext cx="10469436" cy="3400900"/>
+          </a:xfrm>
+          <a:prstGeom prst="rect">
+            <a:avLst/>
+          </a:prstGeom>
+        </p:spPr>
+      </p:pic>
+      <p:grpSp>
+        <p:nvGrpSpPr>
+          <p:cNvPr id="6" name="그룹 5">
+            <a:extLst>
+              <a:ext uri="{FF2B5EF4-FFF2-40B4-BE49-F238E27FC236}">
+                <a16:creationId xmlns:a16="http://schemas.microsoft.com/office/drawing/2014/main" id="{E2019078-3643-2DA0-E724-15DDF4CF1CB0}"/>
+              </a:ext>
+            </a:extLst>
+          </p:cNvPr>
+          <p:cNvGrpSpPr/>
+          <p:nvPr/>
+        </p:nvGrpSpPr>
+        <p:grpSpPr>
+          <a:xfrm>
+            <a:off x="1694600" y="2335793"/>
+            <a:ext cx="832920" cy="3141553"/>
+            <a:chOff x="716826" y="1530036"/>
+            <a:chExt cx="832920" cy="1817483"/>
+          </a:xfrm>
+        </p:grpSpPr>
+        <p:sp>
+          <p:nvSpPr>
+            <p:cNvPr id="7" name="직사각형 6">
+              <a:extLst>
+                <a:ext uri="{FF2B5EF4-FFF2-40B4-BE49-F238E27FC236}">
+                  <a16:creationId xmlns:a16="http://schemas.microsoft.com/office/drawing/2014/main" id="{505FB0BE-C58A-5494-69AE-E620AB44626B}"/>
+                </a:ext>
+              </a:extLst>
+            </p:cNvPr>
+            <p:cNvSpPr/>
+            <p:nvPr/>
+          </p:nvSpPr>
+          <p:spPr>
+            <a:xfrm>
+              <a:off x="716827" y="1530036"/>
+              <a:ext cx="832919" cy="905347"/>
+            </a:xfrm>
+            <a:prstGeom prst="rect">
+              <a:avLst/>
+            </a:prstGeom>
+            <a:noFill/>
+            <a:ln w="76200">
+              <a:solidFill>
+                <a:srgbClr val="FF0000"/>
+              </a:solidFill>
+            </a:ln>
+          </p:spPr>
+          <p:style>
+            <a:lnRef idx="2">
+              <a:schemeClr val="accent1">
+                <a:shade val="15000"/>
+              </a:schemeClr>
+            </a:lnRef>
+            <a:fillRef idx="1">
+              <a:schemeClr val="accent1"/>
+            </a:fillRef>
+            <a:effectRef idx="0">
+              <a:schemeClr val="accent1"/>
+            </a:effectRef>
+            <a:fontRef idx="minor">
+              <a:schemeClr val="lt1"/>
+            </a:fontRef>
+          </p:style>
+          <p:txBody>
+            <a:bodyPr rtlCol="0" anchor="ctr"/>
+            <a:lstStyle/>
+            <a:p>
+              <a:pPr algn="ctr"/>
+              <a:endParaRPr lang="ko-KR" altLang="en-US"/>
+            </a:p>
+          </p:txBody>
+        </p:sp>
+        <p:sp>
+          <p:nvSpPr>
+            <p:cNvPr id="8" name="직사각형 7">
+              <a:extLst>
+                <a:ext uri="{FF2B5EF4-FFF2-40B4-BE49-F238E27FC236}">
+                  <a16:creationId xmlns:a16="http://schemas.microsoft.com/office/drawing/2014/main" id="{5339BE87-96E9-F5A5-5236-C6FA1941F92C}"/>
+                </a:ext>
+              </a:extLst>
+            </p:cNvPr>
+            <p:cNvSpPr/>
+            <p:nvPr/>
+          </p:nvSpPr>
+          <p:spPr>
+            <a:xfrm>
+              <a:off x="716826" y="2442172"/>
+              <a:ext cx="832919" cy="905347"/>
+            </a:xfrm>
+            <a:prstGeom prst="rect">
+              <a:avLst/>
+            </a:prstGeom>
+            <a:noFill/>
+            <a:ln w="76200">
+              <a:solidFill>
+                <a:srgbClr val="FF0000"/>
+              </a:solidFill>
+            </a:ln>
+          </p:spPr>
+          <p:style>
+            <a:lnRef idx="2">
+              <a:schemeClr val="accent1">
+                <a:shade val="15000"/>
+              </a:schemeClr>
+            </a:lnRef>
+            <a:fillRef idx="1">
+              <a:schemeClr val="accent1"/>
+            </a:fillRef>
+            <a:effectRef idx="0">
+              <a:schemeClr val="accent1"/>
+            </a:effectRef>
+            <a:fontRef idx="minor">
+              <a:schemeClr val="lt1"/>
+            </a:fontRef>
+          </p:style>
+          <p:txBody>
+            <a:bodyPr rtlCol="0" anchor="ctr"/>
+            <a:lstStyle/>
+            <a:p>
+              <a:pPr algn="ctr"/>
+              <a:endParaRPr lang="ko-KR" altLang="en-US"/>
+            </a:p>
+          </p:txBody>
+        </p:sp>
+      </p:grpSp>
+      <p:grpSp>
+        <p:nvGrpSpPr>
+          <p:cNvPr id="9" name="그룹 8">
+            <a:extLst>
+              <a:ext uri="{FF2B5EF4-FFF2-40B4-BE49-F238E27FC236}">
+                <a16:creationId xmlns:a16="http://schemas.microsoft.com/office/drawing/2014/main" id="{FFD89C14-F237-5EF0-51EF-AEBB7629024B}"/>
+              </a:ext>
+            </a:extLst>
+          </p:cNvPr>
+          <p:cNvGrpSpPr/>
+          <p:nvPr/>
+        </p:nvGrpSpPr>
+        <p:grpSpPr>
+          <a:xfrm>
+            <a:off x="861282" y="2341660"/>
+            <a:ext cx="832920" cy="3141553"/>
+            <a:chOff x="716826" y="1530036"/>
+            <a:chExt cx="832920" cy="1817483"/>
+          </a:xfrm>
+        </p:grpSpPr>
+        <p:sp>
+          <p:nvSpPr>
+            <p:cNvPr id="10" name="직사각형 9">
+              <a:extLst>
+                <a:ext uri="{FF2B5EF4-FFF2-40B4-BE49-F238E27FC236}">
+                  <a16:creationId xmlns:a16="http://schemas.microsoft.com/office/drawing/2014/main" id="{A6F4FE6B-DFC0-A8BB-8CF4-7E962965DB37}"/>
+                </a:ext>
+              </a:extLst>
+            </p:cNvPr>
+            <p:cNvSpPr/>
+            <p:nvPr/>
+          </p:nvSpPr>
+          <p:spPr>
+            <a:xfrm>
+              <a:off x="716827" y="1530036"/>
+              <a:ext cx="832919" cy="905347"/>
+            </a:xfrm>
+            <a:prstGeom prst="rect">
+              <a:avLst/>
+            </a:prstGeom>
+            <a:noFill/>
+            <a:ln w="76200">
+              <a:solidFill>
+                <a:srgbClr val="FF0000"/>
+              </a:solidFill>
+            </a:ln>
+          </p:spPr>
+          <p:style>
+            <a:lnRef idx="2">
+              <a:schemeClr val="accent1">
+                <a:shade val="15000"/>
+              </a:schemeClr>
+            </a:lnRef>
+            <a:fillRef idx="1">
+              <a:schemeClr val="accent1"/>
+            </a:fillRef>
+            <a:effectRef idx="0">
+              <a:schemeClr val="accent1"/>
+            </a:effectRef>
+            <a:fontRef idx="minor">
+              <a:schemeClr val="lt1"/>
+            </a:fontRef>
+          </p:style>
+          <p:txBody>
+            <a:bodyPr rtlCol="0" anchor="ctr"/>
+            <a:lstStyle/>
+            <a:p>
+              <a:pPr algn="ctr"/>
+              <a:endParaRPr lang="ko-KR" altLang="en-US"/>
+            </a:p>
+          </p:txBody>
+        </p:sp>
+        <p:sp>
+          <p:nvSpPr>
+            <p:cNvPr id="11" name="직사각형 10">
+              <a:extLst>
+                <a:ext uri="{FF2B5EF4-FFF2-40B4-BE49-F238E27FC236}">
+                  <a16:creationId xmlns:a16="http://schemas.microsoft.com/office/drawing/2014/main" id="{BE4E3654-5DD3-AA73-F73B-0F292ADBD600}"/>
+                </a:ext>
+              </a:extLst>
+            </p:cNvPr>
+            <p:cNvSpPr/>
+            <p:nvPr/>
+          </p:nvSpPr>
+          <p:spPr>
+            <a:xfrm>
+              <a:off x="716826" y="2442172"/>
+              <a:ext cx="832919" cy="905347"/>
+            </a:xfrm>
+            <a:prstGeom prst="rect">
+              <a:avLst/>
+            </a:prstGeom>
+            <a:noFill/>
+            <a:ln w="76200">
+              <a:solidFill>
+                <a:srgbClr val="FF0000"/>
+              </a:solidFill>
+            </a:ln>
+          </p:spPr>
+          <p:style>
+            <a:lnRef idx="2">
+              <a:schemeClr val="accent1">
+                <a:shade val="15000"/>
+              </a:schemeClr>
+            </a:lnRef>
+            <a:fillRef idx="1">
+              <a:schemeClr val="accent1"/>
+            </a:fillRef>
+            <a:effectRef idx="0">
+              <a:schemeClr val="accent1"/>
+            </a:effectRef>
+            <a:fontRef idx="minor">
+              <a:schemeClr val="lt1"/>
+            </a:fontRef>
+          </p:style>
+          <p:txBody>
+            <a:bodyPr rtlCol="0" anchor="ctr"/>
+            <a:lstStyle/>
+            <a:p>
+              <a:pPr algn="ctr"/>
+              <a:endParaRPr lang="ko-KR" altLang="en-US"/>
+            </a:p>
+          </p:txBody>
+        </p:sp>
+      </p:grpSp>
+      <p:grpSp>
+        <p:nvGrpSpPr>
+          <p:cNvPr id="12" name="그룹 11">
+            <a:extLst>
+              <a:ext uri="{FF2B5EF4-FFF2-40B4-BE49-F238E27FC236}">
+                <a16:creationId xmlns:a16="http://schemas.microsoft.com/office/drawing/2014/main" id="{6702FFA9-D5A8-9665-8453-6685A291B120}"/>
+              </a:ext>
+            </a:extLst>
+          </p:cNvPr>
+          <p:cNvGrpSpPr/>
+          <p:nvPr/>
+        </p:nvGrpSpPr>
+        <p:grpSpPr>
+          <a:xfrm>
+            <a:off x="2527519" y="2341660"/>
+            <a:ext cx="832920" cy="3141553"/>
+            <a:chOff x="716826" y="1530036"/>
+            <a:chExt cx="832920" cy="1817483"/>
+          </a:xfrm>
+        </p:grpSpPr>
+        <p:sp>
+          <p:nvSpPr>
+            <p:cNvPr id="13" name="직사각형 12">
+              <a:extLst>
+                <a:ext uri="{FF2B5EF4-FFF2-40B4-BE49-F238E27FC236}">
+                  <a16:creationId xmlns:a16="http://schemas.microsoft.com/office/drawing/2014/main" id="{C8D3C428-38C7-2E74-C6A8-5C66591DB3C9}"/>
+                </a:ext>
+              </a:extLst>
+            </p:cNvPr>
+            <p:cNvSpPr/>
+            <p:nvPr/>
+          </p:nvSpPr>
+          <p:spPr>
+            <a:xfrm>
+              <a:off x="716827" y="1530036"/>
+              <a:ext cx="832919" cy="905347"/>
+            </a:xfrm>
+            <a:prstGeom prst="rect">
+              <a:avLst/>
+            </a:prstGeom>
+            <a:noFill/>
+            <a:ln w="76200">
+              <a:solidFill>
+                <a:srgbClr val="FF0000"/>
+              </a:solidFill>
+            </a:ln>
+          </p:spPr>
+          <p:style>
+            <a:lnRef idx="2">
+              <a:schemeClr val="accent1">
+                <a:shade val="15000"/>
+              </a:schemeClr>
+            </a:lnRef>
+            <a:fillRef idx="1">
+              <a:schemeClr val="accent1"/>
+            </a:fillRef>
+            <a:effectRef idx="0">
+              <a:schemeClr val="accent1"/>
+            </a:effectRef>
+            <a:fontRef idx="minor">
+              <a:schemeClr val="lt1"/>
+            </a:fontRef>
+          </p:style>
+          <p:txBody>
+            <a:bodyPr rtlCol="0" anchor="ctr"/>
+            <a:lstStyle/>
+            <a:p>
+              <a:pPr algn="ctr"/>
+              <a:endParaRPr lang="ko-KR" altLang="en-US"/>
+            </a:p>
+          </p:txBody>
+        </p:sp>
+        <p:sp>
+          <p:nvSpPr>
+            <p:cNvPr id="14" name="직사각형 13">
+              <a:extLst>
+                <a:ext uri="{FF2B5EF4-FFF2-40B4-BE49-F238E27FC236}">
+                  <a16:creationId xmlns:a16="http://schemas.microsoft.com/office/drawing/2014/main" id="{FEDBCE0D-C186-E6BE-E017-8F563395B57E}"/>
+                </a:ext>
+              </a:extLst>
+            </p:cNvPr>
+            <p:cNvSpPr/>
+            <p:nvPr/>
+          </p:nvSpPr>
+          <p:spPr>
+            <a:xfrm>
+              <a:off x="716826" y="2442172"/>
+              <a:ext cx="832919" cy="905347"/>
+            </a:xfrm>
+            <a:prstGeom prst="rect">
+              <a:avLst/>
+            </a:prstGeom>
+            <a:noFill/>
+            <a:ln w="76200">
+              <a:solidFill>
+                <a:srgbClr val="FF0000"/>
+              </a:solidFill>
+            </a:ln>
+          </p:spPr>
+          <p:style>
+            <a:lnRef idx="2">
+              <a:schemeClr val="accent1">
+                <a:shade val="15000"/>
+              </a:schemeClr>
+            </a:lnRef>
+            <a:fillRef idx="1">
+              <a:schemeClr val="accent1"/>
+            </a:fillRef>
+            <a:effectRef idx="0">
+              <a:schemeClr val="accent1"/>
+            </a:effectRef>
+            <a:fontRef idx="minor">
+              <a:schemeClr val="lt1"/>
+            </a:fontRef>
+          </p:style>
+          <p:txBody>
+            <a:bodyPr rtlCol="0" anchor="ctr"/>
+            <a:lstStyle/>
+            <a:p>
+              <a:pPr algn="ctr"/>
+              <a:endParaRPr lang="ko-KR" altLang="en-US"/>
+            </a:p>
+          </p:txBody>
+        </p:sp>
+      </p:grpSp>
+      <p:grpSp>
+        <p:nvGrpSpPr>
+          <p:cNvPr id="15" name="그룹 14">
+            <a:extLst>
+              <a:ext uri="{FF2B5EF4-FFF2-40B4-BE49-F238E27FC236}">
+                <a16:creationId xmlns:a16="http://schemas.microsoft.com/office/drawing/2014/main" id="{BACAB57E-38FA-E142-9D7C-EC575A81254C}"/>
+              </a:ext>
+            </a:extLst>
+          </p:cNvPr>
+          <p:cNvGrpSpPr/>
+          <p:nvPr/>
+        </p:nvGrpSpPr>
+        <p:grpSpPr>
+          <a:xfrm>
+            <a:off x="8338334" y="2329925"/>
+            <a:ext cx="1249285" cy="3141553"/>
+            <a:chOff x="716826" y="1530036"/>
+            <a:chExt cx="832920" cy="1817483"/>
+          </a:xfrm>
+        </p:grpSpPr>
+        <p:sp>
+          <p:nvSpPr>
+            <p:cNvPr id="16" name="직사각형 15">
+              <a:extLst>
+                <a:ext uri="{FF2B5EF4-FFF2-40B4-BE49-F238E27FC236}">
+                  <a16:creationId xmlns:a16="http://schemas.microsoft.com/office/drawing/2014/main" id="{DD6C5CB0-3F46-8198-B2D4-8872EDD887F0}"/>
+                </a:ext>
+              </a:extLst>
+            </p:cNvPr>
+            <p:cNvSpPr/>
+            <p:nvPr/>
+          </p:nvSpPr>
+          <p:spPr>
+            <a:xfrm>
+              <a:off x="716827" y="1530036"/>
+              <a:ext cx="832919" cy="905347"/>
+            </a:xfrm>
+            <a:prstGeom prst="rect">
+              <a:avLst/>
+            </a:prstGeom>
+            <a:noFill/>
+            <a:ln w="76200">
+              <a:solidFill>
+                <a:srgbClr val="FF0000"/>
+              </a:solidFill>
+            </a:ln>
+          </p:spPr>
+          <p:style>
+            <a:lnRef idx="2">
+              <a:schemeClr val="accent1">
+                <a:shade val="15000"/>
+              </a:schemeClr>
+            </a:lnRef>
+            <a:fillRef idx="1">
+              <a:schemeClr val="accent1"/>
+            </a:fillRef>
+            <a:effectRef idx="0">
+              <a:schemeClr val="accent1"/>
+            </a:effectRef>
+            <a:fontRef idx="minor">
+              <a:schemeClr val="lt1"/>
+            </a:fontRef>
+          </p:style>
+          <p:txBody>
+            <a:bodyPr rtlCol="0" anchor="ctr"/>
+            <a:lstStyle/>
+            <a:p>
+              <a:pPr algn="ctr"/>
+              <a:endParaRPr lang="ko-KR" altLang="en-US"/>
+            </a:p>
+          </p:txBody>
+        </p:sp>
+        <p:sp>
+          <p:nvSpPr>
+            <p:cNvPr id="17" name="직사각형 16">
+              <a:extLst>
+                <a:ext uri="{FF2B5EF4-FFF2-40B4-BE49-F238E27FC236}">
+                  <a16:creationId xmlns:a16="http://schemas.microsoft.com/office/drawing/2014/main" id="{0E6C6AA5-C2A2-75F6-4522-0D3935536037}"/>
+                </a:ext>
+              </a:extLst>
+            </p:cNvPr>
+            <p:cNvSpPr/>
+            <p:nvPr/>
+          </p:nvSpPr>
+          <p:spPr>
+            <a:xfrm>
+              <a:off x="716826" y="2442172"/>
+              <a:ext cx="832919" cy="905347"/>
+            </a:xfrm>
+            <a:prstGeom prst="rect">
+              <a:avLst/>
+            </a:prstGeom>
+            <a:noFill/>
+            <a:ln w="76200">
+              <a:solidFill>
+                <a:srgbClr val="FF0000"/>
+              </a:solidFill>
+            </a:ln>
+          </p:spPr>
+          <p:style>
+            <a:lnRef idx="2">
+              <a:schemeClr val="accent1">
+                <a:shade val="15000"/>
+              </a:schemeClr>
+            </a:lnRef>
+            <a:fillRef idx="1">
+              <a:schemeClr val="accent1"/>
+            </a:fillRef>
+            <a:effectRef idx="0">
+              <a:schemeClr val="accent1"/>
+            </a:effectRef>
+            <a:fontRef idx="minor">
+              <a:schemeClr val="lt1"/>
+            </a:fontRef>
+          </p:style>
+          <p:txBody>
+            <a:bodyPr rtlCol="0" anchor="ctr"/>
+            <a:lstStyle/>
+            <a:p>
+              <a:pPr algn="ctr"/>
+              <a:endParaRPr lang="ko-KR" altLang="en-US"/>
+            </a:p>
+          </p:txBody>
+        </p:sp>
+      </p:grpSp>
+      <p:grpSp>
+        <p:nvGrpSpPr>
+          <p:cNvPr id="18" name="그룹 17">
+            <a:extLst>
+              <a:ext uri="{FF2B5EF4-FFF2-40B4-BE49-F238E27FC236}">
+                <a16:creationId xmlns:a16="http://schemas.microsoft.com/office/drawing/2014/main" id="{42381C79-89EA-780F-11DD-4C86B80167AC}"/>
+              </a:ext>
+            </a:extLst>
+          </p:cNvPr>
+          <p:cNvGrpSpPr/>
+          <p:nvPr/>
+        </p:nvGrpSpPr>
+        <p:grpSpPr>
+          <a:xfrm>
+            <a:off x="9588206" y="2324057"/>
+            <a:ext cx="832920" cy="3141553"/>
+            <a:chOff x="716826" y="1530036"/>
+            <a:chExt cx="832920" cy="1817483"/>
+          </a:xfrm>
+        </p:grpSpPr>
+        <p:sp>
+          <p:nvSpPr>
+            <p:cNvPr id="19" name="직사각형 18">
+              <a:extLst>
+                <a:ext uri="{FF2B5EF4-FFF2-40B4-BE49-F238E27FC236}">
+                  <a16:creationId xmlns:a16="http://schemas.microsoft.com/office/drawing/2014/main" id="{7182781B-7238-E0E1-4918-E0A5BB95591E}"/>
+                </a:ext>
+              </a:extLst>
+            </p:cNvPr>
+            <p:cNvSpPr/>
+            <p:nvPr/>
+          </p:nvSpPr>
+          <p:spPr>
+            <a:xfrm>
+              <a:off x="716827" y="1530036"/>
+              <a:ext cx="832919" cy="905347"/>
+            </a:xfrm>
+            <a:prstGeom prst="rect">
+              <a:avLst/>
+            </a:prstGeom>
+            <a:noFill/>
+            <a:ln w="76200">
+              <a:solidFill>
+                <a:srgbClr val="FF0000"/>
+              </a:solidFill>
+            </a:ln>
+          </p:spPr>
+          <p:style>
+            <a:lnRef idx="2">
+              <a:schemeClr val="accent1">
+                <a:shade val="15000"/>
+              </a:schemeClr>
+            </a:lnRef>
+            <a:fillRef idx="1">
+              <a:schemeClr val="accent1"/>
+            </a:fillRef>
+            <a:effectRef idx="0">
+              <a:schemeClr val="accent1"/>
+            </a:effectRef>
+            <a:fontRef idx="minor">
+              <a:schemeClr val="lt1"/>
+            </a:fontRef>
+          </p:style>
+          <p:txBody>
+            <a:bodyPr rtlCol="0" anchor="ctr"/>
+            <a:lstStyle/>
+            <a:p>
+              <a:pPr algn="ctr"/>
+              <a:endParaRPr lang="ko-KR" altLang="en-US"/>
+            </a:p>
+          </p:txBody>
+        </p:sp>
+        <p:sp>
+          <p:nvSpPr>
+            <p:cNvPr id="20" name="직사각형 19">
+              <a:extLst>
+                <a:ext uri="{FF2B5EF4-FFF2-40B4-BE49-F238E27FC236}">
+                  <a16:creationId xmlns:a16="http://schemas.microsoft.com/office/drawing/2014/main" id="{E3EDB9CA-D67D-0AD2-F5DE-9B6A7C17A97D}"/>
+                </a:ext>
+              </a:extLst>
+            </p:cNvPr>
+            <p:cNvSpPr/>
+            <p:nvPr/>
+          </p:nvSpPr>
+          <p:spPr>
+            <a:xfrm>
+              <a:off x="716826" y="2442172"/>
+              <a:ext cx="832919" cy="905347"/>
+            </a:xfrm>
+            <a:prstGeom prst="rect">
+              <a:avLst/>
+            </a:prstGeom>
+            <a:noFill/>
+            <a:ln w="76200">
+              <a:solidFill>
+                <a:srgbClr val="FF0000"/>
+              </a:solidFill>
+            </a:ln>
+          </p:spPr>
+          <p:style>
+            <a:lnRef idx="2">
+              <a:schemeClr val="accent1">
+                <a:shade val="15000"/>
+              </a:schemeClr>
+            </a:lnRef>
+            <a:fillRef idx="1">
+              <a:schemeClr val="accent1"/>
+            </a:fillRef>
+            <a:effectRef idx="0">
+              <a:schemeClr val="accent1"/>
+            </a:effectRef>
+            <a:fontRef idx="minor">
+              <a:schemeClr val="lt1"/>
+            </a:fontRef>
+          </p:style>
+          <p:txBody>
+            <a:bodyPr rtlCol="0" anchor="ctr"/>
+            <a:lstStyle/>
+            <a:p>
+              <a:pPr algn="ctr"/>
+              <a:endParaRPr lang="ko-KR" altLang="en-US"/>
+            </a:p>
+          </p:txBody>
+        </p:sp>
+      </p:grpSp>
+      <p:grpSp>
+        <p:nvGrpSpPr>
+          <p:cNvPr id="21" name="그룹 20">
+            <a:extLst>
+              <a:ext uri="{FF2B5EF4-FFF2-40B4-BE49-F238E27FC236}">
+                <a16:creationId xmlns:a16="http://schemas.microsoft.com/office/drawing/2014/main" id="{BABB6474-4988-7498-E6B9-21932A58578F}"/>
+              </a:ext>
+            </a:extLst>
+          </p:cNvPr>
+          <p:cNvGrpSpPr/>
+          <p:nvPr/>
+        </p:nvGrpSpPr>
+        <p:grpSpPr>
+          <a:xfrm>
+            <a:off x="10421030" y="2318189"/>
+            <a:ext cx="832920" cy="3141553"/>
+            <a:chOff x="716826" y="1530036"/>
+            <a:chExt cx="832920" cy="1817483"/>
+          </a:xfrm>
+        </p:grpSpPr>
+        <p:sp>
+          <p:nvSpPr>
+            <p:cNvPr id="22" name="직사각형 21">
+              <a:extLst>
+                <a:ext uri="{FF2B5EF4-FFF2-40B4-BE49-F238E27FC236}">
+                  <a16:creationId xmlns:a16="http://schemas.microsoft.com/office/drawing/2014/main" id="{6E03629A-24EC-B9FF-CC02-9052990071E1}"/>
+                </a:ext>
+              </a:extLst>
+            </p:cNvPr>
+            <p:cNvSpPr/>
+            <p:nvPr/>
+          </p:nvSpPr>
+          <p:spPr>
+            <a:xfrm>
+              <a:off x="716827" y="1530036"/>
+              <a:ext cx="832919" cy="905347"/>
+            </a:xfrm>
+            <a:prstGeom prst="rect">
+              <a:avLst/>
+            </a:prstGeom>
+            <a:noFill/>
+            <a:ln w="76200">
+              <a:solidFill>
+                <a:srgbClr val="FF0000"/>
+              </a:solidFill>
+            </a:ln>
+          </p:spPr>
+          <p:style>
+            <a:lnRef idx="2">
+              <a:schemeClr val="accent1">
+                <a:shade val="15000"/>
+              </a:schemeClr>
+            </a:lnRef>
+            <a:fillRef idx="1">
+              <a:schemeClr val="accent1"/>
+            </a:fillRef>
+            <a:effectRef idx="0">
+              <a:schemeClr val="accent1"/>
+            </a:effectRef>
+            <a:fontRef idx="minor">
+              <a:schemeClr val="lt1"/>
+            </a:fontRef>
+          </p:style>
+          <p:txBody>
+            <a:bodyPr rtlCol="0" anchor="ctr"/>
+            <a:lstStyle/>
+            <a:p>
+              <a:pPr algn="ctr"/>
+              <a:endParaRPr lang="ko-KR" altLang="en-US"/>
+            </a:p>
+          </p:txBody>
+        </p:sp>
+        <p:sp>
+          <p:nvSpPr>
+            <p:cNvPr id="23" name="직사각형 22">
+              <a:extLst>
+                <a:ext uri="{FF2B5EF4-FFF2-40B4-BE49-F238E27FC236}">
+                  <a16:creationId xmlns:a16="http://schemas.microsoft.com/office/drawing/2014/main" id="{065D440A-24E3-240A-4F08-25739D53C762}"/>
+                </a:ext>
+              </a:extLst>
+            </p:cNvPr>
+            <p:cNvSpPr/>
+            <p:nvPr/>
+          </p:nvSpPr>
+          <p:spPr>
+            <a:xfrm>
+              <a:off x="716826" y="2442172"/>
+              <a:ext cx="832919" cy="905347"/>
+            </a:xfrm>
+            <a:prstGeom prst="rect">
+              <a:avLst/>
+            </a:prstGeom>
+            <a:noFill/>
+            <a:ln w="76200">
+              <a:solidFill>
+                <a:srgbClr val="FF0000"/>
+              </a:solidFill>
+            </a:ln>
+          </p:spPr>
+          <p:style>
+            <a:lnRef idx="2">
+              <a:schemeClr val="accent1">
+                <a:shade val="15000"/>
+              </a:schemeClr>
+            </a:lnRef>
+            <a:fillRef idx="1">
+              <a:schemeClr val="accent1"/>
+            </a:fillRef>
+            <a:effectRef idx="0">
+              <a:schemeClr val="accent1"/>
+            </a:effectRef>
+            <a:fontRef idx="minor">
+              <a:schemeClr val="lt1"/>
+            </a:fontRef>
+          </p:style>
+          <p:txBody>
+            <a:bodyPr rtlCol="0" anchor="ctr"/>
+            <a:lstStyle/>
+            <a:p>
+              <a:pPr algn="ctr"/>
+              <a:endParaRPr lang="ko-KR" altLang="en-US"/>
+            </a:p>
+          </p:txBody>
+        </p:sp>
+      </p:grpSp>
+    </p:spTree>
+    <p:extLst>
+      <p:ext uri="{BB962C8B-B14F-4D97-AF65-F5344CB8AC3E}">
+        <p14:creationId xmlns:p14="http://schemas.microsoft.com/office/powerpoint/2010/main" val="4023138304"/>
+      </p:ext>
+    </p:extLst>
+  </p:cSld>
+  <p:clrMapOvr>
+    <a:masterClrMapping/>
+  </p:clrMapOvr>
+</p:sld>
+</file>
+
 <file path=ppt/theme/theme1.xml><?xml version="1.0" encoding="utf-8"?>
 <a:theme xmlns:a="http://schemas.openxmlformats.org/drawingml/2006/main" name="Office 테마">
   <a:themeElements>

--- a/UI.pptx
+++ b/UI.pptx
@@ -2,7 +2,7 @@
 <file path=ppt/presentation.xml><?xml version="1.0" encoding="utf-8"?>
 <p:presentation xmlns:a="http://schemas.openxmlformats.org/drawingml/2006/main" xmlns:r="http://schemas.openxmlformats.org/officeDocument/2006/relationships" xmlns:p="http://schemas.openxmlformats.org/presentationml/2006/main" saveSubsetFonts="1">
   <p:sldMasterIdLst>
-    <p:sldMasterId id="2147483648" r:id="rId1"/>
+    <p:sldMasterId id="2147483660" r:id="rId1"/>
   </p:sldMasterIdLst>
   <p:sldIdLst>
     <p:sldId id="256" r:id="rId2"/>
@@ -11,15 +11,16 @@
     <p:sldId id="259" r:id="rId5"/>
     <p:sldId id="260" r:id="rId6"/>
     <p:sldId id="261" r:id="rId7"/>
-    <p:sldId id="262" r:id="rId8"/>
+    <p:sldId id="263" r:id="rId8"/>
+    <p:sldId id="262" r:id="rId9"/>
   </p:sldIdLst>
-  <p:sldSz cx="12192000" cy="6858000"/>
+  <p:sldSz cx="12192000" cy="10799763"/>
   <p:notesSz cx="6858000" cy="9144000"/>
   <p:defaultTextStyle>
     <a:defPPr>
-      <a:defRPr lang="ko-KR"/>
+      <a:defRPr lang="en-US"/>
     </a:defPPr>
-    <a:lvl1pPr marL="0" algn="l" defTabSz="914400" rtl="0" eaLnBrk="1" latinLnBrk="1" hangingPunct="1">
+    <a:lvl1pPr marL="0" algn="l" defTabSz="457200" rtl="0" eaLnBrk="1" latinLnBrk="0" hangingPunct="1">
       <a:defRPr sz="1800" kern="1200">
         <a:solidFill>
           <a:schemeClr val="tx1"/>
@@ -29,7 +30,7 @@
         <a:cs typeface="+mn-cs"/>
       </a:defRPr>
     </a:lvl1pPr>
-    <a:lvl2pPr marL="457200" algn="l" defTabSz="914400" rtl="0" eaLnBrk="1" latinLnBrk="1" hangingPunct="1">
+    <a:lvl2pPr marL="457200" algn="l" defTabSz="457200" rtl="0" eaLnBrk="1" latinLnBrk="0" hangingPunct="1">
       <a:defRPr sz="1800" kern="1200">
         <a:solidFill>
           <a:schemeClr val="tx1"/>
@@ -39,7 +40,7 @@
         <a:cs typeface="+mn-cs"/>
       </a:defRPr>
     </a:lvl2pPr>
-    <a:lvl3pPr marL="914400" algn="l" defTabSz="914400" rtl="0" eaLnBrk="1" latinLnBrk="1" hangingPunct="1">
+    <a:lvl3pPr marL="914400" algn="l" defTabSz="457200" rtl="0" eaLnBrk="1" latinLnBrk="0" hangingPunct="1">
       <a:defRPr sz="1800" kern="1200">
         <a:solidFill>
           <a:schemeClr val="tx1"/>
@@ -49,7 +50,7 @@
         <a:cs typeface="+mn-cs"/>
       </a:defRPr>
     </a:lvl3pPr>
-    <a:lvl4pPr marL="1371600" algn="l" defTabSz="914400" rtl="0" eaLnBrk="1" latinLnBrk="1" hangingPunct="1">
+    <a:lvl4pPr marL="1371600" algn="l" defTabSz="457200" rtl="0" eaLnBrk="1" latinLnBrk="0" hangingPunct="1">
       <a:defRPr sz="1800" kern="1200">
         <a:solidFill>
           <a:schemeClr val="tx1"/>
@@ -59,7 +60,7 @@
         <a:cs typeface="+mn-cs"/>
       </a:defRPr>
     </a:lvl4pPr>
-    <a:lvl5pPr marL="1828800" algn="l" defTabSz="914400" rtl="0" eaLnBrk="1" latinLnBrk="1" hangingPunct="1">
+    <a:lvl5pPr marL="1828800" algn="l" defTabSz="457200" rtl="0" eaLnBrk="1" latinLnBrk="0" hangingPunct="1">
       <a:defRPr sz="1800" kern="1200">
         <a:solidFill>
           <a:schemeClr val="tx1"/>
@@ -69,7 +70,7 @@
         <a:cs typeface="+mn-cs"/>
       </a:defRPr>
     </a:lvl5pPr>
-    <a:lvl6pPr marL="2286000" algn="l" defTabSz="914400" rtl="0" eaLnBrk="1" latinLnBrk="1" hangingPunct="1">
+    <a:lvl6pPr marL="2286000" algn="l" defTabSz="457200" rtl="0" eaLnBrk="1" latinLnBrk="0" hangingPunct="1">
       <a:defRPr sz="1800" kern="1200">
         <a:solidFill>
           <a:schemeClr val="tx1"/>
@@ -79,7 +80,7 @@
         <a:cs typeface="+mn-cs"/>
       </a:defRPr>
     </a:lvl6pPr>
-    <a:lvl7pPr marL="2743200" algn="l" defTabSz="914400" rtl="0" eaLnBrk="1" latinLnBrk="1" hangingPunct="1">
+    <a:lvl7pPr marL="2743200" algn="l" defTabSz="457200" rtl="0" eaLnBrk="1" latinLnBrk="0" hangingPunct="1">
       <a:defRPr sz="1800" kern="1200">
         <a:solidFill>
           <a:schemeClr val="tx1"/>
@@ -89,7 +90,7 @@
         <a:cs typeface="+mn-cs"/>
       </a:defRPr>
     </a:lvl7pPr>
-    <a:lvl8pPr marL="3200400" algn="l" defTabSz="914400" rtl="0" eaLnBrk="1" latinLnBrk="1" hangingPunct="1">
+    <a:lvl8pPr marL="3200400" algn="l" defTabSz="457200" rtl="0" eaLnBrk="1" latinLnBrk="0" hangingPunct="1">
       <a:defRPr sz="1800" kern="1200">
         <a:solidFill>
           <a:schemeClr val="tx1"/>
@@ -99,7 +100,7 @@
         <a:cs typeface="+mn-cs"/>
       </a:defRPr>
     </a:lvl8pPr>
-    <a:lvl9pPr marL="3657600" algn="l" defTabSz="914400" rtl="0" eaLnBrk="1" latinLnBrk="1" hangingPunct="1">
+    <a:lvl9pPr marL="3657600" algn="l" defTabSz="457200" rtl="0" eaLnBrk="1" latinLnBrk="0" hangingPunct="1">
       <a:defRPr sz="1800" kern="1200">
         <a:solidFill>
           <a:schemeClr val="tx1"/>
@@ -137,13 +138,7 @@
       </p:grpSpPr>
       <p:sp>
         <p:nvSpPr>
-          <p:cNvPr id="2" name="제목 1">
-            <a:extLst>
-              <a:ext uri="{FF2B5EF4-FFF2-40B4-BE49-F238E27FC236}">
-                <a16:creationId xmlns:a16="http://schemas.microsoft.com/office/drawing/2014/main" id="{DB4AD34F-2A0C-6CB7-918C-61FB62791292}"/>
-              </a:ext>
-            </a:extLst>
-          </p:cNvPr>
+          <p:cNvPr id="2" name="Title 1"/>
           <p:cNvSpPr>
             <a:spLocks noGrp="1"/>
           </p:cNvSpPr>
@@ -153,15 +148,15 @@
         </p:nvSpPr>
         <p:spPr>
           <a:xfrm>
-            <a:off x="1524000" y="1122363"/>
-            <a:ext cx="9144000" cy="2387600"/>
+            <a:off x="914400" y="1767462"/>
+            <a:ext cx="10363200" cy="3759917"/>
           </a:xfrm>
         </p:spPr>
         <p:txBody>
           <a:bodyPr anchor="b"/>
           <a:lstStyle>
             <a:lvl1pPr algn="ctr">
-              <a:defRPr sz="6000"/>
+              <a:defRPr sz="8000"/>
             </a:lvl1pPr>
           </a:lstStyle>
           <a:p>
@@ -169,18 +164,13 @@
               <a:rPr lang="ko-KR" altLang="en-US"/>
               <a:t>마스터 제목 스타일 편집</a:t>
             </a:r>
-          </a:p>
-        </p:txBody>
-      </p:sp>
-      <p:sp>
-        <p:nvSpPr>
-          <p:cNvPr id="3" name="부제목 2">
-            <a:extLst>
-              <a:ext uri="{FF2B5EF4-FFF2-40B4-BE49-F238E27FC236}">
-                <a16:creationId xmlns:a16="http://schemas.microsoft.com/office/drawing/2014/main" id="{72DA8827-9CA8-CEB0-CC7E-F66A8AC0767F}"/>
-              </a:ext>
-            </a:extLst>
-          </p:cNvPr>
+            <a:endParaRPr lang="en-US" dirty="0"/>
+          </a:p>
+        </p:txBody>
+      </p:sp>
+      <p:sp>
+        <p:nvSpPr>
+          <p:cNvPr id="3" name="Subtitle 2"/>
           <p:cNvSpPr>
             <a:spLocks noGrp="1"/>
           </p:cNvSpPr>
@@ -190,8 +180,8 @@
         </p:nvSpPr>
         <p:spPr>
           <a:xfrm>
-            <a:off x="1524000" y="3602038"/>
-            <a:ext cx="9144000" cy="1655762"/>
+            <a:off x="1524000" y="5672376"/>
+            <a:ext cx="9144000" cy="2607442"/>
           </a:xfrm>
         </p:spPr>
         <p:txBody>
@@ -199,39 +189,39 @@
           <a:lstStyle>
             <a:lvl1pPr marL="0" indent="0" algn="ctr">
               <a:buNone/>
+              <a:defRPr sz="3200"/>
+            </a:lvl1pPr>
+            <a:lvl2pPr marL="609585" indent="0" algn="ctr">
+              <a:buNone/>
+              <a:defRPr sz="2667"/>
+            </a:lvl2pPr>
+            <a:lvl3pPr marL="1219170" indent="0" algn="ctr">
+              <a:buNone/>
               <a:defRPr sz="2400"/>
-            </a:lvl1pPr>
-            <a:lvl2pPr marL="457200" indent="0" algn="ctr">
+            </a:lvl3pPr>
+            <a:lvl4pPr marL="1828754" indent="0" algn="ctr">
               <a:buNone/>
-              <a:defRPr sz="2000"/>
-            </a:lvl2pPr>
-            <a:lvl3pPr marL="914400" indent="0" algn="ctr">
+              <a:defRPr sz="2133"/>
+            </a:lvl4pPr>
+            <a:lvl5pPr marL="2438339" indent="0" algn="ctr">
               <a:buNone/>
-              <a:defRPr sz="1800"/>
-            </a:lvl3pPr>
-            <a:lvl4pPr marL="1371600" indent="0" algn="ctr">
+              <a:defRPr sz="2133"/>
+            </a:lvl5pPr>
+            <a:lvl6pPr marL="3047924" indent="0" algn="ctr">
               <a:buNone/>
-              <a:defRPr sz="1600"/>
-            </a:lvl4pPr>
-            <a:lvl5pPr marL="1828800" indent="0" algn="ctr">
+              <a:defRPr sz="2133"/>
+            </a:lvl6pPr>
+            <a:lvl7pPr marL="3657509" indent="0" algn="ctr">
               <a:buNone/>
-              <a:defRPr sz="1600"/>
-            </a:lvl5pPr>
-            <a:lvl6pPr marL="2286000" indent="0" algn="ctr">
+              <a:defRPr sz="2133"/>
+            </a:lvl7pPr>
+            <a:lvl8pPr marL="4267093" indent="0" algn="ctr">
               <a:buNone/>
-              <a:defRPr sz="1600"/>
-            </a:lvl6pPr>
-            <a:lvl7pPr marL="2743200" indent="0" algn="ctr">
+              <a:defRPr sz="2133"/>
+            </a:lvl8pPr>
+            <a:lvl9pPr marL="4876678" indent="0" algn="ctr">
               <a:buNone/>
-              <a:defRPr sz="1600"/>
-            </a:lvl7pPr>
-            <a:lvl8pPr marL="3200400" indent="0" algn="ctr">
-              <a:buNone/>
-              <a:defRPr sz="1600"/>
-            </a:lvl8pPr>
-            <a:lvl9pPr marL="3657600" indent="0" algn="ctr">
-              <a:buNone/>
-              <a:defRPr sz="1600"/>
+              <a:defRPr sz="2133"/>
             </a:lvl9pPr>
           </a:lstStyle>
           <a:p>
@@ -239,18 +229,13 @@
               <a:rPr lang="ko-KR" altLang="en-US"/>
               <a:t>클릭하여 마스터 부제목 스타일 편집</a:t>
             </a:r>
-          </a:p>
-        </p:txBody>
-      </p:sp>
-      <p:sp>
-        <p:nvSpPr>
-          <p:cNvPr id="4" name="날짜 개체 틀 3">
-            <a:extLst>
-              <a:ext uri="{FF2B5EF4-FFF2-40B4-BE49-F238E27FC236}">
-                <a16:creationId xmlns:a16="http://schemas.microsoft.com/office/drawing/2014/main" id="{54E6EB0A-9C10-815E-0DDB-D98DEA75C415}"/>
-              </a:ext>
-            </a:extLst>
-          </p:cNvPr>
+            <a:endParaRPr lang="en-US" dirty="0"/>
+          </a:p>
+        </p:txBody>
+      </p:sp>
+      <p:sp>
+        <p:nvSpPr>
+          <p:cNvPr id="4" name="Date Placeholder 3"/>
           <p:cNvSpPr>
             <a:spLocks noGrp="1"/>
           </p:cNvSpPr>
@@ -265,7 +250,7 @@
           <a:p>
             <a:fld id="{3AFA5745-1944-4375-9A62-C9C7A2D27294}" type="datetimeFigureOut">
               <a:rPr lang="ko-KR" altLang="en-US" smtClean="0"/>
-              <a:t>2025-09-21</a:t>
+              <a:t>2025-09-22</a:t>
             </a:fld>
             <a:endParaRPr lang="ko-KR" altLang="en-US"/>
           </a:p>
@@ -273,13 +258,7 @@
       </p:sp>
       <p:sp>
         <p:nvSpPr>
-          <p:cNvPr id="5" name="바닥글 개체 틀 4">
-            <a:extLst>
-              <a:ext uri="{FF2B5EF4-FFF2-40B4-BE49-F238E27FC236}">
-                <a16:creationId xmlns:a16="http://schemas.microsoft.com/office/drawing/2014/main" id="{DB3E7531-BC35-63DA-C190-FD26EDE65E51}"/>
-              </a:ext>
-            </a:extLst>
-          </p:cNvPr>
+          <p:cNvPr id="5" name="Footer Placeholder 4"/>
           <p:cNvSpPr>
             <a:spLocks noGrp="1"/>
           </p:cNvSpPr>
@@ -298,13 +277,7 @@
       </p:sp>
       <p:sp>
         <p:nvSpPr>
-          <p:cNvPr id="6" name="슬라이드 번호 개체 틀 5">
-            <a:extLst>
-              <a:ext uri="{FF2B5EF4-FFF2-40B4-BE49-F238E27FC236}">
-                <a16:creationId xmlns:a16="http://schemas.microsoft.com/office/drawing/2014/main" id="{149EB1A6-5DCB-336C-C47F-5DCACBCFCA13}"/>
-              </a:ext>
-            </a:extLst>
-          </p:cNvPr>
+          <p:cNvPr id="6" name="Slide Number Placeholder 5"/>
           <p:cNvSpPr>
             <a:spLocks noGrp="1"/>
           </p:cNvSpPr>
@@ -328,7 +301,7 @@
     </p:spTree>
     <p:extLst>
       <p:ext uri="{BB962C8B-B14F-4D97-AF65-F5344CB8AC3E}">
-        <p14:creationId xmlns:p14="http://schemas.microsoft.com/office/powerpoint/2010/main" val="2934115421"/>
+        <p14:creationId xmlns:p14="http://schemas.microsoft.com/office/powerpoint/2010/main" val="2987107445"/>
       </p:ext>
     </p:extLst>
   </p:cSld>
@@ -357,13 +330,7 @@
       </p:grpSpPr>
       <p:sp>
         <p:nvSpPr>
-          <p:cNvPr id="2" name="제목 1">
-            <a:extLst>
-              <a:ext uri="{FF2B5EF4-FFF2-40B4-BE49-F238E27FC236}">
-                <a16:creationId xmlns:a16="http://schemas.microsoft.com/office/drawing/2014/main" id="{495F3467-EC8E-B959-A17A-694A7F7B98A7}"/>
-              </a:ext>
-            </a:extLst>
-          </p:cNvPr>
+          <p:cNvPr id="2" name="Title 1"/>
           <p:cNvSpPr>
             <a:spLocks noGrp="1"/>
           </p:cNvSpPr>
@@ -380,18 +347,13 @@
               <a:rPr lang="ko-KR" altLang="en-US"/>
               <a:t>마스터 제목 스타일 편집</a:t>
             </a:r>
-          </a:p>
-        </p:txBody>
-      </p:sp>
-      <p:sp>
-        <p:nvSpPr>
-          <p:cNvPr id="3" name="세로 텍스트 개체 틀 2">
-            <a:extLst>
-              <a:ext uri="{FF2B5EF4-FFF2-40B4-BE49-F238E27FC236}">
-                <a16:creationId xmlns:a16="http://schemas.microsoft.com/office/drawing/2014/main" id="{9D60940F-C741-CD82-C541-3599987E5372}"/>
-              </a:ext>
-            </a:extLst>
-          </p:cNvPr>
+            <a:endParaRPr lang="en-US" dirty="0"/>
+          </a:p>
+        </p:txBody>
+      </p:sp>
+      <p:sp>
+        <p:nvSpPr>
+          <p:cNvPr id="3" name="Vertical Text Placeholder 2"/>
           <p:cNvSpPr>
             <a:spLocks noGrp="1"/>
           </p:cNvSpPr>
@@ -437,18 +399,13 @@
               <a:rPr lang="ko-KR" altLang="en-US"/>
               <a:t>다섯 번째 수준</a:t>
             </a:r>
-          </a:p>
-        </p:txBody>
-      </p:sp>
-      <p:sp>
-        <p:nvSpPr>
-          <p:cNvPr id="4" name="날짜 개체 틀 3">
-            <a:extLst>
-              <a:ext uri="{FF2B5EF4-FFF2-40B4-BE49-F238E27FC236}">
-                <a16:creationId xmlns:a16="http://schemas.microsoft.com/office/drawing/2014/main" id="{9F1CF2EE-929C-41C4-8F52-56D116D51F1A}"/>
-              </a:ext>
-            </a:extLst>
-          </p:cNvPr>
+            <a:endParaRPr lang="en-US" dirty="0"/>
+          </a:p>
+        </p:txBody>
+      </p:sp>
+      <p:sp>
+        <p:nvSpPr>
+          <p:cNvPr id="4" name="Date Placeholder 3"/>
           <p:cNvSpPr>
             <a:spLocks noGrp="1"/>
           </p:cNvSpPr>
@@ -463,7 +420,7 @@
           <a:p>
             <a:fld id="{3AFA5745-1944-4375-9A62-C9C7A2D27294}" type="datetimeFigureOut">
               <a:rPr lang="ko-KR" altLang="en-US" smtClean="0"/>
-              <a:t>2025-09-21</a:t>
+              <a:t>2025-09-22</a:t>
             </a:fld>
             <a:endParaRPr lang="ko-KR" altLang="en-US"/>
           </a:p>
@@ -471,13 +428,7 @@
       </p:sp>
       <p:sp>
         <p:nvSpPr>
-          <p:cNvPr id="5" name="바닥글 개체 틀 4">
-            <a:extLst>
-              <a:ext uri="{FF2B5EF4-FFF2-40B4-BE49-F238E27FC236}">
-                <a16:creationId xmlns:a16="http://schemas.microsoft.com/office/drawing/2014/main" id="{F7B4A4B8-A302-C96A-4689-1FD9A6D9C911}"/>
-              </a:ext>
-            </a:extLst>
-          </p:cNvPr>
+          <p:cNvPr id="5" name="Footer Placeholder 4"/>
           <p:cNvSpPr>
             <a:spLocks noGrp="1"/>
           </p:cNvSpPr>
@@ -496,13 +447,7 @@
       </p:sp>
       <p:sp>
         <p:nvSpPr>
-          <p:cNvPr id="6" name="슬라이드 번호 개체 틀 5">
-            <a:extLst>
-              <a:ext uri="{FF2B5EF4-FFF2-40B4-BE49-F238E27FC236}">
-                <a16:creationId xmlns:a16="http://schemas.microsoft.com/office/drawing/2014/main" id="{CDE41816-B4F9-825C-7705-FE625A0E5A9C}"/>
-              </a:ext>
-            </a:extLst>
-          </p:cNvPr>
+          <p:cNvPr id="6" name="Slide Number Placeholder 5"/>
           <p:cNvSpPr>
             <a:spLocks noGrp="1"/>
           </p:cNvSpPr>
@@ -526,7 +471,7 @@
     </p:spTree>
     <p:extLst>
       <p:ext uri="{BB962C8B-B14F-4D97-AF65-F5344CB8AC3E}">
-        <p14:creationId xmlns:p14="http://schemas.microsoft.com/office/powerpoint/2010/main" val="3394142848"/>
+        <p14:creationId xmlns:p14="http://schemas.microsoft.com/office/powerpoint/2010/main" val="3539772484"/>
       </p:ext>
     </p:extLst>
   </p:cSld>
@@ -555,13 +500,7 @@
       </p:grpSpPr>
       <p:sp>
         <p:nvSpPr>
-          <p:cNvPr id="2" name="세로 제목 1">
-            <a:extLst>
-              <a:ext uri="{FF2B5EF4-FFF2-40B4-BE49-F238E27FC236}">
-                <a16:creationId xmlns:a16="http://schemas.microsoft.com/office/drawing/2014/main" id="{8236E99A-F24E-D27D-C139-FE5FDB8B9970}"/>
-              </a:ext>
-            </a:extLst>
-          </p:cNvPr>
+          <p:cNvPr id="2" name="Vertical Title 1"/>
           <p:cNvSpPr>
             <a:spLocks noGrp="1"/>
           </p:cNvSpPr>
@@ -571,8 +510,8 @@
         </p:nvSpPr>
         <p:spPr>
           <a:xfrm>
-            <a:off x="8724900" y="365125"/>
-            <a:ext cx="2628900" cy="5811838"/>
+            <a:off x="8724901" y="574987"/>
+            <a:ext cx="2628900" cy="9152300"/>
           </a:xfrm>
         </p:spPr>
         <p:txBody>
@@ -583,18 +522,13 @@
               <a:rPr lang="ko-KR" altLang="en-US"/>
               <a:t>마스터 제목 스타일 편집</a:t>
             </a:r>
-          </a:p>
-        </p:txBody>
-      </p:sp>
-      <p:sp>
-        <p:nvSpPr>
-          <p:cNvPr id="3" name="세로 텍스트 개체 틀 2">
-            <a:extLst>
-              <a:ext uri="{FF2B5EF4-FFF2-40B4-BE49-F238E27FC236}">
-                <a16:creationId xmlns:a16="http://schemas.microsoft.com/office/drawing/2014/main" id="{5B2A837A-9851-E602-7302-256269CC0072}"/>
-              </a:ext>
-            </a:extLst>
-          </p:cNvPr>
+            <a:endParaRPr lang="en-US" dirty="0"/>
+          </a:p>
+        </p:txBody>
+      </p:sp>
+      <p:sp>
+        <p:nvSpPr>
+          <p:cNvPr id="3" name="Vertical Text Placeholder 2"/>
           <p:cNvSpPr>
             <a:spLocks noGrp="1"/>
           </p:cNvSpPr>
@@ -604,8 +538,8 @@
         </p:nvSpPr>
         <p:spPr>
           <a:xfrm>
-            <a:off x="838200" y="365125"/>
-            <a:ext cx="7734300" cy="5811838"/>
+            <a:off x="838201" y="574987"/>
+            <a:ext cx="7734300" cy="9152300"/>
           </a:xfrm>
         </p:spPr>
         <p:txBody>
@@ -645,18 +579,13 @@
               <a:rPr lang="ko-KR" altLang="en-US"/>
               <a:t>다섯 번째 수준</a:t>
             </a:r>
-          </a:p>
-        </p:txBody>
-      </p:sp>
-      <p:sp>
-        <p:nvSpPr>
-          <p:cNvPr id="4" name="날짜 개체 틀 3">
-            <a:extLst>
-              <a:ext uri="{FF2B5EF4-FFF2-40B4-BE49-F238E27FC236}">
-                <a16:creationId xmlns:a16="http://schemas.microsoft.com/office/drawing/2014/main" id="{46A52085-BAAD-4624-778B-930FE67F324F}"/>
-              </a:ext>
-            </a:extLst>
-          </p:cNvPr>
+            <a:endParaRPr lang="en-US" dirty="0"/>
+          </a:p>
+        </p:txBody>
+      </p:sp>
+      <p:sp>
+        <p:nvSpPr>
+          <p:cNvPr id="4" name="Date Placeholder 3"/>
           <p:cNvSpPr>
             <a:spLocks noGrp="1"/>
           </p:cNvSpPr>
@@ -671,7 +600,7 @@
           <a:p>
             <a:fld id="{3AFA5745-1944-4375-9A62-C9C7A2D27294}" type="datetimeFigureOut">
               <a:rPr lang="ko-KR" altLang="en-US" smtClean="0"/>
-              <a:t>2025-09-21</a:t>
+              <a:t>2025-09-22</a:t>
             </a:fld>
             <a:endParaRPr lang="ko-KR" altLang="en-US"/>
           </a:p>
@@ -679,13 +608,7 @@
       </p:sp>
       <p:sp>
         <p:nvSpPr>
-          <p:cNvPr id="5" name="바닥글 개체 틀 4">
-            <a:extLst>
-              <a:ext uri="{FF2B5EF4-FFF2-40B4-BE49-F238E27FC236}">
-                <a16:creationId xmlns:a16="http://schemas.microsoft.com/office/drawing/2014/main" id="{B8D0CEDA-D674-BF66-EB82-11B2C16F1C14}"/>
-              </a:ext>
-            </a:extLst>
-          </p:cNvPr>
+          <p:cNvPr id="5" name="Footer Placeholder 4"/>
           <p:cNvSpPr>
             <a:spLocks noGrp="1"/>
           </p:cNvSpPr>
@@ -704,13 +627,7 @@
       </p:sp>
       <p:sp>
         <p:nvSpPr>
-          <p:cNvPr id="6" name="슬라이드 번호 개체 틀 5">
-            <a:extLst>
-              <a:ext uri="{FF2B5EF4-FFF2-40B4-BE49-F238E27FC236}">
-                <a16:creationId xmlns:a16="http://schemas.microsoft.com/office/drawing/2014/main" id="{E7DBE018-D709-7A11-CC2F-BEB11732DCDD}"/>
-              </a:ext>
-            </a:extLst>
-          </p:cNvPr>
+          <p:cNvPr id="6" name="Slide Number Placeholder 5"/>
           <p:cNvSpPr>
             <a:spLocks noGrp="1"/>
           </p:cNvSpPr>
@@ -734,7 +651,7 @@
     </p:spTree>
     <p:extLst>
       <p:ext uri="{BB962C8B-B14F-4D97-AF65-F5344CB8AC3E}">
-        <p14:creationId xmlns:p14="http://schemas.microsoft.com/office/powerpoint/2010/main" val="1535553660"/>
+        <p14:creationId xmlns:p14="http://schemas.microsoft.com/office/powerpoint/2010/main" val="4121432482"/>
       </p:ext>
     </p:extLst>
   </p:cSld>
@@ -763,13 +680,7 @@
       </p:grpSpPr>
       <p:sp>
         <p:nvSpPr>
-          <p:cNvPr id="2" name="제목 1">
-            <a:extLst>
-              <a:ext uri="{FF2B5EF4-FFF2-40B4-BE49-F238E27FC236}">
-                <a16:creationId xmlns:a16="http://schemas.microsoft.com/office/drawing/2014/main" id="{D692BC45-C3F4-3B47-D9A5-C9BE431AEB2A}"/>
-              </a:ext>
-            </a:extLst>
-          </p:cNvPr>
+          <p:cNvPr id="2" name="Title 1"/>
           <p:cNvSpPr>
             <a:spLocks noGrp="1"/>
           </p:cNvSpPr>
@@ -786,18 +697,13 @@
               <a:rPr lang="ko-KR" altLang="en-US"/>
               <a:t>마스터 제목 스타일 편집</a:t>
             </a:r>
-          </a:p>
-        </p:txBody>
-      </p:sp>
-      <p:sp>
-        <p:nvSpPr>
-          <p:cNvPr id="3" name="내용 개체 틀 2">
-            <a:extLst>
-              <a:ext uri="{FF2B5EF4-FFF2-40B4-BE49-F238E27FC236}">
-                <a16:creationId xmlns:a16="http://schemas.microsoft.com/office/drawing/2014/main" id="{F97F8532-BBA7-80F4-4BB7-159CEB20E895}"/>
-              </a:ext>
-            </a:extLst>
-          </p:cNvPr>
+            <a:endParaRPr lang="en-US" dirty="0"/>
+          </a:p>
+        </p:txBody>
+      </p:sp>
+      <p:sp>
+        <p:nvSpPr>
+          <p:cNvPr id="3" name="Content Placeholder 2"/>
           <p:cNvSpPr>
             <a:spLocks noGrp="1"/>
           </p:cNvSpPr>
@@ -843,18 +749,13 @@
               <a:rPr lang="ko-KR" altLang="en-US"/>
               <a:t>다섯 번째 수준</a:t>
             </a:r>
-          </a:p>
-        </p:txBody>
-      </p:sp>
-      <p:sp>
-        <p:nvSpPr>
-          <p:cNvPr id="4" name="날짜 개체 틀 3">
-            <a:extLst>
-              <a:ext uri="{FF2B5EF4-FFF2-40B4-BE49-F238E27FC236}">
-                <a16:creationId xmlns:a16="http://schemas.microsoft.com/office/drawing/2014/main" id="{776F0C66-C366-C285-EEA7-9F33DDF95C52}"/>
-              </a:ext>
-            </a:extLst>
-          </p:cNvPr>
+            <a:endParaRPr lang="en-US" dirty="0"/>
+          </a:p>
+        </p:txBody>
+      </p:sp>
+      <p:sp>
+        <p:nvSpPr>
+          <p:cNvPr id="4" name="Date Placeholder 3"/>
           <p:cNvSpPr>
             <a:spLocks noGrp="1"/>
           </p:cNvSpPr>
@@ -869,7 +770,7 @@
           <a:p>
             <a:fld id="{3AFA5745-1944-4375-9A62-C9C7A2D27294}" type="datetimeFigureOut">
               <a:rPr lang="ko-KR" altLang="en-US" smtClean="0"/>
-              <a:t>2025-09-21</a:t>
+              <a:t>2025-09-22</a:t>
             </a:fld>
             <a:endParaRPr lang="ko-KR" altLang="en-US"/>
           </a:p>
@@ -877,13 +778,7 @@
       </p:sp>
       <p:sp>
         <p:nvSpPr>
-          <p:cNvPr id="5" name="바닥글 개체 틀 4">
-            <a:extLst>
-              <a:ext uri="{FF2B5EF4-FFF2-40B4-BE49-F238E27FC236}">
-                <a16:creationId xmlns:a16="http://schemas.microsoft.com/office/drawing/2014/main" id="{BAEC10C3-AC44-6268-81B1-B42F0FAA47CE}"/>
-              </a:ext>
-            </a:extLst>
-          </p:cNvPr>
+          <p:cNvPr id="5" name="Footer Placeholder 4"/>
           <p:cNvSpPr>
             <a:spLocks noGrp="1"/>
           </p:cNvSpPr>
@@ -902,13 +797,7 @@
       </p:sp>
       <p:sp>
         <p:nvSpPr>
-          <p:cNvPr id="6" name="슬라이드 번호 개체 틀 5">
-            <a:extLst>
-              <a:ext uri="{FF2B5EF4-FFF2-40B4-BE49-F238E27FC236}">
-                <a16:creationId xmlns:a16="http://schemas.microsoft.com/office/drawing/2014/main" id="{D1C7BFA8-FCBC-6740-B43F-69D7ABF04A42}"/>
-              </a:ext>
-            </a:extLst>
-          </p:cNvPr>
+          <p:cNvPr id="6" name="Slide Number Placeholder 5"/>
           <p:cNvSpPr>
             <a:spLocks noGrp="1"/>
           </p:cNvSpPr>
@@ -932,7 +821,7 @@
     </p:spTree>
     <p:extLst>
       <p:ext uri="{BB962C8B-B14F-4D97-AF65-F5344CB8AC3E}">
-        <p14:creationId xmlns:p14="http://schemas.microsoft.com/office/powerpoint/2010/main" val="3952701917"/>
+        <p14:creationId xmlns:p14="http://schemas.microsoft.com/office/powerpoint/2010/main" val="2824296244"/>
       </p:ext>
     </p:extLst>
   </p:cSld>
@@ -961,13 +850,7 @@
       </p:grpSpPr>
       <p:sp>
         <p:nvSpPr>
-          <p:cNvPr id="2" name="제목 1">
-            <a:extLst>
-              <a:ext uri="{FF2B5EF4-FFF2-40B4-BE49-F238E27FC236}">
-                <a16:creationId xmlns:a16="http://schemas.microsoft.com/office/drawing/2014/main" id="{BACE32B5-5C30-1F06-DEE3-962EC281B7F4}"/>
-              </a:ext>
-            </a:extLst>
-          </p:cNvPr>
+          <p:cNvPr id="2" name="Title 1"/>
           <p:cNvSpPr>
             <a:spLocks noGrp="1"/>
           </p:cNvSpPr>
@@ -977,15 +860,15 @@
         </p:nvSpPr>
         <p:spPr>
           <a:xfrm>
-            <a:off x="831850" y="1709738"/>
-            <a:ext cx="10515600" cy="2852737"/>
+            <a:off x="831851" y="2692444"/>
+            <a:ext cx="10515600" cy="4492401"/>
           </a:xfrm>
         </p:spPr>
         <p:txBody>
           <a:bodyPr anchor="b"/>
           <a:lstStyle>
             <a:lvl1pPr>
-              <a:defRPr sz="6000"/>
+              <a:defRPr sz="8000"/>
             </a:lvl1pPr>
           </a:lstStyle>
           <a:p>
@@ -993,18 +876,13 @@
               <a:rPr lang="ko-KR" altLang="en-US"/>
               <a:t>마스터 제목 스타일 편집</a:t>
             </a:r>
-          </a:p>
-        </p:txBody>
-      </p:sp>
-      <p:sp>
-        <p:nvSpPr>
-          <p:cNvPr id="3" name="텍스트 개체 틀 2">
-            <a:extLst>
-              <a:ext uri="{FF2B5EF4-FFF2-40B4-BE49-F238E27FC236}">
-                <a16:creationId xmlns:a16="http://schemas.microsoft.com/office/drawing/2014/main" id="{2C44D839-E3E5-533F-BF7C-4430D96D6985}"/>
-              </a:ext>
-            </a:extLst>
-          </p:cNvPr>
+            <a:endParaRPr lang="en-US" dirty="0"/>
+          </a:p>
+        </p:txBody>
+      </p:sp>
+      <p:sp>
+        <p:nvSpPr>
+          <p:cNvPr id="3" name="Text Placeholder 2"/>
           <p:cNvSpPr>
             <a:spLocks noGrp="1"/>
           </p:cNvSpPr>
@@ -1014,14 +892,34 @@
         </p:nvSpPr>
         <p:spPr>
           <a:xfrm>
-            <a:off x="831850" y="4589463"/>
-            <a:ext cx="10515600" cy="1500187"/>
+            <a:off x="831851" y="7227345"/>
+            <a:ext cx="10515600" cy="2362447"/>
           </a:xfrm>
         </p:spPr>
         <p:txBody>
           <a:bodyPr/>
           <a:lstStyle>
             <a:lvl1pPr marL="0" indent="0">
+              <a:buNone/>
+              <a:defRPr sz="3200">
+                <a:solidFill>
+                  <a:schemeClr val="tx1">
+                    <a:tint val="82000"/>
+                  </a:schemeClr>
+                </a:solidFill>
+              </a:defRPr>
+            </a:lvl1pPr>
+            <a:lvl2pPr marL="609585" indent="0">
+              <a:buNone/>
+              <a:defRPr sz="2667">
+                <a:solidFill>
+                  <a:schemeClr val="tx1">
+                    <a:tint val="82000"/>
+                  </a:schemeClr>
+                </a:solidFill>
+              </a:defRPr>
+            </a:lvl2pPr>
+            <a:lvl3pPr marL="1219170" indent="0">
               <a:buNone/>
               <a:defRPr sz="2400">
                 <a:solidFill>
@@ -1030,30 +928,10 @@
                   </a:schemeClr>
                 </a:solidFill>
               </a:defRPr>
-            </a:lvl1pPr>
-            <a:lvl2pPr marL="457200" indent="0">
+            </a:lvl3pPr>
+            <a:lvl4pPr marL="1828754" indent="0">
               <a:buNone/>
-              <a:defRPr sz="2000">
-                <a:solidFill>
-                  <a:schemeClr val="tx1">
-                    <a:tint val="82000"/>
-                  </a:schemeClr>
-                </a:solidFill>
-              </a:defRPr>
-            </a:lvl2pPr>
-            <a:lvl3pPr marL="914400" indent="0">
-              <a:buNone/>
-              <a:defRPr sz="1800">
-                <a:solidFill>
-                  <a:schemeClr val="tx1">
-                    <a:tint val="82000"/>
-                  </a:schemeClr>
-                </a:solidFill>
-              </a:defRPr>
-            </a:lvl3pPr>
-            <a:lvl4pPr marL="1371600" indent="0">
-              <a:buNone/>
-              <a:defRPr sz="1600">
+              <a:defRPr sz="2133">
                 <a:solidFill>
                   <a:schemeClr val="tx1">
                     <a:tint val="82000"/>
@@ -1061,9 +939,9 @@
                 </a:solidFill>
               </a:defRPr>
             </a:lvl4pPr>
-            <a:lvl5pPr marL="1828800" indent="0">
+            <a:lvl5pPr marL="2438339" indent="0">
               <a:buNone/>
-              <a:defRPr sz="1600">
+              <a:defRPr sz="2133">
                 <a:solidFill>
                   <a:schemeClr val="tx1">
                     <a:tint val="82000"/>
@@ -1071,9 +949,9 @@
                 </a:solidFill>
               </a:defRPr>
             </a:lvl5pPr>
-            <a:lvl6pPr marL="2286000" indent="0">
+            <a:lvl6pPr marL="3047924" indent="0">
               <a:buNone/>
-              <a:defRPr sz="1600">
+              <a:defRPr sz="2133">
                 <a:solidFill>
                   <a:schemeClr val="tx1">
                     <a:tint val="82000"/>
@@ -1081,9 +959,9 @@
                 </a:solidFill>
               </a:defRPr>
             </a:lvl6pPr>
-            <a:lvl7pPr marL="2743200" indent="0">
+            <a:lvl7pPr marL="3657509" indent="0">
               <a:buNone/>
-              <a:defRPr sz="1600">
+              <a:defRPr sz="2133">
                 <a:solidFill>
                   <a:schemeClr val="tx1">
                     <a:tint val="82000"/>
@@ -1091,9 +969,9 @@
                 </a:solidFill>
               </a:defRPr>
             </a:lvl7pPr>
-            <a:lvl8pPr marL="3200400" indent="0">
+            <a:lvl8pPr marL="4267093" indent="0">
               <a:buNone/>
-              <a:defRPr sz="1600">
+              <a:defRPr sz="2133">
                 <a:solidFill>
                   <a:schemeClr val="tx1">
                     <a:tint val="82000"/>
@@ -1101,9 +979,9 @@
                 </a:solidFill>
               </a:defRPr>
             </a:lvl8pPr>
-            <a:lvl9pPr marL="3657600" indent="0">
+            <a:lvl9pPr marL="4876678" indent="0">
               <a:buNone/>
-              <a:defRPr sz="1600">
+              <a:defRPr sz="2133">
                 <a:solidFill>
                   <a:schemeClr val="tx1">
                     <a:tint val="82000"/>
@@ -1123,13 +1001,7 @@
       </p:sp>
       <p:sp>
         <p:nvSpPr>
-          <p:cNvPr id="4" name="날짜 개체 틀 3">
-            <a:extLst>
-              <a:ext uri="{FF2B5EF4-FFF2-40B4-BE49-F238E27FC236}">
-                <a16:creationId xmlns:a16="http://schemas.microsoft.com/office/drawing/2014/main" id="{AF540143-82D6-A0C5-C9FE-65F11BBCC6D5}"/>
-              </a:ext>
-            </a:extLst>
-          </p:cNvPr>
+          <p:cNvPr id="4" name="Date Placeholder 3"/>
           <p:cNvSpPr>
             <a:spLocks noGrp="1"/>
           </p:cNvSpPr>
@@ -1144,7 +1016,7 @@
           <a:p>
             <a:fld id="{3AFA5745-1944-4375-9A62-C9C7A2D27294}" type="datetimeFigureOut">
               <a:rPr lang="ko-KR" altLang="en-US" smtClean="0"/>
-              <a:t>2025-09-21</a:t>
+              <a:t>2025-09-22</a:t>
             </a:fld>
             <a:endParaRPr lang="ko-KR" altLang="en-US"/>
           </a:p>
@@ -1152,13 +1024,7 @@
       </p:sp>
       <p:sp>
         <p:nvSpPr>
-          <p:cNvPr id="5" name="바닥글 개체 틀 4">
-            <a:extLst>
-              <a:ext uri="{FF2B5EF4-FFF2-40B4-BE49-F238E27FC236}">
-                <a16:creationId xmlns:a16="http://schemas.microsoft.com/office/drawing/2014/main" id="{C8A91941-8ABF-33F2-7B53-BE82F12CF2BA}"/>
-              </a:ext>
-            </a:extLst>
-          </p:cNvPr>
+          <p:cNvPr id="5" name="Footer Placeholder 4"/>
           <p:cNvSpPr>
             <a:spLocks noGrp="1"/>
           </p:cNvSpPr>
@@ -1177,13 +1043,7 @@
       </p:sp>
       <p:sp>
         <p:nvSpPr>
-          <p:cNvPr id="6" name="슬라이드 번호 개체 틀 5">
-            <a:extLst>
-              <a:ext uri="{FF2B5EF4-FFF2-40B4-BE49-F238E27FC236}">
-                <a16:creationId xmlns:a16="http://schemas.microsoft.com/office/drawing/2014/main" id="{03BE5EC5-DE3E-8E39-BF7D-6CEBDD2D8CDB}"/>
-              </a:ext>
-            </a:extLst>
-          </p:cNvPr>
+          <p:cNvPr id="6" name="Slide Number Placeholder 5"/>
           <p:cNvSpPr>
             <a:spLocks noGrp="1"/>
           </p:cNvSpPr>
@@ -1207,7 +1067,7 @@
     </p:spTree>
     <p:extLst>
       <p:ext uri="{BB962C8B-B14F-4D97-AF65-F5344CB8AC3E}">
-        <p14:creationId xmlns:p14="http://schemas.microsoft.com/office/powerpoint/2010/main" val="1571068150"/>
+        <p14:creationId xmlns:p14="http://schemas.microsoft.com/office/powerpoint/2010/main" val="948229794"/>
       </p:ext>
     </p:extLst>
   </p:cSld>
@@ -1236,13 +1096,7 @@
       </p:grpSpPr>
       <p:sp>
         <p:nvSpPr>
-          <p:cNvPr id="2" name="제목 1">
-            <a:extLst>
-              <a:ext uri="{FF2B5EF4-FFF2-40B4-BE49-F238E27FC236}">
-                <a16:creationId xmlns:a16="http://schemas.microsoft.com/office/drawing/2014/main" id="{DCE90B56-E122-14EC-282C-E4C23F8E464F}"/>
-              </a:ext>
-            </a:extLst>
-          </p:cNvPr>
+          <p:cNvPr id="2" name="Title 1"/>
           <p:cNvSpPr>
             <a:spLocks noGrp="1"/>
           </p:cNvSpPr>
@@ -1259,18 +1113,13 @@
               <a:rPr lang="ko-KR" altLang="en-US"/>
               <a:t>마스터 제목 스타일 편집</a:t>
             </a:r>
-          </a:p>
-        </p:txBody>
-      </p:sp>
-      <p:sp>
-        <p:nvSpPr>
-          <p:cNvPr id="3" name="내용 개체 틀 2">
-            <a:extLst>
-              <a:ext uri="{FF2B5EF4-FFF2-40B4-BE49-F238E27FC236}">
-                <a16:creationId xmlns:a16="http://schemas.microsoft.com/office/drawing/2014/main" id="{99959D78-EED2-EAB6-0A08-7DD20EA915F3}"/>
-              </a:ext>
-            </a:extLst>
-          </p:cNvPr>
+            <a:endParaRPr lang="en-US" dirty="0"/>
+          </a:p>
+        </p:txBody>
+      </p:sp>
+      <p:sp>
+        <p:nvSpPr>
+          <p:cNvPr id="3" name="Content Placeholder 2"/>
           <p:cNvSpPr>
             <a:spLocks noGrp="1"/>
           </p:cNvSpPr>
@@ -1280,8 +1129,8 @@
         </p:nvSpPr>
         <p:spPr>
           <a:xfrm>
-            <a:off x="838200" y="1825625"/>
-            <a:ext cx="5181600" cy="4351338"/>
+            <a:off x="838200" y="2874937"/>
+            <a:ext cx="5181600" cy="6852350"/>
           </a:xfrm>
         </p:spPr>
         <p:txBody>
@@ -1321,18 +1170,13 @@
               <a:rPr lang="ko-KR" altLang="en-US"/>
               <a:t>다섯 번째 수준</a:t>
             </a:r>
-          </a:p>
-        </p:txBody>
-      </p:sp>
-      <p:sp>
-        <p:nvSpPr>
-          <p:cNvPr id="4" name="내용 개체 틀 3">
-            <a:extLst>
-              <a:ext uri="{FF2B5EF4-FFF2-40B4-BE49-F238E27FC236}">
-                <a16:creationId xmlns:a16="http://schemas.microsoft.com/office/drawing/2014/main" id="{F273CDD0-6697-625E-DAA9-8424F518220C}"/>
-              </a:ext>
-            </a:extLst>
-          </p:cNvPr>
+            <a:endParaRPr lang="en-US" dirty="0"/>
+          </a:p>
+        </p:txBody>
+      </p:sp>
+      <p:sp>
+        <p:nvSpPr>
+          <p:cNvPr id="4" name="Content Placeholder 3"/>
           <p:cNvSpPr>
             <a:spLocks noGrp="1"/>
           </p:cNvSpPr>
@@ -1342,8 +1186,8 @@
         </p:nvSpPr>
         <p:spPr>
           <a:xfrm>
-            <a:off x="6172200" y="1825625"/>
-            <a:ext cx="5181600" cy="4351338"/>
+            <a:off x="6172200" y="2874937"/>
+            <a:ext cx="5181600" cy="6852350"/>
           </a:xfrm>
         </p:spPr>
         <p:txBody>
@@ -1383,18 +1227,13 @@
               <a:rPr lang="ko-KR" altLang="en-US"/>
               <a:t>다섯 번째 수준</a:t>
             </a:r>
-          </a:p>
-        </p:txBody>
-      </p:sp>
-      <p:sp>
-        <p:nvSpPr>
-          <p:cNvPr id="5" name="날짜 개체 틀 4">
-            <a:extLst>
-              <a:ext uri="{FF2B5EF4-FFF2-40B4-BE49-F238E27FC236}">
-                <a16:creationId xmlns:a16="http://schemas.microsoft.com/office/drawing/2014/main" id="{BB90DF30-FAA9-4EFB-C944-9A5401A4EFB3}"/>
-              </a:ext>
-            </a:extLst>
-          </p:cNvPr>
+            <a:endParaRPr lang="en-US" dirty="0"/>
+          </a:p>
+        </p:txBody>
+      </p:sp>
+      <p:sp>
+        <p:nvSpPr>
+          <p:cNvPr id="5" name="Date Placeholder 4"/>
           <p:cNvSpPr>
             <a:spLocks noGrp="1"/>
           </p:cNvSpPr>
@@ -1409,7 +1248,7 @@
           <a:p>
             <a:fld id="{3AFA5745-1944-4375-9A62-C9C7A2D27294}" type="datetimeFigureOut">
               <a:rPr lang="ko-KR" altLang="en-US" smtClean="0"/>
-              <a:t>2025-09-21</a:t>
+              <a:t>2025-09-22</a:t>
             </a:fld>
             <a:endParaRPr lang="ko-KR" altLang="en-US"/>
           </a:p>
@@ -1417,13 +1256,7 @@
       </p:sp>
       <p:sp>
         <p:nvSpPr>
-          <p:cNvPr id="6" name="바닥글 개체 틀 5">
-            <a:extLst>
-              <a:ext uri="{FF2B5EF4-FFF2-40B4-BE49-F238E27FC236}">
-                <a16:creationId xmlns:a16="http://schemas.microsoft.com/office/drawing/2014/main" id="{99912D65-F274-F790-09AC-8A2678428C28}"/>
-              </a:ext>
-            </a:extLst>
-          </p:cNvPr>
+          <p:cNvPr id="6" name="Footer Placeholder 5"/>
           <p:cNvSpPr>
             <a:spLocks noGrp="1"/>
           </p:cNvSpPr>
@@ -1442,13 +1275,7 @@
       </p:sp>
       <p:sp>
         <p:nvSpPr>
-          <p:cNvPr id="7" name="슬라이드 번호 개체 틀 6">
-            <a:extLst>
-              <a:ext uri="{FF2B5EF4-FFF2-40B4-BE49-F238E27FC236}">
-                <a16:creationId xmlns:a16="http://schemas.microsoft.com/office/drawing/2014/main" id="{CA54278A-1CD3-8342-0D75-DC8B5C60AE2B}"/>
-              </a:ext>
-            </a:extLst>
-          </p:cNvPr>
+          <p:cNvPr id="7" name="Slide Number Placeholder 6"/>
           <p:cNvSpPr>
             <a:spLocks noGrp="1"/>
           </p:cNvSpPr>
@@ -1472,7 +1299,7 @@
     </p:spTree>
     <p:extLst>
       <p:ext uri="{BB962C8B-B14F-4D97-AF65-F5344CB8AC3E}">
-        <p14:creationId xmlns:p14="http://schemas.microsoft.com/office/powerpoint/2010/main" val="3473602189"/>
+        <p14:creationId xmlns:p14="http://schemas.microsoft.com/office/powerpoint/2010/main" val="3821499818"/>
       </p:ext>
     </p:extLst>
   </p:cSld>
@@ -1501,13 +1328,7 @@
       </p:grpSpPr>
       <p:sp>
         <p:nvSpPr>
-          <p:cNvPr id="2" name="제목 1">
-            <a:extLst>
-              <a:ext uri="{FF2B5EF4-FFF2-40B4-BE49-F238E27FC236}">
-                <a16:creationId xmlns:a16="http://schemas.microsoft.com/office/drawing/2014/main" id="{F4EDAE76-5F79-F28D-304B-3843FF652F59}"/>
-              </a:ext>
-            </a:extLst>
-          </p:cNvPr>
+          <p:cNvPr id="2" name="Title 1"/>
           <p:cNvSpPr>
             <a:spLocks noGrp="1"/>
           </p:cNvSpPr>
@@ -1517,8 +1338,8 @@
         </p:nvSpPr>
         <p:spPr>
           <a:xfrm>
-            <a:off x="839788" y="365125"/>
-            <a:ext cx="10515600" cy="1325563"/>
+            <a:off x="839788" y="574990"/>
+            <a:ext cx="10515600" cy="2087455"/>
           </a:xfrm>
         </p:spPr>
         <p:txBody>
@@ -1529,18 +1350,13 @@
               <a:rPr lang="ko-KR" altLang="en-US"/>
               <a:t>마스터 제목 스타일 편집</a:t>
             </a:r>
-          </a:p>
-        </p:txBody>
-      </p:sp>
-      <p:sp>
-        <p:nvSpPr>
-          <p:cNvPr id="3" name="텍스트 개체 틀 2">
-            <a:extLst>
-              <a:ext uri="{FF2B5EF4-FFF2-40B4-BE49-F238E27FC236}">
-                <a16:creationId xmlns:a16="http://schemas.microsoft.com/office/drawing/2014/main" id="{B47A60CC-DFFC-4BE4-6BDC-5EEB4BE52913}"/>
-              </a:ext>
-            </a:extLst>
-          </p:cNvPr>
+            <a:endParaRPr lang="en-US" dirty="0"/>
+          </a:p>
+        </p:txBody>
+      </p:sp>
+      <p:sp>
+        <p:nvSpPr>
+          <p:cNvPr id="3" name="Text Placeholder 2"/>
           <p:cNvSpPr>
             <a:spLocks noGrp="1"/>
           </p:cNvSpPr>
@@ -1550,8 +1366,8 @@
         </p:nvSpPr>
         <p:spPr>
           <a:xfrm>
-            <a:off x="839788" y="1681163"/>
-            <a:ext cx="5157787" cy="823912"/>
+            <a:off x="839789" y="2647443"/>
+            <a:ext cx="5157787" cy="1297471"/>
           </a:xfrm>
         </p:spPr>
         <p:txBody>
@@ -1559,39 +1375,39 @@
           <a:lstStyle>
             <a:lvl1pPr marL="0" indent="0">
               <a:buNone/>
+              <a:defRPr sz="3200" b="1"/>
+            </a:lvl1pPr>
+            <a:lvl2pPr marL="609585" indent="0">
+              <a:buNone/>
+              <a:defRPr sz="2667" b="1"/>
+            </a:lvl2pPr>
+            <a:lvl3pPr marL="1219170" indent="0">
+              <a:buNone/>
               <a:defRPr sz="2400" b="1"/>
-            </a:lvl1pPr>
-            <a:lvl2pPr marL="457200" indent="0">
+            </a:lvl3pPr>
+            <a:lvl4pPr marL="1828754" indent="0">
               <a:buNone/>
-              <a:defRPr sz="2000" b="1"/>
-            </a:lvl2pPr>
-            <a:lvl3pPr marL="914400" indent="0">
+              <a:defRPr sz="2133" b="1"/>
+            </a:lvl4pPr>
+            <a:lvl5pPr marL="2438339" indent="0">
               <a:buNone/>
-              <a:defRPr sz="1800" b="1"/>
-            </a:lvl3pPr>
-            <a:lvl4pPr marL="1371600" indent="0">
+              <a:defRPr sz="2133" b="1"/>
+            </a:lvl5pPr>
+            <a:lvl6pPr marL="3047924" indent="0">
               <a:buNone/>
-              <a:defRPr sz="1600" b="1"/>
-            </a:lvl4pPr>
-            <a:lvl5pPr marL="1828800" indent="0">
+              <a:defRPr sz="2133" b="1"/>
+            </a:lvl6pPr>
+            <a:lvl7pPr marL="3657509" indent="0">
               <a:buNone/>
-              <a:defRPr sz="1600" b="1"/>
-            </a:lvl5pPr>
-            <a:lvl6pPr marL="2286000" indent="0">
+              <a:defRPr sz="2133" b="1"/>
+            </a:lvl7pPr>
+            <a:lvl8pPr marL="4267093" indent="0">
               <a:buNone/>
-              <a:defRPr sz="1600" b="1"/>
-            </a:lvl6pPr>
-            <a:lvl7pPr marL="2743200" indent="0">
+              <a:defRPr sz="2133" b="1"/>
+            </a:lvl8pPr>
+            <a:lvl9pPr marL="4876678" indent="0">
               <a:buNone/>
-              <a:defRPr sz="1600" b="1"/>
-            </a:lvl7pPr>
-            <a:lvl8pPr marL="3200400" indent="0">
-              <a:buNone/>
-              <a:defRPr sz="1600" b="1"/>
-            </a:lvl8pPr>
-            <a:lvl9pPr marL="3657600" indent="0">
-              <a:buNone/>
-              <a:defRPr sz="1600" b="1"/>
+              <a:defRPr sz="2133" b="1"/>
             </a:lvl9pPr>
           </a:lstStyle>
           <a:p>
@@ -1605,13 +1421,7 @@
       </p:sp>
       <p:sp>
         <p:nvSpPr>
-          <p:cNvPr id="4" name="내용 개체 틀 3">
-            <a:extLst>
-              <a:ext uri="{FF2B5EF4-FFF2-40B4-BE49-F238E27FC236}">
-                <a16:creationId xmlns:a16="http://schemas.microsoft.com/office/drawing/2014/main" id="{F1FE3B22-4F5F-C3EF-71A1-FB36161AE160}"/>
-              </a:ext>
-            </a:extLst>
-          </p:cNvPr>
+          <p:cNvPr id="4" name="Content Placeholder 3"/>
           <p:cNvSpPr>
             <a:spLocks noGrp="1"/>
           </p:cNvSpPr>
@@ -1621,8 +1431,8 @@
         </p:nvSpPr>
         <p:spPr>
           <a:xfrm>
-            <a:off x="839788" y="2505075"/>
-            <a:ext cx="5157787" cy="3684588"/>
+            <a:off x="839789" y="3944914"/>
+            <a:ext cx="5157787" cy="5802373"/>
           </a:xfrm>
         </p:spPr>
         <p:txBody>
@@ -1662,18 +1472,13 @@
               <a:rPr lang="ko-KR" altLang="en-US"/>
               <a:t>다섯 번째 수준</a:t>
             </a:r>
-          </a:p>
-        </p:txBody>
-      </p:sp>
-      <p:sp>
-        <p:nvSpPr>
-          <p:cNvPr id="5" name="텍스트 개체 틀 4">
-            <a:extLst>
-              <a:ext uri="{FF2B5EF4-FFF2-40B4-BE49-F238E27FC236}">
-                <a16:creationId xmlns:a16="http://schemas.microsoft.com/office/drawing/2014/main" id="{AE660AE2-68A6-8E03-5485-34C0067C5B7E}"/>
-              </a:ext>
-            </a:extLst>
-          </p:cNvPr>
+            <a:endParaRPr lang="en-US" dirty="0"/>
+          </a:p>
+        </p:txBody>
+      </p:sp>
+      <p:sp>
+        <p:nvSpPr>
+          <p:cNvPr id="5" name="Text Placeholder 4"/>
           <p:cNvSpPr>
             <a:spLocks noGrp="1"/>
           </p:cNvSpPr>
@@ -1683,8 +1488,8 @@
         </p:nvSpPr>
         <p:spPr>
           <a:xfrm>
-            <a:off x="6172200" y="1681163"/>
-            <a:ext cx="5183188" cy="823912"/>
+            <a:off x="6172201" y="2647443"/>
+            <a:ext cx="5183188" cy="1297471"/>
           </a:xfrm>
         </p:spPr>
         <p:txBody>
@@ -1692,39 +1497,39 @@
           <a:lstStyle>
             <a:lvl1pPr marL="0" indent="0">
               <a:buNone/>
+              <a:defRPr sz="3200" b="1"/>
+            </a:lvl1pPr>
+            <a:lvl2pPr marL="609585" indent="0">
+              <a:buNone/>
+              <a:defRPr sz="2667" b="1"/>
+            </a:lvl2pPr>
+            <a:lvl3pPr marL="1219170" indent="0">
+              <a:buNone/>
               <a:defRPr sz="2400" b="1"/>
-            </a:lvl1pPr>
-            <a:lvl2pPr marL="457200" indent="0">
+            </a:lvl3pPr>
+            <a:lvl4pPr marL="1828754" indent="0">
               <a:buNone/>
-              <a:defRPr sz="2000" b="1"/>
-            </a:lvl2pPr>
-            <a:lvl3pPr marL="914400" indent="0">
+              <a:defRPr sz="2133" b="1"/>
+            </a:lvl4pPr>
+            <a:lvl5pPr marL="2438339" indent="0">
               <a:buNone/>
-              <a:defRPr sz="1800" b="1"/>
-            </a:lvl3pPr>
-            <a:lvl4pPr marL="1371600" indent="0">
+              <a:defRPr sz="2133" b="1"/>
+            </a:lvl5pPr>
+            <a:lvl6pPr marL="3047924" indent="0">
               <a:buNone/>
-              <a:defRPr sz="1600" b="1"/>
-            </a:lvl4pPr>
-            <a:lvl5pPr marL="1828800" indent="0">
+              <a:defRPr sz="2133" b="1"/>
+            </a:lvl6pPr>
+            <a:lvl7pPr marL="3657509" indent="0">
               <a:buNone/>
-              <a:defRPr sz="1600" b="1"/>
-            </a:lvl5pPr>
-            <a:lvl6pPr marL="2286000" indent="0">
+              <a:defRPr sz="2133" b="1"/>
+            </a:lvl7pPr>
+            <a:lvl8pPr marL="4267093" indent="0">
               <a:buNone/>
-              <a:defRPr sz="1600" b="1"/>
-            </a:lvl6pPr>
-            <a:lvl7pPr marL="2743200" indent="0">
+              <a:defRPr sz="2133" b="1"/>
+            </a:lvl8pPr>
+            <a:lvl9pPr marL="4876678" indent="0">
               <a:buNone/>
-              <a:defRPr sz="1600" b="1"/>
-            </a:lvl7pPr>
-            <a:lvl8pPr marL="3200400" indent="0">
-              <a:buNone/>
-              <a:defRPr sz="1600" b="1"/>
-            </a:lvl8pPr>
-            <a:lvl9pPr marL="3657600" indent="0">
-              <a:buNone/>
-              <a:defRPr sz="1600" b="1"/>
+              <a:defRPr sz="2133" b="1"/>
             </a:lvl9pPr>
           </a:lstStyle>
           <a:p>
@@ -1738,13 +1543,7 @@
       </p:sp>
       <p:sp>
         <p:nvSpPr>
-          <p:cNvPr id="6" name="내용 개체 틀 5">
-            <a:extLst>
-              <a:ext uri="{FF2B5EF4-FFF2-40B4-BE49-F238E27FC236}">
-                <a16:creationId xmlns:a16="http://schemas.microsoft.com/office/drawing/2014/main" id="{91FB93B1-D120-D0D6-AA56-14EF225F2729}"/>
-              </a:ext>
-            </a:extLst>
-          </p:cNvPr>
+          <p:cNvPr id="6" name="Content Placeholder 5"/>
           <p:cNvSpPr>
             <a:spLocks noGrp="1"/>
           </p:cNvSpPr>
@@ -1754,8 +1553,8 @@
         </p:nvSpPr>
         <p:spPr>
           <a:xfrm>
-            <a:off x="6172200" y="2505075"/>
-            <a:ext cx="5183188" cy="3684588"/>
+            <a:off x="6172201" y="3944914"/>
+            <a:ext cx="5183188" cy="5802373"/>
           </a:xfrm>
         </p:spPr>
         <p:txBody>
@@ -1795,18 +1594,13 @@
               <a:rPr lang="ko-KR" altLang="en-US"/>
               <a:t>다섯 번째 수준</a:t>
             </a:r>
-          </a:p>
-        </p:txBody>
-      </p:sp>
-      <p:sp>
-        <p:nvSpPr>
-          <p:cNvPr id="7" name="날짜 개체 틀 6">
-            <a:extLst>
-              <a:ext uri="{FF2B5EF4-FFF2-40B4-BE49-F238E27FC236}">
-                <a16:creationId xmlns:a16="http://schemas.microsoft.com/office/drawing/2014/main" id="{5F0A5EFD-7AC7-5424-9578-2580681323CC}"/>
-              </a:ext>
-            </a:extLst>
-          </p:cNvPr>
+            <a:endParaRPr lang="en-US" dirty="0"/>
+          </a:p>
+        </p:txBody>
+      </p:sp>
+      <p:sp>
+        <p:nvSpPr>
+          <p:cNvPr id="7" name="Date Placeholder 6"/>
           <p:cNvSpPr>
             <a:spLocks noGrp="1"/>
           </p:cNvSpPr>
@@ -1821,7 +1615,7 @@
           <a:p>
             <a:fld id="{3AFA5745-1944-4375-9A62-C9C7A2D27294}" type="datetimeFigureOut">
               <a:rPr lang="ko-KR" altLang="en-US" smtClean="0"/>
-              <a:t>2025-09-21</a:t>
+              <a:t>2025-09-22</a:t>
             </a:fld>
             <a:endParaRPr lang="ko-KR" altLang="en-US"/>
           </a:p>
@@ -1829,13 +1623,7 @@
       </p:sp>
       <p:sp>
         <p:nvSpPr>
-          <p:cNvPr id="8" name="바닥글 개체 틀 7">
-            <a:extLst>
-              <a:ext uri="{FF2B5EF4-FFF2-40B4-BE49-F238E27FC236}">
-                <a16:creationId xmlns:a16="http://schemas.microsoft.com/office/drawing/2014/main" id="{91CE1722-88E6-A20C-E1AC-F88CF2FA8209}"/>
-              </a:ext>
-            </a:extLst>
-          </p:cNvPr>
+          <p:cNvPr id="8" name="Footer Placeholder 7"/>
           <p:cNvSpPr>
             <a:spLocks noGrp="1"/>
           </p:cNvSpPr>
@@ -1854,13 +1642,7 @@
       </p:sp>
       <p:sp>
         <p:nvSpPr>
-          <p:cNvPr id="9" name="슬라이드 번호 개체 틀 8">
-            <a:extLst>
-              <a:ext uri="{FF2B5EF4-FFF2-40B4-BE49-F238E27FC236}">
-                <a16:creationId xmlns:a16="http://schemas.microsoft.com/office/drawing/2014/main" id="{C650046B-0B7E-495E-9A3D-6EFDD658BC78}"/>
-              </a:ext>
-            </a:extLst>
-          </p:cNvPr>
+          <p:cNvPr id="9" name="Slide Number Placeholder 8"/>
           <p:cNvSpPr>
             <a:spLocks noGrp="1"/>
           </p:cNvSpPr>
@@ -1884,7 +1666,7 @@
     </p:spTree>
     <p:extLst>
       <p:ext uri="{BB962C8B-B14F-4D97-AF65-F5344CB8AC3E}">
-        <p14:creationId xmlns:p14="http://schemas.microsoft.com/office/powerpoint/2010/main" val="3729841155"/>
+        <p14:creationId xmlns:p14="http://schemas.microsoft.com/office/powerpoint/2010/main" val="72565442"/>
       </p:ext>
     </p:extLst>
   </p:cSld>
@@ -1913,13 +1695,7 @@
       </p:grpSpPr>
       <p:sp>
         <p:nvSpPr>
-          <p:cNvPr id="2" name="제목 1">
-            <a:extLst>
-              <a:ext uri="{FF2B5EF4-FFF2-40B4-BE49-F238E27FC236}">
-                <a16:creationId xmlns:a16="http://schemas.microsoft.com/office/drawing/2014/main" id="{42CEF599-5958-3A5E-A85A-E626FC845CDB}"/>
-              </a:ext>
-            </a:extLst>
-          </p:cNvPr>
+          <p:cNvPr id="2" name="Title 1"/>
           <p:cNvSpPr>
             <a:spLocks noGrp="1"/>
           </p:cNvSpPr>
@@ -1936,18 +1712,13 @@
               <a:rPr lang="ko-KR" altLang="en-US"/>
               <a:t>마스터 제목 스타일 편집</a:t>
             </a:r>
-          </a:p>
-        </p:txBody>
-      </p:sp>
-      <p:sp>
-        <p:nvSpPr>
-          <p:cNvPr id="3" name="날짜 개체 틀 2">
-            <a:extLst>
-              <a:ext uri="{FF2B5EF4-FFF2-40B4-BE49-F238E27FC236}">
-                <a16:creationId xmlns:a16="http://schemas.microsoft.com/office/drawing/2014/main" id="{D26CB377-1D83-F1B8-41EF-D773FFB7B683}"/>
-              </a:ext>
-            </a:extLst>
-          </p:cNvPr>
+            <a:endParaRPr lang="en-US" dirty="0"/>
+          </a:p>
+        </p:txBody>
+      </p:sp>
+      <p:sp>
+        <p:nvSpPr>
+          <p:cNvPr id="3" name="Date Placeholder 2"/>
           <p:cNvSpPr>
             <a:spLocks noGrp="1"/>
           </p:cNvSpPr>
@@ -1962,7 +1733,7 @@
           <a:p>
             <a:fld id="{3AFA5745-1944-4375-9A62-C9C7A2D27294}" type="datetimeFigureOut">
               <a:rPr lang="ko-KR" altLang="en-US" smtClean="0"/>
-              <a:t>2025-09-21</a:t>
+              <a:t>2025-09-22</a:t>
             </a:fld>
             <a:endParaRPr lang="ko-KR" altLang="en-US"/>
           </a:p>
@@ -1970,13 +1741,7 @@
       </p:sp>
       <p:sp>
         <p:nvSpPr>
-          <p:cNvPr id="4" name="바닥글 개체 틀 3">
-            <a:extLst>
-              <a:ext uri="{FF2B5EF4-FFF2-40B4-BE49-F238E27FC236}">
-                <a16:creationId xmlns:a16="http://schemas.microsoft.com/office/drawing/2014/main" id="{494DA5BD-E35F-A5C1-7729-A94CB36E64F1}"/>
-              </a:ext>
-            </a:extLst>
-          </p:cNvPr>
+          <p:cNvPr id="4" name="Footer Placeholder 3"/>
           <p:cNvSpPr>
             <a:spLocks noGrp="1"/>
           </p:cNvSpPr>
@@ -1995,13 +1760,7 @@
       </p:sp>
       <p:sp>
         <p:nvSpPr>
-          <p:cNvPr id="5" name="슬라이드 번호 개체 틀 4">
-            <a:extLst>
-              <a:ext uri="{FF2B5EF4-FFF2-40B4-BE49-F238E27FC236}">
-                <a16:creationId xmlns:a16="http://schemas.microsoft.com/office/drawing/2014/main" id="{5D97CAEB-F787-568E-BD60-076EABFD0899}"/>
-              </a:ext>
-            </a:extLst>
-          </p:cNvPr>
+          <p:cNvPr id="5" name="Slide Number Placeholder 4"/>
           <p:cNvSpPr>
             <a:spLocks noGrp="1"/>
           </p:cNvSpPr>
@@ -2025,7 +1784,7 @@
     </p:spTree>
     <p:extLst>
       <p:ext uri="{BB962C8B-B14F-4D97-AF65-F5344CB8AC3E}">
-        <p14:creationId xmlns:p14="http://schemas.microsoft.com/office/powerpoint/2010/main" val="3173654529"/>
+        <p14:creationId xmlns:p14="http://schemas.microsoft.com/office/powerpoint/2010/main" val="1240109846"/>
       </p:ext>
     </p:extLst>
   </p:cSld>
@@ -2054,13 +1813,7 @@
       </p:grpSpPr>
       <p:sp>
         <p:nvSpPr>
-          <p:cNvPr id="2" name="날짜 개체 틀 1">
-            <a:extLst>
-              <a:ext uri="{FF2B5EF4-FFF2-40B4-BE49-F238E27FC236}">
-                <a16:creationId xmlns:a16="http://schemas.microsoft.com/office/drawing/2014/main" id="{74D49193-257E-98DE-FF2F-965D2D81A7AC}"/>
-              </a:ext>
-            </a:extLst>
-          </p:cNvPr>
+          <p:cNvPr id="2" name="Date Placeholder 1"/>
           <p:cNvSpPr>
             <a:spLocks noGrp="1"/>
           </p:cNvSpPr>
@@ -2075,7 +1828,7 @@
           <a:p>
             <a:fld id="{3AFA5745-1944-4375-9A62-C9C7A2D27294}" type="datetimeFigureOut">
               <a:rPr lang="ko-KR" altLang="en-US" smtClean="0"/>
-              <a:t>2025-09-21</a:t>
+              <a:t>2025-09-22</a:t>
             </a:fld>
             <a:endParaRPr lang="ko-KR" altLang="en-US"/>
           </a:p>
@@ -2083,13 +1836,7 @@
       </p:sp>
       <p:sp>
         <p:nvSpPr>
-          <p:cNvPr id="3" name="바닥글 개체 틀 2">
-            <a:extLst>
-              <a:ext uri="{FF2B5EF4-FFF2-40B4-BE49-F238E27FC236}">
-                <a16:creationId xmlns:a16="http://schemas.microsoft.com/office/drawing/2014/main" id="{437CD576-4CCD-301D-5BD9-27B093C32F22}"/>
-              </a:ext>
-            </a:extLst>
-          </p:cNvPr>
+          <p:cNvPr id="3" name="Footer Placeholder 2"/>
           <p:cNvSpPr>
             <a:spLocks noGrp="1"/>
           </p:cNvSpPr>
@@ -2108,13 +1855,7 @@
       </p:sp>
       <p:sp>
         <p:nvSpPr>
-          <p:cNvPr id="4" name="슬라이드 번호 개체 틀 3">
-            <a:extLst>
-              <a:ext uri="{FF2B5EF4-FFF2-40B4-BE49-F238E27FC236}">
-                <a16:creationId xmlns:a16="http://schemas.microsoft.com/office/drawing/2014/main" id="{51FEE44D-C1C9-C3E8-8A37-F5DE3F100CA8}"/>
-              </a:ext>
-            </a:extLst>
-          </p:cNvPr>
+          <p:cNvPr id="4" name="Slide Number Placeholder 3"/>
           <p:cNvSpPr>
             <a:spLocks noGrp="1"/>
           </p:cNvSpPr>
@@ -2138,7 +1879,7 @@
     </p:spTree>
     <p:extLst>
       <p:ext uri="{BB962C8B-B14F-4D97-AF65-F5344CB8AC3E}">
-        <p14:creationId xmlns:p14="http://schemas.microsoft.com/office/powerpoint/2010/main" val="3409287088"/>
+        <p14:creationId xmlns:p14="http://schemas.microsoft.com/office/powerpoint/2010/main" val="4238998834"/>
       </p:ext>
     </p:extLst>
   </p:cSld>
@@ -2167,13 +1908,7 @@
       </p:grpSpPr>
       <p:sp>
         <p:nvSpPr>
-          <p:cNvPr id="2" name="제목 1">
-            <a:extLst>
-              <a:ext uri="{FF2B5EF4-FFF2-40B4-BE49-F238E27FC236}">
-                <a16:creationId xmlns:a16="http://schemas.microsoft.com/office/drawing/2014/main" id="{5F9E9B0B-8BD0-7CBD-35A9-1A021039A263}"/>
-              </a:ext>
-            </a:extLst>
-          </p:cNvPr>
+          <p:cNvPr id="2" name="Title 1"/>
           <p:cNvSpPr>
             <a:spLocks noGrp="1"/>
           </p:cNvSpPr>
@@ -2183,15 +1918,15 @@
         </p:nvSpPr>
         <p:spPr>
           <a:xfrm>
-            <a:off x="839788" y="457200"/>
-            <a:ext cx="3932237" cy="1600200"/>
+            <a:off x="839788" y="719984"/>
+            <a:ext cx="3932237" cy="2519945"/>
           </a:xfrm>
         </p:spPr>
         <p:txBody>
           <a:bodyPr anchor="b"/>
           <a:lstStyle>
             <a:lvl1pPr>
-              <a:defRPr sz="3200"/>
+              <a:defRPr sz="4267"/>
             </a:lvl1pPr>
           </a:lstStyle>
           <a:p>
@@ -2199,18 +1934,13 @@
               <a:rPr lang="ko-KR" altLang="en-US"/>
               <a:t>마스터 제목 스타일 편집</a:t>
             </a:r>
-          </a:p>
-        </p:txBody>
-      </p:sp>
-      <p:sp>
-        <p:nvSpPr>
-          <p:cNvPr id="3" name="내용 개체 틀 2">
-            <a:extLst>
-              <a:ext uri="{FF2B5EF4-FFF2-40B4-BE49-F238E27FC236}">
-                <a16:creationId xmlns:a16="http://schemas.microsoft.com/office/drawing/2014/main" id="{8A593110-DDD0-2C02-6B09-2954F50E7C4F}"/>
-              </a:ext>
-            </a:extLst>
-          </p:cNvPr>
+            <a:endParaRPr lang="en-US" dirty="0"/>
+          </a:p>
+        </p:txBody>
+      </p:sp>
+      <p:sp>
+        <p:nvSpPr>
+          <p:cNvPr id="3" name="Content Placeholder 2"/>
           <p:cNvSpPr>
             <a:spLocks noGrp="1"/>
           </p:cNvSpPr>
@@ -2220,39 +1950,39 @@
         </p:nvSpPr>
         <p:spPr>
           <a:xfrm>
-            <a:off x="5183188" y="987425"/>
-            <a:ext cx="6172200" cy="4873625"/>
+            <a:off x="5183188" y="1554968"/>
+            <a:ext cx="6172200" cy="7674832"/>
           </a:xfrm>
         </p:spPr>
         <p:txBody>
           <a:bodyPr/>
           <a:lstStyle>
             <a:lvl1pPr>
-              <a:defRPr sz="3200"/>
+              <a:defRPr sz="4267"/>
             </a:lvl1pPr>
             <a:lvl2pPr>
-              <a:defRPr sz="2800"/>
+              <a:defRPr sz="3733"/>
             </a:lvl2pPr>
             <a:lvl3pPr>
-              <a:defRPr sz="2400"/>
+              <a:defRPr sz="3200"/>
             </a:lvl3pPr>
             <a:lvl4pPr>
-              <a:defRPr sz="2000"/>
+              <a:defRPr sz="2667"/>
             </a:lvl4pPr>
             <a:lvl5pPr>
-              <a:defRPr sz="2000"/>
+              <a:defRPr sz="2667"/>
             </a:lvl5pPr>
             <a:lvl6pPr>
-              <a:defRPr sz="2000"/>
+              <a:defRPr sz="2667"/>
             </a:lvl6pPr>
             <a:lvl7pPr>
-              <a:defRPr sz="2000"/>
+              <a:defRPr sz="2667"/>
             </a:lvl7pPr>
             <a:lvl8pPr>
-              <a:defRPr sz="2000"/>
+              <a:defRPr sz="2667"/>
             </a:lvl8pPr>
             <a:lvl9pPr>
-              <a:defRPr sz="2000"/>
+              <a:defRPr sz="2667"/>
             </a:lvl9pPr>
           </a:lstStyle>
           <a:p>
@@ -2289,18 +2019,13 @@
               <a:rPr lang="ko-KR" altLang="en-US"/>
               <a:t>다섯 번째 수준</a:t>
             </a:r>
-          </a:p>
-        </p:txBody>
-      </p:sp>
-      <p:sp>
-        <p:nvSpPr>
-          <p:cNvPr id="4" name="텍스트 개체 틀 3">
-            <a:extLst>
-              <a:ext uri="{FF2B5EF4-FFF2-40B4-BE49-F238E27FC236}">
-                <a16:creationId xmlns:a16="http://schemas.microsoft.com/office/drawing/2014/main" id="{7A371B3B-70F8-8DBA-7254-1748632468BB}"/>
-              </a:ext>
-            </a:extLst>
-          </p:cNvPr>
+            <a:endParaRPr lang="en-US" dirty="0"/>
+          </a:p>
+        </p:txBody>
+      </p:sp>
+      <p:sp>
+        <p:nvSpPr>
+          <p:cNvPr id="4" name="Text Placeholder 3"/>
           <p:cNvSpPr>
             <a:spLocks noGrp="1"/>
           </p:cNvSpPr>
@@ -2310,8 +2035,8 @@
         </p:nvSpPr>
         <p:spPr>
           <a:xfrm>
-            <a:off x="839788" y="2057400"/>
-            <a:ext cx="3932237" cy="3811588"/>
+            <a:off x="839788" y="3239929"/>
+            <a:ext cx="3932237" cy="6002369"/>
           </a:xfrm>
         </p:spPr>
         <p:txBody>
@@ -2319,39 +2044,39 @@
           <a:lstStyle>
             <a:lvl1pPr marL="0" indent="0">
               <a:buNone/>
+              <a:defRPr sz="2133"/>
+            </a:lvl1pPr>
+            <a:lvl2pPr marL="609585" indent="0">
+              <a:buNone/>
+              <a:defRPr sz="1867"/>
+            </a:lvl2pPr>
+            <a:lvl3pPr marL="1219170" indent="0">
+              <a:buNone/>
               <a:defRPr sz="1600"/>
-            </a:lvl1pPr>
-            <a:lvl2pPr marL="457200" indent="0">
+            </a:lvl3pPr>
+            <a:lvl4pPr marL="1828754" indent="0">
               <a:buNone/>
-              <a:defRPr sz="1400"/>
-            </a:lvl2pPr>
-            <a:lvl3pPr marL="914400" indent="0">
+              <a:defRPr sz="1333"/>
+            </a:lvl4pPr>
+            <a:lvl5pPr marL="2438339" indent="0">
               <a:buNone/>
-              <a:defRPr sz="1200"/>
-            </a:lvl3pPr>
-            <a:lvl4pPr marL="1371600" indent="0">
+              <a:defRPr sz="1333"/>
+            </a:lvl5pPr>
+            <a:lvl6pPr marL="3047924" indent="0">
               <a:buNone/>
-              <a:defRPr sz="1000"/>
-            </a:lvl4pPr>
-            <a:lvl5pPr marL="1828800" indent="0">
+              <a:defRPr sz="1333"/>
+            </a:lvl6pPr>
+            <a:lvl7pPr marL="3657509" indent="0">
               <a:buNone/>
-              <a:defRPr sz="1000"/>
-            </a:lvl5pPr>
-            <a:lvl6pPr marL="2286000" indent="0">
+              <a:defRPr sz="1333"/>
+            </a:lvl7pPr>
+            <a:lvl8pPr marL="4267093" indent="0">
               <a:buNone/>
-              <a:defRPr sz="1000"/>
-            </a:lvl6pPr>
-            <a:lvl7pPr marL="2743200" indent="0">
+              <a:defRPr sz="1333"/>
+            </a:lvl8pPr>
+            <a:lvl9pPr marL="4876678" indent="0">
               <a:buNone/>
-              <a:defRPr sz="1000"/>
-            </a:lvl7pPr>
-            <a:lvl8pPr marL="3200400" indent="0">
-              <a:buNone/>
-              <a:defRPr sz="1000"/>
-            </a:lvl8pPr>
-            <a:lvl9pPr marL="3657600" indent="0">
-              <a:buNone/>
-              <a:defRPr sz="1000"/>
+              <a:defRPr sz="1333"/>
             </a:lvl9pPr>
           </a:lstStyle>
           <a:p>
@@ -2365,13 +2090,7 @@
       </p:sp>
       <p:sp>
         <p:nvSpPr>
-          <p:cNvPr id="5" name="날짜 개체 틀 4">
-            <a:extLst>
-              <a:ext uri="{FF2B5EF4-FFF2-40B4-BE49-F238E27FC236}">
-                <a16:creationId xmlns:a16="http://schemas.microsoft.com/office/drawing/2014/main" id="{4AD639C1-02C9-6827-0428-892B09B3EE6E}"/>
-              </a:ext>
-            </a:extLst>
-          </p:cNvPr>
+          <p:cNvPr id="5" name="Date Placeholder 4"/>
           <p:cNvSpPr>
             <a:spLocks noGrp="1"/>
           </p:cNvSpPr>
@@ -2386,7 +2105,7 @@
           <a:p>
             <a:fld id="{3AFA5745-1944-4375-9A62-C9C7A2D27294}" type="datetimeFigureOut">
               <a:rPr lang="ko-KR" altLang="en-US" smtClean="0"/>
-              <a:t>2025-09-21</a:t>
+              <a:t>2025-09-22</a:t>
             </a:fld>
             <a:endParaRPr lang="ko-KR" altLang="en-US"/>
           </a:p>
@@ -2394,13 +2113,7 @@
       </p:sp>
       <p:sp>
         <p:nvSpPr>
-          <p:cNvPr id="6" name="바닥글 개체 틀 5">
-            <a:extLst>
-              <a:ext uri="{FF2B5EF4-FFF2-40B4-BE49-F238E27FC236}">
-                <a16:creationId xmlns:a16="http://schemas.microsoft.com/office/drawing/2014/main" id="{1BDD022C-5308-745E-9BB6-B397E449ED4E}"/>
-              </a:ext>
-            </a:extLst>
-          </p:cNvPr>
+          <p:cNvPr id="6" name="Footer Placeholder 5"/>
           <p:cNvSpPr>
             <a:spLocks noGrp="1"/>
           </p:cNvSpPr>
@@ -2419,13 +2132,7 @@
       </p:sp>
       <p:sp>
         <p:nvSpPr>
-          <p:cNvPr id="7" name="슬라이드 번호 개체 틀 6">
-            <a:extLst>
-              <a:ext uri="{FF2B5EF4-FFF2-40B4-BE49-F238E27FC236}">
-                <a16:creationId xmlns:a16="http://schemas.microsoft.com/office/drawing/2014/main" id="{70DB3711-E4D0-76B8-3B52-490E09CD35AA}"/>
-              </a:ext>
-            </a:extLst>
-          </p:cNvPr>
+          <p:cNvPr id="7" name="Slide Number Placeholder 6"/>
           <p:cNvSpPr>
             <a:spLocks noGrp="1"/>
           </p:cNvSpPr>
@@ -2449,7 +2156,7 @@
     </p:spTree>
     <p:extLst>
       <p:ext uri="{BB962C8B-B14F-4D97-AF65-F5344CB8AC3E}">
-        <p14:creationId xmlns:p14="http://schemas.microsoft.com/office/powerpoint/2010/main" val="903305597"/>
+        <p14:creationId xmlns:p14="http://schemas.microsoft.com/office/powerpoint/2010/main" val="776647619"/>
       </p:ext>
     </p:extLst>
   </p:cSld>
@@ -2478,13 +2185,7 @@
       </p:grpSpPr>
       <p:sp>
         <p:nvSpPr>
-          <p:cNvPr id="2" name="제목 1">
-            <a:extLst>
-              <a:ext uri="{FF2B5EF4-FFF2-40B4-BE49-F238E27FC236}">
-                <a16:creationId xmlns:a16="http://schemas.microsoft.com/office/drawing/2014/main" id="{584D0510-C5C4-6DB6-7FA1-C0449D2CF085}"/>
-              </a:ext>
-            </a:extLst>
-          </p:cNvPr>
+          <p:cNvPr id="2" name="Title 1"/>
           <p:cNvSpPr>
             <a:spLocks noGrp="1"/>
           </p:cNvSpPr>
@@ -2494,15 +2195,15 @@
         </p:nvSpPr>
         <p:spPr>
           <a:xfrm>
-            <a:off x="839788" y="457200"/>
-            <a:ext cx="3932237" cy="1600200"/>
+            <a:off x="839788" y="719984"/>
+            <a:ext cx="3932237" cy="2519945"/>
           </a:xfrm>
         </p:spPr>
         <p:txBody>
           <a:bodyPr anchor="b"/>
           <a:lstStyle>
             <a:lvl1pPr>
-              <a:defRPr sz="3200"/>
+              <a:defRPr sz="4267"/>
             </a:lvl1pPr>
           </a:lstStyle>
           <a:p>
@@ -2510,20 +2211,15 @@
               <a:rPr lang="ko-KR" altLang="en-US"/>
               <a:t>마스터 제목 스타일 편집</a:t>
             </a:r>
-          </a:p>
-        </p:txBody>
-      </p:sp>
-      <p:sp>
-        <p:nvSpPr>
-          <p:cNvPr id="3" name="그림 개체 틀 2">
-            <a:extLst>
-              <a:ext uri="{FF2B5EF4-FFF2-40B4-BE49-F238E27FC236}">
-                <a16:creationId xmlns:a16="http://schemas.microsoft.com/office/drawing/2014/main" id="{DC27E837-A354-7A09-64A6-DFCA42F5168E}"/>
-              </a:ext>
-            </a:extLst>
-          </p:cNvPr>
+            <a:endParaRPr lang="en-US" dirty="0"/>
+          </a:p>
+        </p:txBody>
+      </p:sp>
+      <p:sp>
+        <p:nvSpPr>
+          <p:cNvPr id="3" name="Picture Placeholder 2"/>
           <p:cNvSpPr>
-            <a:spLocks noGrp="1"/>
+            <a:spLocks noGrp="1" noChangeAspect="1"/>
           </p:cNvSpPr>
           <p:nvPr>
             <p:ph type="pic" idx="1"/>
@@ -2531,64 +2227,62 @@
         </p:nvSpPr>
         <p:spPr>
           <a:xfrm>
-            <a:off x="5183188" y="987425"/>
-            <a:ext cx="6172200" cy="4873625"/>
-          </a:xfrm>
-        </p:spPr>
-        <p:txBody>
-          <a:bodyPr/>
+            <a:off x="5183188" y="1554968"/>
+            <a:ext cx="6172200" cy="7674832"/>
+          </a:xfrm>
+        </p:spPr>
+        <p:txBody>
+          <a:bodyPr anchor="t"/>
           <a:lstStyle>
             <a:lvl1pPr marL="0" indent="0">
               <a:buNone/>
+              <a:defRPr sz="4267"/>
+            </a:lvl1pPr>
+            <a:lvl2pPr marL="609585" indent="0">
+              <a:buNone/>
+              <a:defRPr sz="3733"/>
+            </a:lvl2pPr>
+            <a:lvl3pPr marL="1219170" indent="0">
+              <a:buNone/>
               <a:defRPr sz="3200"/>
-            </a:lvl1pPr>
-            <a:lvl2pPr marL="457200" indent="0">
+            </a:lvl3pPr>
+            <a:lvl4pPr marL="1828754" indent="0">
               <a:buNone/>
-              <a:defRPr sz="2800"/>
-            </a:lvl2pPr>
-            <a:lvl3pPr marL="914400" indent="0">
+              <a:defRPr sz="2667"/>
+            </a:lvl4pPr>
+            <a:lvl5pPr marL="2438339" indent="0">
               <a:buNone/>
-              <a:defRPr sz="2400"/>
-            </a:lvl3pPr>
-            <a:lvl4pPr marL="1371600" indent="0">
+              <a:defRPr sz="2667"/>
+            </a:lvl5pPr>
+            <a:lvl6pPr marL="3047924" indent="0">
               <a:buNone/>
-              <a:defRPr sz="2000"/>
-            </a:lvl4pPr>
-            <a:lvl5pPr marL="1828800" indent="0">
+              <a:defRPr sz="2667"/>
+            </a:lvl6pPr>
+            <a:lvl7pPr marL="3657509" indent="0">
               <a:buNone/>
-              <a:defRPr sz="2000"/>
-            </a:lvl5pPr>
-            <a:lvl6pPr marL="2286000" indent="0">
+              <a:defRPr sz="2667"/>
+            </a:lvl7pPr>
+            <a:lvl8pPr marL="4267093" indent="0">
               <a:buNone/>
-              <a:defRPr sz="2000"/>
-            </a:lvl6pPr>
-            <a:lvl7pPr marL="2743200" indent="0">
+              <a:defRPr sz="2667"/>
+            </a:lvl8pPr>
+            <a:lvl9pPr marL="4876678" indent="0">
               <a:buNone/>
-              <a:defRPr sz="2000"/>
-            </a:lvl7pPr>
-            <a:lvl8pPr marL="3200400" indent="0">
-              <a:buNone/>
-              <a:defRPr sz="2000"/>
-            </a:lvl8pPr>
-            <a:lvl9pPr marL="3657600" indent="0">
-              <a:buNone/>
-              <a:defRPr sz="2000"/>
+              <a:defRPr sz="2667"/>
             </a:lvl9pPr>
           </a:lstStyle>
           <a:p>
-            <a:endParaRPr lang="ko-KR" altLang="en-US"/>
-          </a:p>
-        </p:txBody>
-      </p:sp>
-      <p:sp>
-        <p:nvSpPr>
-          <p:cNvPr id="4" name="텍스트 개체 틀 3">
-            <a:extLst>
-              <a:ext uri="{FF2B5EF4-FFF2-40B4-BE49-F238E27FC236}">
-                <a16:creationId xmlns:a16="http://schemas.microsoft.com/office/drawing/2014/main" id="{17B92EC7-5D18-CACD-D6A2-23F78FDF8B98}"/>
-              </a:ext>
-            </a:extLst>
-          </p:cNvPr>
+            <a:r>
+              <a:rPr lang="ko-KR" altLang="en-US"/>
+              <a:t>그림을 추가하려면 아이콘을 클릭하십시오</a:t>
+            </a:r>
+            <a:endParaRPr lang="en-US" dirty="0"/>
+          </a:p>
+        </p:txBody>
+      </p:sp>
+      <p:sp>
+        <p:nvSpPr>
+          <p:cNvPr id="4" name="Text Placeholder 3"/>
           <p:cNvSpPr>
             <a:spLocks noGrp="1"/>
           </p:cNvSpPr>
@@ -2598,8 +2292,8 @@
         </p:nvSpPr>
         <p:spPr>
           <a:xfrm>
-            <a:off x="839788" y="2057400"/>
-            <a:ext cx="3932237" cy="3811588"/>
+            <a:off x="839788" y="3239929"/>
+            <a:ext cx="3932237" cy="6002369"/>
           </a:xfrm>
         </p:spPr>
         <p:txBody>
@@ -2607,39 +2301,39 @@
           <a:lstStyle>
             <a:lvl1pPr marL="0" indent="0">
               <a:buNone/>
+              <a:defRPr sz="2133"/>
+            </a:lvl1pPr>
+            <a:lvl2pPr marL="609585" indent="0">
+              <a:buNone/>
+              <a:defRPr sz="1867"/>
+            </a:lvl2pPr>
+            <a:lvl3pPr marL="1219170" indent="0">
+              <a:buNone/>
               <a:defRPr sz="1600"/>
-            </a:lvl1pPr>
-            <a:lvl2pPr marL="457200" indent="0">
+            </a:lvl3pPr>
+            <a:lvl4pPr marL="1828754" indent="0">
               <a:buNone/>
-              <a:defRPr sz="1400"/>
-            </a:lvl2pPr>
-            <a:lvl3pPr marL="914400" indent="0">
+              <a:defRPr sz="1333"/>
+            </a:lvl4pPr>
+            <a:lvl5pPr marL="2438339" indent="0">
               <a:buNone/>
-              <a:defRPr sz="1200"/>
-            </a:lvl3pPr>
-            <a:lvl4pPr marL="1371600" indent="0">
+              <a:defRPr sz="1333"/>
+            </a:lvl5pPr>
+            <a:lvl6pPr marL="3047924" indent="0">
               <a:buNone/>
-              <a:defRPr sz="1000"/>
-            </a:lvl4pPr>
-            <a:lvl5pPr marL="1828800" indent="0">
+              <a:defRPr sz="1333"/>
+            </a:lvl6pPr>
+            <a:lvl7pPr marL="3657509" indent="0">
               <a:buNone/>
-              <a:defRPr sz="1000"/>
-            </a:lvl5pPr>
-            <a:lvl6pPr marL="2286000" indent="0">
+              <a:defRPr sz="1333"/>
+            </a:lvl7pPr>
+            <a:lvl8pPr marL="4267093" indent="0">
               <a:buNone/>
-              <a:defRPr sz="1000"/>
-            </a:lvl6pPr>
-            <a:lvl7pPr marL="2743200" indent="0">
+              <a:defRPr sz="1333"/>
+            </a:lvl8pPr>
+            <a:lvl9pPr marL="4876678" indent="0">
               <a:buNone/>
-              <a:defRPr sz="1000"/>
-            </a:lvl7pPr>
-            <a:lvl8pPr marL="3200400" indent="0">
-              <a:buNone/>
-              <a:defRPr sz="1000"/>
-            </a:lvl8pPr>
-            <a:lvl9pPr marL="3657600" indent="0">
-              <a:buNone/>
-              <a:defRPr sz="1000"/>
+              <a:defRPr sz="1333"/>
             </a:lvl9pPr>
           </a:lstStyle>
           <a:p>
@@ -2653,13 +2347,7 @@
       </p:sp>
       <p:sp>
         <p:nvSpPr>
-          <p:cNvPr id="5" name="날짜 개체 틀 4">
-            <a:extLst>
-              <a:ext uri="{FF2B5EF4-FFF2-40B4-BE49-F238E27FC236}">
-                <a16:creationId xmlns:a16="http://schemas.microsoft.com/office/drawing/2014/main" id="{20BDDAAF-D3DC-F4BA-8D90-D64E4CE8E154}"/>
-              </a:ext>
-            </a:extLst>
-          </p:cNvPr>
+          <p:cNvPr id="5" name="Date Placeholder 4"/>
           <p:cNvSpPr>
             <a:spLocks noGrp="1"/>
           </p:cNvSpPr>
@@ -2674,7 +2362,7 @@
           <a:p>
             <a:fld id="{3AFA5745-1944-4375-9A62-C9C7A2D27294}" type="datetimeFigureOut">
               <a:rPr lang="ko-KR" altLang="en-US" smtClean="0"/>
-              <a:t>2025-09-21</a:t>
+              <a:t>2025-09-22</a:t>
             </a:fld>
             <a:endParaRPr lang="ko-KR" altLang="en-US"/>
           </a:p>
@@ -2682,13 +2370,7 @@
       </p:sp>
       <p:sp>
         <p:nvSpPr>
-          <p:cNvPr id="6" name="바닥글 개체 틀 5">
-            <a:extLst>
-              <a:ext uri="{FF2B5EF4-FFF2-40B4-BE49-F238E27FC236}">
-                <a16:creationId xmlns:a16="http://schemas.microsoft.com/office/drawing/2014/main" id="{B5DB6145-E0E6-5378-2DBF-29918ED99771}"/>
-              </a:ext>
-            </a:extLst>
-          </p:cNvPr>
+          <p:cNvPr id="6" name="Footer Placeholder 5"/>
           <p:cNvSpPr>
             <a:spLocks noGrp="1"/>
           </p:cNvSpPr>
@@ -2707,13 +2389,7 @@
       </p:sp>
       <p:sp>
         <p:nvSpPr>
-          <p:cNvPr id="7" name="슬라이드 번호 개체 틀 6">
-            <a:extLst>
-              <a:ext uri="{FF2B5EF4-FFF2-40B4-BE49-F238E27FC236}">
-                <a16:creationId xmlns:a16="http://schemas.microsoft.com/office/drawing/2014/main" id="{53F05147-44EF-4D4A-3A3D-A2ADA82334AF}"/>
-              </a:ext>
-            </a:extLst>
-          </p:cNvPr>
+          <p:cNvPr id="7" name="Slide Number Placeholder 6"/>
           <p:cNvSpPr>
             <a:spLocks noGrp="1"/>
           </p:cNvSpPr>
@@ -2737,7 +2413,7 @@
     </p:spTree>
     <p:extLst>
       <p:ext uri="{BB962C8B-B14F-4D97-AF65-F5344CB8AC3E}">
-        <p14:creationId xmlns:p14="http://schemas.microsoft.com/office/powerpoint/2010/main" val="1194352839"/>
+        <p14:creationId xmlns:p14="http://schemas.microsoft.com/office/powerpoint/2010/main" val="1590194874"/>
       </p:ext>
     </p:extLst>
   </p:cSld>
@@ -2771,13 +2447,7 @@
       </p:grpSpPr>
       <p:sp>
         <p:nvSpPr>
-          <p:cNvPr id="2" name="제목 개체 틀 1">
-            <a:extLst>
-              <a:ext uri="{FF2B5EF4-FFF2-40B4-BE49-F238E27FC236}">
-                <a16:creationId xmlns:a16="http://schemas.microsoft.com/office/drawing/2014/main" id="{A37C0B07-A9CE-FAA3-6836-8A90EE7169B0}"/>
-              </a:ext>
-            </a:extLst>
-          </p:cNvPr>
+          <p:cNvPr id="2" name="Title Placeholder 1"/>
           <p:cNvSpPr>
             <a:spLocks noGrp="1"/>
           </p:cNvSpPr>
@@ -2787,8 +2457,8 @@
         </p:nvSpPr>
         <p:spPr>
           <a:xfrm>
-            <a:off x="838200" y="365125"/>
-            <a:ext cx="10515600" cy="1325563"/>
+            <a:off x="838200" y="574990"/>
+            <a:ext cx="10515600" cy="2087455"/>
           </a:xfrm>
           <a:prstGeom prst="rect">
             <a:avLst/>
@@ -2804,18 +2474,13 @@
               <a:rPr lang="ko-KR" altLang="en-US"/>
               <a:t>마스터 제목 스타일 편집</a:t>
             </a:r>
-          </a:p>
-        </p:txBody>
-      </p:sp>
-      <p:sp>
-        <p:nvSpPr>
-          <p:cNvPr id="3" name="텍스트 개체 틀 2">
-            <a:extLst>
-              <a:ext uri="{FF2B5EF4-FFF2-40B4-BE49-F238E27FC236}">
-                <a16:creationId xmlns:a16="http://schemas.microsoft.com/office/drawing/2014/main" id="{43F1782C-0D37-E108-5281-E449B7915A91}"/>
-              </a:ext>
-            </a:extLst>
-          </p:cNvPr>
+            <a:endParaRPr lang="en-US" dirty="0"/>
+          </a:p>
+        </p:txBody>
+      </p:sp>
+      <p:sp>
+        <p:nvSpPr>
+          <p:cNvPr id="3" name="Text Placeholder 2"/>
           <p:cNvSpPr>
             <a:spLocks noGrp="1"/>
           </p:cNvSpPr>
@@ -2825,8 +2490,8 @@
         </p:nvSpPr>
         <p:spPr>
           <a:xfrm>
-            <a:off x="838200" y="1825625"/>
-            <a:ext cx="10515600" cy="4351338"/>
+            <a:off x="838200" y="2874937"/>
+            <a:ext cx="10515600" cy="6852350"/>
           </a:xfrm>
           <a:prstGeom prst="rect">
             <a:avLst/>
@@ -2871,18 +2536,13 @@
               <a:rPr lang="ko-KR" altLang="en-US"/>
               <a:t>다섯 번째 수준</a:t>
             </a:r>
-          </a:p>
-        </p:txBody>
-      </p:sp>
-      <p:sp>
-        <p:nvSpPr>
-          <p:cNvPr id="4" name="날짜 개체 틀 3">
-            <a:extLst>
-              <a:ext uri="{FF2B5EF4-FFF2-40B4-BE49-F238E27FC236}">
-                <a16:creationId xmlns:a16="http://schemas.microsoft.com/office/drawing/2014/main" id="{C144F33B-A53C-5A00-4717-9EF84D9E7CA5}"/>
-              </a:ext>
-            </a:extLst>
-          </p:cNvPr>
+            <a:endParaRPr lang="en-US" dirty="0"/>
+          </a:p>
+        </p:txBody>
+      </p:sp>
+      <p:sp>
+        <p:nvSpPr>
+          <p:cNvPr id="4" name="Date Placeholder 3"/>
           <p:cNvSpPr>
             <a:spLocks noGrp="1"/>
           </p:cNvSpPr>
@@ -2892,8 +2552,8 @@
         </p:nvSpPr>
         <p:spPr>
           <a:xfrm>
-            <a:off x="838200" y="6356350"/>
-            <a:ext cx="2743200" cy="365125"/>
+            <a:off x="838200" y="10009783"/>
+            <a:ext cx="2743200" cy="574987"/>
           </a:xfrm>
           <a:prstGeom prst="rect">
             <a:avLst/>
@@ -2903,7 +2563,7 @@
           <a:bodyPr vert="horz" lIns="91440" tIns="45720" rIns="91440" bIns="45720" rtlCol="0" anchor="ctr"/>
           <a:lstStyle>
             <a:lvl1pPr algn="l">
-              <a:defRPr sz="1200">
+              <a:defRPr sz="1600">
                 <a:solidFill>
                   <a:schemeClr val="tx1">
                     <a:tint val="82000"/>
@@ -2915,7 +2575,7 @@
           <a:p>
             <a:fld id="{3AFA5745-1944-4375-9A62-C9C7A2D27294}" type="datetimeFigureOut">
               <a:rPr lang="ko-KR" altLang="en-US" smtClean="0"/>
-              <a:t>2025-09-21</a:t>
+              <a:t>2025-09-22</a:t>
             </a:fld>
             <a:endParaRPr lang="ko-KR" altLang="en-US"/>
           </a:p>
@@ -2923,13 +2583,7 @@
       </p:sp>
       <p:sp>
         <p:nvSpPr>
-          <p:cNvPr id="5" name="바닥글 개체 틀 4">
-            <a:extLst>
-              <a:ext uri="{FF2B5EF4-FFF2-40B4-BE49-F238E27FC236}">
-                <a16:creationId xmlns:a16="http://schemas.microsoft.com/office/drawing/2014/main" id="{A80D1A6D-9E4D-F6AB-8A65-917B81A3654E}"/>
-              </a:ext>
-            </a:extLst>
-          </p:cNvPr>
+          <p:cNvPr id="5" name="Footer Placeholder 4"/>
           <p:cNvSpPr>
             <a:spLocks noGrp="1"/>
           </p:cNvSpPr>
@@ -2939,8 +2593,8 @@
         </p:nvSpPr>
         <p:spPr>
           <a:xfrm>
-            <a:off x="4038600" y="6356350"/>
-            <a:ext cx="4114800" cy="365125"/>
+            <a:off x="4038600" y="10009783"/>
+            <a:ext cx="4114800" cy="574987"/>
           </a:xfrm>
           <a:prstGeom prst="rect">
             <a:avLst/>
@@ -2950,7 +2604,7 @@
           <a:bodyPr vert="horz" lIns="91440" tIns="45720" rIns="91440" bIns="45720" rtlCol="0" anchor="ctr"/>
           <a:lstStyle>
             <a:lvl1pPr algn="ctr">
-              <a:defRPr sz="1200">
+              <a:defRPr sz="1600">
                 <a:solidFill>
                   <a:schemeClr val="tx1">
                     <a:tint val="82000"/>
@@ -2966,13 +2620,7 @@
       </p:sp>
       <p:sp>
         <p:nvSpPr>
-          <p:cNvPr id="6" name="슬라이드 번호 개체 틀 5">
-            <a:extLst>
-              <a:ext uri="{FF2B5EF4-FFF2-40B4-BE49-F238E27FC236}">
-                <a16:creationId xmlns:a16="http://schemas.microsoft.com/office/drawing/2014/main" id="{35530EFD-A397-D900-2812-C1DC34B1F519}"/>
-              </a:ext>
-            </a:extLst>
-          </p:cNvPr>
+          <p:cNvPr id="6" name="Slide Number Placeholder 5"/>
           <p:cNvSpPr>
             <a:spLocks noGrp="1"/>
           </p:cNvSpPr>
@@ -2982,8 +2630,8 @@
         </p:nvSpPr>
         <p:spPr>
           <a:xfrm>
-            <a:off x="8610600" y="6356350"/>
-            <a:ext cx="2743200" cy="365125"/>
+            <a:off x="8610600" y="10009783"/>
+            <a:ext cx="2743200" cy="574987"/>
           </a:xfrm>
           <a:prstGeom prst="rect">
             <a:avLst/>
@@ -2993,7 +2641,7 @@
           <a:bodyPr vert="horz" lIns="91440" tIns="45720" rIns="91440" bIns="45720" rtlCol="0" anchor="ctr"/>
           <a:lstStyle>
             <a:lvl1pPr algn="r">
-              <a:defRPr sz="1200">
+              <a:defRPr sz="1600">
                 <a:solidFill>
                   <a:schemeClr val="tx1">
                     <a:tint val="82000"/>
@@ -3014,27 +2662,27 @@
     </p:spTree>
     <p:extLst>
       <p:ext uri="{BB962C8B-B14F-4D97-AF65-F5344CB8AC3E}">
-        <p14:creationId xmlns:p14="http://schemas.microsoft.com/office/powerpoint/2010/main" val="3088863394"/>
+        <p14:creationId xmlns:p14="http://schemas.microsoft.com/office/powerpoint/2010/main" val="3572655742"/>
       </p:ext>
     </p:extLst>
   </p:cSld>
   <p:clrMap bg1="lt1" tx1="dk1" bg2="lt2" tx2="dk2" accent1="accent1" accent2="accent2" accent3="accent3" accent4="accent4" accent5="accent5" accent6="accent6" hlink="hlink" folHlink="folHlink"/>
   <p:sldLayoutIdLst>
-    <p:sldLayoutId id="2147483649" r:id="rId1"/>
-    <p:sldLayoutId id="2147483650" r:id="rId2"/>
-    <p:sldLayoutId id="2147483651" r:id="rId3"/>
-    <p:sldLayoutId id="2147483652" r:id="rId4"/>
-    <p:sldLayoutId id="2147483653" r:id="rId5"/>
-    <p:sldLayoutId id="2147483654" r:id="rId6"/>
-    <p:sldLayoutId id="2147483655" r:id="rId7"/>
-    <p:sldLayoutId id="2147483656" r:id="rId8"/>
-    <p:sldLayoutId id="2147483657" r:id="rId9"/>
-    <p:sldLayoutId id="2147483658" r:id="rId10"/>
-    <p:sldLayoutId id="2147483659" r:id="rId11"/>
+    <p:sldLayoutId id="2147483661" r:id="rId1"/>
+    <p:sldLayoutId id="2147483662" r:id="rId2"/>
+    <p:sldLayoutId id="2147483663" r:id="rId3"/>
+    <p:sldLayoutId id="2147483664" r:id="rId4"/>
+    <p:sldLayoutId id="2147483665" r:id="rId5"/>
+    <p:sldLayoutId id="2147483666" r:id="rId6"/>
+    <p:sldLayoutId id="2147483667" r:id="rId7"/>
+    <p:sldLayoutId id="2147483668" r:id="rId8"/>
+    <p:sldLayoutId id="2147483669" r:id="rId9"/>
+    <p:sldLayoutId id="2147483670" r:id="rId10"/>
+    <p:sldLayoutId id="2147483671" r:id="rId11"/>
   </p:sldLayoutIdLst>
   <p:txStyles>
     <p:titleStyle>
-      <a:lvl1pPr algn="l" defTabSz="914400" rtl="0" eaLnBrk="1" latinLnBrk="1" hangingPunct="1">
+      <a:lvl1pPr algn="l" defTabSz="1219170" rtl="0" eaLnBrk="1" latinLnBrk="1" hangingPunct="1">
         <a:lnSpc>
           <a:spcPct val="90000"/>
         </a:lnSpc>
@@ -3042,7 +2690,7 @@
           <a:spcPct val="0"/>
         </a:spcBef>
         <a:buNone/>
-        <a:defRPr sz="4400" kern="1200">
+        <a:defRPr sz="5867" kern="1200">
           <a:solidFill>
             <a:schemeClr val="tx1"/>
           </a:solidFill>
@@ -3053,16 +2701,16 @@
       </a:lvl1pPr>
     </p:titleStyle>
     <p:bodyStyle>
-      <a:lvl1pPr marL="228600" indent="-228600" algn="l" defTabSz="914400" rtl="0" eaLnBrk="1" latinLnBrk="1" hangingPunct="1">
+      <a:lvl1pPr marL="304792" indent="-304792" algn="l" defTabSz="1219170" rtl="0" eaLnBrk="1" latinLnBrk="1" hangingPunct="1">
         <a:lnSpc>
           <a:spcPct val="90000"/>
         </a:lnSpc>
         <a:spcBef>
-          <a:spcPts val="1000"/>
+          <a:spcPts val="1333"/>
         </a:spcBef>
         <a:buFont typeface="Arial" panose="020B0604020202020204" pitchFamily="34" charset="0"/>
         <a:buChar char="•"/>
-        <a:defRPr sz="2800" kern="1200">
+        <a:defRPr sz="3733" kern="1200">
           <a:solidFill>
             <a:schemeClr val="tx1"/>
           </a:solidFill>
@@ -3071,12 +2719,48 @@
           <a:cs typeface="+mn-cs"/>
         </a:defRPr>
       </a:lvl1pPr>
-      <a:lvl2pPr marL="685800" indent="-228600" algn="l" defTabSz="914400" rtl="0" eaLnBrk="1" latinLnBrk="1" hangingPunct="1">
+      <a:lvl2pPr marL="914377" indent="-304792" algn="l" defTabSz="1219170" rtl="0" eaLnBrk="1" latinLnBrk="1" hangingPunct="1">
         <a:lnSpc>
           <a:spcPct val="90000"/>
         </a:lnSpc>
         <a:spcBef>
-          <a:spcPts val="500"/>
+          <a:spcPts val="667"/>
+        </a:spcBef>
+        <a:buFont typeface="Arial" panose="020B0604020202020204" pitchFamily="34" charset="0"/>
+        <a:buChar char="•"/>
+        <a:defRPr sz="3200" kern="1200">
+          <a:solidFill>
+            <a:schemeClr val="tx1"/>
+          </a:solidFill>
+          <a:latin typeface="+mn-lt"/>
+          <a:ea typeface="+mn-ea"/>
+          <a:cs typeface="+mn-cs"/>
+        </a:defRPr>
+      </a:lvl2pPr>
+      <a:lvl3pPr marL="1523962" indent="-304792" algn="l" defTabSz="1219170" rtl="0" eaLnBrk="1" latinLnBrk="1" hangingPunct="1">
+        <a:lnSpc>
+          <a:spcPct val="90000"/>
+        </a:lnSpc>
+        <a:spcBef>
+          <a:spcPts val="667"/>
+        </a:spcBef>
+        <a:buFont typeface="Arial" panose="020B0604020202020204" pitchFamily="34" charset="0"/>
+        <a:buChar char="•"/>
+        <a:defRPr sz="2667" kern="1200">
+          <a:solidFill>
+            <a:schemeClr val="tx1"/>
+          </a:solidFill>
+          <a:latin typeface="+mn-lt"/>
+          <a:ea typeface="+mn-ea"/>
+          <a:cs typeface="+mn-cs"/>
+        </a:defRPr>
+      </a:lvl3pPr>
+      <a:lvl4pPr marL="2133547" indent="-304792" algn="l" defTabSz="1219170" rtl="0" eaLnBrk="1" latinLnBrk="1" hangingPunct="1">
+        <a:lnSpc>
+          <a:spcPct val="90000"/>
+        </a:lnSpc>
+        <a:spcBef>
+          <a:spcPts val="667"/>
         </a:spcBef>
         <a:buFont typeface="Arial" panose="020B0604020202020204" pitchFamily="34" charset="0"/>
         <a:buChar char="•"/>
@@ -3088,53 +2772,17 @@
           <a:ea typeface="+mn-ea"/>
           <a:cs typeface="+mn-cs"/>
         </a:defRPr>
-      </a:lvl2pPr>
-      <a:lvl3pPr marL="1143000" indent="-228600" algn="l" defTabSz="914400" rtl="0" eaLnBrk="1" latinLnBrk="1" hangingPunct="1">
+      </a:lvl4pPr>
+      <a:lvl5pPr marL="2743131" indent="-304792" algn="l" defTabSz="1219170" rtl="0" eaLnBrk="1" latinLnBrk="1" hangingPunct="1">
         <a:lnSpc>
           <a:spcPct val="90000"/>
         </a:lnSpc>
         <a:spcBef>
-          <a:spcPts val="500"/>
+          <a:spcPts val="667"/>
         </a:spcBef>
         <a:buFont typeface="Arial" panose="020B0604020202020204" pitchFamily="34" charset="0"/>
         <a:buChar char="•"/>
-        <a:defRPr sz="2000" kern="1200">
-          <a:solidFill>
-            <a:schemeClr val="tx1"/>
-          </a:solidFill>
-          <a:latin typeface="+mn-lt"/>
-          <a:ea typeface="+mn-ea"/>
-          <a:cs typeface="+mn-cs"/>
-        </a:defRPr>
-      </a:lvl3pPr>
-      <a:lvl4pPr marL="1600200" indent="-228600" algn="l" defTabSz="914400" rtl="0" eaLnBrk="1" latinLnBrk="1" hangingPunct="1">
-        <a:lnSpc>
-          <a:spcPct val="90000"/>
-        </a:lnSpc>
-        <a:spcBef>
-          <a:spcPts val="500"/>
-        </a:spcBef>
-        <a:buFont typeface="Arial" panose="020B0604020202020204" pitchFamily="34" charset="0"/>
-        <a:buChar char="•"/>
-        <a:defRPr sz="1800" kern="1200">
-          <a:solidFill>
-            <a:schemeClr val="tx1"/>
-          </a:solidFill>
-          <a:latin typeface="+mn-lt"/>
-          <a:ea typeface="+mn-ea"/>
-          <a:cs typeface="+mn-cs"/>
-        </a:defRPr>
-      </a:lvl4pPr>
-      <a:lvl5pPr marL="2057400" indent="-228600" algn="l" defTabSz="914400" rtl="0" eaLnBrk="1" latinLnBrk="1" hangingPunct="1">
-        <a:lnSpc>
-          <a:spcPct val="90000"/>
-        </a:lnSpc>
-        <a:spcBef>
-          <a:spcPts val="500"/>
-        </a:spcBef>
-        <a:buFont typeface="Arial" panose="020B0604020202020204" pitchFamily="34" charset="0"/>
-        <a:buChar char="•"/>
-        <a:defRPr sz="1800" kern="1200">
+        <a:defRPr sz="2400" kern="1200">
           <a:solidFill>
             <a:schemeClr val="tx1"/>
           </a:solidFill>
@@ -3143,16 +2791,16 @@
           <a:cs typeface="+mn-cs"/>
         </a:defRPr>
       </a:lvl5pPr>
-      <a:lvl6pPr marL="2514600" indent="-228600" algn="l" defTabSz="914400" rtl="0" eaLnBrk="1" latinLnBrk="1" hangingPunct="1">
+      <a:lvl6pPr marL="3352716" indent="-304792" algn="l" defTabSz="1219170" rtl="0" eaLnBrk="1" latinLnBrk="1" hangingPunct="1">
         <a:lnSpc>
           <a:spcPct val="90000"/>
         </a:lnSpc>
         <a:spcBef>
-          <a:spcPts val="500"/>
+          <a:spcPts val="667"/>
         </a:spcBef>
         <a:buFont typeface="Arial" panose="020B0604020202020204" pitchFamily="34" charset="0"/>
         <a:buChar char="•"/>
-        <a:defRPr sz="1800" kern="1200">
+        <a:defRPr sz="2400" kern="1200">
           <a:solidFill>
             <a:schemeClr val="tx1"/>
           </a:solidFill>
@@ -3161,16 +2809,16 @@
           <a:cs typeface="+mn-cs"/>
         </a:defRPr>
       </a:lvl6pPr>
-      <a:lvl7pPr marL="2971800" indent="-228600" algn="l" defTabSz="914400" rtl="0" eaLnBrk="1" latinLnBrk="1" hangingPunct="1">
+      <a:lvl7pPr marL="3962301" indent="-304792" algn="l" defTabSz="1219170" rtl="0" eaLnBrk="1" latinLnBrk="1" hangingPunct="1">
         <a:lnSpc>
           <a:spcPct val="90000"/>
         </a:lnSpc>
         <a:spcBef>
-          <a:spcPts val="500"/>
+          <a:spcPts val="667"/>
         </a:spcBef>
         <a:buFont typeface="Arial" panose="020B0604020202020204" pitchFamily="34" charset="0"/>
         <a:buChar char="•"/>
-        <a:defRPr sz="1800" kern="1200">
+        <a:defRPr sz="2400" kern="1200">
           <a:solidFill>
             <a:schemeClr val="tx1"/>
           </a:solidFill>
@@ -3179,16 +2827,16 @@
           <a:cs typeface="+mn-cs"/>
         </a:defRPr>
       </a:lvl7pPr>
-      <a:lvl8pPr marL="3429000" indent="-228600" algn="l" defTabSz="914400" rtl="0" eaLnBrk="1" latinLnBrk="1" hangingPunct="1">
+      <a:lvl8pPr marL="4571886" indent="-304792" algn="l" defTabSz="1219170" rtl="0" eaLnBrk="1" latinLnBrk="1" hangingPunct="1">
         <a:lnSpc>
           <a:spcPct val="90000"/>
         </a:lnSpc>
         <a:spcBef>
-          <a:spcPts val="500"/>
+          <a:spcPts val="667"/>
         </a:spcBef>
         <a:buFont typeface="Arial" panose="020B0604020202020204" pitchFamily="34" charset="0"/>
         <a:buChar char="•"/>
-        <a:defRPr sz="1800" kern="1200">
+        <a:defRPr sz="2400" kern="1200">
           <a:solidFill>
             <a:schemeClr val="tx1"/>
           </a:solidFill>
@@ -3197,16 +2845,16 @@
           <a:cs typeface="+mn-cs"/>
         </a:defRPr>
       </a:lvl8pPr>
-      <a:lvl9pPr marL="3886200" indent="-228600" algn="l" defTabSz="914400" rtl="0" eaLnBrk="1" latinLnBrk="1" hangingPunct="1">
+      <a:lvl9pPr marL="5181470" indent="-304792" algn="l" defTabSz="1219170" rtl="0" eaLnBrk="1" latinLnBrk="1" hangingPunct="1">
         <a:lnSpc>
           <a:spcPct val="90000"/>
         </a:lnSpc>
         <a:spcBef>
-          <a:spcPts val="500"/>
+          <a:spcPts val="667"/>
         </a:spcBef>
         <a:buFont typeface="Arial" panose="020B0604020202020204" pitchFamily="34" charset="0"/>
         <a:buChar char="•"/>
-        <a:defRPr sz="1800" kern="1200">
+        <a:defRPr sz="2400" kern="1200">
           <a:solidFill>
             <a:schemeClr val="tx1"/>
           </a:solidFill>
@@ -3218,10 +2866,10 @@
     </p:bodyStyle>
     <p:otherStyle>
       <a:defPPr>
-        <a:defRPr lang="ko-KR"/>
+        <a:defRPr lang="en-US"/>
       </a:defPPr>
-      <a:lvl1pPr marL="0" algn="l" defTabSz="914400" rtl="0" eaLnBrk="1" latinLnBrk="1" hangingPunct="1">
-        <a:defRPr sz="1800" kern="1200">
+      <a:lvl1pPr marL="0" algn="l" defTabSz="1219170" rtl="0" eaLnBrk="1" latinLnBrk="1" hangingPunct="1">
+        <a:defRPr sz="2400" kern="1200">
           <a:solidFill>
             <a:schemeClr val="tx1"/>
           </a:solidFill>
@@ -3230,8 +2878,8 @@
           <a:cs typeface="+mn-cs"/>
         </a:defRPr>
       </a:lvl1pPr>
-      <a:lvl2pPr marL="457200" algn="l" defTabSz="914400" rtl="0" eaLnBrk="1" latinLnBrk="1" hangingPunct="1">
-        <a:defRPr sz="1800" kern="1200">
+      <a:lvl2pPr marL="609585" algn="l" defTabSz="1219170" rtl="0" eaLnBrk="1" latinLnBrk="1" hangingPunct="1">
+        <a:defRPr sz="2400" kern="1200">
           <a:solidFill>
             <a:schemeClr val="tx1"/>
           </a:solidFill>
@@ -3240,8 +2888,8 @@
           <a:cs typeface="+mn-cs"/>
         </a:defRPr>
       </a:lvl2pPr>
-      <a:lvl3pPr marL="914400" algn="l" defTabSz="914400" rtl="0" eaLnBrk="1" latinLnBrk="1" hangingPunct="1">
-        <a:defRPr sz="1800" kern="1200">
+      <a:lvl3pPr marL="1219170" algn="l" defTabSz="1219170" rtl="0" eaLnBrk="1" latinLnBrk="1" hangingPunct="1">
+        <a:defRPr sz="2400" kern="1200">
           <a:solidFill>
             <a:schemeClr val="tx1"/>
           </a:solidFill>
@@ -3250,8 +2898,8 @@
           <a:cs typeface="+mn-cs"/>
         </a:defRPr>
       </a:lvl3pPr>
-      <a:lvl4pPr marL="1371600" algn="l" defTabSz="914400" rtl="0" eaLnBrk="1" latinLnBrk="1" hangingPunct="1">
-        <a:defRPr sz="1800" kern="1200">
+      <a:lvl4pPr marL="1828754" algn="l" defTabSz="1219170" rtl="0" eaLnBrk="1" latinLnBrk="1" hangingPunct="1">
+        <a:defRPr sz="2400" kern="1200">
           <a:solidFill>
             <a:schemeClr val="tx1"/>
           </a:solidFill>
@@ -3260,8 +2908,8 @@
           <a:cs typeface="+mn-cs"/>
         </a:defRPr>
       </a:lvl4pPr>
-      <a:lvl5pPr marL="1828800" algn="l" defTabSz="914400" rtl="0" eaLnBrk="1" latinLnBrk="1" hangingPunct="1">
-        <a:defRPr sz="1800" kern="1200">
+      <a:lvl5pPr marL="2438339" algn="l" defTabSz="1219170" rtl="0" eaLnBrk="1" latinLnBrk="1" hangingPunct="1">
+        <a:defRPr sz="2400" kern="1200">
           <a:solidFill>
             <a:schemeClr val="tx1"/>
           </a:solidFill>
@@ -3270,8 +2918,8 @@
           <a:cs typeface="+mn-cs"/>
         </a:defRPr>
       </a:lvl5pPr>
-      <a:lvl6pPr marL="2286000" algn="l" defTabSz="914400" rtl="0" eaLnBrk="1" latinLnBrk="1" hangingPunct="1">
-        <a:defRPr sz="1800" kern="1200">
+      <a:lvl6pPr marL="3047924" algn="l" defTabSz="1219170" rtl="0" eaLnBrk="1" latinLnBrk="1" hangingPunct="1">
+        <a:defRPr sz="2400" kern="1200">
           <a:solidFill>
             <a:schemeClr val="tx1"/>
           </a:solidFill>
@@ -3280,8 +2928,8 @@
           <a:cs typeface="+mn-cs"/>
         </a:defRPr>
       </a:lvl6pPr>
-      <a:lvl7pPr marL="2743200" algn="l" defTabSz="914400" rtl="0" eaLnBrk="1" latinLnBrk="1" hangingPunct="1">
-        <a:defRPr sz="1800" kern="1200">
+      <a:lvl7pPr marL="3657509" algn="l" defTabSz="1219170" rtl="0" eaLnBrk="1" latinLnBrk="1" hangingPunct="1">
+        <a:defRPr sz="2400" kern="1200">
           <a:solidFill>
             <a:schemeClr val="tx1"/>
           </a:solidFill>
@@ -3290,8 +2938,8 @@
           <a:cs typeface="+mn-cs"/>
         </a:defRPr>
       </a:lvl7pPr>
-      <a:lvl8pPr marL="3200400" algn="l" defTabSz="914400" rtl="0" eaLnBrk="1" latinLnBrk="1" hangingPunct="1">
-        <a:defRPr sz="1800" kern="1200">
+      <a:lvl8pPr marL="4267093" algn="l" defTabSz="1219170" rtl="0" eaLnBrk="1" latinLnBrk="1" hangingPunct="1">
+        <a:defRPr sz="2400" kern="1200">
           <a:solidFill>
             <a:schemeClr val="tx1"/>
           </a:solidFill>
@@ -3300,8 +2948,8 @@
           <a:cs typeface="+mn-cs"/>
         </a:defRPr>
       </a:lvl8pPr>
-      <a:lvl9pPr marL="3657600" algn="l" defTabSz="914400" rtl="0" eaLnBrk="1" latinLnBrk="1" hangingPunct="1">
-        <a:defRPr sz="1800" kern="1200">
+      <a:lvl9pPr marL="4876678" algn="l" defTabSz="1219170" rtl="0" eaLnBrk="1" latinLnBrk="1" hangingPunct="1">
+        <a:defRPr sz="2400" kern="1200">
           <a:solidFill>
             <a:schemeClr val="tx1"/>
           </a:solidFill>
@@ -3346,7 +2994,7 @@
         </p:nvSpPr>
         <p:spPr>
           <a:xfrm>
-            <a:off x="4106567" y="1307096"/>
+            <a:off x="4106567" y="3277977"/>
             <a:ext cx="1082348" cy="630942"/>
           </a:xfrm>
           <a:prstGeom prst="rect">
@@ -3381,7 +3029,7 @@
         </p:nvSpPr>
         <p:spPr>
           <a:xfrm>
-            <a:off x="9926437" y="1307096"/>
+            <a:off x="9926436" y="3277977"/>
             <a:ext cx="1085618" cy="630942"/>
           </a:xfrm>
           <a:prstGeom prst="rect">
@@ -3417,7 +3065,7 @@
         </p:nvSpPr>
         <p:spPr>
           <a:xfrm>
-            <a:off x="434566" y="525100"/>
+            <a:off x="434567" y="2495982"/>
             <a:ext cx="5133315" cy="3340729"/>
           </a:xfrm>
           <a:prstGeom prst="roundRect">
@@ -3464,7 +3112,7 @@
         </p:nvSpPr>
         <p:spPr>
           <a:xfrm>
-            <a:off x="6096000" y="525100"/>
+            <a:off x="6096002" y="2495983"/>
             <a:ext cx="5133315" cy="3340729"/>
           </a:xfrm>
           <a:prstGeom prst="roundRect">
@@ -3511,7 +3159,7 @@
         </p:nvSpPr>
         <p:spPr>
           <a:xfrm>
-            <a:off x="434566" y="4490520"/>
+            <a:off x="434567" y="6461401"/>
             <a:ext cx="3376943" cy="1842380"/>
           </a:xfrm>
           <a:prstGeom prst="roundRect">
@@ -3558,7 +3206,7 @@
         </p:nvSpPr>
         <p:spPr>
           <a:xfrm>
-            <a:off x="2113108" y="5096239"/>
+            <a:off x="2113109" y="7067120"/>
             <a:ext cx="1694695" cy="630942"/>
           </a:xfrm>
           <a:prstGeom prst="rect">
@@ -3594,7 +3242,7 @@
         </p:nvSpPr>
         <p:spPr>
           <a:xfrm>
-            <a:off x="4106567" y="4490520"/>
+            <a:off x="4106568" y="6461401"/>
             <a:ext cx="3376943" cy="1842380"/>
           </a:xfrm>
           <a:prstGeom prst="roundRect">
@@ -3641,7 +3289,7 @@
         </p:nvSpPr>
         <p:spPr>
           <a:xfrm>
-            <a:off x="6482223" y="5096239"/>
+            <a:off x="6482224" y="7067120"/>
             <a:ext cx="947311" cy="630942"/>
           </a:xfrm>
           <a:prstGeom prst="rect">
@@ -3677,7 +3325,7 @@
         </p:nvSpPr>
         <p:spPr>
           <a:xfrm>
-            <a:off x="7852372" y="4490520"/>
+            <a:off x="7852374" y="6461401"/>
             <a:ext cx="3376943" cy="1842380"/>
           </a:xfrm>
           <a:prstGeom prst="roundRect">
@@ -3724,7 +3372,7 @@
         </p:nvSpPr>
         <p:spPr>
           <a:xfrm>
-            <a:off x="10209922" y="5096239"/>
+            <a:off x="10209922" y="7067120"/>
             <a:ext cx="1082348" cy="630942"/>
           </a:xfrm>
           <a:prstGeom prst="rect">
@@ -3789,7 +3437,7 @@
         </p:nvSpPr>
         <p:spPr>
           <a:xfrm>
-            <a:off x="4106567" y="1307096"/>
+            <a:off x="4106567" y="3277977"/>
             <a:ext cx="1082348" cy="630942"/>
           </a:xfrm>
           <a:prstGeom prst="rect">
@@ -3824,7 +3472,7 @@
         </p:nvSpPr>
         <p:spPr>
           <a:xfrm>
-            <a:off x="434566" y="525100"/>
+            <a:off x="434567" y="2495982"/>
             <a:ext cx="5133315" cy="3340729"/>
           </a:xfrm>
           <a:prstGeom prst="roundRect">
@@ -3871,7 +3519,7 @@
         </p:nvSpPr>
         <p:spPr>
           <a:xfrm>
-            <a:off x="587742" y="2844676"/>
+            <a:off x="587742" y="4815558"/>
             <a:ext cx="4826962" cy="430887"/>
           </a:xfrm>
           <a:prstGeom prst="rect">
@@ -3961,7 +3609,7 @@
         </p:nvSpPr>
         <p:spPr>
           <a:xfrm>
-            <a:off x="6735778" y="1756372"/>
+            <a:off x="6735778" y="3727253"/>
             <a:ext cx="4101220" cy="914400"/>
           </a:xfrm>
           <a:prstGeom prst="roundRect">
@@ -4008,7 +3656,7 @@
         </p:nvSpPr>
         <p:spPr>
           <a:xfrm>
-            <a:off x="7351414" y="1938038"/>
+            <a:off x="7351415" y="3908919"/>
             <a:ext cx="697117" cy="605986"/>
           </a:xfrm>
           <a:prstGeom prst="ellipse">
@@ -4057,7 +3705,7 @@
         </p:nvSpPr>
         <p:spPr>
           <a:xfrm>
-            <a:off x="9439747" y="1938038"/>
+            <a:off x="9439748" y="3908919"/>
             <a:ext cx="697117" cy="605986"/>
           </a:xfrm>
           <a:prstGeom prst="ellipse">
@@ -4143,7 +3791,7 @@
           </p:nvPr>
         </p:nvGraphicFramePr>
         <p:xfrm>
-          <a:off x="353085" y="312260"/>
+          <a:off x="353085" y="2283141"/>
           <a:ext cx="11380206" cy="2966720"/>
         </p:xfrm>
         <a:graphic>
@@ -4231,7 +3879,7 @@
                   </a:extLst>
                 </a:gridCol>
               </a:tblGrid>
-              <a:tr h="370840">
+              <a:tr h="526932">
                 <a:tc rowSpan="2">
                   <a:txBody>
                     <a:bodyPr/>
@@ -4239,10 +3887,10 @@
                     <a:p>
                       <a:pPr algn="ctr" latinLnBrk="1"/>
                       <a:r>
-                        <a:rPr lang="en-US" altLang="ko-KR"/>
+                        <a:rPr lang="en-US" altLang="ko-KR" sz="2900"/>
                         <a:t>Zone</a:t>
                       </a:r>
-                      <a:endParaRPr lang="ko-KR" altLang="en-US"/>
+                      <a:endParaRPr lang="ko-KR" altLang="en-US" sz="2900"/>
                     </a:p>
                   </a:txBody>
                   <a:tcPr anchor="ctr"/>
@@ -4254,10 +3902,10 @@
                     <a:p>
                       <a:pPr algn="ctr" latinLnBrk="1"/>
                       <a:r>
-                        <a:rPr lang="en-US" altLang="ko-KR"/>
+                        <a:rPr lang="en-US" altLang="ko-KR" sz="2900"/>
                         <a:t>Inner ID</a:t>
                       </a:r>
-                      <a:endParaRPr lang="ko-KR" altLang="en-US"/>
+                      <a:endParaRPr lang="ko-KR" altLang="en-US" sz="2900"/>
                     </a:p>
                   </a:txBody>
                   <a:tcPr anchor="ctr"/>
@@ -4269,7 +3917,7 @@
                     <a:p>
                       <a:pPr algn="ctr" latinLnBrk="1"/>
                       <a:r>
-                        <a:rPr lang="ko-KR" altLang="en-US"/>
+                        <a:rPr lang="ko-KR" altLang="en-US" sz="2900"/>
                         <a:t>항목</a:t>
                       </a:r>
                     </a:p>
@@ -4283,10 +3931,10 @@
                     <a:p>
                       <a:pPr algn="ctr" latinLnBrk="1"/>
                       <a:r>
-                        <a:rPr lang="en-US" altLang="ko-KR"/>
+                        <a:rPr lang="en-US" altLang="ko-KR" sz="2900"/>
                         <a:t>DATA</a:t>
                       </a:r>
-                      <a:endParaRPr lang="ko-KR" altLang="en-US"/>
+                      <a:endParaRPr lang="ko-KR" altLang="en-US" sz="2900"/>
                     </a:p>
                   </a:txBody>
                   <a:tcPr anchor="ctr"/>
@@ -4358,10 +4006,10 @@
                         <a:defRPr/>
                       </a:pPr>
                       <a:r>
-                        <a:rPr lang="en-US" altLang="ko-KR"/>
+                        <a:rPr lang="en-US" altLang="ko-KR" sz="2900"/>
                         <a:t>Error Name</a:t>
                       </a:r>
-                      <a:endParaRPr lang="ko-KR" altLang="en-US"/>
+                      <a:endParaRPr lang="ko-KR" altLang="en-US" sz="2900"/>
                     </a:p>
                   </a:txBody>
                   <a:tcPr anchor="ctr"/>
@@ -4373,10 +4021,10 @@
                     <a:p>
                       <a:pPr algn="ctr" latinLnBrk="1"/>
                       <a:r>
-                        <a:rPr lang="en-US" altLang="ko-KR"/>
+                        <a:rPr lang="en-US" altLang="ko-KR" sz="2900"/>
                         <a:t>Tact</a:t>
                       </a:r>
-                      <a:endParaRPr lang="ko-KR" altLang="en-US"/>
+                      <a:endParaRPr lang="ko-KR" altLang="en-US" sz="2900"/>
                     </a:p>
                   </a:txBody>
                   <a:tcPr anchor="ctr"/>
@@ -4388,7 +4036,7 @@
                     <a:p>
                       <a:pPr algn="ctr" latinLnBrk="1"/>
                       <a:r>
-                        <a:rPr lang="ko-KR" altLang="en-US"/>
+                        <a:rPr lang="ko-KR" altLang="en-US" sz="2900"/>
                         <a:t>판정</a:t>
                       </a:r>
                     </a:p>
@@ -4401,7 +4049,7 @@
                   </a:ext>
                 </a:extLst>
               </a:tr>
-              <a:tr h="370840">
+              <a:tr h="962425">
                 <a:tc vMerge="1">
                   <a:txBody>
                     <a:bodyPr/>
@@ -4441,10 +4089,10 @@
                     <a:p>
                       <a:pPr algn="ctr" latinLnBrk="1"/>
                       <a:r>
-                        <a:rPr lang="en-US" altLang="ko-KR"/>
+                        <a:rPr lang="en-US" altLang="ko-KR" sz="2900"/>
                         <a:t>x</a:t>
                       </a:r>
-                      <a:endParaRPr lang="ko-KR" altLang="en-US"/>
+                      <a:endParaRPr lang="ko-KR" altLang="en-US" sz="2900"/>
                     </a:p>
                   </a:txBody>
                   <a:tcPr anchor="ctr"/>
@@ -4456,10 +4104,10 @@
                     <a:p>
                       <a:pPr algn="ctr" latinLnBrk="1"/>
                       <a:r>
-                        <a:rPr lang="en-US" altLang="ko-KR"/>
+                        <a:rPr lang="en-US" altLang="ko-KR" sz="2900"/>
                         <a:t>y</a:t>
                       </a:r>
-                      <a:endParaRPr lang="ko-KR" altLang="en-US"/>
+                      <a:endParaRPr lang="ko-KR" altLang="en-US" sz="2900"/>
                     </a:p>
                   </a:txBody>
                   <a:tcPr anchor="ctr"/>
@@ -4471,10 +4119,10 @@
                     <a:p>
                       <a:pPr algn="ctr" latinLnBrk="1"/>
                       <a:r>
-                        <a:rPr lang="en-US" altLang="ko-KR"/>
+                        <a:rPr lang="en-US" altLang="ko-KR" sz="2900"/>
                         <a:t>L</a:t>
                       </a:r>
-                      <a:endParaRPr lang="ko-KR" altLang="en-US"/>
+                      <a:endParaRPr lang="ko-KR" altLang="en-US" sz="2900"/>
                     </a:p>
                   </a:txBody>
                   <a:tcPr anchor="ctr"/>
@@ -4486,7 +4134,7 @@
                     <a:p>
                       <a:pPr algn="ctr" latinLnBrk="1"/>
                       <a:r>
-                        <a:rPr lang="ko-KR" altLang="en-US"/>
+                        <a:rPr lang="ko-KR" altLang="en-US" sz="2900"/>
                         <a:t>전류</a:t>
                       </a:r>
                     </a:p>
@@ -4500,7 +4148,7 @@
                     <a:p>
                       <a:pPr algn="ctr" latinLnBrk="1"/>
                       <a:r>
-                        <a:rPr lang="ko-KR" altLang="en-US"/>
+                        <a:rPr lang="ko-KR" altLang="en-US" sz="2900"/>
                         <a:t>효율</a:t>
                       </a:r>
                     </a:p>
@@ -4546,7 +4194,7 @@
                   </a:ext>
                 </a:extLst>
               </a:tr>
-              <a:tr h="370840">
+              <a:tr h="526932">
                 <a:tc rowSpan="3">
                   <a:txBody>
                     <a:bodyPr/>
@@ -4554,10 +4202,10 @@
                     <a:p>
                       <a:pPr algn="ctr" latinLnBrk="1"/>
                       <a:r>
-                        <a:rPr lang="en-US" altLang="ko-KR"/>
+                        <a:rPr lang="en-US" altLang="ko-KR" sz="2900"/>
                         <a:t>1</a:t>
                       </a:r>
-                      <a:endParaRPr lang="ko-KR" altLang="en-US"/>
+                      <a:endParaRPr lang="ko-KR" altLang="en-US" sz="2900"/>
                     </a:p>
                   </a:txBody>
                   <a:tcPr anchor="ctr"/>
@@ -4568,7 +4216,7 @@
                     <a:lstStyle/>
                     <a:p>
                       <a:pPr algn="ctr" latinLnBrk="1"/>
-                      <a:endParaRPr lang="ko-KR" altLang="en-US"/>
+                      <a:endParaRPr lang="ko-KR" altLang="en-US" sz="2900"/>
                     </a:p>
                   </a:txBody>
                   <a:tcPr anchor="ctr"/>
@@ -4580,10 +4228,10 @@
                     <a:p>
                       <a:pPr algn="ctr" latinLnBrk="1"/>
                       <a:r>
-                        <a:rPr lang="en-US" altLang="ko-KR"/>
+                        <a:rPr lang="en-US" altLang="ko-KR" sz="2900"/>
                         <a:t>R</a:t>
                       </a:r>
-                      <a:endParaRPr lang="ko-KR" altLang="en-US"/>
+                      <a:endParaRPr lang="ko-KR" altLang="en-US" sz="2900"/>
                     </a:p>
                   </a:txBody>
                   <a:tcPr anchor="ctr"/>
@@ -4594,7 +4242,7 @@
                     <a:lstStyle/>
                     <a:p>
                       <a:pPr algn="ctr" latinLnBrk="1"/>
-                      <a:endParaRPr lang="ko-KR" altLang="en-US"/>
+                      <a:endParaRPr lang="ko-KR" altLang="en-US" sz="2900"/>
                     </a:p>
                   </a:txBody>
                   <a:tcPr anchor="ctr"/>
@@ -4605,7 +4253,7 @@
                     <a:lstStyle/>
                     <a:p>
                       <a:pPr algn="ctr" latinLnBrk="1"/>
-                      <a:endParaRPr lang="ko-KR" altLang="en-US"/>
+                      <a:endParaRPr lang="ko-KR" altLang="en-US" sz="2900"/>
                     </a:p>
                   </a:txBody>
                   <a:tcPr anchor="ctr"/>
@@ -4616,7 +4264,7 @@
                     <a:lstStyle/>
                     <a:p>
                       <a:pPr algn="ctr" latinLnBrk="1"/>
-                      <a:endParaRPr lang="ko-KR" altLang="en-US"/>
+                      <a:endParaRPr lang="ko-KR" altLang="en-US" sz="2900"/>
                     </a:p>
                   </a:txBody>
                   <a:tcPr anchor="ctr"/>
@@ -4627,7 +4275,7 @@
                     <a:lstStyle/>
                     <a:p>
                       <a:pPr algn="ctr" latinLnBrk="1"/>
-                      <a:endParaRPr lang="ko-KR" altLang="en-US"/>
+                      <a:endParaRPr lang="ko-KR" altLang="en-US" sz="2900"/>
                     </a:p>
                   </a:txBody>
                   <a:tcPr anchor="ctr"/>
@@ -4638,7 +4286,7 @@
                     <a:lstStyle/>
                     <a:p>
                       <a:pPr algn="ctr" latinLnBrk="1"/>
-                      <a:endParaRPr lang="ko-KR" altLang="en-US"/>
+                      <a:endParaRPr lang="ko-KR" altLang="en-US" sz="2900"/>
                     </a:p>
                   </a:txBody>
                   <a:tcPr anchor="ctr"/>
@@ -4649,7 +4297,7 @@
                     <a:lstStyle/>
                     <a:p>
                       <a:pPr algn="ctr" latinLnBrk="1"/>
-                      <a:endParaRPr lang="ko-KR" altLang="en-US"/>
+                      <a:endParaRPr lang="ko-KR" altLang="en-US" sz="2900"/>
                     </a:p>
                   </a:txBody>
                   <a:tcPr anchor="ctr"/>
@@ -4660,7 +4308,7 @@
                     <a:lstStyle/>
                     <a:p>
                       <a:pPr algn="ctr" latinLnBrk="1"/>
-                      <a:endParaRPr lang="ko-KR" altLang="en-US"/>
+                      <a:endParaRPr lang="ko-KR" altLang="en-US" sz="2900"/>
                     </a:p>
                   </a:txBody>
                   <a:tcPr anchor="ctr"/>
@@ -4671,7 +4319,7 @@
                     <a:lstStyle/>
                     <a:p>
                       <a:pPr algn="ctr" latinLnBrk="1"/>
-                      <a:endParaRPr lang="ko-KR" altLang="en-US"/>
+                      <a:endParaRPr lang="ko-KR" altLang="en-US" sz="2900"/>
                     </a:p>
                   </a:txBody>
                   <a:tcPr anchor="ctr"/>
@@ -4682,7 +4330,7 @@
                   </a:ext>
                 </a:extLst>
               </a:tr>
-              <a:tr h="370840">
+              <a:tr h="526932">
                 <a:tc vMerge="1">
                   <a:txBody>
                     <a:bodyPr/>
@@ -4712,10 +4360,10 @@
                     <a:p>
                       <a:pPr algn="ctr" latinLnBrk="1"/>
                       <a:r>
-                        <a:rPr lang="en-US" altLang="ko-KR"/>
+                        <a:rPr lang="en-US" altLang="ko-KR" sz="2900"/>
                         <a:t>G</a:t>
                       </a:r>
-                      <a:endParaRPr lang="ko-KR" altLang="en-US"/>
+                      <a:endParaRPr lang="ko-KR" altLang="en-US" sz="2900"/>
                     </a:p>
                   </a:txBody>
                   <a:tcPr anchor="ctr"/>
@@ -4726,7 +4374,7 @@
                     <a:lstStyle/>
                     <a:p>
                       <a:pPr algn="ctr" latinLnBrk="1"/>
-                      <a:endParaRPr lang="ko-KR" altLang="en-US"/>
+                      <a:endParaRPr lang="ko-KR" altLang="en-US" sz="2900"/>
                     </a:p>
                   </a:txBody>
                   <a:tcPr anchor="ctr"/>
@@ -4737,7 +4385,7 @@
                     <a:lstStyle/>
                     <a:p>
                       <a:pPr algn="ctr" latinLnBrk="1"/>
-                      <a:endParaRPr lang="ko-KR" altLang="en-US"/>
+                      <a:endParaRPr lang="ko-KR" altLang="en-US" sz="2900"/>
                     </a:p>
                   </a:txBody>
                   <a:tcPr anchor="ctr"/>
@@ -4748,7 +4396,7 @@
                     <a:lstStyle/>
                     <a:p>
                       <a:pPr algn="ctr" latinLnBrk="1"/>
-                      <a:endParaRPr lang="ko-KR" altLang="en-US"/>
+                      <a:endParaRPr lang="ko-KR" altLang="en-US" sz="2900"/>
                     </a:p>
                   </a:txBody>
                   <a:tcPr anchor="ctr"/>
@@ -4759,7 +4407,7 @@
                     <a:lstStyle/>
                     <a:p>
                       <a:pPr algn="ctr" latinLnBrk="1"/>
-                      <a:endParaRPr lang="ko-KR" altLang="en-US"/>
+                      <a:endParaRPr lang="ko-KR" altLang="en-US" sz="2900"/>
                     </a:p>
                   </a:txBody>
                   <a:tcPr anchor="ctr"/>
@@ -4770,7 +4418,7 @@
                     <a:lstStyle/>
                     <a:p>
                       <a:pPr algn="ctr" latinLnBrk="1"/>
-                      <a:endParaRPr lang="ko-KR" altLang="en-US"/>
+                      <a:endParaRPr lang="ko-KR" altLang="en-US" sz="2900"/>
                     </a:p>
                   </a:txBody>
                   <a:tcPr anchor="ctr"/>
@@ -4814,7 +4462,7 @@
                   </a:ext>
                 </a:extLst>
               </a:tr>
-              <a:tr h="370840">
+              <a:tr h="526932">
                 <a:tc vMerge="1">
                   <a:txBody>
                     <a:bodyPr/>
@@ -4844,10 +4492,10 @@
                     <a:p>
                       <a:pPr algn="ctr" latinLnBrk="1"/>
                       <a:r>
-                        <a:rPr lang="en-US" altLang="ko-KR"/>
+                        <a:rPr lang="en-US" altLang="ko-KR" sz="2900"/>
                         <a:t>B</a:t>
                       </a:r>
-                      <a:endParaRPr lang="ko-KR" altLang="en-US"/>
+                      <a:endParaRPr lang="ko-KR" altLang="en-US" sz="2900"/>
                     </a:p>
                   </a:txBody>
                   <a:tcPr anchor="ctr"/>
@@ -4858,7 +4506,7 @@
                     <a:lstStyle/>
                     <a:p>
                       <a:pPr algn="ctr" latinLnBrk="1"/>
-                      <a:endParaRPr lang="ko-KR" altLang="en-US"/>
+                      <a:endParaRPr lang="ko-KR" altLang="en-US" sz="2900"/>
                     </a:p>
                   </a:txBody>
                   <a:tcPr anchor="ctr"/>
@@ -4869,7 +4517,7 @@
                     <a:lstStyle/>
                     <a:p>
                       <a:pPr algn="ctr" latinLnBrk="1"/>
-                      <a:endParaRPr lang="ko-KR" altLang="en-US"/>
+                      <a:endParaRPr lang="ko-KR" altLang="en-US" sz="2900"/>
                     </a:p>
                   </a:txBody>
                   <a:tcPr anchor="ctr"/>
@@ -4880,7 +4528,7 @@
                     <a:lstStyle/>
                     <a:p>
                       <a:pPr algn="ctr" latinLnBrk="1"/>
-                      <a:endParaRPr lang="ko-KR" altLang="en-US"/>
+                      <a:endParaRPr lang="ko-KR" altLang="en-US" sz="2900"/>
                     </a:p>
                   </a:txBody>
                   <a:tcPr anchor="ctr"/>
@@ -4891,7 +4539,7 @@
                     <a:lstStyle/>
                     <a:p>
                       <a:pPr algn="ctr" latinLnBrk="1"/>
-                      <a:endParaRPr lang="ko-KR" altLang="en-US"/>
+                      <a:endParaRPr lang="ko-KR" altLang="en-US" sz="2900"/>
                     </a:p>
                   </a:txBody>
                   <a:tcPr anchor="ctr"/>
@@ -4902,7 +4550,7 @@
                     <a:lstStyle/>
                     <a:p>
                       <a:pPr algn="ctr" latinLnBrk="1"/>
-                      <a:endParaRPr lang="ko-KR" altLang="en-US"/>
+                      <a:endParaRPr lang="ko-KR" altLang="en-US" sz="2900"/>
                     </a:p>
                   </a:txBody>
                   <a:tcPr anchor="ctr"/>
@@ -4946,7 +4594,7 @@
                   </a:ext>
                 </a:extLst>
               </a:tr>
-              <a:tr h="370840">
+              <a:tr h="526932">
                 <a:tc rowSpan="3">
                   <a:txBody>
                     <a:bodyPr/>
@@ -4954,10 +4602,10 @@
                     <a:p>
                       <a:pPr algn="ctr" latinLnBrk="1"/>
                       <a:r>
-                        <a:rPr lang="en-US" altLang="ko-KR"/>
+                        <a:rPr lang="en-US" altLang="ko-KR" sz="2900"/>
                         <a:t>2</a:t>
                       </a:r>
-                      <a:endParaRPr lang="ko-KR" altLang="en-US"/>
+                      <a:endParaRPr lang="ko-KR" altLang="en-US" sz="2900"/>
                     </a:p>
                   </a:txBody>
                   <a:tcPr anchor="ctr"/>
@@ -4968,7 +4616,7 @@
                     <a:lstStyle/>
                     <a:p>
                       <a:pPr algn="ctr" latinLnBrk="1"/>
-                      <a:endParaRPr lang="ko-KR" altLang="en-US"/>
+                      <a:endParaRPr lang="ko-KR" altLang="en-US" sz="2900"/>
                     </a:p>
                   </a:txBody>
                   <a:tcPr anchor="ctr"/>
@@ -4979,7 +4627,7 @@
                     <a:lstStyle/>
                     <a:p>
                       <a:pPr algn="ctr" latinLnBrk="1"/>
-                      <a:endParaRPr lang="ko-KR" altLang="en-US"/>
+                      <a:endParaRPr lang="ko-KR" altLang="en-US" sz="2900"/>
                     </a:p>
                   </a:txBody>
                   <a:tcPr anchor="ctr"/>
@@ -4990,7 +4638,7 @@
                     <a:lstStyle/>
                     <a:p>
                       <a:pPr algn="ctr" latinLnBrk="1"/>
-                      <a:endParaRPr lang="ko-KR" altLang="en-US"/>
+                      <a:endParaRPr lang="ko-KR" altLang="en-US" sz="2900"/>
                     </a:p>
                   </a:txBody>
                   <a:tcPr anchor="ctr"/>
@@ -5001,7 +4649,7 @@
                     <a:lstStyle/>
                     <a:p>
                       <a:pPr algn="ctr" latinLnBrk="1"/>
-                      <a:endParaRPr lang="ko-KR" altLang="en-US"/>
+                      <a:endParaRPr lang="ko-KR" altLang="en-US" sz="2900"/>
                     </a:p>
                   </a:txBody>
                   <a:tcPr anchor="ctr"/>
@@ -5012,7 +4660,7 @@
                     <a:lstStyle/>
                     <a:p>
                       <a:pPr algn="ctr" latinLnBrk="1"/>
-                      <a:endParaRPr lang="ko-KR" altLang="en-US"/>
+                      <a:endParaRPr lang="ko-KR" altLang="en-US" sz="2900"/>
                     </a:p>
                   </a:txBody>
                   <a:tcPr anchor="ctr"/>
@@ -5023,7 +4671,7 @@
                     <a:lstStyle/>
                     <a:p>
                       <a:pPr algn="ctr" latinLnBrk="1"/>
-                      <a:endParaRPr lang="ko-KR" altLang="en-US"/>
+                      <a:endParaRPr lang="ko-KR" altLang="en-US" sz="2900"/>
                     </a:p>
                   </a:txBody>
                   <a:tcPr anchor="ctr"/>
@@ -5034,7 +4682,7 @@
                     <a:lstStyle/>
                     <a:p>
                       <a:pPr algn="ctr" latinLnBrk="1"/>
-                      <a:endParaRPr lang="ko-KR" altLang="en-US"/>
+                      <a:endParaRPr lang="ko-KR" altLang="en-US" sz="2900"/>
                     </a:p>
                   </a:txBody>
                   <a:tcPr anchor="ctr"/>
@@ -5045,7 +4693,7 @@
                     <a:lstStyle/>
                     <a:p>
                       <a:pPr algn="ctr" latinLnBrk="1"/>
-                      <a:endParaRPr lang="ko-KR" altLang="en-US"/>
+                      <a:endParaRPr lang="ko-KR" altLang="en-US" sz="2900"/>
                     </a:p>
                   </a:txBody>
                   <a:tcPr anchor="ctr"/>
@@ -5056,7 +4704,7 @@
                     <a:lstStyle/>
                     <a:p>
                       <a:pPr algn="ctr" latinLnBrk="1"/>
-                      <a:endParaRPr lang="ko-KR" altLang="en-US"/>
+                      <a:endParaRPr lang="ko-KR" altLang="en-US" sz="2900"/>
                     </a:p>
                   </a:txBody>
                   <a:tcPr anchor="ctr"/>
@@ -5067,7 +4715,7 @@
                     <a:lstStyle/>
                     <a:p>
                       <a:pPr algn="ctr" latinLnBrk="1"/>
-                      <a:endParaRPr lang="ko-KR" altLang="en-US"/>
+                      <a:endParaRPr lang="ko-KR" altLang="en-US" sz="2900"/>
                     </a:p>
                   </a:txBody>
                   <a:tcPr anchor="ctr"/>
@@ -5078,7 +4726,7 @@
                   </a:ext>
                 </a:extLst>
               </a:tr>
-              <a:tr h="370840">
+              <a:tr h="526932">
                 <a:tc vMerge="1">
                   <a:txBody>
                     <a:bodyPr/>
@@ -5107,7 +4755,7 @@
                     <a:lstStyle/>
                     <a:p>
                       <a:pPr algn="ctr" latinLnBrk="1"/>
-                      <a:endParaRPr lang="ko-KR" altLang="en-US"/>
+                      <a:endParaRPr lang="ko-KR" altLang="en-US" sz="2900"/>
                     </a:p>
                   </a:txBody>
                   <a:tcPr anchor="ctr"/>
@@ -5118,7 +4766,7 @@
                     <a:lstStyle/>
                     <a:p>
                       <a:pPr algn="ctr" latinLnBrk="1"/>
-                      <a:endParaRPr lang="ko-KR" altLang="en-US"/>
+                      <a:endParaRPr lang="ko-KR" altLang="en-US" sz="2900"/>
                     </a:p>
                   </a:txBody>
                   <a:tcPr anchor="ctr"/>
@@ -5129,7 +4777,7 @@
                     <a:lstStyle/>
                     <a:p>
                       <a:pPr algn="ctr" latinLnBrk="1"/>
-                      <a:endParaRPr lang="ko-KR" altLang="en-US"/>
+                      <a:endParaRPr lang="ko-KR" altLang="en-US" sz="2900"/>
                     </a:p>
                   </a:txBody>
                   <a:tcPr anchor="ctr"/>
@@ -5140,7 +4788,7 @@
                     <a:lstStyle/>
                     <a:p>
                       <a:pPr algn="ctr" latinLnBrk="1"/>
-                      <a:endParaRPr lang="ko-KR" altLang="en-US"/>
+                      <a:endParaRPr lang="ko-KR" altLang="en-US" sz="2900"/>
                     </a:p>
                   </a:txBody>
                   <a:tcPr anchor="ctr"/>
@@ -5151,7 +4799,7 @@
                     <a:lstStyle/>
                     <a:p>
                       <a:pPr algn="ctr" latinLnBrk="1"/>
-                      <a:endParaRPr lang="ko-KR" altLang="en-US"/>
+                      <a:endParaRPr lang="ko-KR" altLang="en-US" sz="2900"/>
                     </a:p>
                   </a:txBody>
                   <a:tcPr anchor="ctr"/>
@@ -5162,7 +4810,7 @@
                     <a:lstStyle/>
                     <a:p>
                       <a:pPr algn="ctr" latinLnBrk="1"/>
-                      <a:endParaRPr lang="ko-KR" altLang="en-US"/>
+                      <a:endParaRPr lang="ko-KR" altLang="en-US" sz="2900"/>
                     </a:p>
                   </a:txBody>
                   <a:tcPr anchor="ctr"/>
@@ -5206,7 +4854,7 @@
                   </a:ext>
                 </a:extLst>
               </a:tr>
-              <a:tr h="370840">
+              <a:tr h="526932">
                 <a:tc vMerge="1">
                   <a:txBody>
                     <a:bodyPr/>
@@ -5235,7 +4883,7 @@
                     <a:lstStyle/>
                     <a:p>
                       <a:pPr algn="ctr" latinLnBrk="1"/>
-                      <a:endParaRPr lang="ko-KR" altLang="en-US"/>
+                      <a:endParaRPr lang="ko-KR" altLang="en-US" sz="2900"/>
                     </a:p>
                   </a:txBody>
                   <a:tcPr anchor="ctr"/>
@@ -5246,7 +4894,7 @@
                     <a:lstStyle/>
                     <a:p>
                       <a:pPr algn="ctr" latinLnBrk="1"/>
-                      <a:endParaRPr lang="ko-KR" altLang="en-US"/>
+                      <a:endParaRPr lang="ko-KR" altLang="en-US" sz="2900"/>
                     </a:p>
                   </a:txBody>
                   <a:tcPr anchor="ctr"/>
@@ -5257,7 +4905,7 @@
                     <a:lstStyle/>
                     <a:p>
                       <a:pPr algn="ctr" latinLnBrk="1"/>
-                      <a:endParaRPr lang="ko-KR" altLang="en-US"/>
+                      <a:endParaRPr lang="ko-KR" altLang="en-US" sz="2900"/>
                     </a:p>
                   </a:txBody>
                   <a:tcPr anchor="ctr"/>
@@ -5268,7 +4916,7 @@
                     <a:lstStyle/>
                     <a:p>
                       <a:pPr algn="ctr" latinLnBrk="1"/>
-                      <a:endParaRPr lang="ko-KR" altLang="en-US"/>
+                      <a:endParaRPr lang="ko-KR" altLang="en-US" sz="2900"/>
                     </a:p>
                   </a:txBody>
                   <a:tcPr anchor="ctr"/>
@@ -5279,7 +4927,7 @@
                     <a:lstStyle/>
                     <a:p>
                       <a:pPr algn="ctr" latinLnBrk="1"/>
-                      <a:endParaRPr lang="ko-KR" altLang="en-US"/>
+                      <a:endParaRPr lang="ko-KR" altLang="en-US" sz="2900"/>
                     </a:p>
                   </a:txBody>
                   <a:tcPr anchor="ctr"/>
@@ -5290,7 +4938,7 @@
                     <a:lstStyle/>
                     <a:p>
                       <a:pPr algn="ctr" latinLnBrk="1"/>
-                      <a:endParaRPr lang="ko-KR" altLang="en-US"/>
+                      <a:endParaRPr lang="ko-KR" altLang="en-US" sz="2900"/>
                     </a:p>
                   </a:txBody>
                   <a:tcPr anchor="ctr"/>
@@ -5352,7 +5000,7 @@
         </p:nvGrpSpPr>
         <p:grpSpPr>
           <a:xfrm>
-            <a:off x="7704501" y="3660416"/>
+            <a:off x="7704503" y="5631297"/>
             <a:ext cx="4019739" cy="2966720"/>
             <a:chOff x="7043596" y="3660416"/>
             <a:chExt cx="4689695" cy="2966720"/>
@@ -5717,7 +5365,7 @@
         </p:nvSpPr>
         <p:spPr>
           <a:xfrm>
-            <a:off x="434565" y="3748134"/>
+            <a:off x="434566" y="5719016"/>
             <a:ext cx="6890981" cy="2879001"/>
           </a:xfrm>
           <a:prstGeom prst="rect">
@@ -5764,7 +5412,7 @@
         </p:nvSpPr>
         <p:spPr>
           <a:xfrm>
-            <a:off x="434564" y="3429001"/>
+            <a:off x="434564" y="5399882"/>
             <a:ext cx="923454" cy="319134"/>
           </a:xfrm>
           <a:prstGeom prst="rect">
@@ -5814,7 +5462,7 @@
         </p:nvSpPr>
         <p:spPr>
           <a:xfrm>
-            <a:off x="1358018" y="3428507"/>
+            <a:off x="1358018" y="5399388"/>
             <a:ext cx="923454" cy="319134"/>
           </a:xfrm>
           <a:prstGeom prst="rect">
@@ -5902,7 +5550,7 @@
         </p:blipFill>
         <p:spPr>
           <a:xfrm>
-            <a:off x="635349" y="1113249"/>
+            <a:off x="635350" y="3084130"/>
             <a:ext cx="10088383" cy="2657846"/>
           </a:xfrm>
           <a:prstGeom prst="rect">
@@ -5924,7 +5572,7 @@
         </p:nvGrpSpPr>
         <p:grpSpPr>
           <a:xfrm>
-            <a:off x="716826" y="1530036"/>
+            <a:off x="716826" y="3500917"/>
             <a:ext cx="832920" cy="2097010"/>
             <a:chOff x="716826" y="1530036"/>
             <a:chExt cx="832920" cy="1817483"/>
@@ -6049,7 +5697,7 @@
         </p:nvGrpSpPr>
         <p:grpSpPr>
           <a:xfrm>
-            <a:off x="1549745" y="1533430"/>
+            <a:off x="1549745" y="3504311"/>
             <a:ext cx="1202508" cy="2097010"/>
             <a:chOff x="716826" y="1530036"/>
             <a:chExt cx="832920" cy="1817483"/>
@@ -6174,7 +5822,7 @@
         </p:nvGrpSpPr>
         <p:grpSpPr>
           <a:xfrm>
-            <a:off x="2752252" y="1533430"/>
+            <a:off x="2752254" y="3504311"/>
             <a:ext cx="1122631" cy="2097010"/>
             <a:chOff x="716826" y="1530036"/>
             <a:chExt cx="832920" cy="1817483"/>
@@ -6299,7 +5947,7 @@
         </p:nvGrpSpPr>
         <p:grpSpPr>
           <a:xfrm>
-            <a:off x="9346092" y="1499436"/>
+            <a:off x="9346092" y="3470319"/>
             <a:ext cx="1377640" cy="2127609"/>
             <a:chOff x="716826" y="1530036"/>
             <a:chExt cx="832920" cy="1817483"/>
@@ -6462,7 +6110,7 @@
         </p:blipFill>
         <p:spPr>
           <a:xfrm>
-            <a:off x="2880864" y="2333472"/>
+            <a:off x="2880864" y="4304353"/>
             <a:ext cx="6430272" cy="2191056"/>
           </a:xfrm>
           <a:prstGeom prst="rect">
@@ -6484,7 +6132,7 @@
         </p:nvSpPr>
         <p:spPr>
           <a:xfrm>
-            <a:off x="2989247" y="1913088"/>
+            <a:off x="2989247" y="3883969"/>
             <a:ext cx="1682342" cy="420384"/>
           </a:xfrm>
           <a:prstGeom prst="rect">
@@ -6544,7 +6192,7 @@
         </p:blipFill>
         <p:spPr>
           <a:xfrm>
-            <a:off x="748393" y="0"/>
+            <a:off x="748393" y="1970881"/>
             <a:ext cx="10695214" cy="6858000"/>
           </a:xfrm>
           <a:prstGeom prst="rect">
@@ -6568,7 +6216,7 @@
         </p:nvCxnSpPr>
         <p:spPr>
           <a:xfrm>
-            <a:off x="1050202" y="235390"/>
+            <a:off x="1050202" y="2206272"/>
             <a:ext cx="0" cy="6355533"/>
           </a:xfrm>
           <a:prstGeom prst="line">
@@ -6611,7 +6259,7 @@
         </p:nvCxnSpPr>
         <p:spPr>
           <a:xfrm>
-            <a:off x="748393" y="251233"/>
+            <a:off x="748393" y="2222115"/>
             <a:ext cx="0" cy="6355533"/>
           </a:xfrm>
           <a:prstGeom prst="line">
@@ -6654,7 +6302,7 @@
         </p:nvCxnSpPr>
         <p:spPr>
           <a:xfrm>
-            <a:off x="876678" y="235389"/>
+            <a:off x="876678" y="2206271"/>
             <a:ext cx="0" cy="6355533"/>
           </a:xfrm>
           <a:prstGeom prst="line">
@@ -6728,7 +6376,7 @@
         </p:nvSpPr>
         <p:spPr>
           <a:xfrm>
-            <a:off x="313704" y="389299"/>
+            <a:off x="313704" y="2360181"/>
             <a:ext cx="5993394" cy="4977637"/>
           </a:xfrm>
           <a:prstGeom prst="rect">
@@ -6775,7 +6423,7 @@
         </p:nvSpPr>
         <p:spPr>
           <a:xfrm>
-            <a:off x="820695" y="1364316"/>
+            <a:off x="820696" y="3335198"/>
             <a:ext cx="959669" cy="364895"/>
           </a:xfrm>
           <a:prstGeom prst="rect">
@@ -6825,7 +6473,7 @@
         </p:nvSpPr>
         <p:spPr>
           <a:xfrm>
-            <a:off x="2168152" y="1364315"/>
+            <a:off x="2168152" y="3335197"/>
             <a:ext cx="3695326" cy="364895"/>
           </a:xfrm>
           <a:prstGeom prst="rect">
@@ -6872,7 +6520,7 @@
         </p:nvSpPr>
         <p:spPr>
           <a:xfrm>
-            <a:off x="820695" y="1942229"/>
+            <a:off x="820696" y="3913111"/>
             <a:ext cx="959669" cy="364895"/>
           </a:xfrm>
           <a:prstGeom prst="rect">
@@ -6922,7 +6570,7 @@
         </p:nvSpPr>
         <p:spPr>
           <a:xfrm>
-            <a:off x="2168152" y="1942228"/>
+            <a:off x="2168152" y="3913110"/>
             <a:ext cx="3695326" cy="364895"/>
           </a:xfrm>
           <a:prstGeom prst="rect">
@@ -6969,7 +6617,7 @@
         </p:nvSpPr>
         <p:spPr>
           <a:xfrm>
-            <a:off x="820695" y="3045237"/>
+            <a:off x="820696" y="5016119"/>
             <a:ext cx="959669" cy="364895"/>
           </a:xfrm>
           <a:prstGeom prst="rect">
@@ -7019,7 +6667,7 @@
         </p:nvSpPr>
         <p:spPr>
           <a:xfrm>
-            <a:off x="2168152" y="3045236"/>
+            <a:off x="2168152" y="5016118"/>
             <a:ext cx="3695326" cy="364895"/>
           </a:xfrm>
           <a:prstGeom prst="rect">
@@ -7066,7 +6714,7 @@
         </p:nvSpPr>
         <p:spPr>
           <a:xfrm>
-            <a:off x="820695" y="3623150"/>
+            <a:off x="820696" y="5594032"/>
             <a:ext cx="959669" cy="364895"/>
           </a:xfrm>
           <a:prstGeom prst="rect">
@@ -7116,7 +6764,7 @@
         </p:nvSpPr>
         <p:spPr>
           <a:xfrm>
-            <a:off x="2168152" y="3623149"/>
+            <a:off x="2168152" y="5594031"/>
             <a:ext cx="3695326" cy="364895"/>
           </a:xfrm>
           <a:prstGeom prst="rect">
@@ -7163,7 +6811,7 @@
         </p:nvSpPr>
         <p:spPr>
           <a:xfrm>
-            <a:off x="739216" y="781966"/>
+            <a:off x="739216" y="2752847"/>
             <a:ext cx="854336" cy="369332"/>
           </a:xfrm>
           <a:prstGeom prst="rect">
@@ -7202,7 +6850,7 @@
         </p:nvCxnSpPr>
         <p:spPr>
           <a:xfrm>
-            <a:off x="1593552" y="966632"/>
+            <a:off x="1593552" y="2937513"/>
             <a:ext cx="4269926" cy="9472"/>
           </a:xfrm>
           <a:prstGeom prst="line">
@@ -7238,7 +6886,7 @@
         </p:nvSpPr>
         <p:spPr>
           <a:xfrm>
-            <a:off x="739216" y="2538287"/>
+            <a:off x="739216" y="4509168"/>
             <a:ext cx="689548" cy="369332"/>
           </a:xfrm>
           <a:prstGeom prst="rect">
@@ -7276,7 +6924,7 @@
         </p:nvCxnSpPr>
         <p:spPr>
           <a:xfrm>
-            <a:off x="1593552" y="2725763"/>
+            <a:off x="1593552" y="4696644"/>
             <a:ext cx="4269926" cy="6662"/>
           </a:xfrm>
           <a:prstGeom prst="line">
@@ -7312,7 +6960,7 @@
         </p:nvSpPr>
         <p:spPr>
           <a:xfrm>
-            <a:off x="2242092" y="4482084"/>
+            <a:off x="2242092" y="6452967"/>
             <a:ext cx="1964602" cy="525613"/>
           </a:xfrm>
           <a:prstGeom prst="roundRect">
@@ -7362,7 +7010,7 @@
         </p:nvSpPr>
         <p:spPr>
           <a:xfrm>
-            <a:off x="6732610" y="363901"/>
+            <a:off x="6732610" y="2334783"/>
             <a:ext cx="5145686" cy="4977637"/>
           </a:xfrm>
           <a:prstGeom prst="rect">
@@ -7409,7 +7057,7 @@
         </p:nvSpPr>
         <p:spPr>
           <a:xfrm>
-            <a:off x="6843570" y="1334015"/>
+            <a:off x="6843570" y="3304898"/>
             <a:ext cx="1114424" cy="364895"/>
           </a:xfrm>
           <a:prstGeom prst="rect">
@@ -7459,7 +7107,7 @@
         </p:nvSpPr>
         <p:spPr>
           <a:xfrm>
-            <a:off x="8176185" y="1334014"/>
+            <a:off x="8176187" y="3304897"/>
             <a:ext cx="3638587" cy="364895"/>
           </a:xfrm>
           <a:prstGeom prst="rect">
@@ -7506,7 +7154,7 @@
         </p:nvSpPr>
         <p:spPr>
           <a:xfrm>
-            <a:off x="6843570" y="1911928"/>
+            <a:off x="6843570" y="3882811"/>
             <a:ext cx="1114424" cy="364895"/>
           </a:xfrm>
           <a:prstGeom prst="rect">
@@ -7556,7 +7204,7 @@
         </p:nvSpPr>
         <p:spPr>
           <a:xfrm>
-            <a:off x="8176185" y="1911927"/>
+            <a:off x="8176187" y="3882810"/>
             <a:ext cx="3638587" cy="364895"/>
           </a:xfrm>
           <a:prstGeom prst="rect">
@@ -7603,7 +7251,7 @@
         </p:nvSpPr>
         <p:spPr>
           <a:xfrm>
-            <a:off x="8235486" y="4318372"/>
+            <a:off x="8235486" y="6289255"/>
             <a:ext cx="1964602" cy="525613"/>
           </a:xfrm>
           <a:prstGeom prst="roundRect">
@@ -7653,6 +7301,1408 @@
 </file>
 
 <file path=ppt/slides/slide7.xml><?xml version="1.0" encoding="utf-8"?>
+<p:sld xmlns:a="http://schemas.openxmlformats.org/drawingml/2006/main" xmlns:r="http://schemas.openxmlformats.org/officeDocument/2006/relationships" xmlns:p="http://schemas.openxmlformats.org/presentationml/2006/main">
+  <p:cSld>
+    <p:spTree>
+      <p:nvGrpSpPr>
+        <p:cNvPr id="1" name="">
+          <a:extLst>
+            <a:ext uri="{FF2B5EF4-FFF2-40B4-BE49-F238E27FC236}">
+              <a16:creationId xmlns:a16="http://schemas.microsoft.com/office/drawing/2014/main" id="{83D2C2EE-5677-2674-62D8-BE4DDF0E9301}"/>
+            </a:ext>
+          </a:extLst>
+        </p:cNvPr>
+        <p:cNvGrpSpPr/>
+        <p:nvPr/>
+      </p:nvGrpSpPr>
+      <p:grpSpPr>
+        <a:xfrm>
+          <a:off x="0" y="0"/>
+          <a:ext cx="0" cy="0"/>
+          <a:chOff x="0" y="0"/>
+          <a:chExt cx="0" cy="0"/>
+        </a:xfrm>
+      </p:grpSpPr>
+      <p:sp>
+        <p:nvSpPr>
+          <p:cNvPr id="24" name="직사각형 23">
+            <a:extLst>
+              <a:ext uri="{FF2B5EF4-FFF2-40B4-BE49-F238E27FC236}">
+                <a16:creationId xmlns:a16="http://schemas.microsoft.com/office/drawing/2014/main" id="{A12B6C02-422A-768B-EFB9-EADA656C3A5E}"/>
+              </a:ext>
+            </a:extLst>
+          </p:cNvPr>
+          <p:cNvSpPr/>
+          <p:nvPr/>
+        </p:nvSpPr>
+        <p:spPr>
+          <a:xfrm>
+            <a:off x="3328502" y="2063178"/>
+            <a:ext cx="5145686" cy="7460650"/>
+          </a:xfrm>
+          <a:prstGeom prst="rect">
+            <a:avLst/>
+          </a:prstGeom>
+          <a:noFill/>
+        </p:spPr>
+        <p:style>
+          <a:lnRef idx="2">
+            <a:schemeClr val="accent1">
+              <a:shade val="15000"/>
+            </a:schemeClr>
+          </a:lnRef>
+          <a:fillRef idx="1">
+            <a:schemeClr val="accent1"/>
+          </a:fillRef>
+          <a:effectRef idx="0">
+            <a:schemeClr val="accent1"/>
+          </a:effectRef>
+          <a:fontRef idx="minor">
+            <a:schemeClr val="lt1"/>
+          </a:fontRef>
+        </p:style>
+        <p:txBody>
+          <a:bodyPr rtlCol="0" anchor="ctr"/>
+          <a:lstStyle/>
+          <a:p>
+            <a:pPr algn="ctr"/>
+            <a:endParaRPr lang="ko-KR" altLang="en-US"/>
+          </a:p>
+        </p:txBody>
+      </p:sp>
+      <p:sp>
+        <p:nvSpPr>
+          <p:cNvPr id="25" name="직사각형 24">
+            <a:extLst>
+              <a:ext uri="{FF2B5EF4-FFF2-40B4-BE49-F238E27FC236}">
+                <a16:creationId xmlns:a16="http://schemas.microsoft.com/office/drawing/2014/main" id="{BEDD319F-D917-87D5-DB8A-B684DE4D12EA}"/>
+              </a:ext>
+            </a:extLst>
+          </p:cNvPr>
+          <p:cNvSpPr/>
+          <p:nvPr/>
+        </p:nvSpPr>
+        <p:spPr>
+          <a:xfrm>
+            <a:off x="3439462" y="2734533"/>
+            <a:ext cx="1114424" cy="364895"/>
+          </a:xfrm>
+          <a:prstGeom prst="rect">
+            <a:avLst/>
+          </a:prstGeom>
+        </p:spPr>
+        <p:style>
+          <a:lnRef idx="2">
+            <a:schemeClr val="accent1">
+              <a:shade val="15000"/>
+            </a:schemeClr>
+          </a:lnRef>
+          <a:fillRef idx="1">
+            <a:schemeClr val="accent1"/>
+          </a:fillRef>
+          <a:effectRef idx="0">
+            <a:schemeClr val="accent1"/>
+          </a:effectRef>
+          <a:fontRef idx="minor">
+            <a:schemeClr val="lt1"/>
+          </a:fontRef>
+        </p:style>
+        <p:txBody>
+          <a:bodyPr rtlCol="0" anchor="ctr"/>
+          <a:lstStyle/>
+          <a:p>
+            <a:pPr algn="ctr"/>
+            <a:r>
+              <a:rPr lang="en-US" altLang="ko-KR"/>
+              <a:t>Cell ID</a:t>
+            </a:r>
+            <a:endParaRPr lang="ko-KR" altLang="en-US"/>
+          </a:p>
+        </p:txBody>
+      </p:sp>
+      <p:sp>
+        <p:nvSpPr>
+          <p:cNvPr id="26" name="직사각형 25">
+            <a:extLst>
+              <a:ext uri="{FF2B5EF4-FFF2-40B4-BE49-F238E27FC236}">
+                <a16:creationId xmlns:a16="http://schemas.microsoft.com/office/drawing/2014/main" id="{45158331-480B-A234-9B9D-E7A0B67D314C}"/>
+              </a:ext>
+            </a:extLst>
+          </p:cNvPr>
+          <p:cNvSpPr/>
+          <p:nvPr/>
+        </p:nvSpPr>
+        <p:spPr>
+          <a:xfrm>
+            <a:off x="4772079" y="2734532"/>
+            <a:ext cx="3638587" cy="364895"/>
+          </a:xfrm>
+          <a:prstGeom prst="rect">
+            <a:avLst/>
+          </a:prstGeom>
+          <a:noFill/>
+        </p:spPr>
+        <p:style>
+          <a:lnRef idx="2">
+            <a:schemeClr val="accent1">
+              <a:shade val="15000"/>
+            </a:schemeClr>
+          </a:lnRef>
+          <a:fillRef idx="1">
+            <a:schemeClr val="accent1"/>
+          </a:fillRef>
+          <a:effectRef idx="0">
+            <a:schemeClr val="accent1"/>
+          </a:effectRef>
+          <a:fontRef idx="minor">
+            <a:schemeClr val="lt1"/>
+          </a:fontRef>
+        </p:style>
+        <p:txBody>
+          <a:bodyPr rtlCol="0" anchor="ctr"/>
+          <a:lstStyle/>
+          <a:p>
+            <a:pPr algn="ctr"/>
+            <a:endParaRPr lang="ko-KR" altLang="en-US"/>
+          </a:p>
+        </p:txBody>
+      </p:sp>
+      <p:sp>
+        <p:nvSpPr>
+          <p:cNvPr id="27" name="직사각형 26">
+            <a:extLst>
+              <a:ext uri="{FF2B5EF4-FFF2-40B4-BE49-F238E27FC236}">
+                <a16:creationId xmlns:a16="http://schemas.microsoft.com/office/drawing/2014/main" id="{60ED8768-35BC-7AF7-EEA5-54DC170E6EBF}"/>
+              </a:ext>
+            </a:extLst>
+          </p:cNvPr>
+          <p:cNvSpPr/>
+          <p:nvPr/>
+        </p:nvSpPr>
+        <p:spPr>
+          <a:xfrm>
+            <a:off x="3439462" y="3312446"/>
+            <a:ext cx="1114424" cy="364895"/>
+          </a:xfrm>
+          <a:prstGeom prst="rect">
+            <a:avLst/>
+          </a:prstGeom>
+        </p:spPr>
+        <p:style>
+          <a:lnRef idx="2">
+            <a:schemeClr val="accent1">
+              <a:shade val="15000"/>
+            </a:schemeClr>
+          </a:lnRef>
+          <a:fillRef idx="1">
+            <a:schemeClr val="accent1"/>
+          </a:fillRef>
+          <a:effectRef idx="0">
+            <a:schemeClr val="accent1"/>
+          </a:effectRef>
+          <a:fontRef idx="minor">
+            <a:schemeClr val="lt1"/>
+          </a:fontRef>
+        </p:style>
+        <p:txBody>
+          <a:bodyPr rtlCol="0" anchor="ctr"/>
+          <a:lstStyle/>
+          <a:p>
+            <a:pPr algn="ctr"/>
+            <a:r>
+              <a:rPr lang="en-US" altLang="ko-KR"/>
+              <a:t>Inner ID</a:t>
+            </a:r>
+            <a:endParaRPr lang="ko-KR" altLang="en-US"/>
+          </a:p>
+        </p:txBody>
+      </p:sp>
+      <p:sp>
+        <p:nvSpPr>
+          <p:cNvPr id="28" name="직사각형 27">
+            <a:extLst>
+              <a:ext uri="{FF2B5EF4-FFF2-40B4-BE49-F238E27FC236}">
+                <a16:creationId xmlns:a16="http://schemas.microsoft.com/office/drawing/2014/main" id="{B399B8DF-3903-3127-CCEE-3659FE9A32FC}"/>
+              </a:ext>
+            </a:extLst>
+          </p:cNvPr>
+          <p:cNvSpPr/>
+          <p:nvPr/>
+        </p:nvSpPr>
+        <p:spPr>
+          <a:xfrm>
+            <a:off x="4772079" y="3312445"/>
+            <a:ext cx="3638587" cy="364895"/>
+          </a:xfrm>
+          <a:prstGeom prst="rect">
+            <a:avLst/>
+          </a:prstGeom>
+          <a:noFill/>
+        </p:spPr>
+        <p:style>
+          <a:lnRef idx="2">
+            <a:schemeClr val="accent1">
+              <a:shade val="15000"/>
+            </a:schemeClr>
+          </a:lnRef>
+          <a:fillRef idx="1">
+            <a:schemeClr val="accent1"/>
+          </a:fillRef>
+          <a:effectRef idx="0">
+            <a:schemeClr val="accent1"/>
+          </a:effectRef>
+          <a:fontRef idx="minor">
+            <a:schemeClr val="lt1"/>
+          </a:fontRef>
+        </p:style>
+        <p:txBody>
+          <a:bodyPr rtlCol="0" anchor="ctr"/>
+          <a:lstStyle/>
+          <a:p>
+            <a:pPr algn="ctr"/>
+            <a:endParaRPr lang="ko-KR" altLang="en-US"/>
+          </a:p>
+        </p:txBody>
+      </p:sp>
+      <p:sp>
+        <p:nvSpPr>
+          <p:cNvPr id="29" name="사각형: 둥근 모서리 28">
+            <a:extLst>
+              <a:ext uri="{FF2B5EF4-FFF2-40B4-BE49-F238E27FC236}">
+                <a16:creationId xmlns:a16="http://schemas.microsoft.com/office/drawing/2014/main" id="{877B7ED9-367B-C840-0484-2A6C7C3E9C02}"/>
+              </a:ext>
+            </a:extLst>
+          </p:cNvPr>
+          <p:cNvSpPr/>
+          <p:nvPr/>
+        </p:nvSpPr>
+        <p:spPr>
+          <a:xfrm>
+            <a:off x="4795775" y="8860107"/>
+            <a:ext cx="1964602" cy="525613"/>
+          </a:xfrm>
+          <a:prstGeom prst="roundRect">
+            <a:avLst/>
+          </a:prstGeom>
+        </p:spPr>
+        <p:style>
+          <a:lnRef idx="2">
+            <a:schemeClr val="accent1">
+              <a:shade val="15000"/>
+            </a:schemeClr>
+          </a:lnRef>
+          <a:fillRef idx="1">
+            <a:schemeClr val="accent1"/>
+          </a:fillRef>
+          <a:effectRef idx="0">
+            <a:schemeClr val="accent1"/>
+          </a:effectRef>
+          <a:fontRef idx="minor">
+            <a:schemeClr val="lt1"/>
+          </a:fontRef>
+        </p:style>
+        <p:txBody>
+          <a:bodyPr rtlCol="0" anchor="ctr"/>
+          <a:lstStyle/>
+          <a:p>
+            <a:pPr algn="ctr"/>
+            <a:r>
+              <a:rPr lang="en-US" altLang="ko-KR"/>
+              <a:t>SAVE</a:t>
+            </a:r>
+            <a:endParaRPr lang="ko-KR" altLang="en-US"/>
+          </a:p>
+        </p:txBody>
+      </p:sp>
+      <p:sp>
+        <p:nvSpPr>
+          <p:cNvPr id="2" name="TextBox 1">
+            <a:extLst>
+              <a:ext uri="{FF2B5EF4-FFF2-40B4-BE49-F238E27FC236}">
+                <a16:creationId xmlns:a16="http://schemas.microsoft.com/office/drawing/2014/main" id="{89D8F3B5-BA85-0E0D-AF2D-22F2833479D3}"/>
+              </a:ext>
+            </a:extLst>
+          </p:cNvPr>
+          <p:cNvSpPr txBox="1"/>
+          <p:nvPr/>
+        </p:nvSpPr>
+        <p:spPr>
+          <a:xfrm>
+            <a:off x="3393341" y="2208901"/>
+            <a:ext cx="1109599" cy="369332"/>
+          </a:xfrm>
+          <a:prstGeom prst="rect">
+            <a:avLst/>
+          </a:prstGeom>
+          <a:noFill/>
+        </p:spPr>
+        <p:txBody>
+          <a:bodyPr wrap="none" rtlCol="0">
+            <a:spAutoFit/>
+          </a:bodyPr>
+          <a:lstStyle/>
+          <a:p>
+            <a:r>
+              <a:rPr lang="en-US" altLang="ko-KR"/>
+              <a:t>Cell </a:t>
+            </a:r>
+            <a:r>
+              <a:rPr lang="ko-KR" altLang="en-US"/>
+              <a:t>정보</a:t>
+            </a:r>
+          </a:p>
+        </p:txBody>
+      </p:sp>
+      <p:cxnSp>
+        <p:nvCxnSpPr>
+          <p:cNvPr id="3" name="직선 연결선 2">
+            <a:extLst>
+              <a:ext uri="{FF2B5EF4-FFF2-40B4-BE49-F238E27FC236}">
+                <a16:creationId xmlns:a16="http://schemas.microsoft.com/office/drawing/2014/main" id="{79C75479-2FF1-E9D3-12A0-93642B63DA45}"/>
+              </a:ext>
+            </a:extLst>
+          </p:cNvPr>
+          <p:cNvCxnSpPr>
+            <a:cxnSpLocks/>
+            <a:stCxn id="2" idx="3"/>
+          </p:cNvCxnSpPr>
+          <p:nvPr/>
+        </p:nvCxnSpPr>
+        <p:spPr>
+          <a:xfrm>
+            <a:off x="4502940" y="2393568"/>
+            <a:ext cx="3762875" cy="1"/>
+          </a:xfrm>
+          <a:prstGeom prst="line">
+            <a:avLst/>
+          </a:prstGeom>
+        </p:spPr>
+        <p:style>
+          <a:lnRef idx="2">
+            <a:schemeClr val="accent1"/>
+          </a:lnRef>
+          <a:fillRef idx="0">
+            <a:schemeClr val="accent1"/>
+          </a:fillRef>
+          <a:effectRef idx="1">
+            <a:schemeClr val="accent1"/>
+          </a:effectRef>
+          <a:fontRef idx="minor">
+            <a:schemeClr val="tx1"/>
+          </a:fontRef>
+        </p:style>
+      </p:cxnSp>
+      <p:sp>
+        <p:nvSpPr>
+          <p:cNvPr id="6" name="TextBox 5">
+            <a:extLst>
+              <a:ext uri="{FF2B5EF4-FFF2-40B4-BE49-F238E27FC236}">
+                <a16:creationId xmlns:a16="http://schemas.microsoft.com/office/drawing/2014/main" id="{D363569C-31EA-8636-653A-9FC80944E91F}"/>
+              </a:ext>
+            </a:extLst>
+          </p:cNvPr>
+          <p:cNvSpPr txBox="1"/>
+          <p:nvPr/>
+        </p:nvSpPr>
+        <p:spPr>
+          <a:xfrm>
+            <a:off x="3393341" y="3963764"/>
+            <a:ext cx="1733167" cy="369332"/>
+          </a:xfrm>
+          <a:prstGeom prst="rect">
+            <a:avLst/>
+          </a:prstGeom>
+          <a:noFill/>
+        </p:spPr>
+        <p:txBody>
+          <a:bodyPr wrap="none" rtlCol="0">
+            <a:spAutoFit/>
+          </a:bodyPr>
+          <a:lstStyle/>
+          <a:p>
+            <a:r>
+              <a:rPr lang="ko-KR" altLang="en-US"/>
+              <a:t>파일 생성 여부</a:t>
+            </a:r>
+          </a:p>
+        </p:txBody>
+      </p:sp>
+      <p:cxnSp>
+        <p:nvCxnSpPr>
+          <p:cNvPr id="15" name="직선 연결선 14">
+            <a:extLst>
+              <a:ext uri="{FF2B5EF4-FFF2-40B4-BE49-F238E27FC236}">
+                <a16:creationId xmlns:a16="http://schemas.microsoft.com/office/drawing/2014/main" id="{A870127F-D19A-7891-AEB2-C263916A60AC}"/>
+              </a:ext>
+            </a:extLst>
+          </p:cNvPr>
+          <p:cNvCxnSpPr>
+            <a:cxnSpLocks/>
+            <a:stCxn id="6" idx="3"/>
+          </p:cNvCxnSpPr>
+          <p:nvPr/>
+        </p:nvCxnSpPr>
+        <p:spPr>
+          <a:xfrm>
+            <a:off x="5126508" y="4148431"/>
+            <a:ext cx="3139307" cy="1"/>
+          </a:xfrm>
+          <a:prstGeom prst="line">
+            <a:avLst/>
+          </a:prstGeom>
+        </p:spPr>
+        <p:style>
+          <a:lnRef idx="2">
+            <a:schemeClr val="accent1"/>
+          </a:lnRef>
+          <a:fillRef idx="0">
+            <a:schemeClr val="accent1"/>
+          </a:fillRef>
+          <a:effectRef idx="1">
+            <a:schemeClr val="accent1"/>
+          </a:effectRef>
+          <a:fontRef idx="minor">
+            <a:schemeClr val="tx1"/>
+          </a:fontRef>
+        </p:style>
+      </p:cxnSp>
+      <p:sp>
+        <p:nvSpPr>
+          <p:cNvPr id="17" name="직사각형 16">
+            <a:extLst>
+              <a:ext uri="{FF2B5EF4-FFF2-40B4-BE49-F238E27FC236}">
+                <a16:creationId xmlns:a16="http://schemas.microsoft.com/office/drawing/2014/main" id="{80D10F3F-2A9B-87F1-D931-842DF915E8A0}"/>
+              </a:ext>
+            </a:extLst>
+          </p:cNvPr>
+          <p:cNvSpPr/>
+          <p:nvPr/>
+        </p:nvSpPr>
+        <p:spPr>
+          <a:xfrm>
+            <a:off x="4100609" y="4508095"/>
+            <a:ext cx="245052" cy="222855"/>
+          </a:xfrm>
+          <a:prstGeom prst="rect">
+            <a:avLst/>
+          </a:prstGeom>
+          <a:noFill/>
+        </p:spPr>
+        <p:style>
+          <a:lnRef idx="2">
+            <a:schemeClr val="accent1">
+              <a:shade val="15000"/>
+            </a:schemeClr>
+          </a:lnRef>
+          <a:fillRef idx="1">
+            <a:schemeClr val="accent1"/>
+          </a:fillRef>
+          <a:effectRef idx="0">
+            <a:schemeClr val="accent1"/>
+          </a:effectRef>
+          <a:fontRef idx="minor">
+            <a:schemeClr val="lt1"/>
+          </a:fontRef>
+        </p:style>
+        <p:txBody>
+          <a:bodyPr rtlCol="0" anchor="ctr"/>
+          <a:lstStyle/>
+          <a:p>
+            <a:pPr algn="ctr"/>
+            <a:endParaRPr lang="ko-KR" altLang="en-US"/>
+          </a:p>
+        </p:txBody>
+      </p:sp>
+      <p:sp>
+        <p:nvSpPr>
+          <p:cNvPr id="18" name="TextBox 17">
+            <a:extLst>
+              <a:ext uri="{FF2B5EF4-FFF2-40B4-BE49-F238E27FC236}">
+                <a16:creationId xmlns:a16="http://schemas.microsoft.com/office/drawing/2014/main" id="{467F3578-BE7B-5340-82DB-1D0938A9D8A9}"/>
+              </a:ext>
+            </a:extLst>
+          </p:cNvPr>
+          <p:cNvSpPr txBox="1"/>
+          <p:nvPr/>
+        </p:nvSpPr>
+        <p:spPr>
+          <a:xfrm>
+            <a:off x="4413132" y="4397828"/>
+            <a:ext cx="652743" cy="400110"/>
+          </a:xfrm>
+          <a:prstGeom prst="rect">
+            <a:avLst/>
+          </a:prstGeom>
+          <a:noFill/>
+        </p:spPr>
+        <p:txBody>
+          <a:bodyPr wrap="none" rtlCol="0">
+            <a:spAutoFit/>
+          </a:bodyPr>
+          <a:lstStyle/>
+          <a:p>
+            <a:r>
+              <a:rPr lang="en-US" altLang="ko-KR" sz="2000"/>
+              <a:t>CIM</a:t>
+            </a:r>
+            <a:endParaRPr lang="ko-KR" altLang="en-US" sz="2000"/>
+          </a:p>
+        </p:txBody>
+      </p:sp>
+      <p:sp>
+        <p:nvSpPr>
+          <p:cNvPr id="21" name="직사각형 20">
+            <a:extLst>
+              <a:ext uri="{FF2B5EF4-FFF2-40B4-BE49-F238E27FC236}">
+                <a16:creationId xmlns:a16="http://schemas.microsoft.com/office/drawing/2014/main" id="{E15967B1-D931-4E0B-134F-F8BAFFB3B213}"/>
+              </a:ext>
+            </a:extLst>
+          </p:cNvPr>
+          <p:cNvSpPr/>
+          <p:nvPr/>
+        </p:nvSpPr>
+        <p:spPr>
+          <a:xfrm>
+            <a:off x="6614153" y="4508095"/>
+            <a:ext cx="245052" cy="222855"/>
+          </a:xfrm>
+          <a:prstGeom prst="rect">
+            <a:avLst/>
+          </a:prstGeom>
+          <a:noFill/>
+        </p:spPr>
+        <p:style>
+          <a:lnRef idx="2">
+            <a:schemeClr val="accent1">
+              <a:shade val="15000"/>
+            </a:schemeClr>
+          </a:lnRef>
+          <a:fillRef idx="1">
+            <a:schemeClr val="accent1"/>
+          </a:fillRef>
+          <a:effectRef idx="0">
+            <a:schemeClr val="accent1"/>
+          </a:effectRef>
+          <a:fontRef idx="minor">
+            <a:schemeClr val="lt1"/>
+          </a:fontRef>
+        </p:style>
+        <p:txBody>
+          <a:bodyPr rtlCol="0" anchor="ctr"/>
+          <a:lstStyle/>
+          <a:p>
+            <a:pPr algn="ctr"/>
+            <a:endParaRPr lang="ko-KR" altLang="en-US"/>
+          </a:p>
+        </p:txBody>
+      </p:sp>
+      <p:sp>
+        <p:nvSpPr>
+          <p:cNvPr id="30" name="TextBox 29">
+            <a:extLst>
+              <a:ext uri="{FF2B5EF4-FFF2-40B4-BE49-F238E27FC236}">
+                <a16:creationId xmlns:a16="http://schemas.microsoft.com/office/drawing/2014/main" id="{26A5FBE8-0CD2-932F-BD01-6053C5C031E3}"/>
+              </a:ext>
+            </a:extLst>
+          </p:cNvPr>
+          <p:cNvSpPr txBox="1"/>
+          <p:nvPr/>
+        </p:nvSpPr>
+        <p:spPr>
+          <a:xfrm>
+            <a:off x="6926674" y="4397828"/>
+            <a:ext cx="760144" cy="400110"/>
+          </a:xfrm>
+          <a:prstGeom prst="rect">
+            <a:avLst/>
+          </a:prstGeom>
+          <a:noFill/>
+        </p:spPr>
+        <p:txBody>
+          <a:bodyPr wrap="none" rtlCol="0">
+            <a:spAutoFit/>
+          </a:bodyPr>
+          <a:lstStyle/>
+          <a:p>
+            <a:r>
+              <a:rPr lang="en-US" altLang="ko-KR" sz="2000"/>
+              <a:t>EECP</a:t>
+            </a:r>
+            <a:endParaRPr lang="ko-KR" altLang="en-US" sz="2000"/>
+          </a:p>
+        </p:txBody>
+      </p:sp>
+      <p:sp>
+        <p:nvSpPr>
+          <p:cNvPr id="31" name="TextBox 30">
+            <a:extLst>
+              <a:ext uri="{FF2B5EF4-FFF2-40B4-BE49-F238E27FC236}">
+                <a16:creationId xmlns:a16="http://schemas.microsoft.com/office/drawing/2014/main" id="{3C6064A9-C8DD-A1EC-1DA2-D8CC15B9A6BE}"/>
+              </a:ext>
+            </a:extLst>
+          </p:cNvPr>
+          <p:cNvSpPr txBox="1"/>
+          <p:nvPr/>
+        </p:nvSpPr>
+        <p:spPr>
+          <a:xfrm>
+            <a:off x="3433859" y="4863854"/>
+            <a:ext cx="1157305" cy="369332"/>
+          </a:xfrm>
+          <a:prstGeom prst="rect">
+            <a:avLst/>
+          </a:prstGeom>
+          <a:noFill/>
+        </p:spPr>
+        <p:txBody>
+          <a:bodyPr wrap="none" rtlCol="0">
+            <a:spAutoFit/>
+          </a:bodyPr>
+          <a:lstStyle/>
+          <a:p>
+            <a:r>
+              <a:rPr lang="en-US" altLang="ko-KR"/>
+              <a:t>Port </a:t>
+            </a:r>
+            <a:r>
+              <a:rPr lang="ko-KR" altLang="en-US"/>
+              <a:t>연결</a:t>
+            </a:r>
+          </a:p>
+        </p:txBody>
+      </p:sp>
+      <p:cxnSp>
+        <p:nvCxnSpPr>
+          <p:cNvPr id="32" name="직선 연결선 31">
+            <a:extLst>
+              <a:ext uri="{FF2B5EF4-FFF2-40B4-BE49-F238E27FC236}">
+                <a16:creationId xmlns:a16="http://schemas.microsoft.com/office/drawing/2014/main" id="{903BE41F-AEB6-8060-51EE-44F4D231AC5C}"/>
+              </a:ext>
+            </a:extLst>
+          </p:cNvPr>
+          <p:cNvCxnSpPr>
+            <a:cxnSpLocks/>
+            <a:stCxn id="31" idx="3"/>
+          </p:cNvCxnSpPr>
+          <p:nvPr/>
+        </p:nvCxnSpPr>
+        <p:spPr>
+          <a:xfrm>
+            <a:off x="4591164" y="5048520"/>
+            <a:ext cx="3715169" cy="0"/>
+          </a:xfrm>
+          <a:prstGeom prst="line">
+            <a:avLst/>
+          </a:prstGeom>
+        </p:spPr>
+        <p:style>
+          <a:lnRef idx="2">
+            <a:schemeClr val="accent1"/>
+          </a:lnRef>
+          <a:fillRef idx="0">
+            <a:schemeClr val="accent1"/>
+          </a:fillRef>
+          <a:effectRef idx="1">
+            <a:schemeClr val="accent1"/>
+          </a:effectRef>
+          <a:fontRef idx="minor">
+            <a:schemeClr val="tx1"/>
+          </a:fontRef>
+        </p:style>
+      </p:cxnSp>
+      <p:sp>
+        <p:nvSpPr>
+          <p:cNvPr id="38" name="직사각형 37">
+            <a:extLst>
+              <a:ext uri="{FF2B5EF4-FFF2-40B4-BE49-F238E27FC236}">
+                <a16:creationId xmlns:a16="http://schemas.microsoft.com/office/drawing/2014/main" id="{9792C07B-A043-183B-0998-4F850C5D100E}"/>
+              </a:ext>
+            </a:extLst>
+          </p:cNvPr>
+          <p:cNvSpPr/>
+          <p:nvPr/>
+        </p:nvSpPr>
+        <p:spPr>
+          <a:xfrm>
+            <a:off x="3409199" y="5429100"/>
+            <a:ext cx="936462" cy="364895"/>
+          </a:xfrm>
+          <a:prstGeom prst="rect">
+            <a:avLst/>
+          </a:prstGeom>
+        </p:spPr>
+        <p:style>
+          <a:lnRef idx="2">
+            <a:schemeClr val="accent1">
+              <a:shade val="15000"/>
+            </a:schemeClr>
+          </a:lnRef>
+          <a:fillRef idx="1">
+            <a:schemeClr val="accent1"/>
+          </a:fillRef>
+          <a:effectRef idx="0">
+            <a:schemeClr val="accent1"/>
+          </a:effectRef>
+          <a:fontRef idx="minor">
+            <a:schemeClr val="lt1"/>
+          </a:fontRef>
+        </p:style>
+        <p:txBody>
+          <a:bodyPr rtlCol="0" anchor="ctr"/>
+          <a:lstStyle/>
+          <a:p>
+            <a:pPr algn="ctr"/>
+            <a:r>
+              <a:rPr lang="en-US" altLang="ko-KR"/>
+              <a:t>TCP/IP</a:t>
+            </a:r>
+            <a:endParaRPr lang="ko-KR" altLang="en-US"/>
+          </a:p>
+        </p:txBody>
+      </p:sp>
+      <p:sp>
+        <p:nvSpPr>
+          <p:cNvPr id="39" name="직사각형 38">
+            <a:extLst>
+              <a:ext uri="{FF2B5EF4-FFF2-40B4-BE49-F238E27FC236}">
+                <a16:creationId xmlns:a16="http://schemas.microsoft.com/office/drawing/2014/main" id="{B5416947-4126-C6E2-9871-B44A082AE2ED}"/>
+              </a:ext>
+            </a:extLst>
+          </p:cNvPr>
+          <p:cNvSpPr/>
+          <p:nvPr/>
+        </p:nvSpPr>
+        <p:spPr>
+          <a:xfrm>
+            <a:off x="4516730" y="5415031"/>
+            <a:ext cx="1307293" cy="364895"/>
+          </a:xfrm>
+          <a:prstGeom prst="rect">
+            <a:avLst/>
+          </a:prstGeom>
+          <a:noFill/>
+        </p:spPr>
+        <p:style>
+          <a:lnRef idx="2">
+            <a:schemeClr val="accent1">
+              <a:shade val="15000"/>
+            </a:schemeClr>
+          </a:lnRef>
+          <a:fillRef idx="1">
+            <a:schemeClr val="accent1"/>
+          </a:fillRef>
+          <a:effectRef idx="0">
+            <a:schemeClr val="accent1"/>
+          </a:effectRef>
+          <a:fontRef idx="minor">
+            <a:schemeClr val="lt1"/>
+          </a:fontRef>
+        </p:style>
+        <p:txBody>
+          <a:bodyPr rtlCol="0" anchor="ctr"/>
+          <a:lstStyle/>
+          <a:p>
+            <a:pPr algn="ctr"/>
+            <a:endParaRPr lang="ko-KR" altLang="en-US"/>
+          </a:p>
+        </p:txBody>
+      </p:sp>
+      <p:sp>
+        <p:nvSpPr>
+          <p:cNvPr id="40" name="직사각형 39">
+            <a:extLst>
+              <a:ext uri="{FF2B5EF4-FFF2-40B4-BE49-F238E27FC236}">
+                <a16:creationId xmlns:a16="http://schemas.microsoft.com/office/drawing/2014/main" id="{5AB25CF8-4A18-F3EE-C21D-FE1139D018F3}"/>
+              </a:ext>
+            </a:extLst>
+          </p:cNvPr>
+          <p:cNvSpPr/>
+          <p:nvPr/>
+        </p:nvSpPr>
+        <p:spPr>
+          <a:xfrm>
+            <a:off x="3409199" y="6007013"/>
+            <a:ext cx="936462" cy="364895"/>
+          </a:xfrm>
+          <a:prstGeom prst="rect">
+            <a:avLst/>
+          </a:prstGeom>
+        </p:spPr>
+        <p:style>
+          <a:lnRef idx="2">
+            <a:schemeClr val="accent1">
+              <a:shade val="15000"/>
+            </a:schemeClr>
+          </a:lnRef>
+          <a:fillRef idx="1">
+            <a:schemeClr val="accent1"/>
+          </a:fillRef>
+          <a:effectRef idx="0">
+            <a:schemeClr val="accent1"/>
+          </a:effectRef>
+          <a:fontRef idx="minor">
+            <a:schemeClr val="lt1"/>
+          </a:fontRef>
+        </p:style>
+        <p:txBody>
+          <a:bodyPr rtlCol="0" anchor="ctr"/>
+          <a:lstStyle/>
+          <a:p>
+            <a:pPr algn="ctr"/>
+            <a:r>
+              <a:rPr lang="en-US" altLang="ko-KR"/>
+              <a:t>PG</a:t>
+            </a:r>
+            <a:endParaRPr lang="ko-KR" altLang="en-US"/>
+          </a:p>
+        </p:txBody>
+      </p:sp>
+      <p:sp>
+        <p:nvSpPr>
+          <p:cNvPr id="41" name="직사각형 40">
+            <a:extLst>
+              <a:ext uri="{FF2B5EF4-FFF2-40B4-BE49-F238E27FC236}">
+                <a16:creationId xmlns:a16="http://schemas.microsoft.com/office/drawing/2014/main" id="{62AA755E-0424-56AD-8026-E8389BE3553B}"/>
+              </a:ext>
+            </a:extLst>
+          </p:cNvPr>
+          <p:cNvSpPr/>
+          <p:nvPr/>
+        </p:nvSpPr>
+        <p:spPr>
+          <a:xfrm>
+            <a:off x="4516730" y="5992944"/>
+            <a:ext cx="1307294" cy="364895"/>
+          </a:xfrm>
+          <a:prstGeom prst="rect">
+            <a:avLst/>
+          </a:prstGeom>
+          <a:noFill/>
+        </p:spPr>
+        <p:style>
+          <a:lnRef idx="2">
+            <a:schemeClr val="accent1">
+              <a:shade val="15000"/>
+            </a:schemeClr>
+          </a:lnRef>
+          <a:fillRef idx="1">
+            <a:schemeClr val="accent1"/>
+          </a:fillRef>
+          <a:effectRef idx="0">
+            <a:schemeClr val="accent1"/>
+          </a:effectRef>
+          <a:fontRef idx="minor">
+            <a:schemeClr val="lt1"/>
+          </a:fontRef>
+        </p:style>
+        <p:txBody>
+          <a:bodyPr rtlCol="0" anchor="ctr"/>
+          <a:lstStyle/>
+          <a:p>
+            <a:pPr algn="ctr"/>
+            <a:endParaRPr lang="ko-KR" altLang="en-US"/>
+          </a:p>
+        </p:txBody>
+      </p:sp>
+      <p:sp>
+        <p:nvSpPr>
+          <p:cNvPr id="42" name="직사각형 41">
+            <a:extLst>
+              <a:ext uri="{FF2B5EF4-FFF2-40B4-BE49-F238E27FC236}">
+                <a16:creationId xmlns:a16="http://schemas.microsoft.com/office/drawing/2014/main" id="{88C7A890-4DB8-191D-4DEC-1F649473E591}"/>
+              </a:ext>
+            </a:extLst>
+          </p:cNvPr>
+          <p:cNvSpPr/>
+          <p:nvPr/>
+        </p:nvSpPr>
+        <p:spPr>
+          <a:xfrm>
+            <a:off x="5967704" y="5412012"/>
+            <a:ext cx="936462" cy="364895"/>
+          </a:xfrm>
+          <a:prstGeom prst="rect">
+            <a:avLst/>
+          </a:prstGeom>
+        </p:spPr>
+        <p:style>
+          <a:lnRef idx="2">
+            <a:schemeClr val="accent1">
+              <a:shade val="15000"/>
+            </a:schemeClr>
+          </a:lnRef>
+          <a:fillRef idx="1">
+            <a:schemeClr val="accent1"/>
+          </a:fillRef>
+          <a:effectRef idx="0">
+            <a:schemeClr val="accent1"/>
+          </a:effectRef>
+          <a:fontRef idx="minor">
+            <a:schemeClr val="lt1"/>
+          </a:fontRef>
+        </p:style>
+        <p:txBody>
+          <a:bodyPr rtlCol="0" anchor="ctr"/>
+          <a:lstStyle/>
+          <a:p>
+            <a:pPr algn="ctr"/>
+            <a:r>
+              <a:rPr lang="en-US" altLang="ko-KR" sz="1400"/>
+              <a:t>MEAS</a:t>
+            </a:r>
+            <a:endParaRPr lang="ko-KR" altLang="en-US" sz="1400"/>
+          </a:p>
+        </p:txBody>
+      </p:sp>
+      <p:sp>
+        <p:nvSpPr>
+          <p:cNvPr id="43" name="직사각형 42">
+            <a:extLst>
+              <a:ext uri="{FF2B5EF4-FFF2-40B4-BE49-F238E27FC236}">
+                <a16:creationId xmlns:a16="http://schemas.microsoft.com/office/drawing/2014/main" id="{FEEFCCE8-EAA5-F0CF-A847-63746B2A6B6B}"/>
+              </a:ext>
+            </a:extLst>
+          </p:cNvPr>
+          <p:cNvSpPr/>
+          <p:nvPr/>
+        </p:nvSpPr>
+        <p:spPr>
+          <a:xfrm>
+            <a:off x="7117439" y="5397943"/>
+            <a:ext cx="1307293" cy="364895"/>
+          </a:xfrm>
+          <a:prstGeom prst="rect">
+            <a:avLst/>
+          </a:prstGeom>
+          <a:noFill/>
+        </p:spPr>
+        <p:style>
+          <a:lnRef idx="2">
+            <a:schemeClr val="accent1">
+              <a:shade val="15000"/>
+            </a:schemeClr>
+          </a:lnRef>
+          <a:fillRef idx="1">
+            <a:schemeClr val="accent1"/>
+          </a:fillRef>
+          <a:effectRef idx="0">
+            <a:schemeClr val="accent1"/>
+          </a:effectRef>
+          <a:fontRef idx="minor">
+            <a:schemeClr val="lt1"/>
+          </a:fontRef>
+        </p:style>
+        <p:txBody>
+          <a:bodyPr rtlCol="0" anchor="ctr"/>
+          <a:lstStyle/>
+          <a:p>
+            <a:pPr algn="ctr"/>
+            <a:endParaRPr lang="ko-KR" altLang="en-US"/>
+          </a:p>
+        </p:txBody>
+      </p:sp>
+      <p:sp>
+        <p:nvSpPr>
+          <p:cNvPr id="44" name="직사각형 43">
+            <a:extLst>
+              <a:ext uri="{FF2B5EF4-FFF2-40B4-BE49-F238E27FC236}">
+                <a16:creationId xmlns:a16="http://schemas.microsoft.com/office/drawing/2014/main" id="{03F94D0E-2E92-F620-F70A-0271F52260AD}"/>
+              </a:ext>
+            </a:extLst>
+          </p:cNvPr>
+          <p:cNvSpPr/>
+          <p:nvPr/>
+        </p:nvSpPr>
+        <p:spPr>
+          <a:xfrm>
+            <a:off x="5967704" y="5989925"/>
+            <a:ext cx="936462" cy="364895"/>
+          </a:xfrm>
+          <a:prstGeom prst="rect">
+            <a:avLst/>
+          </a:prstGeom>
+        </p:spPr>
+        <p:style>
+          <a:lnRef idx="2">
+            <a:schemeClr val="accent1">
+              <a:shade val="15000"/>
+            </a:schemeClr>
+          </a:lnRef>
+          <a:fillRef idx="1">
+            <a:schemeClr val="accent1"/>
+          </a:fillRef>
+          <a:effectRef idx="0">
+            <a:schemeClr val="accent1"/>
+          </a:effectRef>
+          <a:fontRef idx="minor">
+            <a:schemeClr val="lt1"/>
+          </a:fontRef>
+        </p:style>
+        <p:txBody>
+          <a:bodyPr rtlCol="0" anchor="ctr"/>
+          <a:lstStyle/>
+          <a:p>
+            <a:pPr algn="ctr"/>
+            <a:r>
+              <a:rPr lang="en-US" altLang="ko-KR" sz="1400"/>
+              <a:t>MEAS_30</a:t>
+            </a:r>
+            <a:endParaRPr lang="ko-KR" altLang="en-US" sz="1400"/>
+          </a:p>
+        </p:txBody>
+      </p:sp>
+      <p:sp>
+        <p:nvSpPr>
+          <p:cNvPr id="45" name="직사각형 44">
+            <a:extLst>
+              <a:ext uri="{FF2B5EF4-FFF2-40B4-BE49-F238E27FC236}">
+                <a16:creationId xmlns:a16="http://schemas.microsoft.com/office/drawing/2014/main" id="{D729ADB6-DD42-14AA-E5E8-5C421DF92494}"/>
+              </a:ext>
+            </a:extLst>
+          </p:cNvPr>
+          <p:cNvSpPr/>
+          <p:nvPr/>
+        </p:nvSpPr>
+        <p:spPr>
+          <a:xfrm>
+            <a:off x="7117439" y="5975856"/>
+            <a:ext cx="1307294" cy="364895"/>
+          </a:xfrm>
+          <a:prstGeom prst="rect">
+            <a:avLst/>
+          </a:prstGeom>
+          <a:noFill/>
+        </p:spPr>
+        <p:style>
+          <a:lnRef idx="2">
+            <a:schemeClr val="accent1">
+              <a:shade val="15000"/>
+            </a:schemeClr>
+          </a:lnRef>
+          <a:fillRef idx="1">
+            <a:schemeClr val="accent1"/>
+          </a:fillRef>
+          <a:effectRef idx="0">
+            <a:schemeClr val="accent1"/>
+          </a:effectRef>
+          <a:fontRef idx="minor">
+            <a:schemeClr val="lt1"/>
+          </a:fontRef>
+        </p:style>
+        <p:txBody>
+          <a:bodyPr rtlCol="0" anchor="ctr"/>
+          <a:lstStyle/>
+          <a:p>
+            <a:pPr algn="ctr"/>
+            <a:endParaRPr lang="ko-KR" altLang="en-US"/>
+          </a:p>
+        </p:txBody>
+      </p:sp>
+      <p:sp>
+        <p:nvSpPr>
+          <p:cNvPr id="46" name="직사각형 45">
+            <a:extLst>
+              <a:ext uri="{FF2B5EF4-FFF2-40B4-BE49-F238E27FC236}">
+                <a16:creationId xmlns:a16="http://schemas.microsoft.com/office/drawing/2014/main" id="{875D8D8B-43CB-8168-E0A1-7D4126AF46A4}"/>
+              </a:ext>
+            </a:extLst>
+          </p:cNvPr>
+          <p:cNvSpPr/>
+          <p:nvPr/>
+        </p:nvSpPr>
+        <p:spPr>
+          <a:xfrm>
+            <a:off x="5967703" y="6600745"/>
+            <a:ext cx="936462" cy="364895"/>
+          </a:xfrm>
+          <a:prstGeom prst="rect">
+            <a:avLst/>
+          </a:prstGeom>
+        </p:spPr>
+        <p:style>
+          <a:lnRef idx="2">
+            <a:schemeClr val="accent1">
+              <a:shade val="15000"/>
+            </a:schemeClr>
+          </a:lnRef>
+          <a:fillRef idx="1">
+            <a:schemeClr val="accent1"/>
+          </a:fillRef>
+          <a:effectRef idx="0">
+            <a:schemeClr val="accent1"/>
+          </a:effectRef>
+          <a:fontRef idx="minor">
+            <a:schemeClr val="lt1"/>
+          </a:fontRef>
+        </p:style>
+        <p:txBody>
+          <a:bodyPr rtlCol="0" anchor="ctr"/>
+          <a:lstStyle/>
+          <a:p>
+            <a:pPr algn="ctr"/>
+            <a:r>
+              <a:rPr lang="en-US" altLang="ko-KR" sz="1400"/>
+              <a:t>MEAS_45</a:t>
+            </a:r>
+            <a:endParaRPr lang="ko-KR" altLang="en-US" sz="1400"/>
+          </a:p>
+        </p:txBody>
+      </p:sp>
+      <p:sp>
+        <p:nvSpPr>
+          <p:cNvPr id="47" name="직사각형 46">
+            <a:extLst>
+              <a:ext uri="{FF2B5EF4-FFF2-40B4-BE49-F238E27FC236}">
+                <a16:creationId xmlns:a16="http://schemas.microsoft.com/office/drawing/2014/main" id="{B720C75D-5203-4646-3B45-FF4229FD0A7A}"/>
+              </a:ext>
+            </a:extLst>
+          </p:cNvPr>
+          <p:cNvSpPr/>
+          <p:nvPr/>
+        </p:nvSpPr>
+        <p:spPr>
+          <a:xfrm>
+            <a:off x="7117438" y="6586676"/>
+            <a:ext cx="1307293" cy="364895"/>
+          </a:xfrm>
+          <a:prstGeom prst="rect">
+            <a:avLst/>
+          </a:prstGeom>
+          <a:noFill/>
+        </p:spPr>
+        <p:style>
+          <a:lnRef idx="2">
+            <a:schemeClr val="accent1">
+              <a:shade val="15000"/>
+            </a:schemeClr>
+          </a:lnRef>
+          <a:fillRef idx="1">
+            <a:schemeClr val="accent1"/>
+          </a:fillRef>
+          <a:effectRef idx="0">
+            <a:schemeClr val="accent1"/>
+          </a:effectRef>
+          <a:fontRef idx="minor">
+            <a:schemeClr val="lt1"/>
+          </a:fontRef>
+        </p:style>
+        <p:txBody>
+          <a:bodyPr rtlCol="0" anchor="ctr"/>
+          <a:lstStyle/>
+          <a:p>
+            <a:pPr algn="ctr"/>
+            <a:endParaRPr lang="ko-KR" altLang="en-US"/>
+          </a:p>
+        </p:txBody>
+      </p:sp>
+      <p:sp>
+        <p:nvSpPr>
+          <p:cNvPr id="48" name="직사각형 47">
+            <a:extLst>
+              <a:ext uri="{FF2B5EF4-FFF2-40B4-BE49-F238E27FC236}">
+                <a16:creationId xmlns:a16="http://schemas.microsoft.com/office/drawing/2014/main" id="{2C65E107-9431-2D8C-9A06-542F3AC98281}"/>
+              </a:ext>
+            </a:extLst>
+          </p:cNvPr>
+          <p:cNvSpPr/>
+          <p:nvPr/>
+        </p:nvSpPr>
+        <p:spPr>
+          <a:xfrm>
+            <a:off x="5967703" y="7178658"/>
+            <a:ext cx="936462" cy="364895"/>
+          </a:xfrm>
+          <a:prstGeom prst="rect">
+            <a:avLst/>
+          </a:prstGeom>
+        </p:spPr>
+        <p:style>
+          <a:lnRef idx="2">
+            <a:schemeClr val="accent1">
+              <a:shade val="15000"/>
+            </a:schemeClr>
+          </a:lnRef>
+          <a:fillRef idx="1">
+            <a:schemeClr val="accent1"/>
+          </a:fillRef>
+          <a:effectRef idx="0">
+            <a:schemeClr val="accent1"/>
+          </a:effectRef>
+          <a:fontRef idx="minor">
+            <a:schemeClr val="lt1"/>
+          </a:fontRef>
+        </p:style>
+        <p:txBody>
+          <a:bodyPr rtlCol="0" anchor="ctr"/>
+          <a:lstStyle/>
+          <a:p>
+            <a:pPr algn="ctr"/>
+            <a:r>
+              <a:rPr lang="en-US" altLang="ko-KR" sz="1400"/>
+              <a:t>MEAS_15</a:t>
+            </a:r>
+            <a:endParaRPr lang="ko-KR" altLang="en-US" sz="1400"/>
+          </a:p>
+        </p:txBody>
+      </p:sp>
+      <p:sp>
+        <p:nvSpPr>
+          <p:cNvPr id="49" name="직사각형 48">
+            <a:extLst>
+              <a:ext uri="{FF2B5EF4-FFF2-40B4-BE49-F238E27FC236}">
+                <a16:creationId xmlns:a16="http://schemas.microsoft.com/office/drawing/2014/main" id="{917CB483-5CEF-F362-0082-0F06949B5A92}"/>
+              </a:ext>
+            </a:extLst>
+          </p:cNvPr>
+          <p:cNvSpPr/>
+          <p:nvPr/>
+        </p:nvSpPr>
+        <p:spPr>
+          <a:xfrm>
+            <a:off x="7117438" y="7164589"/>
+            <a:ext cx="1307294" cy="364895"/>
+          </a:xfrm>
+          <a:prstGeom prst="rect">
+            <a:avLst/>
+          </a:prstGeom>
+          <a:noFill/>
+        </p:spPr>
+        <p:style>
+          <a:lnRef idx="2">
+            <a:schemeClr val="accent1">
+              <a:shade val="15000"/>
+            </a:schemeClr>
+          </a:lnRef>
+          <a:fillRef idx="1">
+            <a:schemeClr val="accent1"/>
+          </a:fillRef>
+          <a:effectRef idx="0">
+            <a:schemeClr val="accent1"/>
+          </a:effectRef>
+          <a:fontRef idx="minor">
+            <a:schemeClr val="lt1"/>
+          </a:fontRef>
+        </p:style>
+        <p:txBody>
+          <a:bodyPr rtlCol="0" anchor="ctr"/>
+          <a:lstStyle/>
+          <a:p>
+            <a:pPr algn="ctr"/>
+            <a:endParaRPr lang="ko-KR" altLang="en-US"/>
+          </a:p>
+        </p:txBody>
+      </p:sp>
+      <p:sp>
+        <p:nvSpPr>
+          <p:cNvPr id="50" name="직사각형 49">
+            <a:extLst>
+              <a:ext uri="{FF2B5EF4-FFF2-40B4-BE49-F238E27FC236}">
+                <a16:creationId xmlns:a16="http://schemas.microsoft.com/office/drawing/2014/main" id="{A540EB9C-CA19-958F-2175-C78ED5019F2C}"/>
+              </a:ext>
+            </a:extLst>
+          </p:cNvPr>
+          <p:cNvSpPr/>
+          <p:nvPr/>
+        </p:nvSpPr>
+        <p:spPr>
+          <a:xfrm>
+            <a:off x="5967703" y="7710527"/>
+            <a:ext cx="936462" cy="364895"/>
+          </a:xfrm>
+          <a:prstGeom prst="rect">
+            <a:avLst/>
+          </a:prstGeom>
+        </p:spPr>
+        <p:style>
+          <a:lnRef idx="2">
+            <a:schemeClr val="accent1">
+              <a:shade val="15000"/>
+            </a:schemeClr>
+          </a:lnRef>
+          <a:fillRef idx="1">
+            <a:schemeClr val="accent1"/>
+          </a:fillRef>
+          <a:effectRef idx="0">
+            <a:schemeClr val="accent1"/>
+          </a:effectRef>
+          <a:fontRef idx="minor">
+            <a:schemeClr val="lt1"/>
+          </a:fontRef>
+        </p:style>
+        <p:txBody>
+          <a:bodyPr rtlCol="0" anchor="ctr"/>
+          <a:lstStyle/>
+          <a:p>
+            <a:pPr algn="ctr"/>
+            <a:r>
+              <a:rPr lang="en-US" altLang="ko-KR" sz="1400"/>
+              <a:t>MEAS_60</a:t>
+            </a:r>
+            <a:endParaRPr lang="ko-KR" altLang="en-US" sz="1400"/>
+          </a:p>
+        </p:txBody>
+      </p:sp>
+      <p:sp>
+        <p:nvSpPr>
+          <p:cNvPr id="51" name="직사각형 50">
+            <a:extLst>
+              <a:ext uri="{FF2B5EF4-FFF2-40B4-BE49-F238E27FC236}">
+                <a16:creationId xmlns:a16="http://schemas.microsoft.com/office/drawing/2014/main" id="{F1ED7A3B-F49F-078A-A355-58F6605C6E4E}"/>
+              </a:ext>
+            </a:extLst>
+          </p:cNvPr>
+          <p:cNvSpPr/>
+          <p:nvPr/>
+        </p:nvSpPr>
+        <p:spPr>
+          <a:xfrm>
+            <a:off x="7117438" y="7696458"/>
+            <a:ext cx="1307294" cy="364895"/>
+          </a:xfrm>
+          <a:prstGeom prst="rect">
+            <a:avLst/>
+          </a:prstGeom>
+          <a:noFill/>
+        </p:spPr>
+        <p:style>
+          <a:lnRef idx="2">
+            <a:schemeClr val="accent1">
+              <a:shade val="15000"/>
+            </a:schemeClr>
+          </a:lnRef>
+          <a:fillRef idx="1">
+            <a:schemeClr val="accent1"/>
+          </a:fillRef>
+          <a:effectRef idx="0">
+            <a:schemeClr val="accent1"/>
+          </a:effectRef>
+          <a:fontRef idx="minor">
+            <a:schemeClr val="lt1"/>
+          </a:fontRef>
+        </p:style>
+        <p:txBody>
+          <a:bodyPr rtlCol="0" anchor="ctr"/>
+          <a:lstStyle/>
+          <a:p>
+            <a:pPr algn="ctr"/>
+            <a:endParaRPr lang="ko-KR" altLang="en-US"/>
+          </a:p>
+        </p:txBody>
+      </p:sp>
+    </p:spTree>
+    <p:extLst>
+      <p:ext uri="{BB962C8B-B14F-4D97-AF65-F5344CB8AC3E}">
+        <p14:creationId xmlns:p14="http://schemas.microsoft.com/office/powerpoint/2010/main" val="3184579837"/>
+      </p:ext>
+    </p:extLst>
+  </p:cSld>
+  <p:clrMapOvr>
+    <a:masterClrMapping/>
+  </p:clrMapOvr>
+</p:sld>
+</file>
+
+<file path=ppt/slides/slide8.xml><?xml version="1.0" encoding="utf-8"?>
 <p:sld xmlns:a="http://schemas.openxmlformats.org/drawingml/2006/main" xmlns:r="http://schemas.openxmlformats.org/officeDocument/2006/relationships" xmlns:p="http://schemas.openxmlformats.org/presentationml/2006/main">
   <p:cSld>
     <p:spTree>
@@ -7691,7 +8741,7 @@
         </p:blipFill>
         <p:spPr>
           <a:xfrm>
-            <a:off x="861282" y="1728550"/>
+            <a:off x="861282" y="3699431"/>
             <a:ext cx="10469436" cy="3400900"/>
           </a:xfrm>
           <a:prstGeom prst="rect">
@@ -7713,7 +8763,7 @@
         </p:nvGrpSpPr>
         <p:grpSpPr>
           <a:xfrm>
-            <a:off x="1694600" y="2335793"/>
+            <a:off x="1694600" y="4306675"/>
             <a:ext cx="832920" cy="3141553"/>
             <a:chOff x="716826" y="1530036"/>
             <a:chExt cx="832920" cy="1817483"/>
@@ -7838,7 +8888,7 @@
         </p:nvGrpSpPr>
         <p:grpSpPr>
           <a:xfrm>
-            <a:off x="861282" y="2341660"/>
+            <a:off x="861282" y="4312542"/>
             <a:ext cx="832920" cy="3141553"/>
             <a:chOff x="716826" y="1530036"/>
             <a:chExt cx="832920" cy="1817483"/>
@@ -7963,7 +9013,7 @@
         </p:nvGrpSpPr>
         <p:grpSpPr>
           <a:xfrm>
-            <a:off x="2527519" y="2341660"/>
+            <a:off x="2527519" y="4312543"/>
             <a:ext cx="832920" cy="3141553"/>
             <a:chOff x="716826" y="1530036"/>
             <a:chExt cx="832920" cy="1817483"/>
@@ -8088,7 +9138,7 @@
         </p:nvGrpSpPr>
         <p:grpSpPr>
           <a:xfrm>
-            <a:off x="8338334" y="2329925"/>
+            <a:off x="8338336" y="4300808"/>
             <a:ext cx="1249285" cy="3141553"/>
             <a:chOff x="716826" y="1530036"/>
             <a:chExt cx="832920" cy="1817483"/>
@@ -8213,7 +9263,7 @@
         </p:nvGrpSpPr>
         <p:grpSpPr>
           <a:xfrm>
-            <a:off x="9588206" y="2324057"/>
+            <a:off x="9588206" y="4294940"/>
             <a:ext cx="832920" cy="3141553"/>
             <a:chOff x="716826" y="1530036"/>
             <a:chExt cx="832920" cy="1817483"/>
@@ -8338,7 +9388,7 @@
         </p:nvGrpSpPr>
         <p:grpSpPr>
           <a:xfrm>
-            <a:off x="10421030" y="2318189"/>
+            <a:off x="10421030" y="4289071"/>
             <a:ext cx="832920" cy="3141553"/>
             <a:chOff x="716826" y="1530036"/>
             <a:chExt cx="832920" cy="1817483"/>
@@ -8465,7 +9515,7 @@
 <file path=ppt/theme/theme1.xml><?xml version="1.0" encoding="utf-8"?>
 <a:theme xmlns:a="http://schemas.openxmlformats.org/drawingml/2006/main" name="Office 테마">
   <a:themeElements>
-    <a:clrScheme name="Office">
+    <a:clrScheme name="Office 테마">
       <a:dk1>
         <a:sysClr val="windowText" lastClr="000000"/>
       </a:dk1>
@@ -8503,9 +9553,9 @@
         <a:srgbClr val="96607D"/>
       </a:folHlink>
     </a:clrScheme>
-    <a:fontScheme name="Office">
+    <a:fontScheme name="Office 테마">
       <a:majorFont>
-        <a:latin typeface="맑은 고딕" panose="02110004020202020204"/>
+        <a:latin typeface="Aptos Display" panose="02110004020202020204"/>
         <a:ea typeface=""/>
         <a:cs typeface=""/>
         <a:font script="Jpan" typeface="游ゴシック Light"/>
@@ -8557,7 +9607,7 @@
         <a:font script="Tfng" typeface="Ebrima"/>
       </a:majorFont>
       <a:minorFont>
-        <a:latin typeface="맑은 고딕" panose="02110004020202020204"/>
+        <a:latin typeface="Aptos" panose="02110004020202020204"/>
         <a:ea typeface=""/>
         <a:cs typeface=""/>
         <a:font script="Jpan" typeface="游ゴシック"/>
@@ -8609,7 +9659,7 @@
         <a:font script="Tfng" typeface="Ebrima"/>
       </a:minorFont>
     </a:fontScheme>
-    <a:fmtScheme name="Office">
+    <a:fmtScheme name="Office 테마">
       <a:fillStyleLst>
         <a:solidFill>
           <a:schemeClr val="phClr"/>

--- a/UI.pptx
+++ b/UI.pptx
@@ -13,6 +13,8 @@
     <p:sldId id="261" r:id="rId7"/>
     <p:sldId id="263" r:id="rId8"/>
     <p:sldId id="262" r:id="rId9"/>
+    <p:sldId id="264" r:id="rId10"/>
+    <p:sldId id="265" r:id="rId11"/>
   </p:sldIdLst>
   <p:sldSz cx="12192000" cy="10799763"/>
   <p:notesSz cx="6858000" cy="9144000"/>
@@ -250,7 +252,7 @@
           <a:p>
             <a:fld id="{3AFA5745-1944-4375-9A62-C9C7A2D27294}" type="datetimeFigureOut">
               <a:rPr lang="ko-KR" altLang="en-US" smtClean="0"/>
-              <a:t>2025-09-22</a:t>
+              <a:t>2025-10-03</a:t>
             </a:fld>
             <a:endParaRPr lang="ko-KR" altLang="en-US"/>
           </a:p>
@@ -420,7 +422,7 @@
           <a:p>
             <a:fld id="{3AFA5745-1944-4375-9A62-C9C7A2D27294}" type="datetimeFigureOut">
               <a:rPr lang="ko-KR" altLang="en-US" smtClean="0"/>
-              <a:t>2025-09-22</a:t>
+              <a:t>2025-10-03</a:t>
             </a:fld>
             <a:endParaRPr lang="ko-KR" altLang="en-US"/>
           </a:p>
@@ -600,7 +602,7 @@
           <a:p>
             <a:fld id="{3AFA5745-1944-4375-9A62-C9C7A2D27294}" type="datetimeFigureOut">
               <a:rPr lang="ko-KR" altLang="en-US" smtClean="0"/>
-              <a:t>2025-09-22</a:t>
+              <a:t>2025-10-03</a:t>
             </a:fld>
             <a:endParaRPr lang="ko-KR" altLang="en-US"/>
           </a:p>
@@ -770,7 +772,7 @@
           <a:p>
             <a:fld id="{3AFA5745-1944-4375-9A62-C9C7A2D27294}" type="datetimeFigureOut">
               <a:rPr lang="ko-KR" altLang="en-US" smtClean="0"/>
-              <a:t>2025-09-22</a:t>
+              <a:t>2025-10-03</a:t>
             </a:fld>
             <a:endParaRPr lang="ko-KR" altLang="en-US"/>
           </a:p>
@@ -1016,7 +1018,7 @@
           <a:p>
             <a:fld id="{3AFA5745-1944-4375-9A62-C9C7A2D27294}" type="datetimeFigureOut">
               <a:rPr lang="ko-KR" altLang="en-US" smtClean="0"/>
-              <a:t>2025-09-22</a:t>
+              <a:t>2025-10-03</a:t>
             </a:fld>
             <a:endParaRPr lang="ko-KR" altLang="en-US"/>
           </a:p>
@@ -1248,7 +1250,7 @@
           <a:p>
             <a:fld id="{3AFA5745-1944-4375-9A62-C9C7A2D27294}" type="datetimeFigureOut">
               <a:rPr lang="ko-KR" altLang="en-US" smtClean="0"/>
-              <a:t>2025-09-22</a:t>
+              <a:t>2025-10-03</a:t>
             </a:fld>
             <a:endParaRPr lang="ko-KR" altLang="en-US"/>
           </a:p>
@@ -1615,7 +1617,7 @@
           <a:p>
             <a:fld id="{3AFA5745-1944-4375-9A62-C9C7A2D27294}" type="datetimeFigureOut">
               <a:rPr lang="ko-KR" altLang="en-US" smtClean="0"/>
-              <a:t>2025-09-22</a:t>
+              <a:t>2025-10-03</a:t>
             </a:fld>
             <a:endParaRPr lang="ko-KR" altLang="en-US"/>
           </a:p>
@@ -1733,7 +1735,7 @@
           <a:p>
             <a:fld id="{3AFA5745-1944-4375-9A62-C9C7A2D27294}" type="datetimeFigureOut">
               <a:rPr lang="ko-KR" altLang="en-US" smtClean="0"/>
-              <a:t>2025-09-22</a:t>
+              <a:t>2025-10-03</a:t>
             </a:fld>
             <a:endParaRPr lang="ko-KR" altLang="en-US"/>
           </a:p>
@@ -1828,7 +1830,7 @@
           <a:p>
             <a:fld id="{3AFA5745-1944-4375-9A62-C9C7A2D27294}" type="datetimeFigureOut">
               <a:rPr lang="ko-KR" altLang="en-US" smtClean="0"/>
-              <a:t>2025-09-22</a:t>
+              <a:t>2025-10-03</a:t>
             </a:fld>
             <a:endParaRPr lang="ko-KR" altLang="en-US"/>
           </a:p>
@@ -2105,7 +2107,7 @@
           <a:p>
             <a:fld id="{3AFA5745-1944-4375-9A62-C9C7A2D27294}" type="datetimeFigureOut">
               <a:rPr lang="ko-KR" altLang="en-US" smtClean="0"/>
-              <a:t>2025-09-22</a:t>
+              <a:t>2025-10-03</a:t>
             </a:fld>
             <a:endParaRPr lang="ko-KR" altLang="en-US"/>
           </a:p>
@@ -2362,7 +2364,7 @@
           <a:p>
             <a:fld id="{3AFA5745-1944-4375-9A62-C9C7A2D27294}" type="datetimeFigureOut">
               <a:rPr lang="ko-KR" altLang="en-US" smtClean="0"/>
-              <a:t>2025-09-22</a:t>
+              <a:t>2025-10-03</a:t>
             </a:fld>
             <a:endParaRPr lang="ko-KR" altLang="en-US"/>
           </a:p>
@@ -2575,7 +2577,7 @@
           <a:p>
             <a:fld id="{3AFA5745-1944-4375-9A62-C9C7A2D27294}" type="datetimeFigureOut">
               <a:rPr lang="ko-KR" altLang="en-US" smtClean="0"/>
-              <a:t>2025-09-22</a:t>
+              <a:t>2025-10-03</a:t>
             </a:fld>
             <a:endParaRPr lang="ko-KR" altLang="en-US"/>
           </a:p>
@@ -3397,6 +3399,96 @@
     <p:extLst>
       <p:ext uri="{BB962C8B-B14F-4D97-AF65-F5344CB8AC3E}">
         <p14:creationId xmlns:p14="http://schemas.microsoft.com/office/powerpoint/2010/main" val="171691100"/>
+      </p:ext>
+    </p:extLst>
+  </p:cSld>
+  <p:clrMapOvr>
+    <a:masterClrMapping/>
+  </p:clrMapOvr>
+</p:sld>
+</file>
+
+<file path=ppt/slides/slide10.xml><?xml version="1.0" encoding="utf-8"?>
+<p:sld xmlns:a="http://schemas.openxmlformats.org/drawingml/2006/main" xmlns:r="http://schemas.openxmlformats.org/officeDocument/2006/relationships" xmlns:p="http://schemas.openxmlformats.org/presentationml/2006/main">
+  <p:cSld>
+    <p:spTree>
+      <p:nvGrpSpPr>
+        <p:cNvPr id="1" name=""/>
+        <p:cNvGrpSpPr/>
+        <p:nvPr/>
+      </p:nvGrpSpPr>
+      <p:grpSpPr>
+        <a:xfrm>
+          <a:off x="0" y="0"/>
+          <a:ext cx="0" cy="0"/>
+          <a:chOff x="0" y="0"/>
+          <a:chExt cx="0" cy="0"/>
+        </a:xfrm>
+      </p:grpSpPr>
+      <p:pic>
+        <p:nvPicPr>
+          <p:cNvPr id="5" name="그림 4">
+            <a:extLst>
+              <a:ext uri="{FF2B5EF4-FFF2-40B4-BE49-F238E27FC236}">
+                <a16:creationId xmlns:a16="http://schemas.microsoft.com/office/drawing/2014/main" id="{A717D48C-11FA-62A0-5C39-50697A765A14}"/>
+              </a:ext>
+            </a:extLst>
+          </p:cNvPr>
+          <p:cNvPicPr>
+            <a:picLocks noChangeAspect="1"/>
+          </p:cNvPicPr>
+          <p:nvPr/>
+        </p:nvPicPr>
+        <p:blipFill>
+          <a:blip r:embed="rId2"/>
+          <a:stretch>
+            <a:fillRect/>
+          </a:stretch>
+        </p:blipFill>
+        <p:spPr>
+          <a:xfrm>
+            <a:off x="2144710" y="595192"/>
+            <a:ext cx="7210047" cy="4804689"/>
+          </a:xfrm>
+          <a:prstGeom prst="rect">
+            <a:avLst/>
+          </a:prstGeom>
+        </p:spPr>
+      </p:pic>
+      <p:pic>
+        <p:nvPicPr>
+          <p:cNvPr id="7" name="그림 6">
+            <a:extLst>
+              <a:ext uri="{FF2B5EF4-FFF2-40B4-BE49-F238E27FC236}">
+                <a16:creationId xmlns:a16="http://schemas.microsoft.com/office/drawing/2014/main" id="{FAD186FC-6706-3E69-6E66-AC263D4E7AF7}"/>
+              </a:ext>
+            </a:extLst>
+          </p:cNvPr>
+          <p:cNvPicPr>
+            <a:picLocks noChangeAspect="1"/>
+          </p:cNvPicPr>
+          <p:nvPr/>
+        </p:nvPicPr>
+        <p:blipFill>
+          <a:blip r:embed="rId3"/>
+          <a:stretch>
+            <a:fillRect/>
+          </a:stretch>
+        </p:blipFill>
+        <p:spPr>
+          <a:xfrm>
+            <a:off x="2144710" y="5799270"/>
+            <a:ext cx="7228455" cy="4804689"/>
+          </a:xfrm>
+          <a:prstGeom prst="rect">
+            <a:avLst/>
+          </a:prstGeom>
+        </p:spPr>
+      </p:pic>
+    </p:spTree>
+    <p:extLst>
+      <p:ext uri="{BB962C8B-B14F-4D97-AF65-F5344CB8AC3E}">
+        <p14:creationId xmlns:p14="http://schemas.microsoft.com/office/powerpoint/2010/main" val="1822883450"/>
       </p:ext>
     </p:extLst>
   </p:cSld>
@@ -9512,6 +9604,741 @@
 </p:sld>
 </file>
 
+<file path=ppt/slides/slide9.xml><?xml version="1.0" encoding="utf-8"?>
+<p:sld xmlns:a="http://schemas.openxmlformats.org/drawingml/2006/main" xmlns:r="http://schemas.openxmlformats.org/officeDocument/2006/relationships" xmlns:p="http://schemas.openxmlformats.org/presentationml/2006/main">
+  <p:cSld>
+    <p:spTree>
+      <p:nvGrpSpPr>
+        <p:cNvPr id="1" name=""/>
+        <p:cNvGrpSpPr/>
+        <p:nvPr/>
+      </p:nvGrpSpPr>
+      <p:grpSpPr>
+        <a:xfrm>
+          <a:off x="0" y="0"/>
+          <a:ext cx="0" cy="0"/>
+          <a:chOff x="0" y="0"/>
+          <a:chExt cx="0" cy="0"/>
+        </a:xfrm>
+      </p:grpSpPr>
+      <p:sp>
+        <p:nvSpPr>
+          <p:cNvPr id="4" name="직사각형 3">
+            <a:extLst>
+              <a:ext uri="{FF2B5EF4-FFF2-40B4-BE49-F238E27FC236}">
+                <a16:creationId xmlns:a16="http://schemas.microsoft.com/office/drawing/2014/main" id="{96B126DD-2C9D-8A54-D7FE-3487BC5D11D6}"/>
+              </a:ext>
+            </a:extLst>
+          </p:cNvPr>
+          <p:cNvSpPr/>
+          <p:nvPr/>
+        </p:nvSpPr>
+        <p:spPr>
+          <a:xfrm>
+            <a:off x="641573" y="0"/>
+            <a:ext cx="5145686" cy="3887456"/>
+          </a:xfrm>
+          <a:prstGeom prst="rect">
+            <a:avLst/>
+          </a:prstGeom>
+          <a:noFill/>
+        </p:spPr>
+        <p:style>
+          <a:lnRef idx="2">
+            <a:schemeClr val="accent1">
+              <a:shade val="15000"/>
+            </a:schemeClr>
+          </a:lnRef>
+          <a:fillRef idx="1">
+            <a:schemeClr val="accent1"/>
+          </a:fillRef>
+          <a:effectRef idx="0">
+            <a:schemeClr val="accent1"/>
+          </a:effectRef>
+          <a:fontRef idx="minor">
+            <a:schemeClr val="lt1"/>
+          </a:fontRef>
+        </p:style>
+        <p:txBody>
+          <a:bodyPr rtlCol="0" anchor="ctr"/>
+          <a:lstStyle/>
+          <a:p>
+            <a:pPr algn="ctr"/>
+            <a:endParaRPr lang="ko-KR" altLang="en-US"/>
+          </a:p>
+        </p:txBody>
+      </p:sp>
+      <p:sp>
+        <p:nvSpPr>
+          <p:cNvPr id="9" name="사각형: 둥근 모서리 8">
+            <a:extLst>
+              <a:ext uri="{FF2B5EF4-FFF2-40B4-BE49-F238E27FC236}">
+                <a16:creationId xmlns:a16="http://schemas.microsoft.com/office/drawing/2014/main" id="{F35F2C24-D171-C717-8872-FE200FDAF17B}"/>
+              </a:ext>
+            </a:extLst>
+          </p:cNvPr>
+          <p:cNvSpPr/>
+          <p:nvPr/>
+        </p:nvSpPr>
+        <p:spPr>
+          <a:xfrm>
+            <a:off x="2232115" y="2866204"/>
+            <a:ext cx="1964602" cy="525613"/>
+          </a:xfrm>
+          <a:prstGeom prst="roundRect">
+            <a:avLst/>
+          </a:prstGeom>
+        </p:spPr>
+        <p:style>
+          <a:lnRef idx="2">
+            <a:schemeClr val="accent1">
+              <a:shade val="15000"/>
+            </a:schemeClr>
+          </a:lnRef>
+          <a:fillRef idx="1">
+            <a:schemeClr val="accent1"/>
+          </a:fillRef>
+          <a:effectRef idx="0">
+            <a:schemeClr val="accent1"/>
+          </a:effectRef>
+          <a:fontRef idx="minor">
+            <a:schemeClr val="lt1"/>
+          </a:fontRef>
+        </p:style>
+        <p:txBody>
+          <a:bodyPr rtlCol="0" anchor="ctr"/>
+          <a:lstStyle/>
+          <a:p>
+            <a:pPr algn="ctr"/>
+            <a:r>
+              <a:rPr lang="en-US" altLang="ko-KR"/>
+              <a:t>SAVE</a:t>
+            </a:r>
+            <a:endParaRPr lang="ko-KR" altLang="en-US"/>
+          </a:p>
+        </p:txBody>
+      </p:sp>
+      <p:sp>
+        <p:nvSpPr>
+          <p:cNvPr id="10" name="TextBox 9">
+            <a:extLst>
+              <a:ext uri="{FF2B5EF4-FFF2-40B4-BE49-F238E27FC236}">
+                <a16:creationId xmlns:a16="http://schemas.microsoft.com/office/drawing/2014/main" id="{512487F8-A820-D7CC-6CBB-7A79022F9BF5}"/>
+              </a:ext>
+            </a:extLst>
+          </p:cNvPr>
+          <p:cNvSpPr txBox="1"/>
+          <p:nvPr/>
+        </p:nvSpPr>
+        <p:spPr>
+          <a:xfrm>
+            <a:off x="706412" y="145723"/>
+            <a:ext cx="1149225" cy="369332"/>
+          </a:xfrm>
+          <a:prstGeom prst="rect">
+            <a:avLst/>
+          </a:prstGeom>
+          <a:noFill/>
+        </p:spPr>
+        <p:txBody>
+          <a:bodyPr wrap="none" rtlCol="0">
+            <a:spAutoFit/>
+          </a:bodyPr>
+          <a:lstStyle/>
+          <a:p>
+            <a:r>
+              <a:rPr lang="en-US" altLang="ko-KR"/>
+              <a:t>Language</a:t>
+            </a:r>
+            <a:endParaRPr lang="ko-KR" altLang="en-US"/>
+          </a:p>
+        </p:txBody>
+      </p:sp>
+      <p:cxnSp>
+        <p:nvCxnSpPr>
+          <p:cNvPr id="11" name="직선 연결선 10">
+            <a:extLst>
+              <a:ext uri="{FF2B5EF4-FFF2-40B4-BE49-F238E27FC236}">
+                <a16:creationId xmlns:a16="http://schemas.microsoft.com/office/drawing/2014/main" id="{A453F689-4841-9780-8D75-44EAD7583625}"/>
+              </a:ext>
+            </a:extLst>
+          </p:cNvPr>
+          <p:cNvCxnSpPr>
+            <a:cxnSpLocks/>
+            <a:stCxn id="10" idx="3"/>
+          </p:cNvCxnSpPr>
+          <p:nvPr/>
+        </p:nvCxnSpPr>
+        <p:spPr>
+          <a:xfrm>
+            <a:off x="1855637" y="330389"/>
+            <a:ext cx="3723249" cy="2"/>
+          </a:xfrm>
+          <a:prstGeom prst="line">
+            <a:avLst/>
+          </a:prstGeom>
+        </p:spPr>
+        <p:style>
+          <a:lnRef idx="2">
+            <a:schemeClr val="accent1"/>
+          </a:lnRef>
+          <a:fillRef idx="0">
+            <a:schemeClr val="accent1"/>
+          </a:fillRef>
+          <a:effectRef idx="1">
+            <a:schemeClr val="accent1"/>
+          </a:effectRef>
+          <a:fontRef idx="minor">
+            <a:schemeClr val="tx1"/>
+          </a:fontRef>
+        </p:style>
+      </p:cxnSp>
+      <p:sp>
+        <p:nvSpPr>
+          <p:cNvPr id="18" name="TextBox 17">
+            <a:extLst>
+              <a:ext uri="{FF2B5EF4-FFF2-40B4-BE49-F238E27FC236}">
+                <a16:creationId xmlns:a16="http://schemas.microsoft.com/office/drawing/2014/main" id="{EE3BA5A1-7D93-3C29-326B-45B54A60118E}"/>
+              </a:ext>
+            </a:extLst>
+          </p:cNvPr>
+          <p:cNvSpPr txBox="1"/>
+          <p:nvPr/>
+        </p:nvSpPr>
+        <p:spPr>
+          <a:xfrm>
+            <a:off x="746930" y="1379839"/>
+            <a:ext cx="1157305" cy="369332"/>
+          </a:xfrm>
+          <a:prstGeom prst="rect">
+            <a:avLst/>
+          </a:prstGeom>
+          <a:noFill/>
+        </p:spPr>
+        <p:txBody>
+          <a:bodyPr wrap="none" rtlCol="0">
+            <a:spAutoFit/>
+          </a:bodyPr>
+          <a:lstStyle/>
+          <a:p>
+            <a:r>
+              <a:rPr lang="en-US" altLang="ko-KR"/>
+              <a:t>Port </a:t>
+            </a:r>
+            <a:r>
+              <a:rPr lang="ko-KR" altLang="en-US"/>
+              <a:t>연결</a:t>
+            </a:r>
+          </a:p>
+        </p:txBody>
+      </p:sp>
+      <p:cxnSp>
+        <p:nvCxnSpPr>
+          <p:cNvPr id="19" name="직선 연결선 18">
+            <a:extLst>
+              <a:ext uri="{FF2B5EF4-FFF2-40B4-BE49-F238E27FC236}">
+                <a16:creationId xmlns:a16="http://schemas.microsoft.com/office/drawing/2014/main" id="{27394D57-A180-7008-2972-5BC44C3941E4}"/>
+              </a:ext>
+            </a:extLst>
+          </p:cNvPr>
+          <p:cNvCxnSpPr>
+            <a:cxnSpLocks/>
+            <a:stCxn id="18" idx="3"/>
+          </p:cNvCxnSpPr>
+          <p:nvPr/>
+        </p:nvCxnSpPr>
+        <p:spPr>
+          <a:xfrm>
+            <a:off x="1904235" y="1564505"/>
+            <a:ext cx="3715169" cy="0"/>
+          </a:xfrm>
+          <a:prstGeom prst="line">
+            <a:avLst/>
+          </a:prstGeom>
+        </p:spPr>
+        <p:style>
+          <a:lnRef idx="2">
+            <a:schemeClr val="accent1"/>
+          </a:lnRef>
+          <a:fillRef idx="0">
+            <a:schemeClr val="accent1"/>
+          </a:fillRef>
+          <a:effectRef idx="1">
+            <a:schemeClr val="accent1"/>
+          </a:effectRef>
+          <a:fontRef idx="minor">
+            <a:schemeClr val="tx1"/>
+          </a:fontRef>
+        </p:style>
+      </p:cxnSp>
+      <p:sp>
+        <p:nvSpPr>
+          <p:cNvPr id="20" name="직사각형 19">
+            <a:extLst>
+              <a:ext uri="{FF2B5EF4-FFF2-40B4-BE49-F238E27FC236}">
+                <a16:creationId xmlns:a16="http://schemas.microsoft.com/office/drawing/2014/main" id="{14CC3BCF-9C06-6157-FD90-F967CC9130F3}"/>
+              </a:ext>
+            </a:extLst>
+          </p:cNvPr>
+          <p:cNvSpPr/>
+          <p:nvPr/>
+        </p:nvSpPr>
+        <p:spPr>
+          <a:xfrm>
+            <a:off x="722270" y="1945085"/>
+            <a:ext cx="936462" cy="364895"/>
+          </a:xfrm>
+          <a:prstGeom prst="rect">
+            <a:avLst/>
+          </a:prstGeom>
+        </p:spPr>
+        <p:style>
+          <a:lnRef idx="2">
+            <a:schemeClr val="accent1">
+              <a:shade val="15000"/>
+            </a:schemeClr>
+          </a:lnRef>
+          <a:fillRef idx="1">
+            <a:schemeClr val="accent1"/>
+          </a:fillRef>
+          <a:effectRef idx="0">
+            <a:schemeClr val="accent1"/>
+          </a:effectRef>
+          <a:fontRef idx="minor">
+            <a:schemeClr val="lt1"/>
+          </a:fontRef>
+        </p:style>
+        <p:txBody>
+          <a:bodyPr rtlCol="0" anchor="ctr"/>
+          <a:lstStyle/>
+          <a:p>
+            <a:pPr algn="ctr"/>
+            <a:r>
+              <a:rPr lang="en-US" altLang="ko-KR"/>
+              <a:t>TCP/IP</a:t>
+            </a:r>
+            <a:endParaRPr lang="ko-KR" altLang="en-US"/>
+          </a:p>
+        </p:txBody>
+      </p:sp>
+      <p:sp>
+        <p:nvSpPr>
+          <p:cNvPr id="21" name="직사각형 20">
+            <a:extLst>
+              <a:ext uri="{FF2B5EF4-FFF2-40B4-BE49-F238E27FC236}">
+                <a16:creationId xmlns:a16="http://schemas.microsoft.com/office/drawing/2014/main" id="{AC13C8F8-AA95-8CD6-707F-0F3D96F5D7FB}"/>
+              </a:ext>
+            </a:extLst>
+          </p:cNvPr>
+          <p:cNvSpPr/>
+          <p:nvPr/>
+        </p:nvSpPr>
+        <p:spPr>
+          <a:xfrm>
+            <a:off x="1829801" y="1931016"/>
+            <a:ext cx="1307293" cy="364895"/>
+          </a:xfrm>
+          <a:prstGeom prst="rect">
+            <a:avLst/>
+          </a:prstGeom>
+          <a:noFill/>
+        </p:spPr>
+        <p:style>
+          <a:lnRef idx="2">
+            <a:schemeClr val="accent1">
+              <a:shade val="15000"/>
+            </a:schemeClr>
+          </a:lnRef>
+          <a:fillRef idx="1">
+            <a:schemeClr val="accent1"/>
+          </a:fillRef>
+          <a:effectRef idx="0">
+            <a:schemeClr val="accent1"/>
+          </a:effectRef>
+          <a:fontRef idx="minor">
+            <a:schemeClr val="lt1"/>
+          </a:fontRef>
+        </p:style>
+        <p:txBody>
+          <a:bodyPr rtlCol="0" anchor="ctr"/>
+          <a:lstStyle/>
+          <a:p>
+            <a:pPr algn="ctr"/>
+            <a:endParaRPr lang="ko-KR" altLang="en-US"/>
+          </a:p>
+        </p:txBody>
+      </p:sp>
+      <p:sp>
+        <p:nvSpPr>
+          <p:cNvPr id="24" name="직사각형 23">
+            <a:extLst>
+              <a:ext uri="{FF2B5EF4-FFF2-40B4-BE49-F238E27FC236}">
+                <a16:creationId xmlns:a16="http://schemas.microsoft.com/office/drawing/2014/main" id="{F7F711A7-2519-26CF-F469-1FEEA85E8BE1}"/>
+              </a:ext>
+            </a:extLst>
+          </p:cNvPr>
+          <p:cNvSpPr/>
+          <p:nvPr/>
+        </p:nvSpPr>
+        <p:spPr>
+          <a:xfrm>
+            <a:off x="4448395" y="1915035"/>
+            <a:ext cx="936462" cy="364895"/>
+          </a:xfrm>
+          <a:prstGeom prst="rect">
+            <a:avLst/>
+          </a:prstGeom>
+        </p:spPr>
+        <p:style>
+          <a:lnRef idx="2">
+            <a:schemeClr val="accent1">
+              <a:shade val="15000"/>
+            </a:schemeClr>
+          </a:lnRef>
+          <a:fillRef idx="1">
+            <a:schemeClr val="accent1"/>
+          </a:fillRef>
+          <a:effectRef idx="0">
+            <a:schemeClr val="accent1"/>
+          </a:effectRef>
+          <a:fontRef idx="minor">
+            <a:schemeClr val="lt1"/>
+          </a:fontRef>
+        </p:style>
+        <p:txBody>
+          <a:bodyPr rtlCol="0" anchor="ctr"/>
+          <a:lstStyle/>
+          <a:p>
+            <a:pPr algn="ctr"/>
+            <a:r>
+              <a:rPr lang="en-US" altLang="ko-KR" sz="1400"/>
+              <a:t>Connect</a:t>
+            </a:r>
+            <a:endParaRPr lang="ko-KR" altLang="en-US" sz="1400"/>
+          </a:p>
+        </p:txBody>
+      </p:sp>
+      <p:sp>
+        <p:nvSpPr>
+          <p:cNvPr id="34" name="직사각형 33">
+            <a:extLst>
+              <a:ext uri="{FF2B5EF4-FFF2-40B4-BE49-F238E27FC236}">
+                <a16:creationId xmlns:a16="http://schemas.microsoft.com/office/drawing/2014/main" id="{1917DDDA-636A-0AAB-B46B-1E10F1B81FCF}"/>
+              </a:ext>
+            </a:extLst>
+          </p:cNvPr>
+          <p:cNvSpPr/>
+          <p:nvPr/>
+        </p:nvSpPr>
+        <p:spPr>
+          <a:xfrm>
+            <a:off x="1019837" y="685039"/>
+            <a:ext cx="245052" cy="222855"/>
+          </a:xfrm>
+          <a:prstGeom prst="rect">
+            <a:avLst/>
+          </a:prstGeom>
+          <a:noFill/>
+        </p:spPr>
+        <p:style>
+          <a:lnRef idx="2">
+            <a:schemeClr val="accent1">
+              <a:shade val="15000"/>
+            </a:schemeClr>
+          </a:lnRef>
+          <a:fillRef idx="1">
+            <a:schemeClr val="accent1"/>
+          </a:fillRef>
+          <a:effectRef idx="0">
+            <a:schemeClr val="accent1"/>
+          </a:effectRef>
+          <a:fontRef idx="minor">
+            <a:schemeClr val="lt1"/>
+          </a:fontRef>
+        </p:style>
+        <p:txBody>
+          <a:bodyPr rtlCol="0" anchor="ctr"/>
+          <a:lstStyle/>
+          <a:p>
+            <a:pPr algn="ctr"/>
+            <a:endParaRPr lang="ko-KR" altLang="en-US"/>
+          </a:p>
+        </p:txBody>
+      </p:sp>
+      <p:sp>
+        <p:nvSpPr>
+          <p:cNvPr id="35" name="TextBox 34">
+            <a:extLst>
+              <a:ext uri="{FF2B5EF4-FFF2-40B4-BE49-F238E27FC236}">
+                <a16:creationId xmlns:a16="http://schemas.microsoft.com/office/drawing/2014/main" id="{9B37D7E8-F3B4-9D3B-0E52-96B1330A4DC7}"/>
+              </a:ext>
+            </a:extLst>
+          </p:cNvPr>
+          <p:cNvSpPr txBox="1"/>
+          <p:nvPr/>
+        </p:nvSpPr>
+        <p:spPr>
+          <a:xfrm>
+            <a:off x="1332360" y="574772"/>
+            <a:ext cx="954107" cy="400110"/>
+          </a:xfrm>
+          <a:prstGeom prst="rect">
+            <a:avLst/>
+          </a:prstGeom>
+          <a:noFill/>
+        </p:spPr>
+        <p:txBody>
+          <a:bodyPr wrap="none" rtlCol="0">
+            <a:spAutoFit/>
+          </a:bodyPr>
+          <a:lstStyle/>
+          <a:p>
+            <a:r>
+              <a:rPr lang="ko-KR" altLang="en-US" sz="2000"/>
+              <a:t>한국어</a:t>
+            </a:r>
+          </a:p>
+        </p:txBody>
+      </p:sp>
+      <p:sp>
+        <p:nvSpPr>
+          <p:cNvPr id="36" name="직사각형 35">
+            <a:extLst>
+              <a:ext uri="{FF2B5EF4-FFF2-40B4-BE49-F238E27FC236}">
+                <a16:creationId xmlns:a16="http://schemas.microsoft.com/office/drawing/2014/main" id="{C58BC14E-7185-4736-5BF1-30C9365E30A0}"/>
+              </a:ext>
+            </a:extLst>
+          </p:cNvPr>
+          <p:cNvSpPr/>
+          <p:nvPr/>
+        </p:nvSpPr>
+        <p:spPr>
+          <a:xfrm>
+            <a:off x="2378946" y="685039"/>
+            <a:ext cx="245052" cy="222855"/>
+          </a:xfrm>
+          <a:prstGeom prst="rect">
+            <a:avLst/>
+          </a:prstGeom>
+          <a:noFill/>
+        </p:spPr>
+        <p:style>
+          <a:lnRef idx="2">
+            <a:schemeClr val="accent1">
+              <a:shade val="15000"/>
+            </a:schemeClr>
+          </a:lnRef>
+          <a:fillRef idx="1">
+            <a:schemeClr val="accent1"/>
+          </a:fillRef>
+          <a:effectRef idx="0">
+            <a:schemeClr val="accent1"/>
+          </a:effectRef>
+          <a:fontRef idx="minor">
+            <a:schemeClr val="lt1"/>
+          </a:fontRef>
+        </p:style>
+        <p:txBody>
+          <a:bodyPr rtlCol="0" anchor="ctr"/>
+          <a:lstStyle/>
+          <a:p>
+            <a:pPr algn="ctr"/>
+            <a:endParaRPr lang="ko-KR" altLang="en-US"/>
+          </a:p>
+        </p:txBody>
+      </p:sp>
+      <p:sp>
+        <p:nvSpPr>
+          <p:cNvPr id="37" name="TextBox 36">
+            <a:extLst>
+              <a:ext uri="{FF2B5EF4-FFF2-40B4-BE49-F238E27FC236}">
+                <a16:creationId xmlns:a16="http://schemas.microsoft.com/office/drawing/2014/main" id="{CEA68785-AEC6-2CAF-003A-6302A23F5661}"/>
+              </a:ext>
+            </a:extLst>
+          </p:cNvPr>
+          <p:cNvSpPr txBox="1"/>
+          <p:nvPr/>
+        </p:nvSpPr>
+        <p:spPr>
+          <a:xfrm>
+            <a:off x="2691467" y="574772"/>
+            <a:ext cx="987771" cy="400110"/>
+          </a:xfrm>
+          <a:prstGeom prst="rect">
+            <a:avLst/>
+          </a:prstGeom>
+          <a:noFill/>
+        </p:spPr>
+        <p:txBody>
+          <a:bodyPr wrap="none" rtlCol="0">
+            <a:spAutoFit/>
+          </a:bodyPr>
+          <a:lstStyle/>
+          <a:p>
+            <a:r>
+              <a:rPr lang="en-US" altLang="ko-KR" sz="2000"/>
+              <a:t>English</a:t>
+            </a:r>
+            <a:endParaRPr lang="ko-KR" altLang="en-US" sz="2000"/>
+          </a:p>
+        </p:txBody>
+      </p:sp>
+      <p:sp>
+        <p:nvSpPr>
+          <p:cNvPr id="38" name="직사각형 37">
+            <a:extLst>
+              <a:ext uri="{FF2B5EF4-FFF2-40B4-BE49-F238E27FC236}">
+                <a16:creationId xmlns:a16="http://schemas.microsoft.com/office/drawing/2014/main" id="{E5A210B1-D161-4970-6CFA-2F59B44DB1E4}"/>
+              </a:ext>
+            </a:extLst>
+          </p:cNvPr>
+          <p:cNvSpPr/>
+          <p:nvPr/>
+        </p:nvSpPr>
+        <p:spPr>
+          <a:xfrm>
+            <a:off x="3904715" y="680738"/>
+            <a:ext cx="245052" cy="222855"/>
+          </a:xfrm>
+          <a:prstGeom prst="rect">
+            <a:avLst/>
+          </a:prstGeom>
+          <a:noFill/>
+        </p:spPr>
+        <p:style>
+          <a:lnRef idx="2">
+            <a:schemeClr val="accent1">
+              <a:shade val="15000"/>
+            </a:schemeClr>
+          </a:lnRef>
+          <a:fillRef idx="1">
+            <a:schemeClr val="accent1"/>
+          </a:fillRef>
+          <a:effectRef idx="0">
+            <a:schemeClr val="accent1"/>
+          </a:effectRef>
+          <a:fontRef idx="minor">
+            <a:schemeClr val="lt1"/>
+          </a:fontRef>
+        </p:style>
+        <p:txBody>
+          <a:bodyPr rtlCol="0" anchor="ctr"/>
+          <a:lstStyle/>
+          <a:p>
+            <a:pPr algn="ctr"/>
+            <a:endParaRPr lang="ko-KR" altLang="en-US"/>
+          </a:p>
+        </p:txBody>
+      </p:sp>
+      <p:sp>
+        <p:nvSpPr>
+          <p:cNvPr id="39" name="TextBox 38">
+            <a:extLst>
+              <a:ext uri="{FF2B5EF4-FFF2-40B4-BE49-F238E27FC236}">
+                <a16:creationId xmlns:a16="http://schemas.microsoft.com/office/drawing/2014/main" id="{97F5C205-0EF6-99E3-1CCC-2FD38B6848B5}"/>
+              </a:ext>
+            </a:extLst>
+          </p:cNvPr>
+          <p:cNvSpPr txBox="1"/>
+          <p:nvPr/>
+        </p:nvSpPr>
+        <p:spPr>
+          <a:xfrm>
+            <a:off x="4217236" y="612675"/>
+            <a:ext cx="1398781" cy="369332"/>
+          </a:xfrm>
+          <a:prstGeom prst="rect">
+            <a:avLst/>
+          </a:prstGeom>
+          <a:noFill/>
+        </p:spPr>
+        <p:txBody>
+          <a:bodyPr wrap="none" rtlCol="0">
+            <a:spAutoFit/>
+          </a:bodyPr>
+          <a:lstStyle/>
+          <a:p>
+            <a:r>
+              <a:rPr lang="en-US" altLang="ko-KR"/>
+              <a:t>Vietnamese</a:t>
+            </a:r>
+            <a:endParaRPr lang="ko-KR" altLang="en-US" sz="2000"/>
+          </a:p>
+        </p:txBody>
+      </p:sp>
+      <p:pic>
+        <p:nvPicPr>
+          <p:cNvPr id="41" name="그림 40">
+            <a:extLst>
+              <a:ext uri="{FF2B5EF4-FFF2-40B4-BE49-F238E27FC236}">
+                <a16:creationId xmlns:a16="http://schemas.microsoft.com/office/drawing/2014/main" id="{3524F9D5-242C-E3D4-2B32-D633BCA85B96}"/>
+              </a:ext>
+            </a:extLst>
+          </p:cNvPr>
+          <p:cNvPicPr>
+            <a:picLocks noChangeAspect="1"/>
+          </p:cNvPicPr>
+          <p:nvPr/>
+        </p:nvPicPr>
+        <p:blipFill>
+          <a:blip r:embed="rId2"/>
+          <a:stretch>
+            <a:fillRect/>
+          </a:stretch>
+        </p:blipFill>
+        <p:spPr>
+          <a:xfrm>
+            <a:off x="6513278" y="4984741"/>
+            <a:ext cx="4572638" cy="5210902"/>
+          </a:xfrm>
+          <a:prstGeom prst="rect">
+            <a:avLst/>
+          </a:prstGeom>
+        </p:spPr>
+      </p:pic>
+      <p:pic>
+        <p:nvPicPr>
+          <p:cNvPr id="43" name="그림 42">
+            <a:extLst>
+              <a:ext uri="{FF2B5EF4-FFF2-40B4-BE49-F238E27FC236}">
+                <a16:creationId xmlns:a16="http://schemas.microsoft.com/office/drawing/2014/main" id="{8008A676-698E-867C-3A98-1105B2247AEA}"/>
+              </a:ext>
+            </a:extLst>
+          </p:cNvPr>
+          <p:cNvPicPr>
+            <a:picLocks noChangeAspect="1"/>
+          </p:cNvPicPr>
+          <p:nvPr/>
+        </p:nvPicPr>
+        <p:blipFill>
+          <a:blip r:embed="rId3"/>
+          <a:stretch>
+            <a:fillRect/>
+          </a:stretch>
+        </p:blipFill>
+        <p:spPr>
+          <a:xfrm>
+            <a:off x="1543567" y="5048484"/>
+            <a:ext cx="4347387" cy="5083416"/>
+          </a:xfrm>
+          <a:prstGeom prst="rect">
+            <a:avLst/>
+          </a:prstGeom>
+        </p:spPr>
+      </p:pic>
+    </p:spTree>
+    <p:extLst>
+      <p:ext uri="{BB962C8B-B14F-4D97-AF65-F5344CB8AC3E}">
+        <p14:creationId xmlns:p14="http://schemas.microsoft.com/office/powerpoint/2010/main" val="2781498974"/>
+      </p:ext>
+    </p:extLst>
+  </p:cSld>
+  <p:clrMapOvr>
+    <a:masterClrMapping/>
+  </p:clrMapOvr>
+</p:sld>
+</file>
+
 <file path=ppt/theme/theme1.xml><?xml version="1.0" encoding="utf-8"?>
 <a:theme xmlns:a="http://schemas.openxmlformats.org/drawingml/2006/main" name="Office 테마">
   <a:themeElements>

--- a/UI.pptx
+++ b/UI.pptx
@@ -15,6 +15,10 @@
     <p:sldId id="262" r:id="rId9"/>
     <p:sldId id="264" r:id="rId10"/>
     <p:sldId id="265" r:id="rId11"/>
+    <p:sldId id="268" r:id="rId12"/>
+    <p:sldId id="266" r:id="rId13"/>
+    <p:sldId id="267" r:id="rId14"/>
+    <p:sldId id="269" r:id="rId15"/>
   </p:sldIdLst>
   <p:sldSz cx="12192000" cy="10799763"/>
   <p:notesSz cx="6858000" cy="9144000"/>
@@ -252,7 +256,7 @@
           <a:p>
             <a:fld id="{3AFA5745-1944-4375-9A62-C9C7A2D27294}" type="datetimeFigureOut">
               <a:rPr lang="ko-KR" altLang="en-US" smtClean="0"/>
-              <a:t>2025-10-03</a:t>
+              <a:t>2025-10-05</a:t>
             </a:fld>
             <a:endParaRPr lang="ko-KR" altLang="en-US"/>
           </a:p>
@@ -422,7 +426,7 @@
           <a:p>
             <a:fld id="{3AFA5745-1944-4375-9A62-C9C7A2D27294}" type="datetimeFigureOut">
               <a:rPr lang="ko-KR" altLang="en-US" smtClean="0"/>
-              <a:t>2025-10-03</a:t>
+              <a:t>2025-10-05</a:t>
             </a:fld>
             <a:endParaRPr lang="ko-KR" altLang="en-US"/>
           </a:p>
@@ -602,7 +606,7 @@
           <a:p>
             <a:fld id="{3AFA5745-1944-4375-9A62-C9C7A2D27294}" type="datetimeFigureOut">
               <a:rPr lang="ko-KR" altLang="en-US" smtClean="0"/>
-              <a:t>2025-10-03</a:t>
+              <a:t>2025-10-05</a:t>
             </a:fld>
             <a:endParaRPr lang="ko-KR" altLang="en-US"/>
           </a:p>
@@ -772,7 +776,7 @@
           <a:p>
             <a:fld id="{3AFA5745-1944-4375-9A62-C9C7A2D27294}" type="datetimeFigureOut">
               <a:rPr lang="ko-KR" altLang="en-US" smtClean="0"/>
-              <a:t>2025-10-03</a:t>
+              <a:t>2025-10-05</a:t>
             </a:fld>
             <a:endParaRPr lang="ko-KR" altLang="en-US"/>
           </a:p>
@@ -1018,7 +1022,7 @@
           <a:p>
             <a:fld id="{3AFA5745-1944-4375-9A62-C9C7A2D27294}" type="datetimeFigureOut">
               <a:rPr lang="ko-KR" altLang="en-US" smtClean="0"/>
-              <a:t>2025-10-03</a:t>
+              <a:t>2025-10-05</a:t>
             </a:fld>
             <a:endParaRPr lang="ko-KR" altLang="en-US"/>
           </a:p>
@@ -1250,7 +1254,7 @@
           <a:p>
             <a:fld id="{3AFA5745-1944-4375-9A62-C9C7A2D27294}" type="datetimeFigureOut">
               <a:rPr lang="ko-KR" altLang="en-US" smtClean="0"/>
-              <a:t>2025-10-03</a:t>
+              <a:t>2025-10-05</a:t>
             </a:fld>
             <a:endParaRPr lang="ko-KR" altLang="en-US"/>
           </a:p>
@@ -1617,7 +1621,7 @@
           <a:p>
             <a:fld id="{3AFA5745-1944-4375-9A62-C9C7A2D27294}" type="datetimeFigureOut">
               <a:rPr lang="ko-KR" altLang="en-US" smtClean="0"/>
-              <a:t>2025-10-03</a:t>
+              <a:t>2025-10-05</a:t>
             </a:fld>
             <a:endParaRPr lang="ko-KR" altLang="en-US"/>
           </a:p>
@@ -1735,7 +1739,7 @@
           <a:p>
             <a:fld id="{3AFA5745-1944-4375-9A62-C9C7A2D27294}" type="datetimeFigureOut">
               <a:rPr lang="ko-KR" altLang="en-US" smtClean="0"/>
-              <a:t>2025-10-03</a:t>
+              <a:t>2025-10-05</a:t>
             </a:fld>
             <a:endParaRPr lang="ko-KR" altLang="en-US"/>
           </a:p>
@@ -1830,7 +1834,7 @@
           <a:p>
             <a:fld id="{3AFA5745-1944-4375-9A62-C9C7A2D27294}" type="datetimeFigureOut">
               <a:rPr lang="ko-KR" altLang="en-US" smtClean="0"/>
-              <a:t>2025-10-03</a:t>
+              <a:t>2025-10-05</a:t>
             </a:fld>
             <a:endParaRPr lang="ko-KR" altLang="en-US"/>
           </a:p>
@@ -2107,7 +2111,7 @@
           <a:p>
             <a:fld id="{3AFA5745-1944-4375-9A62-C9C7A2D27294}" type="datetimeFigureOut">
               <a:rPr lang="ko-KR" altLang="en-US" smtClean="0"/>
-              <a:t>2025-10-03</a:t>
+              <a:t>2025-10-05</a:t>
             </a:fld>
             <a:endParaRPr lang="ko-KR" altLang="en-US"/>
           </a:p>
@@ -2364,7 +2368,7 @@
           <a:p>
             <a:fld id="{3AFA5745-1944-4375-9A62-C9C7A2D27294}" type="datetimeFigureOut">
               <a:rPr lang="ko-KR" altLang="en-US" smtClean="0"/>
-              <a:t>2025-10-03</a:t>
+              <a:t>2025-10-05</a:t>
             </a:fld>
             <a:endParaRPr lang="ko-KR" altLang="en-US"/>
           </a:p>
@@ -2577,7 +2581,7 @@
           <a:p>
             <a:fld id="{3AFA5745-1944-4375-9A62-C9C7A2D27294}" type="datetimeFigureOut">
               <a:rPr lang="ko-KR" altLang="en-US" smtClean="0"/>
-              <a:t>2025-10-03</a:t>
+              <a:t>2025-10-05</a:t>
             </a:fld>
             <a:endParaRPr lang="ko-KR" altLang="en-US"/>
           </a:p>
@@ -3498,6 +3502,3305 @@
 </p:sld>
 </file>
 
+<file path=ppt/slides/slide11.xml><?xml version="1.0" encoding="utf-8"?>
+<p:sld xmlns:a="http://schemas.openxmlformats.org/drawingml/2006/main" xmlns:r="http://schemas.openxmlformats.org/officeDocument/2006/relationships" xmlns:p="http://schemas.openxmlformats.org/presentationml/2006/main">
+  <p:cSld>
+    <p:spTree>
+      <p:nvGrpSpPr>
+        <p:cNvPr id="1" name=""/>
+        <p:cNvGrpSpPr/>
+        <p:nvPr/>
+      </p:nvGrpSpPr>
+      <p:grpSpPr>
+        <a:xfrm>
+          <a:off x="0" y="0"/>
+          <a:ext cx="0" cy="0"/>
+          <a:chOff x="0" y="0"/>
+          <a:chExt cx="0" cy="0"/>
+        </a:xfrm>
+      </p:grpSpPr>
+      <p:pic>
+        <p:nvPicPr>
+          <p:cNvPr id="14" name="그림 13">
+            <a:extLst>
+              <a:ext uri="{FF2B5EF4-FFF2-40B4-BE49-F238E27FC236}">
+                <a16:creationId xmlns:a16="http://schemas.microsoft.com/office/drawing/2014/main" id="{4788AD8E-A093-F667-F92F-AF151E13D307}"/>
+              </a:ext>
+            </a:extLst>
+          </p:cNvPr>
+          <p:cNvPicPr>
+            <a:picLocks noChangeAspect="1"/>
+          </p:cNvPicPr>
+          <p:nvPr/>
+        </p:nvPicPr>
+        <p:blipFill>
+          <a:blip r:embed="rId2"/>
+          <a:stretch>
+            <a:fillRect/>
+          </a:stretch>
+        </p:blipFill>
+        <p:spPr>
+          <a:xfrm>
+            <a:off x="646939" y="1937060"/>
+            <a:ext cx="10898121" cy="6925642"/>
+          </a:xfrm>
+          <a:prstGeom prst="rect">
+            <a:avLst/>
+          </a:prstGeom>
+        </p:spPr>
+      </p:pic>
+      <p:sp>
+        <p:nvSpPr>
+          <p:cNvPr id="6" name="직사각형 5">
+            <a:extLst>
+              <a:ext uri="{FF2B5EF4-FFF2-40B4-BE49-F238E27FC236}">
+                <a16:creationId xmlns:a16="http://schemas.microsoft.com/office/drawing/2014/main" id="{A39518CA-4CCE-83B6-7FA8-B705F672E0E3}"/>
+              </a:ext>
+            </a:extLst>
+          </p:cNvPr>
+          <p:cNvSpPr/>
+          <p:nvPr/>
+        </p:nvSpPr>
+        <p:spPr>
+          <a:xfrm>
+            <a:off x="7876977" y="6196870"/>
+            <a:ext cx="3668083" cy="429068"/>
+          </a:xfrm>
+          <a:prstGeom prst="rect">
+            <a:avLst/>
+          </a:prstGeom>
+          <a:noFill/>
+          <a:ln w="76200">
+            <a:solidFill>
+              <a:srgbClr val="FF0000"/>
+            </a:solidFill>
+          </a:ln>
+        </p:spPr>
+        <p:style>
+          <a:lnRef idx="2">
+            <a:schemeClr val="accent1">
+              <a:shade val="15000"/>
+            </a:schemeClr>
+          </a:lnRef>
+          <a:fillRef idx="1">
+            <a:schemeClr val="accent1"/>
+          </a:fillRef>
+          <a:effectRef idx="0">
+            <a:schemeClr val="accent1"/>
+          </a:effectRef>
+          <a:fontRef idx="minor">
+            <a:schemeClr val="lt1"/>
+          </a:fontRef>
+        </p:style>
+        <p:txBody>
+          <a:bodyPr rtlCol="0" anchor="ctr"/>
+          <a:lstStyle/>
+          <a:p>
+            <a:pPr algn="ctr"/>
+            <a:endParaRPr lang="ko-KR" altLang="en-US"/>
+          </a:p>
+        </p:txBody>
+      </p:sp>
+    </p:spTree>
+    <p:extLst>
+      <p:ext uri="{BB962C8B-B14F-4D97-AF65-F5344CB8AC3E}">
+        <p14:creationId xmlns:p14="http://schemas.microsoft.com/office/powerpoint/2010/main" val="2325814103"/>
+      </p:ext>
+    </p:extLst>
+  </p:cSld>
+  <p:clrMapOvr>
+    <a:masterClrMapping/>
+  </p:clrMapOvr>
+</p:sld>
+</file>
+
+<file path=ppt/slides/slide12.xml><?xml version="1.0" encoding="utf-8"?>
+<p:sld xmlns:a="http://schemas.openxmlformats.org/drawingml/2006/main" xmlns:r="http://schemas.openxmlformats.org/officeDocument/2006/relationships" xmlns:p="http://schemas.openxmlformats.org/presentationml/2006/main">
+  <p:cSld>
+    <p:spTree>
+      <p:nvGrpSpPr>
+        <p:cNvPr id="1" name=""/>
+        <p:cNvGrpSpPr/>
+        <p:nvPr/>
+      </p:nvGrpSpPr>
+      <p:grpSpPr>
+        <a:xfrm>
+          <a:off x="0" y="0"/>
+          <a:ext cx="0" cy="0"/>
+          <a:chOff x="0" y="0"/>
+          <a:chExt cx="0" cy="0"/>
+        </a:xfrm>
+      </p:grpSpPr>
+      <p:sp>
+        <p:nvSpPr>
+          <p:cNvPr id="4" name="직사각형 3">
+            <a:extLst>
+              <a:ext uri="{FF2B5EF4-FFF2-40B4-BE49-F238E27FC236}">
+                <a16:creationId xmlns:a16="http://schemas.microsoft.com/office/drawing/2014/main" id="{25688584-C34F-BF83-EAEE-D5C0BF0E852A}"/>
+              </a:ext>
+            </a:extLst>
+          </p:cNvPr>
+          <p:cNvSpPr/>
+          <p:nvPr/>
+        </p:nvSpPr>
+        <p:spPr>
+          <a:xfrm>
+            <a:off x="379828" y="1842868"/>
+            <a:ext cx="6879101" cy="7680960"/>
+          </a:xfrm>
+          <a:prstGeom prst="rect">
+            <a:avLst/>
+          </a:prstGeom>
+        </p:spPr>
+        <p:style>
+          <a:lnRef idx="2">
+            <a:schemeClr val="accent1">
+              <a:shade val="15000"/>
+            </a:schemeClr>
+          </a:lnRef>
+          <a:fillRef idx="1">
+            <a:schemeClr val="accent1"/>
+          </a:fillRef>
+          <a:effectRef idx="0">
+            <a:schemeClr val="accent1"/>
+          </a:effectRef>
+          <a:fontRef idx="minor">
+            <a:schemeClr val="lt1"/>
+          </a:fontRef>
+        </p:style>
+        <p:txBody>
+          <a:bodyPr rtlCol="0" anchor="ctr"/>
+          <a:lstStyle/>
+          <a:p>
+            <a:pPr algn="ctr"/>
+            <a:r>
+              <a:rPr lang="ko-KR" altLang="en-US"/>
+              <a:t>데이터 테이블</a:t>
+            </a:r>
+          </a:p>
+        </p:txBody>
+      </p:sp>
+      <p:sp>
+        <p:nvSpPr>
+          <p:cNvPr id="5" name="직사각형 4">
+            <a:extLst>
+              <a:ext uri="{FF2B5EF4-FFF2-40B4-BE49-F238E27FC236}">
+                <a16:creationId xmlns:a16="http://schemas.microsoft.com/office/drawing/2014/main" id="{4F88FA1C-A535-026F-B125-3FA20EF4AAC8}"/>
+              </a:ext>
+            </a:extLst>
+          </p:cNvPr>
+          <p:cNvSpPr/>
+          <p:nvPr/>
+        </p:nvSpPr>
+        <p:spPr>
+          <a:xfrm>
+            <a:off x="7258929" y="1842867"/>
+            <a:ext cx="4712677" cy="3868615"/>
+          </a:xfrm>
+          <a:prstGeom prst="rect">
+            <a:avLst/>
+          </a:prstGeom>
+          <a:solidFill>
+            <a:schemeClr val="accent2"/>
+          </a:solidFill>
+        </p:spPr>
+        <p:style>
+          <a:lnRef idx="2">
+            <a:schemeClr val="accent1">
+              <a:shade val="15000"/>
+            </a:schemeClr>
+          </a:lnRef>
+          <a:fillRef idx="1">
+            <a:schemeClr val="accent1"/>
+          </a:fillRef>
+          <a:effectRef idx="0">
+            <a:schemeClr val="accent1"/>
+          </a:effectRef>
+          <a:fontRef idx="minor">
+            <a:schemeClr val="lt1"/>
+          </a:fontRef>
+        </p:style>
+        <p:txBody>
+          <a:bodyPr rtlCol="0" anchor="ctr"/>
+          <a:lstStyle/>
+          <a:p>
+            <a:pPr algn="ctr"/>
+            <a:r>
+              <a:rPr lang="ko-KR" altLang="en-US"/>
+              <a:t>색좌표</a:t>
+            </a:r>
+          </a:p>
+        </p:txBody>
+      </p:sp>
+      <p:sp>
+        <p:nvSpPr>
+          <p:cNvPr id="6" name="직사각형 5">
+            <a:extLst>
+              <a:ext uri="{FF2B5EF4-FFF2-40B4-BE49-F238E27FC236}">
+                <a16:creationId xmlns:a16="http://schemas.microsoft.com/office/drawing/2014/main" id="{17F8A825-9A89-EAA1-A0DB-18B0F84813CF}"/>
+              </a:ext>
+            </a:extLst>
+          </p:cNvPr>
+          <p:cNvSpPr/>
+          <p:nvPr/>
+        </p:nvSpPr>
+        <p:spPr>
+          <a:xfrm>
+            <a:off x="7258929" y="5711482"/>
+            <a:ext cx="4712677" cy="3812346"/>
+          </a:xfrm>
+          <a:prstGeom prst="rect">
+            <a:avLst/>
+          </a:prstGeom>
+          <a:solidFill>
+            <a:schemeClr val="accent5">
+              <a:lumMod val="40000"/>
+              <a:lumOff val="60000"/>
+            </a:schemeClr>
+          </a:solidFill>
+        </p:spPr>
+        <p:style>
+          <a:lnRef idx="2">
+            <a:schemeClr val="accent1">
+              <a:shade val="15000"/>
+            </a:schemeClr>
+          </a:lnRef>
+          <a:fillRef idx="1">
+            <a:schemeClr val="accent1"/>
+          </a:fillRef>
+          <a:effectRef idx="0">
+            <a:schemeClr val="accent1"/>
+          </a:effectRef>
+          <a:fontRef idx="minor">
+            <a:schemeClr val="lt1"/>
+          </a:fontRef>
+        </p:style>
+        <p:txBody>
+          <a:bodyPr rtlCol="0" anchor="ctr"/>
+          <a:lstStyle/>
+          <a:p>
+            <a:pPr algn="ctr"/>
+            <a:r>
+              <a:rPr lang="ko-KR" altLang="en-US"/>
+              <a:t>컨트롤 패널</a:t>
+            </a:r>
+          </a:p>
+        </p:txBody>
+      </p:sp>
+    </p:spTree>
+    <p:extLst>
+      <p:ext uri="{BB962C8B-B14F-4D97-AF65-F5344CB8AC3E}">
+        <p14:creationId xmlns:p14="http://schemas.microsoft.com/office/powerpoint/2010/main" val="604088949"/>
+      </p:ext>
+    </p:extLst>
+  </p:cSld>
+  <p:clrMapOvr>
+    <a:masterClrMapping/>
+  </p:clrMapOvr>
+</p:sld>
+</file>
+
+<file path=ppt/slides/slide13.xml><?xml version="1.0" encoding="utf-8"?>
+<p:sld xmlns:a="http://schemas.openxmlformats.org/drawingml/2006/main" xmlns:r="http://schemas.openxmlformats.org/officeDocument/2006/relationships" xmlns:p="http://schemas.openxmlformats.org/presentationml/2006/main">
+  <p:cSld>
+    <p:spTree>
+      <p:nvGrpSpPr>
+        <p:cNvPr id="1" name=""/>
+        <p:cNvGrpSpPr/>
+        <p:nvPr/>
+      </p:nvGrpSpPr>
+      <p:grpSpPr>
+        <a:xfrm>
+          <a:off x="0" y="0"/>
+          <a:ext cx="0" cy="0"/>
+          <a:chOff x="0" y="0"/>
+          <a:chExt cx="0" cy="0"/>
+        </a:xfrm>
+      </p:grpSpPr>
+      <p:sp>
+        <p:nvSpPr>
+          <p:cNvPr id="8" name="TextBox 7">
+            <a:extLst>
+              <a:ext uri="{FF2B5EF4-FFF2-40B4-BE49-F238E27FC236}">
+                <a16:creationId xmlns:a16="http://schemas.microsoft.com/office/drawing/2014/main" id="{2B831314-1447-3C90-92B3-B3EBF22B0171}"/>
+              </a:ext>
+            </a:extLst>
+          </p:cNvPr>
+          <p:cNvSpPr txBox="1"/>
+          <p:nvPr/>
+        </p:nvSpPr>
+        <p:spPr>
+          <a:xfrm>
+            <a:off x="3393341" y="2208901"/>
+            <a:ext cx="1452192" cy="369332"/>
+          </a:xfrm>
+          <a:prstGeom prst="rect">
+            <a:avLst/>
+          </a:prstGeom>
+          <a:noFill/>
+        </p:spPr>
+        <p:txBody>
+          <a:bodyPr wrap="none" rtlCol="0">
+            <a:spAutoFit/>
+          </a:bodyPr>
+          <a:lstStyle/>
+          <a:p>
+            <a:r>
+              <a:rPr lang="en-US" altLang="ko-KR"/>
+              <a:t>Start Voltage</a:t>
+            </a:r>
+            <a:endParaRPr lang="ko-KR" altLang="en-US"/>
+          </a:p>
+        </p:txBody>
+      </p:sp>
+      <p:cxnSp>
+        <p:nvCxnSpPr>
+          <p:cNvPr id="9" name="직선 연결선 8">
+            <a:extLst>
+              <a:ext uri="{FF2B5EF4-FFF2-40B4-BE49-F238E27FC236}">
+                <a16:creationId xmlns:a16="http://schemas.microsoft.com/office/drawing/2014/main" id="{3071B646-B24F-BDF3-175C-438CE9F2441B}"/>
+              </a:ext>
+            </a:extLst>
+          </p:cNvPr>
+          <p:cNvCxnSpPr>
+            <a:cxnSpLocks/>
+            <a:stCxn id="8" idx="3"/>
+          </p:cNvCxnSpPr>
+          <p:nvPr/>
+        </p:nvCxnSpPr>
+        <p:spPr>
+          <a:xfrm>
+            <a:off x="4845533" y="2393567"/>
+            <a:ext cx="3420282" cy="2"/>
+          </a:xfrm>
+          <a:prstGeom prst="line">
+            <a:avLst/>
+          </a:prstGeom>
+        </p:spPr>
+        <p:style>
+          <a:lnRef idx="2">
+            <a:schemeClr val="accent1"/>
+          </a:lnRef>
+          <a:fillRef idx="0">
+            <a:schemeClr val="accent1"/>
+          </a:fillRef>
+          <a:effectRef idx="1">
+            <a:schemeClr val="accent1"/>
+          </a:effectRef>
+          <a:fontRef idx="minor">
+            <a:schemeClr val="tx1"/>
+          </a:fontRef>
+        </p:style>
+      </p:cxnSp>
+      <p:sp>
+        <p:nvSpPr>
+          <p:cNvPr id="38" name="직사각형 37">
+            <a:extLst>
+              <a:ext uri="{FF2B5EF4-FFF2-40B4-BE49-F238E27FC236}">
+                <a16:creationId xmlns:a16="http://schemas.microsoft.com/office/drawing/2014/main" id="{2FC9F9B7-A8D1-6016-8FBF-A04C42B0109E}"/>
+              </a:ext>
+            </a:extLst>
+          </p:cNvPr>
+          <p:cNvSpPr/>
+          <p:nvPr/>
+        </p:nvSpPr>
+        <p:spPr>
+          <a:xfrm>
+            <a:off x="3378672" y="4140097"/>
+            <a:ext cx="1038793" cy="364895"/>
+          </a:xfrm>
+          <a:prstGeom prst="rect">
+            <a:avLst/>
+          </a:prstGeom>
+        </p:spPr>
+        <p:style>
+          <a:lnRef idx="2">
+            <a:schemeClr val="accent1">
+              <a:shade val="15000"/>
+            </a:schemeClr>
+          </a:lnRef>
+          <a:fillRef idx="1">
+            <a:schemeClr val="accent1"/>
+          </a:fillRef>
+          <a:effectRef idx="0">
+            <a:schemeClr val="accent1"/>
+          </a:effectRef>
+          <a:fontRef idx="minor">
+            <a:schemeClr val="lt1"/>
+          </a:fontRef>
+        </p:style>
+        <p:txBody>
+          <a:bodyPr rtlCol="0" anchor="ctr"/>
+          <a:lstStyle/>
+          <a:p>
+            <a:pPr algn="ctr"/>
+            <a:r>
+              <a:rPr lang="en-US" altLang="ko-KR"/>
+              <a:t>Interval</a:t>
+            </a:r>
+            <a:endParaRPr lang="ko-KR" altLang="en-US"/>
+          </a:p>
+        </p:txBody>
+      </p:sp>
+      <p:sp>
+        <p:nvSpPr>
+          <p:cNvPr id="39" name="직사각형 38">
+            <a:extLst>
+              <a:ext uri="{FF2B5EF4-FFF2-40B4-BE49-F238E27FC236}">
+                <a16:creationId xmlns:a16="http://schemas.microsoft.com/office/drawing/2014/main" id="{00D82896-24BC-DCBB-7A01-C5E375C4AF11}"/>
+              </a:ext>
+            </a:extLst>
+          </p:cNvPr>
+          <p:cNvSpPr/>
+          <p:nvPr/>
+        </p:nvSpPr>
+        <p:spPr>
+          <a:xfrm>
+            <a:off x="4645234" y="4140094"/>
+            <a:ext cx="1366569" cy="364895"/>
+          </a:xfrm>
+          <a:prstGeom prst="rect">
+            <a:avLst/>
+          </a:prstGeom>
+          <a:noFill/>
+        </p:spPr>
+        <p:style>
+          <a:lnRef idx="2">
+            <a:schemeClr val="accent1">
+              <a:shade val="15000"/>
+            </a:schemeClr>
+          </a:lnRef>
+          <a:fillRef idx="1">
+            <a:schemeClr val="accent1"/>
+          </a:fillRef>
+          <a:effectRef idx="0">
+            <a:schemeClr val="accent1"/>
+          </a:effectRef>
+          <a:fontRef idx="minor">
+            <a:schemeClr val="lt1"/>
+          </a:fontRef>
+        </p:style>
+        <p:txBody>
+          <a:bodyPr rtlCol="0" anchor="ctr"/>
+          <a:lstStyle/>
+          <a:p>
+            <a:pPr algn="ctr"/>
+            <a:endParaRPr lang="ko-KR" altLang="en-US"/>
+          </a:p>
+        </p:txBody>
+      </p:sp>
+      <p:sp>
+        <p:nvSpPr>
+          <p:cNvPr id="40" name="TextBox 39">
+            <a:extLst>
+              <a:ext uri="{FF2B5EF4-FFF2-40B4-BE49-F238E27FC236}">
+                <a16:creationId xmlns:a16="http://schemas.microsoft.com/office/drawing/2014/main" id="{92994356-AF13-5698-2F69-951827F95871}"/>
+              </a:ext>
+            </a:extLst>
+          </p:cNvPr>
+          <p:cNvSpPr txBox="1"/>
+          <p:nvPr/>
+        </p:nvSpPr>
+        <p:spPr>
+          <a:xfrm>
+            <a:off x="3378672" y="3497949"/>
+            <a:ext cx="1973617" cy="369332"/>
+          </a:xfrm>
+          <a:prstGeom prst="rect">
+            <a:avLst/>
+          </a:prstGeom>
+          <a:noFill/>
+        </p:spPr>
+        <p:txBody>
+          <a:bodyPr wrap="none" rtlCol="0">
+            <a:spAutoFit/>
+          </a:bodyPr>
+          <a:lstStyle/>
+          <a:p>
+            <a:r>
+              <a:rPr lang="en-US" altLang="ko-KR"/>
+              <a:t>Common Settings</a:t>
+            </a:r>
+            <a:endParaRPr lang="ko-KR" altLang="en-US"/>
+          </a:p>
+        </p:txBody>
+      </p:sp>
+      <p:cxnSp>
+        <p:nvCxnSpPr>
+          <p:cNvPr id="41" name="직선 연결선 40">
+            <a:extLst>
+              <a:ext uri="{FF2B5EF4-FFF2-40B4-BE49-F238E27FC236}">
+                <a16:creationId xmlns:a16="http://schemas.microsoft.com/office/drawing/2014/main" id="{2A97BC53-C6F1-5989-8513-09318DBE4E4E}"/>
+              </a:ext>
+            </a:extLst>
+          </p:cNvPr>
+          <p:cNvCxnSpPr>
+            <a:cxnSpLocks/>
+            <a:stCxn id="40" idx="3"/>
+          </p:cNvCxnSpPr>
+          <p:nvPr/>
+        </p:nvCxnSpPr>
+        <p:spPr>
+          <a:xfrm>
+            <a:off x="5352289" y="3682615"/>
+            <a:ext cx="2898857" cy="2"/>
+          </a:xfrm>
+          <a:prstGeom prst="line">
+            <a:avLst/>
+          </a:prstGeom>
+        </p:spPr>
+        <p:style>
+          <a:lnRef idx="2">
+            <a:schemeClr val="accent1"/>
+          </a:lnRef>
+          <a:fillRef idx="0">
+            <a:schemeClr val="accent1"/>
+          </a:fillRef>
+          <a:effectRef idx="1">
+            <a:schemeClr val="accent1"/>
+          </a:effectRef>
+          <a:fontRef idx="minor">
+            <a:schemeClr val="tx1"/>
+          </a:fontRef>
+        </p:style>
+      </p:cxnSp>
+      <p:sp>
+        <p:nvSpPr>
+          <p:cNvPr id="43" name="직사각형 42">
+            <a:extLst>
+              <a:ext uri="{FF2B5EF4-FFF2-40B4-BE49-F238E27FC236}">
+                <a16:creationId xmlns:a16="http://schemas.microsoft.com/office/drawing/2014/main" id="{8FFD6C68-078E-AE08-1A1D-F433957CA811}"/>
+              </a:ext>
+            </a:extLst>
+          </p:cNvPr>
+          <p:cNvSpPr/>
+          <p:nvPr/>
+        </p:nvSpPr>
+        <p:spPr>
+          <a:xfrm>
+            <a:off x="4945159" y="4928816"/>
+            <a:ext cx="2086178" cy="605918"/>
+          </a:xfrm>
+          <a:prstGeom prst="rect">
+            <a:avLst/>
+          </a:prstGeom>
+        </p:spPr>
+        <p:style>
+          <a:lnRef idx="2">
+            <a:schemeClr val="accent1">
+              <a:shade val="15000"/>
+            </a:schemeClr>
+          </a:lnRef>
+          <a:fillRef idx="1">
+            <a:schemeClr val="accent1"/>
+          </a:fillRef>
+          <a:effectRef idx="0">
+            <a:schemeClr val="accent1"/>
+          </a:effectRef>
+          <a:fontRef idx="minor">
+            <a:schemeClr val="lt1"/>
+          </a:fontRef>
+        </p:style>
+        <p:txBody>
+          <a:bodyPr rtlCol="0" anchor="ctr"/>
+          <a:lstStyle/>
+          <a:p>
+            <a:pPr algn="ctr"/>
+            <a:r>
+              <a:rPr lang="en-US" altLang="ko-KR"/>
+              <a:t>Test Start</a:t>
+            </a:r>
+            <a:endParaRPr lang="ko-KR" altLang="en-US"/>
+          </a:p>
+        </p:txBody>
+      </p:sp>
+      <p:sp>
+        <p:nvSpPr>
+          <p:cNvPr id="2" name="직사각형 1">
+            <a:extLst>
+              <a:ext uri="{FF2B5EF4-FFF2-40B4-BE49-F238E27FC236}">
+                <a16:creationId xmlns:a16="http://schemas.microsoft.com/office/drawing/2014/main" id="{2CE15C6D-2022-1FA8-617B-0E005637ACAB}"/>
+              </a:ext>
+            </a:extLst>
+          </p:cNvPr>
+          <p:cNvSpPr/>
+          <p:nvPr/>
+        </p:nvSpPr>
+        <p:spPr>
+          <a:xfrm>
+            <a:off x="3480214" y="2687001"/>
+            <a:ext cx="708806" cy="364895"/>
+          </a:xfrm>
+          <a:prstGeom prst="rect">
+            <a:avLst/>
+          </a:prstGeom>
+        </p:spPr>
+        <p:style>
+          <a:lnRef idx="2">
+            <a:schemeClr val="accent1">
+              <a:shade val="15000"/>
+            </a:schemeClr>
+          </a:lnRef>
+          <a:fillRef idx="1">
+            <a:schemeClr val="accent1"/>
+          </a:fillRef>
+          <a:effectRef idx="0">
+            <a:schemeClr val="accent1"/>
+          </a:effectRef>
+          <a:fontRef idx="minor">
+            <a:schemeClr val="lt1"/>
+          </a:fontRef>
+        </p:style>
+        <p:txBody>
+          <a:bodyPr rtlCol="0" anchor="ctr"/>
+          <a:lstStyle/>
+          <a:p>
+            <a:pPr algn="ctr"/>
+            <a:r>
+              <a:rPr lang="en-US" altLang="ko-KR"/>
+              <a:t>R_V</a:t>
+            </a:r>
+            <a:endParaRPr lang="ko-KR" altLang="en-US"/>
+          </a:p>
+        </p:txBody>
+      </p:sp>
+      <p:sp>
+        <p:nvSpPr>
+          <p:cNvPr id="3" name="직사각형 2">
+            <a:extLst>
+              <a:ext uri="{FF2B5EF4-FFF2-40B4-BE49-F238E27FC236}">
+                <a16:creationId xmlns:a16="http://schemas.microsoft.com/office/drawing/2014/main" id="{39199632-5973-C142-0949-C1C1A252CC69}"/>
+              </a:ext>
+            </a:extLst>
+          </p:cNvPr>
+          <p:cNvSpPr/>
+          <p:nvPr/>
+        </p:nvSpPr>
+        <p:spPr>
+          <a:xfrm>
+            <a:off x="5223159" y="2687000"/>
+            <a:ext cx="708806" cy="364895"/>
+          </a:xfrm>
+          <a:prstGeom prst="rect">
+            <a:avLst/>
+          </a:prstGeom>
+        </p:spPr>
+        <p:style>
+          <a:lnRef idx="2">
+            <a:schemeClr val="accent1">
+              <a:shade val="15000"/>
+            </a:schemeClr>
+          </a:lnRef>
+          <a:fillRef idx="1">
+            <a:schemeClr val="accent1"/>
+          </a:fillRef>
+          <a:effectRef idx="0">
+            <a:schemeClr val="accent1"/>
+          </a:effectRef>
+          <a:fontRef idx="minor">
+            <a:schemeClr val="lt1"/>
+          </a:fontRef>
+        </p:style>
+        <p:txBody>
+          <a:bodyPr rtlCol="0" anchor="ctr"/>
+          <a:lstStyle/>
+          <a:p>
+            <a:pPr algn="ctr"/>
+            <a:r>
+              <a:rPr lang="en-US" altLang="ko-KR"/>
+              <a:t>G_V</a:t>
+            </a:r>
+            <a:endParaRPr lang="ko-KR" altLang="en-US"/>
+          </a:p>
+        </p:txBody>
+      </p:sp>
+      <p:sp>
+        <p:nvSpPr>
+          <p:cNvPr id="10" name="직사각형 9">
+            <a:extLst>
+              <a:ext uri="{FF2B5EF4-FFF2-40B4-BE49-F238E27FC236}">
+                <a16:creationId xmlns:a16="http://schemas.microsoft.com/office/drawing/2014/main" id="{EA254881-8B2F-5B6D-B5EB-AC62810B25EC}"/>
+              </a:ext>
+            </a:extLst>
+          </p:cNvPr>
+          <p:cNvSpPr/>
+          <p:nvPr/>
+        </p:nvSpPr>
+        <p:spPr>
+          <a:xfrm>
+            <a:off x="6861517" y="2704812"/>
+            <a:ext cx="708806" cy="364895"/>
+          </a:xfrm>
+          <a:prstGeom prst="rect">
+            <a:avLst/>
+          </a:prstGeom>
+        </p:spPr>
+        <p:style>
+          <a:lnRef idx="2">
+            <a:schemeClr val="accent1">
+              <a:shade val="15000"/>
+            </a:schemeClr>
+          </a:lnRef>
+          <a:fillRef idx="1">
+            <a:schemeClr val="accent1"/>
+          </a:fillRef>
+          <a:effectRef idx="0">
+            <a:schemeClr val="accent1"/>
+          </a:effectRef>
+          <a:fontRef idx="minor">
+            <a:schemeClr val="lt1"/>
+          </a:fontRef>
+        </p:style>
+        <p:txBody>
+          <a:bodyPr rtlCol="0" anchor="ctr"/>
+          <a:lstStyle/>
+          <a:p>
+            <a:pPr algn="ctr"/>
+            <a:r>
+              <a:rPr lang="en-US" altLang="ko-KR"/>
+              <a:t>B_V</a:t>
+            </a:r>
+            <a:endParaRPr lang="ko-KR" altLang="en-US"/>
+          </a:p>
+        </p:txBody>
+      </p:sp>
+      <p:sp>
+        <p:nvSpPr>
+          <p:cNvPr id="11" name="직사각형 10">
+            <a:extLst>
+              <a:ext uri="{FF2B5EF4-FFF2-40B4-BE49-F238E27FC236}">
+                <a16:creationId xmlns:a16="http://schemas.microsoft.com/office/drawing/2014/main" id="{5AD01464-4E6B-2E86-D919-E5E9B56A8FD2}"/>
+              </a:ext>
+            </a:extLst>
+          </p:cNvPr>
+          <p:cNvSpPr/>
+          <p:nvPr/>
+        </p:nvSpPr>
+        <p:spPr>
+          <a:xfrm>
+            <a:off x="4351417" y="2687000"/>
+            <a:ext cx="603120" cy="364895"/>
+          </a:xfrm>
+          <a:prstGeom prst="rect">
+            <a:avLst/>
+          </a:prstGeom>
+          <a:noFill/>
+        </p:spPr>
+        <p:style>
+          <a:lnRef idx="2">
+            <a:schemeClr val="accent1">
+              <a:shade val="15000"/>
+            </a:schemeClr>
+          </a:lnRef>
+          <a:fillRef idx="1">
+            <a:schemeClr val="accent1"/>
+          </a:fillRef>
+          <a:effectRef idx="0">
+            <a:schemeClr val="accent1"/>
+          </a:effectRef>
+          <a:fontRef idx="minor">
+            <a:schemeClr val="lt1"/>
+          </a:fontRef>
+        </p:style>
+        <p:txBody>
+          <a:bodyPr rtlCol="0" anchor="ctr"/>
+          <a:lstStyle/>
+          <a:p>
+            <a:pPr algn="ctr"/>
+            <a:endParaRPr lang="ko-KR" altLang="en-US"/>
+          </a:p>
+        </p:txBody>
+      </p:sp>
+      <p:sp>
+        <p:nvSpPr>
+          <p:cNvPr id="12" name="직사각형 11">
+            <a:extLst>
+              <a:ext uri="{FF2B5EF4-FFF2-40B4-BE49-F238E27FC236}">
+                <a16:creationId xmlns:a16="http://schemas.microsoft.com/office/drawing/2014/main" id="{18BD50B7-CB6B-DF2A-CA52-938DFD369D25}"/>
+              </a:ext>
+            </a:extLst>
+          </p:cNvPr>
+          <p:cNvSpPr/>
+          <p:nvPr/>
+        </p:nvSpPr>
+        <p:spPr>
+          <a:xfrm>
+            <a:off x="6096000" y="2711448"/>
+            <a:ext cx="603120" cy="364895"/>
+          </a:xfrm>
+          <a:prstGeom prst="rect">
+            <a:avLst/>
+          </a:prstGeom>
+          <a:noFill/>
+        </p:spPr>
+        <p:style>
+          <a:lnRef idx="2">
+            <a:schemeClr val="accent1">
+              <a:shade val="15000"/>
+            </a:schemeClr>
+          </a:lnRef>
+          <a:fillRef idx="1">
+            <a:schemeClr val="accent1"/>
+          </a:fillRef>
+          <a:effectRef idx="0">
+            <a:schemeClr val="accent1"/>
+          </a:effectRef>
+          <a:fontRef idx="minor">
+            <a:schemeClr val="lt1"/>
+          </a:fontRef>
+        </p:style>
+        <p:txBody>
+          <a:bodyPr rtlCol="0" anchor="ctr"/>
+          <a:lstStyle/>
+          <a:p>
+            <a:pPr algn="ctr"/>
+            <a:endParaRPr lang="ko-KR" altLang="en-US"/>
+          </a:p>
+        </p:txBody>
+      </p:sp>
+      <p:sp>
+        <p:nvSpPr>
+          <p:cNvPr id="13" name="직사각형 12">
+            <a:extLst>
+              <a:ext uri="{FF2B5EF4-FFF2-40B4-BE49-F238E27FC236}">
+                <a16:creationId xmlns:a16="http://schemas.microsoft.com/office/drawing/2014/main" id="{7ACFE593-03C6-251B-317B-BD0D88DEF303}"/>
+              </a:ext>
+            </a:extLst>
+          </p:cNvPr>
+          <p:cNvSpPr/>
+          <p:nvPr/>
+        </p:nvSpPr>
+        <p:spPr>
+          <a:xfrm>
+            <a:off x="7748426" y="2748070"/>
+            <a:ext cx="603120" cy="364895"/>
+          </a:xfrm>
+          <a:prstGeom prst="rect">
+            <a:avLst/>
+          </a:prstGeom>
+          <a:noFill/>
+        </p:spPr>
+        <p:style>
+          <a:lnRef idx="2">
+            <a:schemeClr val="accent1">
+              <a:shade val="15000"/>
+            </a:schemeClr>
+          </a:lnRef>
+          <a:fillRef idx="1">
+            <a:schemeClr val="accent1"/>
+          </a:fillRef>
+          <a:effectRef idx="0">
+            <a:schemeClr val="accent1"/>
+          </a:effectRef>
+          <a:fontRef idx="minor">
+            <a:schemeClr val="lt1"/>
+          </a:fontRef>
+        </p:style>
+        <p:txBody>
+          <a:bodyPr rtlCol="0" anchor="ctr"/>
+          <a:lstStyle/>
+          <a:p>
+            <a:pPr algn="ctr"/>
+            <a:endParaRPr lang="ko-KR" altLang="en-US"/>
+          </a:p>
+        </p:txBody>
+      </p:sp>
+      <p:sp>
+        <p:nvSpPr>
+          <p:cNvPr id="14" name="직사각형 13">
+            <a:extLst>
+              <a:ext uri="{FF2B5EF4-FFF2-40B4-BE49-F238E27FC236}">
+                <a16:creationId xmlns:a16="http://schemas.microsoft.com/office/drawing/2014/main" id="{7A4EC145-267D-AC25-7E66-5B81899B907F}"/>
+              </a:ext>
+            </a:extLst>
+          </p:cNvPr>
+          <p:cNvSpPr/>
+          <p:nvPr/>
+        </p:nvSpPr>
+        <p:spPr>
+          <a:xfrm>
+            <a:off x="6096000" y="4106444"/>
+            <a:ext cx="1038793" cy="364895"/>
+          </a:xfrm>
+          <a:prstGeom prst="rect">
+            <a:avLst/>
+          </a:prstGeom>
+        </p:spPr>
+        <p:style>
+          <a:lnRef idx="2">
+            <a:schemeClr val="accent1">
+              <a:shade val="15000"/>
+            </a:schemeClr>
+          </a:lnRef>
+          <a:fillRef idx="1">
+            <a:schemeClr val="accent1"/>
+          </a:fillRef>
+          <a:effectRef idx="0">
+            <a:schemeClr val="accent1"/>
+          </a:effectRef>
+          <a:fontRef idx="minor">
+            <a:schemeClr val="lt1"/>
+          </a:fontRef>
+        </p:style>
+        <p:txBody>
+          <a:bodyPr rtlCol="0" anchor="ctr"/>
+          <a:lstStyle/>
+          <a:p>
+            <a:pPr algn="ctr"/>
+            <a:r>
+              <a:rPr lang="en-US" altLang="ko-KR"/>
+              <a:t>Count</a:t>
+            </a:r>
+            <a:endParaRPr lang="ko-KR" altLang="en-US"/>
+          </a:p>
+        </p:txBody>
+      </p:sp>
+      <p:sp>
+        <p:nvSpPr>
+          <p:cNvPr id="15" name="직사각형 14">
+            <a:extLst>
+              <a:ext uri="{FF2B5EF4-FFF2-40B4-BE49-F238E27FC236}">
+                <a16:creationId xmlns:a16="http://schemas.microsoft.com/office/drawing/2014/main" id="{3AC53267-BE9C-A902-6AFC-5801573ED5BF}"/>
+              </a:ext>
+            </a:extLst>
+          </p:cNvPr>
+          <p:cNvSpPr/>
+          <p:nvPr/>
+        </p:nvSpPr>
+        <p:spPr>
+          <a:xfrm>
+            <a:off x="7362562" y="4106441"/>
+            <a:ext cx="1366569" cy="364895"/>
+          </a:xfrm>
+          <a:prstGeom prst="rect">
+            <a:avLst/>
+          </a:prstGeom>
+          <a:noFill/>
+        </p:spPr>
+        <p:style>
+          <a:lnRef idx="2">
+            <a:schemeClr val="accent1">
+              <a:shade val="15000"/>
+            </a:schemeClr>
+          </a:lnRef>
+          <a:fillRef idx="1">
+            <a:schemeClr val="accent1"/>
+          </a:fillRef>
+          <a:effectRef idx="0">
+            <a:schemeClr val="accent1"/>
+          </a:effectRef>
+          <a:fontRef idx="minor">
+            <a:schemeClr val="lt1"/>
+          </a:fontRef>
+        </p:style>
+        <p:txBody>
+          <a:bodyPr rtlCol="0" anchor="ctr"/>
+          <a:lstStyle/>
+          <a:p>
+            <a:pPr algn="ctr"/>
+            <a:endParaRPr lang="ko-KR" altLang="en-US"/>
+          </a:p>
+        </p:txBody>
+      </p:sp>
+      <p:pic>
+        <p:nvPicPr>
+          <p:cNvPr id="17" name="그림 16">
+            <a:extLst>
+              <a:ext uri="{FF2B5EF4-FFF2-40B4-BE49-F238E27FC236}">
+                <a16:creationId xmlns:a16="http://schemas.microsoft.com/office/drawing/2014/main" id="{25F58438-EBB8-0D2D-7C21-F58FB1F8924A}"/>
+              </a:ext>
+            </a:extLst>
+          </p:cNvPr>
+          <p:cNvPicPr>
+            <a:picLocks noChangeAspect="1"/>
+          </p:cNvPicPr>
+          <p:nvPr/>
+        </p:nvPicPr>
+        <p:blipFill>
+          <a:blip r:embed="rId2"/>
+          <a:stretch>
+            <a:fillRect/>
+          </a:stretch>
+        </p:blipFill>
+        <p:spPr>
+          <a:xfrm>
+            <a:off x="972697" y="5231775"/>
+            <a:ext cx="4379592" cy="4440986"/>
+          </a:xfrm>
+          <a:prstGeom prst="rect">
+            <a:avLst/>
+          </a:prstGeom>
+        </p:spPr>
+      </p:pic>
+      <p:sp>
+        <p:nvSpPr>
+          <p:cNvPr id="18" name="TextBox 17">
+            <a:extLst>
+              <a:ext uri="{FF2B5EF4-FFF2-40B4-BE49-F238E27FC236}">
+                <a16:creationId xmlns:a16="http://schemas.microsoft.com/office/drawing/2014/main" id="{57BDD5D6-EF0B-EC71-02DA-FFEBC79657C5}"/>
+              </a:ext>
+            </a:extLst>
+          </p:cNvPr>
+          <p:cNvSpPr txBox="1"/>
+          <p:nvPr/>
+        </p:nvSpPr>
+        <p:spPr>
+          <a:xfrm>
+            <a:off x="9931791" y="9355015"/>
+            <a:ext cx="1359411" cy="369332"/>
+          </a:xfrm>
+          <a:prstGeom prst="rect">
+            <a:avLst/>
+          </a:prstGeom>
+          <a:noFill/>
+        </p:spPr>
+        <p:txBody>
+          <a:bodyPr wrap="none" rtlCol="0">
+            <a:spAutoFit/>
+          </a:bodyPr>
+          <a:lstStyle/>
+          <a:p>
+            <a:r>
+              <a:rPr lang="en-US" altLang="ko-KR"/>
+              <a:t>Max_Index=</a:t>
+            </a:r>
+            <a:endParaRPr lang="ko-KR" altLang="en-US"/>
+          </a:p>
+        </p:txBody>
+      </p:sp>
+      <p:sp>
+        <p:nvSpPr>
+          <p:cNvPr id="19" name="TextBox 18">
+            <a:extLst>
+              <a:ext uri="{FF2B5EF4-FFF2-40B4-BE49-F238E27FC236}">
+                <a16:creationId xmlns:a16="http://schemas.microsoft.com/office/drawing/2014/main" id="{D0D31B5E-CA65-771C-B446-D416D8F029F1}"/>
+              </a:ext>
+            </a:extLst>
+          </p:cNvPr>
+          <p:cNvSpPr txBox="1"/>
+          <p:nvPr/>
+        </p:nvSpPr>
+        <p:spPr>
+          <a:xfrm>
+            <a:off x="6942851" y="6411601"/>
+            <a:ext cx="1318246" cy="369332"/>
+          </a:xfrm>
+          <a:prstGeom prst="rect">
+            <a:avLst/>
+          </a:prstGeom>
+          <a:noFill/>
+        </p:spPr>
+        <p:txBody>
+          <a:bodyPr wrap="none" rtlCol="0">
+            <a:spAutoFit/>
+          </a:bodyPr>
+          <a:lstStyle/>
+          <a:p>
+            <a:r>
+              <a:rPr lang="en-US" altLang="ko-KR"/>
+              <a:t>Max_Lumi=</a:t>
+            </a:r>
+            <a:endParaRPr lang="ko-KR" altLang="en-US"/>
+          </a:p>
+        </p:txBody>
+      </p:sp>
+      <p:sp>
+        <p:nvSpPr>
+          <p:cNvPr id="20" name="TextBox 19">
+            <a:extLst>
+              <a:ext uri="{FF2B5EF4-FFF2-40B4-BE49-F238E27FC236}">
+                <a16:creationId xmlns:a16="http://schemas.microsoft.com/office/drawing/2014/main" id="{767E1FFB-F3F7-8945-6045-740F0314427B}"/>
+              </a:ext>
+            </a:extLst>
+          </p:cNvPr>
+          <p:cNvSpPr txBox="1"/>
+          <p:nvPr/>
+        </p:nvSpPr>
+        <p:spPr>
+          <a:xfrm>
+            <a:off x="7748426" y="7755227"/>
+            <a:ext cx="1059842" cy="369332"/>
+          </a:xfrm>
+          <a:prstGeom prst="rect">
+            <a:avLst/>
+          </a:prstGeom>
+          <a:noFill/>
+        </p:spPr>
+        <p:txBody>
+          <a:bodyPr wrap="none" rtlCol="0">
+            <a:spAutoFit/>
+          </a:bodyPr>
+          <a:lstStyle/>
+          <a:p>
+            <a:r>
+              <a:rPr lang="en-US" altLang="ko-KR"/>
+              <a:t>gamma=</a:t>
+            </a:r>
+            <a:endParaRPr lang="ko-KR" altLang="en-US"/>
+          </a:p>
+        </p:txBody>
+      </p:sp>
+    </p:spTree>
+    <p:extLst>
+      <p:ext uri="{BB962C8B-B14F-4D97-AF65-F5344CB8AC3E}">
+        <p14:creationId xmlns:p14="http://schemas.microsoft.com/office/powerpoint/2010/main" val="4016485313"/>
+      </p:ext>
+    </p:extLst>
+  </p:cSld>
+  <p:clrMapOvr>
+    <a:masterClrMapping/>
+  </p:clrMapOvr>
+</p:sld>
+</file>
+
+<file path=ppt/slides/slide14.xml><?xml version="1.0" encoding="utf-8"?>
+<p:sld xmlns:a="http://schemas.openxmlformats.org/drawingml/2006/main" xmlns:r="http://schemas.openxmlformats.org/officeDocument/2006/relationships" xmlns:p="http://schemas.openxmlformats.org/presentationml/2006/main">
+  <p:cSld>
+    <p:spTree>
+      <p:nvGrpSpPr>
+        <p:cNvPr id="1" name=""/>
+        <p:cNvGrpSpPr/>
+        <p:nvPr/>
+      </p:nvGrpSpPr>
+      <p:grpSpPr>
+        <a:xfrm>
+          <a:off x="0" y="0"/>
+          <a:ext cx="0" cy="0"/>
+          <a:chOff x="0" y="0"/>
+          <a:chExt cx="0" cy="0"/>
+        </a:xfrm>
+      </p:grpSpPr>
+      <p:sp>
+        <p:nvSpPr>
+          <p:cNvPr id="4" name="직사각형 3">
+            <a:extLst>
+              <a:ext uri="{FF2B5EF4-FFF2-40B4-BE49-F238E27FC236}">
+                <a16:creationId xmlns:a16="http://schemas.microsoft.com/office/drawing/2014/main" id="{EB1A4BC8-EC4C-AFEB-B9B6-537A65FE15F9}"/>
+              </a:ext>
+            </a:extLst>
+          </p:cNvPr>
+          <p:cNvSpPr/>
+          <p:nvPr/>
+        </p:nvSpPr>
+        <p:spPr>
+          <a:xfrm>
+            <a:off x="379828" y="1842868"/>
+            <a:ext cx="7315200" cy="5156556"/>
+          </a:xfrm>
+          <a:prstGeom prst="rect">
+            <a:avLst/>
+          </a:prstGeom>
+          <a:noFill/>
+        </p:spPr>
+        <p:style>
+          <a:lnRef idx="2">
+            <a:schemeClr val="accent1">
+              <a:shade val="15000"/>
+            </a:schemeClr>
+          </a:lnRef>
+          <a:fillRef idx="1">
+            <a:schemeClr val="accent1"/>
+          </a:fillRef>
+          <a:effectRef idx="0">
+            <a:schemeClr val="accent1"/>
+          </a:effectRef>
+          <a:fontRef idx="minor">
+            <a:schemeClr val="lt1"/>
+          </a:fontRef>
+        </p:style>
+        <p:txBody>
+          <a:bodyPr rtlCol="0" anchor="ctr"/>
+          <a:lstStyle/>
+          <a:p>
+            <a:pPr algn="ctr"/>
+            <a:r>
+              <a:rPr lang="ko-KR" altLang="en-US"/>
+              <a:t>데이터 테이블</a:t>
+            </a:r>
+          </a:p>
+        </p:txBody>
+      </p:sp>
+      <p:sp>
+        <p:nvSpPr>
+          <p:cNvPr id="5" name="직사각형 4">
+            <a:extLst>
+              <a:ext uri="{FF2B5EF4-FFF2-40B4-BE49-F238E27FC236}">
+                <a16:creationId xmlns:a16="http://schemas.microsoft.com/office/drawing/2014/main" id="{F38E1CC2-C01B-4A88-4614-EF92EF8ACCF8}"/>
+              </a:ext>
+            </a:extLst>
+          </p:cNvPr>
+          <p:cNvSpPr/>
+          <p:nvPr/>
+        </p:nvSpPr>
+        <p:spPr>
+          <a:xfrm>
+            <a:off x="504093" y="2504049"/>
+            <a:ext cx="2267242" cy="4495375"/>
+          </a:xfrm>
+          <a:prstGeom prst="rect">
+            <a:avLst/>
+          </a:prstGeom>
+          <a:noFill/>
+        </p:spPr>
+        <p:style>
+          <a:lnRef idx="2">
+            <a:schemeClr val="accent1">
+              <a:shade val="15000"/>
+            </a:schemeClr>
+          </a:lnRef>
+          <a:fillRef idx="1">
+            <a:schemeClr val="accent1"/>
+          </a:fillRef>
+          <a:effectRef idx="0">
+            <a:schemeClr val="accent1"/>
+          </a:effectRef>
+          <a:fontRef idx="minor">
+            <a:schemeClr val="lt1"/>
+          </a:fontRef>
+        </p:style>
+        <p:txBody>
+          <a:bodyPr rtlCol="0" anchor="ctr"/>
+          <a:lstStyle/>
+          <a:p>
+            <a:pPr algn="ctr"/>
+            <a:r>
+              <a:rPr lang="ko-KR" altLang="en-US"/>
+              <a:t>데이터 테이블</a:t>
+            </a:r>
+          </a:p>
+        </p:txBody>
+      </p:sp>
+      <p:sp>
+        <p:nvSpPr>
+          <p:cNvPr id="6" name="직사각형 5">
+            <a:extLst>
+              <a:ext uri="{FF2B5EF4-FFF2-40B4-BE49-F238E27FC236}">
+                <a16:creationId xmlns:a16="http://schemas.microsoft.com/office/drawing/2014/main" id="{C84998DB-8108-41F5-0A52-A8E3BAE221B7}"/>
+              </a:ext>
+            </a:extLst>
+          </p:cNvPr>
+          <p:cNvSpPr/>
+          <p:nvPr/>
+        </p:nvSpPr>
+        <p:spPr>
+          <a:xfrm>
+            <a:off x="2895600" y="2504049"/>
+            <a:ext cx="2267242" cy="4495375"/>
+          </a:xfrm>
+          <a:prstGeom prst="rect">
+            <a:avLst/>
+          </a:prstGeom>
+          <a:noFill/>
+        </p:spPr>
+        <p:style>
+          <a:lnRef idx="2">
+            <a:schemeClr val="accent1">
+              <a:shade val="15000"/>
+            </a:schemeClr>
+          </a:lnRef>
+          <a:fillRef idx="1">
+            <a:schemeClr val="accent1"/>
+          </a:fillRef>
+          <a:effectRef idx="0">
+            <a:schemeClr val="accent1"/>
+          </a:effectRef>
+          <a:fontRef idx="minor">
+            <a:schemeClr val="lt1"/>
+          </a:fontRef>
+        </p:style>
+        <p:txBody>
+          <a:bodyPr rtlCol="0" anchor="ctr"/>
+          <a:lstStyle/>
+          <a:p>
+            <a:pPr algn="ctr"/>
+            <a:r>
+              <a:rPr lang="ko-KR" altLang="en-US"/>
+              <a:t>데이터 테이블</a:t>
+            </a:r>
+          </a:p>
+        </p:txBody>
+      </p:sp>
+      <p:sp>
+        <p:nvSpPr>
+          <p:cNvPr id="7" name="직사각형 6">
+            <a:extLst>
+              <a:ext uri="{FF2B5EF4-FFF2-40B4-BE49-F238E27FC236}">
+                <a16:creationId xmlns:a16="http://schemas.microsoft.com/office/drawing/2014/main" id="{5C0D5F8A-33A4-CF72-6026-180BEF44684B}"/>
+              </a:ext>
+            </a:extLst>
+          </p:cNvPr>
+          <p:cNvSpPr/>
+          <p:nvPr/>
+        </p:nvSpPr>
+        <p:spPr>
+          <a:xfrm>
+            <a:off x="5287107" y="2504049"/>
+            <a:ext cx="2267242" cy="4495375"/>
+          </a:xfrm>
+          <a:prstGeom prst="rect">
+            <a:avLst/>
+          </a:prstGeom>
+          <a:noFill/>
+        </p:spPr>
+        <p:style>
+          <a:lnRef idx="2">
+            <a:schemeClr val="accent1">
+              <a:shade val="15000"/>
+            </a:schemeClr>
+          </a:lnRef>
+          <a:fillRef idx="1">
+            <a:schemeClr val="accent1"/>
+          </a:fillRef>
+          <a:effectRef idx="0">
+            <a:schemeClr val="accent1"/>
+          </a:effectRef>
+          <a:fontRef idx="minor">
+            <a:schemeClr val="lt1"/>
+          </a:fontRef>
+        </p:style>
+        <p:txBody>
+          <a:bodyPr rtlCol="0" anchor="ctr"/>
+          <a:lstStyle/>
+          <a:p>
+            <a:pPr algn="ctr"/>
+            <a:r>
+              <a:rPr lang="ko-KR" altLang="en-US"/>
+              <a:t>데이터 테이블</a:t>
+            </a:r>
+          </a:p>
+        </p:txBody>
+      </p:sp>
+      <p:sp>
+        <p:nvSpPr>
+          <p:cNvPr id="8" name="직사각형 7">
+            <a:extLst>
+              <a:ext uri="{FF2B5EF4-FFF2-40B4-BE49-F238E27FC236}">
+                <a16:creationId xmlns:a16="http://schemas.microsoft.com/office/drawing/2014/main" id="{336FB86A-3E30-2BBA-33F5-C7FB9102B24B}"/>
+              </a:ext>
+            </a:extLst>
+          </p:cNvPr>
+          <p:cNvSpPr/>
+          <p:nvPr/>
+        </p:nvSpPr>
+        <p:spPr>
+          <a:xfrm>
+            <a:off x="532229" y="2139154"/>
+            <a:ext cx="1114424" cy="364895"/>
+          </a:xfrm>
+          <a:prstGeom prst="rect">
+            <a:avLst/>
+          </a:prstGeom>
+        </p:spPr>
+        <p:style>
+          <a:lnRef idx="2">
+            <a:schemeClr val="accent1">
+              <a:shade val="15000"/>
+            </a:schemeClr>
+          </a:lnRef>
+          <a:fillRef idx="1">
+            <a:schemeClr val="accent1"/>
+          </a:fillRef>
+          <a:effectRef idx="0">
+            <a:schemeClr val="accent1"/>
+          </a:effectRef>
+          <a:fontRef idx="minor">
+            <a:schemeClr val="lt1"/>
+          </a:fontRef>
+        </p:style>
+        <p:txBody>
+          <a:bodyPr rtlCol="0" anchor="ctr"/>
+          <a:lstStyle/>
+          <a:p>
+            <a:pPr algn="ctr"/>
+            <a:r>
+              <a:rPr lang="en-US" altLang="ko-KR"/>
+              <a:t>Red</a:t>
+            </a:r>
+            <a:endParaRPr lang="ko-KR" altLang="en-US"/>
+          </a:p>
+        </p:txBody>
+      </p:sp>
+      <p:sp>
+        <p:nvSpPr>
+          <p:cNvPr id="9" name="직사각형 8">
+            <a:extLst>
+              <a:ext uri="{FF2B5EF4-FFF2-40B4-BE49-F238E27FC236}">
+                <a16:creationId xmlns:a16="http://schemas.microsoft.com/office/drawing/2014/main" id="{731A45B5-F9AC-F8EC-888A-9271DF165A38}"/>
+              </a:ext>
+            </a:extLst>
+          </p:cNvPr>
+          <p:cNvSpPr/>
+          <p:nvPr/>
+        </p:nvSpPr>
+        <p:spPr>
+          <a:xfrm>
+            <a:off x="2895600" y="2139153"/>
+            <a:ext cx="1114424" cy="364895"/>
+          </a:xfrm>
+          <a:prstGeom prst="rect">
+            <a:avLst/>
+          </a:prstGeom>
+        </p:spPr>
+        <p:style>
+          <a:lnRef idx="2">
+            <a:schemeClr val="accent1">
+              <a:shade val="15000"/>
+            </a:schemeClr>
+          </a:lnRef>
+          <a:fillRef idx="1">
+            <a:schemeClr val="accent1"/>
+          </a:fillRef>
+          <a:effectRef idx="0">
+            <a:schemeClr val="accent1"/>
+          </a:effectRef>
+          <a:fontRef idx="minor">
+            <a:schemeClr val="lt1"/>
+          </a:fontRef>
+        </p:style>
+        <p:txBody>
+          <a:bodyPr rtlCol="0" anchor="ctr"/>
+          <a:lstStyle/>
+          <a:p>
+            <a:pPr algn="ctr"/>
+            <a:r>
+              <a:rPr lang="en-US" altLang="ko-KR"/>
+              <a:t>Green</a:t>
+            </a:r>
+            <a:endParaRPr lang="ko-KR" altLang="en-US"/>
+          </a:p>
+        </p:txBody>
+      </p:sp>
+      <p:sp>
+        <p:nvSpPr>
+          <p:cNvPr id="10" name="직사각형 9">
+            <a:extLst>
+              <a:ext uri="{FF2B5EF4-FFF2-40B4-BE49-F238E27FC236}">
+                <a16:creationId xmlns:a16="http://schemas.microsoft.com/office/drawing/2014/main" id="{105A2C5A-B058-6794-586A-F21FFFE6AF3F}"/>
+              </a:ext>
+            </a:extLst>
+          </p:cNvPr>
+          <p:cNvSpPr/>
+          <p:nvPr/>
+        </p:nvSpPr>
+        <p:spPr>
+          <a:xfrm>
+            <a:off x="5287107" y="2139153"/>
+            <a:ext cx="1114424" cy="364895"/>
+          </a:xfrm>
+          <a:prstGeom prst="rect">
+            <a:avLst/>
+          </a:prstGeom>
+        </p:spPr>
+        <p:style>
+          <a:lnRef idx="2">
+            <a:schemeClr val="accent1">
+              <a:shade val="15000"/>
+            </a:schemeClr>
+          </a:lnRef>
+          <a:fillRef idx="1">
+            <a:schemeClr val="accent1"/>
+          </a:fillRef>
+          <a:effectRef idx="0">
+            <a:schemeClr val="accent1"/>
+          </a:effectRef>
+          <a:fontRef idx="minor">
+            <a:schemeClr val="lt1"/>
+          </a:fontRef>
+        </p:style>
+        <p:txBody>
+          <a:bodyPr rtlCol="0" anchor="ctr"/>
+          <a:lstStyle/>
+          <a:p>
+            <a:pPr algn="ctr"/>
+            <a:r>
+              <a:rPr lang="en-US" altLang="ko-KR"/>
+              <a:t>Blue</a:t>
+            </a:r>
+            <a:endParaRPr lang="ko-KR" altLang="en-US"/>
+          </a:p>
+        </p:txBody>
+      </p:sp>
+      <p:sp>
+        <p:nvSpPr>
+          <p:cNvPr id="11" name="직사각형 10">
+            <a:extLst>
+              <a:ext uri="{FF2B5EF4-FFF2-40B4-BE49-F238E27FC236}">
+                <a16:creationId xmlns:a16="http://schemas.microsoft.com/office/drawing/2014/main" id="{6D05A9F2-162C-A8A8-A877-38FF90F80BF1}"/>
+              </a:ext>
+            </a:extLst>
+          </p:cNvPr>
+          <p:cNvSpPr/>
+          <p:nvPr/>
+        </p:nvSpPr>
+        <p:spPr>
+          <a:xfrm>
+            <a:off x="656493" y="2656449"/>
+            <a:ext cx="1974165" cy="1985889"/>
+          </a:xfrm>
+          <a:prstGeom prst="rect">
+            <a:avLst/>
+          </a:prstGeom>
+          <a:noFill/>
+        </p:spPr>
+        <p:style>
+          <a:lnRef idx="2">
+            <a:schemeClr val="accent1">
+              <a:shade val="15000"/>
+            </a:schemeClr>
+          </a:lnRef>
+          <a:fillRef idx="1">
+            <a:schemeClr val="accent1"/>
+          </a:fillRef>
+          <a:effectRef idx="0">
+            <a:schemeClr val="accent1"/>
+          </a:effectRef>
+          <a:fontRef idx="minor">
+            <a:schemeClr val="lt1"/>
+          </a:fontRef>
+        </p:style>
+        <p:txBody>
+          <a:bodyPr rtlCol="0" anchor="ctr"/>
+          <a:lstStyle/>
+          <a:p>
+            <a:pPr algn="ctr"/>
+            <a:r>
+              <a:rPr lang="ko-KR" altLang="en-US">
+                <a:solidFill>
+                  <a:schemeClr val="tx1"/>
+                </a:solidFill>
+              </a:rPr>
+              <a:t>그래프 영역</a:t>
+            </a:r>
+          </a:p>
+        </p:txBody>
+      </p:sp>
+      <p:sp>
+        <p:nvSpPr>
+          <p:cNvPr id="12" name="직사각형 11">
+            <a:extLst>
+              <a:ext uri="{FF2B5EF4-FFF2-40B4-BE49-F238E27FC236}">
+                <a16:creationId xmlns:a16="http://schemas.microsoft.com/office/drawing/2014/main" id="{B115C1E9-D5E3-7D4D-A192-390396B2BE3E}"/>
+              </a:ext>
+            </a:extLst>
+          </p:cNvPr>
+          <p:cNvSpPr/>
+          <p:nvPr/>
+        </p:nvSpPr>
+        <p:spPr>
+          <a:xfrm>
+            <a:off x="3050345" y="2656448"/>
+            <a:ext cx="1974165" cy="1985889"/>
+          </a:xfrm>
+          <a:prstGeom prst="rect">
+            <a:avLst/>
+          </a:prstGeom>
+          <a:noFill/>
+        </p:spPr>
+        <p:style>
+          <a:lnRef idx="2">
+            <a:schemeClr val="accent1">
+              <a:shade val="15000"/>
+            </a:schemeClr>
+          </a:lnRef>
+          <a:fillRef idx="1">
+            <a:schemeClr val="accent1"/>
+          </a:fillRef>
+          <a:effectRef idx="0">
+            <a:schemeClr val="accent1"/>
+          </a:effectRef>
+          <a:fontRef idx="minor">
+            <a:schemeClr val="lt1"/>
+          </a:fontRef>
+        </p:style>
+        <p:txBody>
+          <a:bodyPr rtlCol="0" anchor="ctr"/>
+          <a:lstStyle/>
+          <a:p>
+            <a:pPr algn="ctr"/>
+            <a:r>
+              <a:rPr lang="ko-KR" altLang="en-US">
+                <a:solidFill>
+                  <a:schemeClr val="tx1"/>
+                </a:solidFill>
+              </a:rPr>
+              <a:t>그래프 영역</a:t>
+            </a:r>
+          </a:p>
+        </p:txBody>
+      </p:sp>
+      <p:sp>
+        <p:nvSpPr>
+          <p:cNvPr id="13" name="직사각형 12">
+            <a:extLst>
+              <a:ext uri="{FF2B5EF4-FFF2-40B4-BE49-F238E27FC236}">
+                <a16:creationId xmlns:a16="http://schemas.microsoft.com/office/drawing/2014/main" id="{A9BECB72-3512-10A9-07A4-EAABFFA1C3B1}"/>
+              </a:ext>
+            </a:extLst>
+          </p:cNvPr>
+          <p:cNvSpPr/>
+          <p:nvPr/>
+        </p:nvSpPr>
+        <p:spPr>
+          <a:xfrm>
+            <a:off x="5433645" y="2656448"/>
+            <a:ext cx="1974165" cy="1985889"/>
+          </a:xfrm>
+          <a:prstGeom prst="rect">
+            <a:avLst/>
+          </a:prstGeom>
+          <a:noFill/>
+        </p:spPr>
+        <p:style>
+          <a:lnRef idx="2">
+            <a:schemeClr val="accent1">
+              <a:shade val="15000"/>
+            </a:schemeClr>
+          </a:lnRef>
+          <a:fillRef idx="1">
+            <a:schemeClr val="accent1"/>
+          </a:fillRef>
+          <a:effectRef idx="0">
+            <a:schemeClr val="accent1"/>
+          </a:effectRef>
+          <a:fontRef idx="minor">
+            <a:schemeClr val="lt1"/>
+          </a:fontRef>
+        </p:style>
+        <p:txBody>
+          <a:bodyPr rtlCol="0" anchor="ctr"/>
+          <a:lstStyle/>
+          <a:p>
+            <a:pPr algn="ctr"/>
+            <a:r>
+              <a:rPr lang="ko-KR" altLang="en-US">
+                <a:solidFill>
+                  <a:schemeClr val="tx1"/>
+                </a:solidFill>
+              </a:rPr>
+              <a:t>그래프 영역</a:t>
+            </a:r>
+          </a:p>
+        </p:txBody>
+      </p:sp>
+      <p:sp>
+        <p:nvSpPr>
+          <p:cNvPr id="14" name="직사각형 13">
+            <a:extLst>
+              <a:ext uri="{FF2B5EF4-FFF2-40B4-BE49-F238E27FC236}">
+                <a16:creationId xmlns:a16="http://schemas.microsoft.com/office/drawing/2014/main" id="{D1CBD3C8-AD2C-FF45-081E-BEDB24E3D38E}"/>
+              </a:ext>
+            </a:extLst>
+          </p:cNvPr>
+          <p:cNvSpPr/>
+          <p:nvPr/>
+        </p:nvSpPr>
+        <p:spPr>
+          <a:xfrm>
+            <a:off x="659570" y="5190978"/>
+            <a:ext cx="1974165" cy="1808446"/>
+          </a:xfrm>
+          <a:prstGeom prst="rect">
+            <a:avLst/>
+          </a:prstGeom>
+          <a:noFill/>
+        </p:spPr>
+        <p:style>
+          <a:lnRef idx="2">
+            <a:schemeClr val="accent1">
+              <a:shade val="15000"/>
+            </a:schemeClr>
+          </a:lnRef>
+          <a:fillRef idx="1">
+            <a:schemeClr val="accent1"/>
+          </a:fillRef>
+          <a:effectRef idx="0">
+            <a:schemeClr val="accent1"/>
+          </a:effectRef>
+          <a:fontRef idx="minor">
+            <a:schemeClr val="lt1"/>
+          </a:fontRef>
+        </p:style>
+        <p:txBody>
+          <a:bodyPr rtlCol="0" anchor="ctr"/>
+          <a:lstStyle/>
+          <a:p>
+            <a:pPr algn="ctr"/>
+            <a:r>
+              <a:rPr lang="en-US" altLang="ko-KR">
+                <a:solidFill>
+                  <a:schemeClr val="tx1"/>
+                </a:solidFill>
+              </a:rPr>
+              <a:t>RED </a:t>
+            </a:r>
+            <a:r>
+              <a:rPr lang="ko-KR" altLang="en-US">
+                <a:solidFill>
+                  <a:schemeClr val="tx1"/>
+                </a:solidFill>
+              </a:rPr>
+              <a:t>텍스트 박스</a:t>
+            </a:r>
+            <a:endParaRPr lang="en-US" altLang="ko-KR">
+              <a:solidFill>
+                <a:schemeClr val="tx1"/>
+              </a:solidFill>
+            </a:endParaRPr>
+          </a:p>
+          <a:p>
+            <a:pPr algn="ctr"/>
+            <a:r>
+              <a:rPr lang="ko-KR" altLang="en-US">
+                <a:solidFill>
+                  <a:schemeClr val="tx1"/>
+                </a:solidFill>
+              </a:rPr>
+              <a:t>파라미터 값</a:t>
+            </a:r>
+            <a:endParaRPr lang="en-US" altLang="ko-KR">
+              <a:solidFill>
+                <a:schemeClr val="tx1"/>
+              </a:solidFill>
+            </a:endParaRPr>
+          </a:p>
+        </p:txBody>
+      </p:sp>
+      <p:sp>
+        <p:nvSpPr>
+          <p:cNvPr id="15" name="직사각형 14">
+            <a:extLst>
+              <a:ext uri="{FF2B5EF4-FFF2-40B4-BE49-F238E27FC236}">
+                <a16:creationId xmlns:a16="http://schemas.microsoft.com/office/drawing/2014/main" id="{69CBD95F-433D-A4FD-2E62-485AA84760CE}"/>
+              </a:ext>
+            </a:extLst>
+          </p:cNvPr>
+          <p:cNvSpPr/>
+          <p:nvPr/>
+        </p:nvSpPr>
+        <p:spPr>
+          <a:xfrm>
+            <a:off x="3050345" y="5190977"/>
+            <a:ext cx="1974165" cy="1808446"/>
+          </a:xfrm>
+          <a:prstGeom prst="rect">
+            <a:avLst/>
+          </a:prstGeom>
+          <a:noFill/>
+        </p:spPr>
+        <p:style>
+          <a:lnRef idx="2">
+            <a:schemeClr val="accent1">
+              <a:shade val="15000"/>
+            </a:schemeClr>
+          </a:lnRef>
+          <a:fillRef idx="1">
+            <a:schemeClr val="accent1"/>
+          </a:fillRef>
+          <a:effectRef idx="0">
+            <a:schemeClr val="accent1"/>
+          </a:effectRef>
+          <a:fontRef idx="minor">
+            <a:schemeClr val="lt1"/>
+          </a:fontRef>
+        </p:style>
+        <p:txBody>
+          <a:bodyPr rtlCol="0" anchor="ctr"/>
+          <a:lstStyle/>
+          <a:p>
+            <a:pPr algn="ctr"/>
+            <a:r>
+              <a:rPr lang="en-US" altLang="ko-KR">
+                <a:solidFill>
+                  <a:schemeClr val="tx1"/>
+                </a:solidFill>
+              </a:rPr>
+              <a:t>GREEN </a:t>
+            </a:r>
+            <a:r>
+              <a:rPr lang="ko-KR" altLang="en-US">
+                <a:solidFill>
+                  <a:schemeClr val="tx1"/>
+                </a:solidFill>
+              </a:rPr>
+              <a:t>텍스트 박스</a:t>
+            </a:r>
+            <a:endParaRPr lang="en-US" altLang="ko-KR">
+              <a:solidFill>
+                <a:schemeClr val="tx1"/>
+              </a:solidFill>
+            </a:endParaRPr>
+          </a:p>
+          <a:p>
+            <a:pPr algn="ctr"/>
+            <a:r>
+              <a:rPr lang="ko-KR" altLang="en-US">
+                <a:solidFill>
+                  <a:schemeClr val="tx1"/>
+                </a:solidFill>
+              </a:rPr>
+              <a:t>파라미터 값</a:t>
+            </a:r>
+            <a:endParaRPr lang="en-US" altLang="ko-KR">
+              <a:solidFill>
+                <a:schemeClr val="tx1"/>
+              </a:solidFill>
+            </a:endParaRPr>
+          </a:p>
+        </p:txBody>
+      </p:sp>
+      <p:sp>
+        <p:nvSpPr>
+          <p:cNvPr id="16" name="직사각형 15">
+            <a:extLst>
+              <a:ext uri="{FF2B5EF4-FFF2-40B4-BE49-F238E27FC236}">
+                <a16:creationId xmlns:a16="http://schemas.microsoft.com/office/drawing/2014/main" id="{C1AFEF6F-7EE0-AC4A-2959-F52417DBA3F5}"/>
+              </a:ext>
+            </a:extLst>
+          </p:cNvPr>
+          <p:cNvSpPr/>
+          <p:nvPr/>
+        </p:nvSpPr>
+        <p:spPr>
+          <a:xfrm>
+            <a:off x="5433645" y="5190977"/>
+            <a:ext cx="1974165" cy="1808446"/>
+          </a:xfrm>
+          <a:prstGeom prst="rect">
+            <a:avLst/>
+          </a:prstGeom>
+          <a:noFill/>
+        </p:spPr>
+        <p:style>
+          <a:lnRef idx="2">
+            <a:schemeClr val="accent1">
+              <a:shade val="15000"/>
+            </a:schemeClr>
+          </a:lnRef>
+          <a:fillRef idx="1">
+            <a:schemeClr val="accent1"/>
+          </a:fillRef>
+          <a:effectRef idx="0">
+            <a:schemeClr val="accent1"/>
+          </a:effectRef>
+          <a:fontRef idx="minor">
+            <a:schemeClr val="lt1"/>
+          </a:fontRef>
+        </p:style>
+        <p:txBody>
+          <a:bodyPr rtlCol="0" anchor="ctr"/>
+          <a:lstStyle/>
+          <a:p>
+            <a:pPr algn="ctr"/>
+            <a:r>
+              <a:rPr lang="en-US" altLang="ko-KR">
+                <a:solidFill>
+                  <a:schemeClr val="tx1"/>
+                </a:solidFill>
+              </a:rPr>
+              <a:t>BLUE </a:t>
+            </a:r>
+            <a:r>
+              <a:rPr lang="ko-KR" altLang="en-US">
+                <a:solidFill>
+                  <a:schemeClr val="tx1"/>
+                </a:solidFill>
+              </a:rPr>
+              <a:t>텍스트 박스</a:t>
+            </a:r>
+            <a:endParaRPr lang="en-US" altLang="ko-KR">
+              <a:solidFill>
+                <a:schemeClr val="tx1"/>
+              </a:solidFill>
+            </a:endParaRPr>
+          </a:p>
+          <a:p>
+            <a:pPr algn="ctr"/>
+            <a:r>
+              <a:rPr lang="ko-KR" altLang="en-US">
+                <a:solidFill>
+                  <a:schemeClr val="tx1"/>
+                </a:solidFill>
+              </a:rPr>
+              <a:t>파라미터 값</a:t>
+            </a:r>
+            <a:endParaRPr lang="en-US" altLang="ko-KR">
+              <a:solidFill>
+                <a:schemeClr val="tx1"/>
+              </a:solidFill>
+            </a:endParaRPr>
+          </a:p>
+        </p:txBody>
+      </p:sp>
+      <p:sp>
+        <p:nvSpPr>
+          <p:cNvPr id="17" name="직사각형 16">
+            <a:extLst>
+              <a:ext uri="{FF2B5EF4-FFF2-40B4-BE49-F238E27FC236}">
+                <a16:creationId xmlns:a16="http://schemas.microsoft.com/office/drawing/2014/main" id="{8238BA3B-EE05-2B87-906C-C93AB4249055}"/>
+              </a:ext>
+            </a:extLst>
+          </p:cNvPr>
+          <p:cNvSpPr/>
+          <p:nvPr/>
+        </p:nvSpPr>
+        <p:spPr>
+          <a:xfrm>
+            <a:off x="650631" y="4783954"/>
+            <a:ext cx="1974165" cy="265407"/>
+          </a:xfrm>
+          <a:prstGeom prst="rect">
+            <a:avLst/>
+          </a:prstGeom>
+          <a:noFill/>
+        </p:spPr>
+        <p:style>
+          <a:lnRef idx="2">
+            <a:schemeClr val="accent1">
+              <a:shade val="15000"/>
+            </a:schemeClr>
+          </a:lnRef>
+          <a:fillRef idx="1">
+            <a:schemeClr val="accent1"/>
+          </a:fillRef>
+          <a:effectRef idx="0">
+            <a:schemeClr val="accent1"/>
+          </a:effectRef>
+          <a:fontRef idx="minor">
+            <a:schemeClr val="lt1"/>
+          </a:fontRef>
+        </p:style>
+        <p:txBody>
+          <a:bodyPr rtlCol="0" anchor="ctr"/>
+          <a:lstStyle/>
+          <a:p>
+            <a:pPr algn="ctr"/>
+            <a:r>
+              <a:rPr lang="ko-KR" altLang="en-US">
+                <a:solidFill>
+                  <a:schemeClr val="tx1"/>
+                </a:solidFill>
+              </a:rPr>
+              <a:t>공식</a:t>
+            </a:r>
+            <a:endParaRPr lang="en-US" altLang="ko-KR">
+              <a:solidFill>
+                <a:schemeClr val="tx1"/>
+              </a:solidFill>
+            </a:endParaRPr>
+          </a:p>
+        </p:txBody>
+      </p:sp>
+      <p:sp>
+        <p:nvSpPr>
+          <p:cNvPr id="18" name="직사각형 17">
+            <a:extLst>
+              <a:ext uri="{FF2B5EF4-FFF2-40B4-BE49-F238E27FC236}">
+                <a16:creationId xmlns:a16="http://schemas.microsoft.com/office/drawing/2014/main" id="{EDC0BEC9-36AB-11F5-9557-7EAD8805B847}"/>
+              </a:ext>
+            </a:extLst>
+          </p:cNvPr>
+          <p:cNvSpPr/>
+          <p:nvPr/>
+        </p:nvSpPr>
+        <p:spPr>
+          <a:xfrm>
+            <a:off x="3050345" y="4794736"/>
+            <a:ext cx="1974165" cy="265407"/>
+          </a:xfrm>
+          <a:prstGeom prst="rect">
+            <a:avLst/>
+          </a:prstGeom>
+          <a:noFill/>
+        </p:spPr>
+        <p:style>
+          <a:lnRef idx="2">
+            <a:schemeClr val="accent1">
+              <a:shade val="15000"/>
+            </a:schemeClr>
+          </a:lnRef>
+          <a:fillRef idx="1">
+            <a:schemeClr val="accent1"/>
+          </a:fillRef>
+          <a:effectRef idx="0">
+            <a:schemeClr val="accent1"/>
+          </a:effectRef>
+          <a:fontRef idx="minor">
+            <a:schemeClr val="lt1"/>
+          </a:fontRef>
+        </p:style>
+        <p:txBody>
+          <a:bodyPr rtlCol="0" anchor="ctr"/>
+          <a:lstStyle/>
+          <a:p>
+            <a:pPr algn="ctr"/>
+            <a:r>
+              <a:rPr lang="ko-KR" altLang="en-US">
+                <a:solidFill>
+                  <a:schemeClr val="tx1"/>
+                </a:solidFill>
+              </a:rPr>
+              <a:t>공식</a:t>
+            </a:r>
+            <a:endParaRPr lang="en-US" altLang="ko-KR">
+              <a:solidFill>
+                <a:schemeClr val="tx1"/>
+              </a:solidFill>
+            </a:endParaRPr>
+          </a:p>
+        </p:txBody>
+      </p:sp>
+      <p:sp>
+        <p:nvSpPr>
+          <p:cNvPr id="19" name="직사각형 18">
+            <a:extLst>
+              <a:ext uri="{FF2B5EF4-FFF2-40B4-BE49-F238E27FC236}">
+                <a16:creationId xmlns:a16="http://schemas.microsoft.com/office/drawing/2014/main" id="{38741BA9-66D5-5949-52D6-47678EAE13C0}"/>
+              </a:ext>
+            </a:extLst>
+          </p:cNvPr>
+          <p:cNvSpPr/>
+          <p:nvPr/>
+        </p:nvSpPr>
+        <p:spPr>
+          <a:xfrm>
+            <a:off x="5414448" y="4792866"/>
+            <a:ext cx="1974165" cy="265407"/>
+          </a:xfrm>
+          <a:prstGeom prst="rect">
+            <a:avLst/>
+          </a:prstGeom>
+          <a:noFill/>
+        </p:spPr>
+        <p:style>
+          <a:lnRef idx="2">
+            <a:schemeClr val="accent1">
+              <a:shade val="15000"/>
+            </a:schemeClr>
+          </a:lnRef>
+          <a:fillRef idx="1">
+            <a:schemeClr val="accent1"/>
+          </a:fillRef>
+          <a:effectRef idx="0">
+            <a:schemeClr val="accent1"/>
+          </a:effectRef>
+          <a:fontRef idx="minor">
+            <a:schemeClr val="lt1"/>
+          </a:fontRef>
+        </p:style>
+        <p:txBody>
+          <a:bodyPr rtlCol="0" anchor="ctr"/>
+          <a:lstStyle/>
+          <a:p>
+            <a:pPr algn="ctr"/>
+            <a:r>
+              <a:rPr lang="ko-KR" altLang="en-US">
+                <a:solidFill>
+                  <a:schemeClr val="tx1"/>
+                </a:solidFill>
+              </a:rPr>
+              <a:t>공식</a:t>
+            </a:r>
+            <a:endParaRPr lang="en-US" altLang="ko-KR">
+              <a:solidFill>
+                <a:schemeClr val="tx1"/>
+              </a:solidFill>
+            </a:endParaRPr>
+          </a:p>
+        </p:txBody>
+      </p:sp>
+      <p:sp>
+        <p:nvSpPr>
+          <p:cNvPr id="20" name="직사각형 19">
+            <a:extLst>
+              <a:ext uri="{FF2B5EF4-FFF2-40B4-BE49-F238E27FC236}">
+                <a16:creationId xmlns:a16="http://schemas.microsoft.com/office/drawing/2014/main" id="{55D0FDE1-1C20-97C5-BB93-1A448490A13F}"/>
+              </a:ext>
+            </a:extLst>
+          </p:cNvPr>
+          <p:cNvSpPr/>
+          <p:nvPr/>
+        </p:nvSpPr>
+        <p:spPr>
+          <a:xfrm>
+            <a:off x="7956892" y="1842867"/>
+            <a:ext cx="3423870" cy="2461847"/>
+          </a:xfrm>
+          <a:prstGeom prst="rect">
+            <a:avLst/>
+          </a:prstGeom>
+          <a:noFill/>
+        </p:spPr>
+        <p:style>
+          <a:lnRef idx="2">
+            <a:schemeClr val="accent1">
+              <a:shade val="15000"/>
+            </a:schemeClr>
+          </a:lnRef>
+          <a:fillRef idx="1">
+            <a:schemeClr val="accent1"/>
+          </a:fillRef>
+          <a:effectRef idx="0">
+            <a:schemeClr val="accent1"/>
+          </a:effectRef>
+          <a:fontRef idx="minor">
+            <a:schemeClr val="lt1"/>
+          </a:fontRef>
+        </p:style>
+        <p:txBody>
+          <a:bodyPr rtlCol="0" anchor="ctr"/>
+          <a:lstStyle/>
+          <a:p>
+            <a:pPr algn="ctr"/>
+            <a:r>
+              <a:rPr lang="en-US" altLang="ko-KR">
+                <a:solidFill>
+                  <a:schemeClr val="tx1"/>
+                </a:solidFill>
+              </a:rPr>
+              <a:t>TOTAL </a:t>
+            </a:r>
+            <a:r>
+              <a:rPr lang="ko-KR" altLang="en-US">
+                <a:solidFill>
+                  <a:schemeClr val="tx1"/>
+                </a:solidFill>
+              </a:rPr>
+              <a:t>텍스트 박스</a:t>
+            </a:r>
+            <a:endParaRPr lang="en-US" altLang="ko-KR">
+              <a:solidFill>
+                <a:schemeClr val="tx1"/>
+              </a:solidFill>
+            </a:endParaRPr>
+          </a:p>
+          <a:p>
+            <a:pPr algn="ctr"/>
+            <a:r>
+              <a:rPr lang="ko-KR" altLang="en-US">
+                <a:solidFill>
+                  <a:schemeClr val="tx1"/>
+                </a:solidFill>
+              </a:rPr>
+              <a:t>파라미터 값</a:t>
+            </a:r>
+            <a:endParaRPr lang="en-US" altLang="ko-KR">
+              <a:solidFill>
+                <a:schemeClr val="tx1"/>
+              </a:solidFill>
+            </a:endParaRPr>
+          </a:p>
+        </p:txBody>
+      </p:sp>
+      <p:sp>
+        <p:nvSpPr>
+          <p:cNvPr id="21" name="직사각형 20">
+            <a:extLst>
+              <a:ext uri="{FF2B5EF4-FFF2-40B4-BE49-F238E27FC236}">
+                <a16:creationId xmlns:a16="http://schemas.microsoft.com/office/drawing/2014/main" id="{EF0EC90C-5ED5-3D29-679C-35AC16E03105}"/>
+              </a:ext>
+            </a:extLst>
+          </p:cNvPr>
+          <p:cNvSpPr/>
+          <p:nvPr/>
+        </p:nvSpPr>
+        <p:spPr>
+          <a:xfrm>
+            <a:off x="3495733" y="7814676"/>
+            <a:ext cx="752710" cy="364895"/>
+          </a:xfrm>
+          <a:prstGeom prst="rect">
+            <a:avLst/>
+          </a:prstGeom>
+        </p:spPr>
+        <p:style>
+          <a:lnRef idx="2">
+            <a:schemeClr val="accent1">
+              <a:shade val="15000"/>
+            </a:schemeClr>
+          </a:lnRef>
+          <a:fillRef idx="1">
+            <a:schemeClr val="accent1"/>
+          </a:fillRef>
+          <a:effectRef idx="0">
+            <a:schemeClr val="accent1"/>
+          </a:effectRef>
+          <a:fontRef idx="minor">
+            <a:schemeClr val="lt1"/>
+          </a:fontRef>
+        </p:style>
+        <p:txBody>
+          <a:bodyPr rtlCol="0" anchor="ctr"/>
+          <a:lstStyle/>
+          <a:p>
+            <a:pPr algn="ctr"/>
+            <a:r>
+              <a:rPr lang="en-US" altLang="ko-KR"/>
+              <a:t>R_V</a:t>
+            </a:r>
+            <a:endParaRPr lang="ko-KR" altLang="en-US"/>
+          </a:p>
+        </p:txBody>
+      </p:sp>
+      <p:sp>
+        <p:nvSpPr>
+          <p:cNvPr id="22" name="직사각형 21">
+            <a:extLst>
+              <a:ext uri="{FF2B5EF4-FFF2-40B4-BE49-F238E27FC236}">
+                <a16:creationId xmlns:a16="http://schemas.microsoft.com/office/drawing/2014/main" id="{D8A25DCA-EFEC-2669-5419-E7E229267C74}"/>
+              </a:ext>
+            </a:extLst>
+          </p:cNvPr>
+          <p:cNvSpPr/>
+          <p:nvPr/>
+        </p:nvSpPr>
+        <p:spPr>
+          <a:xfrm>
+            <a:off x="4828351" y="7814675"/>
+            <a:ext cx="2132086" cy="364895"/>
+          </a:xfrm>
+          <a:prstGeom prst="rect">
+            <a:avLst/>
+          </a:prstGeom>
+          <a:noFill/>
+        </p:spPr>
+        <p:style>
+          <a:lnRef idx="2">
+            <a:schemeClr val="accent1">
+              <a:shade val="15000"/>
+            </a:schemeClr>
+          </a:lnRef>
+          <a:fillRef idx="1">
+            <a:schemeClr val="accent1"/>
+          </a:fillRef>
+          <a:effectRef idx="0">
+            <a:schemeClr val="accent1"/>
+          </a:effectRef>
+          <a:fontRef idx="minor">
+            <a:schemeClr val="lt1"/>
+          </a:fontRef>
+        </p:style>
+        <p:txBody>
+          <a:bodyPr rtlCol="0" anchor="ctr"/>
+          <a:lstStyle/>
+          <a:p>
+            <a:pPr algn="ctr"/>
+            <a:endParaRPr lang="ko-KR" altLang="en-US"/>
+          </a:p>
+        </p:txBody>
+      </p:sp>
+      <p:sp>
+        <p:nvSpPr>
+          <p:cNvPr id="23" name="직사각형 22">
+            <a:extLst>
+              <a:ext uri="{FF2B5EF4-FFF2-40B4-BE49-F238E27FC236}">
+                <a16:creationId xmlns:a16="http://schemas.microsoft.com/office/drawing/2014/main" id="{0994BF32-1A81-60CB-B96E-511C945177F5}"/>
+              </a:ext>
+            </a:extLst>
+          </p:cNvPr>
+          <p:cNvSpPr/>
+          <p:nvPr/>
+        </p:nvSpPr>
+        <p:spPr>
+          <a:xfrm>
+            <a:off x="3495733" y="8392589"/>
+            <a:ext cx="1114424" cy="364895"/>
+          </a:xfrm>
+          <a:prstGeom prst="rect">
+            <a:avLst/>
+          </a:prstGeom>
+        </p:spPr>
+        <p:style>
+          <a:lnRef idx="2">
+            <a:schemeClr val="accent1">
+              <a:shade val="15000"/>
+            </a:schemeClr>
+          </a:lnRef>
+          <a:fillRef idx="1">
+            <a:schemeClr val="accent1"/>
+          </a:fillRef>
+          <a:effectRef idx="0">
+            <a:schemeClr val="accent1"/>
+          </a:effectRef>
+          <a:fontRef idx="minor">
+            <a:schemeClr val="lt1"/>
+          </a:fontRef>
+        </p:style>
+        <p:txBody>
+          <a:bodyPr rtlCol="0" anchor="ctr"/>
+          <a:lstStyle/>
+          <a:p>
+            <a:pPr algn="ctr"/>
+            <a:r>
+              <a:rPr lang="en-US" altLang="ko-KR"/>
+              <a:t>Pattern</a:t>
+            </a:r>
+            <a:endParaRPr lang="ko-KR" altLang="en-US"/>
+          </a:p>
+        </p:txBody>
+      </p:sp>
+      <p:sp>
+        <p:nvSpPr>
+          <p:cNvPr id="24" name="직사각형 23">
+            <a:extLst>
+              <a:ext uri="{FF2B5EF4-FFF2-40B4-BE49-F238E27FC236}">
+                <a16:creationId xmlns:a16="http://schemas.microsoft.com/office/drawing/2014/main" id="{71DE8158-0970-3211-9989-E96E30157A92}"/>
+              </a:ext>
+            </a:extLst>
+          </p:cNvPr>
+          <p:cNvSpPr/>
+          <p:nvPr/>
+        </p:nvSpPr>
+        <p:spPr>
+          <a:xfrm>
+            <a:off x="4828350" y="8392588"/>
+            <a:ext cx="2132087" cy="364895"/>
+          </a:xfrm>
+          <a:prstGeom prst="rect">
+            <a:avLst/>
+          </a:prstGeom>
+          <a:noFill/>
+        </p:spPr>
+        <p:style>
+          <a:lnRef idx="2">
+            <a:schemeClr val="accent1">
+              <a:shade val="15000"/>
+            </a:schemeClr>
+          </a:lnRef>
+          <a:fillRef idx="1">
+            <a:schemeClr val="accent1"/>
+          </a:fillRef>
+          <a:effectRef idx="0">
+            <a:schemeClr val="accent1"/>
+          </a:effectRef>
+          <a:fontRef idx="minor">
+            <a:schemeClr val="lt1"/>
+          </a:fontRef>
+        </p:style>
+        <p:txBody>
+          <a:bodyPr rtlCol="0" anchor="ctr"/>
+          <a:lstStyle/>
+          <a:p>
+            <a:pPr algn="ctr"/>
+            <a:endParaRPr lang="ko-KR" altLang="en-US"/>
+          </a:p>
+        </p:txBody>
+      </p:sp>
+      <p:cxnSp>
+        <p:nvCxnSpPr>
+          <p:cNvPr id="25" name="직선 연결선 24">
+            <a:extLst>
+              <a:ext uri="{FF2B5EF4-FFF2-40B4-BE49-F238E27FC236}">
+                <a16:creationId xmlns:a16="http://schemas.microsoft.com/office/drawing/2014/main" id="{932E2542-4810-BA75-C7AB-9B9EFF28D068}"/>
+              </a:ext>
+            </a:extLst>
+          </p:cNvPr>
+          <p:cNvCxnSpPr>
+            <a:cxnSpLocks/>
+          </p:cNvCxnSpPr>
+          <p:nvPr/>
+        </p:nvCxnSpPr>
+        <p:spPr>
+          <a:xfrm>
+            <a:off x="3930834" y="7473710"/>
+            <a:ext cx="4391252" cy="2"/>
+          </a:xfrm>
+          <a:prstGeom prst="line">
+            <a:avLst/>
+          </a:prstGeom>
+        </p:spPr>
+        <p:style>
+          <a:lnRef idx="2">
+            <a:schemeClr val="accent1"/>
+          </a:lnRef>
+          <a:fillRef idx="0">
+            <a:schemeClr val="accent1"/>
+          </a:fillRef>
+          <a:effectRef idx="1">
+            <a:schemeClr val="accent1"/>
+          </a:effectRef>
+          <a:fontRef idx="minor">
+            <a:schemeClr val="tx1"/>
+          </a:fontRef>
+        </p:style>
+      </p:cxnSp>
+      <p:sp>
+        <p:nvSpPr>
+          <p:cNvPr id="26" name="직사각형 25">
+            <a:extLst>
+              <a:ext uri="{FF2B5EF4-FFF2-40B4-BE49-F238E27FC236}">
+                <a16:creationId xmlns:a16="http://schemas.microsoft.com/office/drawing/2014/main" id="{3C72E8AF-18C5-ED7F-3A9C-76B2080DA560}"/>
+              </a:ext>
+            </a:extLst>
+          </p:cNvPr>
+          <p:cNvSpPr/>
+          <p:nvPr/>
+        </p:nvSpPr>
+        <p:spPr>
+          <a:xfrm>
+            <a:off x="7169586" y="7786670"/>
+            <a:ext cx="1114424" cy="364895"/>
+          </a:xfrm>
+          <a:prstGeom prst="rect">
+            <a:avLst/>
+          </a:prstGeom>
+        </p:spPr>
+        <p:style>
+          <a:lnRef idx="2">
+            <a:schemeClr val="accent1">
+              <a:shade val="15000"/>
+            </a:schemeClr>
+          </a:lnRef>
+          <a:fillRef idx="1">
+            <a:schemeClr val="accent1"/>
+          </a:fillRef>
+          <a:effectRef idx="0">
+            <a:schemeClr val="accent1"/>
+          </a:effectRef>
+          <a:fontRef idx="minor">
+            <a:schemeClr val="lt1"/>
+          </a:fontRef>
+        </p:style>
+        <p:txBody>
+          <a:bodyPr rtlCol="0" anchor="ctr"/>
+          <a:lstStyle/>
+          <a:p>
+            <a:pPr algn="ctr"/>
+            <a:r>
+              <a:rPr lang="en-US" altLang="ko-KR"/>
+              <a:t>connect</a:t>
+            </a:r>
+            <a:endParaRPr lang="ko-KR" altLang="en-US"/>
+          </a:p>
+        </p:txBody>
+      </p:sp>
+      <p:sp>
+        <p:nvSpPr>
+          <p:cNvPr id="27" name="직사각형 26">
+            <a:extLst>
+              <a:ext uri="{FF2B5EF4-FFF2-40B4-BE49-F238E27FC236}">
+                <a16:creationId xmlns:a16="http://schemas.microsoft.com/office/drawing/2014/main" id="{BAB28BB6-1733-6345-2319-BA43726A0325}"/>
+              </a:ext>
+            </a:extLst>
+          </p:cNvPr>
+          <p:cNvSpPr/>
+          <p:nvPr/>
+        </p:nvSpPr>
+        <p:spPr>
+          <a:xfrm>
+            <a:off x="3495733" y="8923347"/>
+            <a:ext cx="1114424" cy="364895"/>
+          </a:xfrm>
+          <a:prstGeom prst="rect">
+            <a:avLst/>
+          </a:prstGeom>
+        </p:spPr>
+        <p:style>
+          <a:lnRef idx="2">
+            <a:schemeClr val="accent1">
+              <a:shade val="15000"/>
+            </a:schemeClr>
+          </a:lnRef>
+          <a:fillRef idx="1">
+            <a:schemeClr val="accent1"/>
+          </a:fillRef>
+          <a:effectRef idx="0">
+            <a:schemeClr val="accent1"/>
+          </a:effectRef>
+          <a:fontRef idx="minor">
+            <a:schemeClr val="lt1"/>
+          </a:fontRef>
+        </p:style>
+        <p:txBody>
+          <a:bodyPr rtlCol="0" anchor="ctr"/>
+          <a:lstStyle/>
+          <a:p>
+            <a:pPr algn="ctr"/>
+            <a:r>
+              <a:rPr lang="en-US" altLang="ko-KR"/>
+              <a:t>Voltage</a:t>
+            </a:r>
+            <a:endParaRPr lang="ko-KR" altLang="en-US"/>
+          </a:p>
+        </p:txBody>
+      </p:sp>
+      <p:sp>
+        <p:nvSpPr>
+          <p:cNvPr id="28" name="직사각형 27">
+            <a:extLst>
+              <a:ext uri="{FF2B5EF4-FFF2-40B4-BE49-F238E27FC236}">
+                <a16:creationId xmlns:a16="http://schemas.microsoft.com/office/drawing/2014/main" id="{42321E52-CD71-17BB-A97D-F8B1F8ACCA0F}"/>
+              </a:ext>
+            </a:extLst>
+          </p:cNvPr>
+          <p:cNvSpPr/>
+          <p:nvPr/>
+        </p:nvSpPr>
+        <p:spPr>
+          <a:xfrm>
+            <a:off x="4828351" y="8939328"/>
+            <a:ext cx="603120" cy="364895"/>
+          </a:xfrm>
+          <a:prstGeom prst="rect">
+            <a:avLst/>
+          </a:prstGeom>
+          <a:noFill/>
+        </p:spPr>
+        <p:style>
+          <a:lnRef idx="2">
+            <a:schemeClr val="accent1">
+              <a:shade val="15000"/>
+            </a:schemeClr>
+          </a:lnRef>
+          <a:fillRef idx="1">
+            <a:schemeClr val="accent1"/>
+          </a:fillRef>
+          <a:effectRef idx="0">
+            <a:schemeClr val="accent1"/>
+          </a:effectRef>
+          <a:fontRef idx="minor">
+            <a:schemeClr val="lt1"/>
+          </a:fontRef>
+        </p:style>
+        <p:txBody>
+          <a:bodyPr rtlCol="0" anchor="ctr"/>
+          <a:lstStyle/>
+          <a:p>
+            <a:pPr algn="ctr"/>
+            <a:endParaRPr lang="ko-KR" altLang="en-US"/>
+          </a:p>
+        </p:txBody>
+      </p:sp>
+      <p:sp>
+        <p:nvSpPr>
+          <p:cNvPr id="29" name="직사각형 28">
+            <a:extLst>
+              <a:ext uri="{FF2B5EF4-FFF2-40B4-BE49-F238E27FC236}">
+                <a16:creationId xmlns:a16="http://schemas.microsoft.com/office/drawing/2014/main" id="{CFAAF399-48A6-03CE-C549-FA496C6B644B}"/>
+              </a:ext>
+            </a:extLst>
+          </p:cNvPr>
+          <p:cNvSpPr/>
+          <p:nvPr/>
+        </p:nvSpPr>
+        <p:spPr>
+          <a:xfrm>
+            <a:off x="5669545" y="8923346"/>
+            <a:ext cx="603120" cy="364895"/>
+          </a:xfrm>
+          <a:prstGeom prst="rect">
+            <a:avLst/>
+          </a:prstGeom>
+          <a:noFill/>
+        </p:spPr>
+        <p:style>
+          <a:lnRef idx="2">
+            <a:schemeClr val="accent1">
+              <a:shade val="15000"/>
+            </a:schemeClr>
+          </a:lnRef>
+          <a:fillRef idx="1">
+            <a:schemeClr val="accent1"/>
+          </a:fillRef>
+          <a:effectRef idx="0">
+            <a:schemeClr val="accent1"/>
+          </a:effectRef>
+          <a:fontRef idx="minor">
+            <a:schemeClr val="lt1"/>
+          </a:fontRef>
+        </p:style>
+        <p:txBody>
+          <a:bodyPr rtlCol="0" anchor="ctr"/>
+          <a:lstStyle/>
+          <a:p>
+            <a:pPr algn="ctr"/>
+            <a:endParaRPr lang="ko-KR" altLang="en-US"/>
+          </a:p>
+        </p:txBody>
+      </p:sp>
+      <p:sp>
+        <p:nvSpPr>
+          <p:cNvPr id="30" name="직사각형 29">
+            <a:extLst>
+              <a:ext uri="{FF2B5EF4-FFF2-40B4-BE49-F238E27FC236}">
+                <a16:creationId xmlns:a16="http://schemas.microsoft.com/office/drawing/2014/main" id="{6E49A07F-873A-D73B-5679-CF4391D59E11}"/>
+              </a:ext>
+            </a:extLst>
+          </p:cNvPr>
+          <p:cNvSpPr/>
+          <p:nvPr/>
+        </p:nvSpPr>
+        <p:spPr>
+          <a:xfrm>
+            <a:off x="6380724" y="8934698"/>
+            <a:ext cx="603120" cy="364895"/>
+          </a:xfrm>
+          <a:prstGeom prst="rect">
+            <a:avLst/>
+          </a:prstGeom>
+          <a:noFill/>
+        </p:spPr>
+        <p:style>
+          <a:lnRef idx="2">
+            <a:schemeClr val="accent1">
+              <a:shade val="15000"/>
+            </a:schemeClr>
+          </a:lnRef>
+          <a:fillRef idx="1">
+            <a:schemeClr val="accent1"/>
+          </a:fillRef>
+          <a:effectRef idx="0">
+            <a:schemeClr val="accent1"/>
+          </a:effectRef>
+          <a:fontRef idx="minor">
+            <a:schemeClr val="lt1"/>
+          </a:fontRef>
+        </p:style>
+        <p:txBody>
+          <a:bodyPr rtlCol="0" anchor="ctr"/>
+          <a:lstStyle/>
+          <a:p>
+            <a:pPr algn="ctr"/>
+            <a:endParaRPr lang="ko-KR" altLang="en-US"/>
+          </a:p>
+        </p:txBody>
+      </p:sp>
+      <p:sp>
+        <p:nvSpPr>
+          <p:cNvPr id="31" name="직사각형 30">
+            <a:extLst>
+              <a:ext uri="{FF2B5EF4-FFF2-40B4-BE49-F238E27FC236}">
+                <a16:creationId xmlns:a16="http://schemas.microsoft.com/office/drawing/2014/main" id="{0A3F2DD7-D64E-8417-39BF-84E2190F10C8}"/>
+              </a:ext>
+            </a:extLst>
+          </p:cNvPr>
+          <p:cNvSpPr/>
+          <p:nvPr/>
+        </p:nvSpPr>
+        <p:spPr>
+          <a:xfrm>
+            <a:off x="9111614" y="6320927"/>
+            <a:ext cx="1114424" cy="530756"/>
+          </a:xfrm>
+          <a:prstGeom prst="rect">
+            <a:avLst/>
+          </a:prstGeom>
+        </p:spPr>
+        <p:style>
+          <a:lnRef idx="2">
+            <a:schemeClr val="accent1">
+              <a:shade val="15000"/>
+            </a:schemeClr>
+          </a:lnRef>
+          <a:fillRef idx="1">
+            <a:schemeClr val="accent1"/>
+          </a:fillRef>
+          <a:effectRef idx="0">
+            <a:schemeClr val="accent1"/>
+          </a:effectRef>
+          <a:fontRef idx="minor">
+            <a:schemeClr val="lt1"/>
+          </a:fontRef>
+        </p:style>
+        <p:txBody>
+          <a:bodyPr rtlCol="0" anchor="ctr"/>
+          <a:lstStyle/>
+          <a:p>
+            <a:pPr algn="ctr"/>
+            <a:r>
+              <a:rPr lang="en-US" altLang="ko-KR"/>
+              <a:t>Test Start</a:t>
+            </a:r>
+            <a:endParaRPr lang="ko-KR" altLang="en-US"/>
+          </a:p>
+        </p:txBody>
+      </p:sp>
+      <p:cxnSp>
+        <p:nvCxnSpPr>
+          <p:cNvPr id="32" name="직선 연결선 31">
+            <a:extLst>
+              <a:ext uri="{FF2B5EF4-FFF2-40B4-BE49-F238E27FC236}">
+                <a16:creationId xmlns:a16="http://schemas.microsoft.com/office/drawing/2014/main" id="{12576658-C1C1-B8E9-14A7-8142BD916CD8}"/>
+              </a:ext>
+            </a:extLst>
+          </p:cNvPr>
+          <p:cNvCxnSpPr>
+            <a:cxnSpLocks/>
+          </p:cNvCxnSpPr>
+          <p:nvPr/>
+        </p:nvCxnSpPr>
+        <p:spPr>
+          <a:xfrm>
+            <a:off x="5244401" y="9815626"/>
+            <a:ext cx="3101092" cy="2"/>
+          </a:xfrm>
+          <a:prstGeom prst="line">
+            <a:avLst/>
+          </a:prstGeom>
+        </p:spPr>
+        <p:style>
+          <a:lnRef idx="2">
+            <a:schemeClr val="accent1"/>
+          </a:lnRef>
+          <a:fillRef idx="0">
+            <a:schemeClr val="accent1"/>
+          </a:fillRef>
+          <a:effectRef idx="1">
+            <a:schemeClr val="accent1"/>
+          </a:effectRef>
+          <a:fontRef idx="minor">
+            <a:schemeClr val="tx1"/>
+          </a:fontRef>
+        </p:style>
+      </p:cxnSp>
+      <p:sp>
+        <p:nvSpPr>
+          <p:cNvPr id="33" name="직사각형 32">
+            <a:extLst>
+              <a:ext uri="{FF2B5EF4-FFF2-40B4-BE49-F238E27FC236}">
+                <a16:creationId xmlns:a16="http://schemas.microsoft.com/office/drawing/2014/main" id="{7EB8B72D-A89E-CCBF-6ADC-517D97801C1B}"/>
+              </a:ext>
+            </a:extLst>
+          </p:cNvPr>
+          <p:cNvSpPr/>
+          <p:nvPr/>
+        </p:nvSpPr>
+        <p:spPr>
+          <a:xfrm>
+            <a:off x="7956891" y="4509854"/>
+            <a:ext cx="3423871" cy="2461847"/>
+          </a:xfrm>
+          <a:prstGeom prst="rect">
+            <a:avLst/>
+          </a:prstGeom>
+          <a:noFill/>
+        </p:spPr>
+        <p:style>
+          <a:lnRef idx="2">
+            <a:schemeClr val="accent1">
+              <a:shade val="15000"/>
+            </a:schemeClr>
+          </a:lnRef>
+          <a:fillRef idx="1">
+            <a:schemeClr val="accent1"/>
+          </a:fillRef>
+          <a:effectRef idx="0">
+            <a:schemeClr val="accent1"/>
+          </a:effectRef>
+          <a:fontRef idx="minor">
+            <a:schemeClr val="lt1"/>
+          </a:fontRef>
+        </p:style>
+        <p:txBody>
+          <a:bodyPr rtlCol="0" anchor="ctr"/>
+          <a:lstStyle/>
+          <a:p>
+            <a:pPr algn="ctr"/>
+            <a:endParaRPr lang="en-US" altLang="ko-KR">
+              <a:solidFill>
+                <a:schemeClr val="tx1"/>
+              </a:solidFill>
+            </a:endParaRPr>
+          </a:p>
+        </p:txBody>
+      </p:sp>
+      <p:sp>
+        <p:nvSpPr>
+          <p:cNvPr id="34" name="직사각형 33">
+            <a:extLst>
+              <a:ext uri="{FF2B5EF4-FFF2-40B4-BE49-F238E27FC236}">
+                <a16:creationId xmlns:a16="http://schemas.microsoft.com/office/drawing/2014/main" id="{C2216012-6428-37A4-6D0E-96F1E0F818B5}"/>
+              </a:ext>
+            </a:extLst>
+          </p:cNvPr>
+          <p:cNvSpPr/>
+          <p:nvPr/>
+        </p:nvSpPr>
+        <p:spPr>
+          <a:xfrm>
+            <a:off x="7970960" y="4734209"/>
+            <a:ext cx="708806" cy="364895"/>
+          </a:xfrm>
+          <a:prstGeom prst="rect">
+            <a:avLst/>
+          </a:prstGeom>
+        </p:spPr>
+        <p:style>
+          <a:lnRef idx="2">
+            <a:schemeClr val="accent1">
+              <a:shade val="15000"/>
+            </a:schemeClr>
+          </a:lnRef>
+          <a:fillRef idx="1">
+            <a:schemeClr val="accent1"/>
+          </a:fillRef>
+          <a:effectRef idx="0">
+            <a:schemeClr val="accent1"/>
+          </a:effectRef>
+          <a:fontRef idx="minor">
+            <a:schemeClr val="lt1"/>
+          </a:fontRef>
+        </p:style>
+        <p:txBody>
+          <a:bodyPr rtlCol="0" anchor="ctr"/>
+          <a:lstStyle/>
+          <a:p>
+            <a:pPr algn="ctr"/>
+            <a:r>
+              <a:rPr lang="en-US" altLang="ko-KR"/>
+              <a:t>R_V</a:t>
+            </a:r>
+            <a:endParaRPr lang="ko-KR" altLang="en-US"/>
+          </a:p>
+        </p:txBody>
+      </p:sp>
+      <p:sp>
+        <p:nvSpPr>
+          <p:cNvPr id="35" name="직사각형 34">
+            <a:extLst>
+              <a:ext uri="{FF2B5EF4-FFF2-40B4-BE49-F238E27FC236}">
+                <a16:creationId xmlns:a16="http://schemas.microsoft.com/office/drawing/2014/main" id="{AA72C7AA-E569-993B-B0E0-31E79CEA6BFA}"/>
+              </a:ext>
+            </a:extLst>
+          </p:cNvPr>
+          <p:cNvSpPr/>
+          <p:nvPr/>
+        </p:nvSpPr>
+        <p:spPr>
+          <a:xfrm>
+            <a:off x="7967683" y="5208495"/>
+            <a:ext cx="708806" cy="364895"/>
+          </a:xfrm>
+          <a:prstGeom prst="rect">
+            <a:avLst/>
+          </a:prstGeom>
+        </p:spPr>
+        <p:style>
+          <a:lnRef idx="2">
+            <a:schemeClr val="accent1">
+              <a:shade val="15000"/>
+            </a:schemeClr>
+          </a:lnRef>
+          <a:fillRef idx="1">
+            <a:schemeClr val="accent1"/>
+          </a:fillRef>
+          <a:effectRef idx="0">
+            <a:schemeClr val="accent1"/>
+          </a:effectRef>
+          <a:fontRef idx="minor">
+            <a:schemeClr val="lt1"/>
+          </a:fontRef>
+        </p:style>
+        <p:txBody>
+          <a:bodyPr rtlCol="0" anchor="ctr"/>
+          <a:lstStyle/>
+          <a:p>
+            <a:pPr algn="ctr"/>
+            <a:r>
+              <a:rPr lang="en-US" altLang="ko-KR"/>
+              <a:t>G_V</a:t>
+            </a:r>
+            <a:endParaRPr lang="ko-KR" altLang="en-US"/>
+          </a:p>
+        </p:txBody>
+      </p:sp>
+      <p:sp>
+        <p:nvSpPr>
+          <p:cNvPr id="36" name="직사각형 35">
+            <a:extLst>
+              <a:ext uri="{FF2B5EF4-FFF2-40B4-BE49-F238E27FC236}">
+                <a16:creationId xmlns:a16="http://schemas.microsoft.com/office/drawing/2014/main" id="{9429C3BE-60FC-4C87-F684-D4DBEF873D92}"/>
+              </a:ext>
+            </a:extLst>
+          </p:cNvPr>
+          <p:cNvSpPr/>
+          <p:nvPr/>
+        </p:nvSpPr>
+        <p:spPr>
+          <a:xfrm>
+            <a:off x="7953615" y="5684836"/>
+            <a:ext cx="708806" cy="364895"/>
+          </a:xfrm>
+          <a:prstGeom prst="rect">
+            <a:avLst/>
+          </a:prstGeom>
+        </p:spPr>
+        <p:style>
+          <a:lnRef idx="2">
+            <a:schemeClr val="accent1">
+              <a:shade val="15000"/>
+            </a:schemeClr>
+          </a:lnRef>
+          <a:fillRef idx="1">
+            <a:schemeClr val="accent1"/>
+          </a:fillRef>
+          <a:effectRef idx="0">
+            <a:schemeClr val="accent1"/>
+          </a:effectRef>
+          <a:fontRef idx="minor">
+            <a:schemeClr val="lt1"/>
+          </a:fontRef>
+        </p:style>
+        <p:txBody>
+          <a:bodyPr rtlCol="0" anchor="ctr"/>
+          <a:lstStyle/>
+          <a:p>
+            <a:pPr algn="ctr"/>
+            <a:r>
+              <a:rPr lang="en-US" altLang="ko-KR"/>
+              <a:t>B_V</a:t>
+            </a:r>
+            <a:endParaRPr lang="ko-KR" altLang="en-US"/>
+          </a:p>
+        </p:txBody>
+      </p:sp>
+      <p:sp>
+        <p:nvSpPr>
+          <p:cNvPr id="37" name="직사각형 36">
+            <a:extLst>
+              <a:ext uri="{FF2B5EF4-FFF2-40B4-BE49-F238E27FC236}">
+                <a16:creationId xmlns:a16="http://schemas.microsoft.com/office/drawing/2014/main" id="{39B19ABE-A7E2-B700-3A9B-F3C84F0CB1B3}"/>
+              </a:ext>
+            </a:extLst>
+          </p:cNvPr>
+          <p:cNvSpPr/>
+          <p:nvPr/>
+        </p:nvSpPr>
+        <p:spPr>
+          <a:xfrm>
+            <a:off x="8842163" y="4734208"/>
+            <a:ext cx="603120" cy="364895"/>
+          </a:xfrm>
+          <a:prstGeom prst="rect">
+            <a:avLst/>
+          </a:prstGeom>
+          <a:noFill/>
+        </p:spPr>
+        <p:style>
+          <a:lnRef idx="2">
+            <a:schemeClr val="accent1">
+              <a:shade val="15000"/>
+            </a:schemeClr>
+          </a:lnRef>
+          <a:fillRef idx="1">
+            <a:schemeClr val="accent1"/>
+          </a:fillRef>
+          <a:effectRef idx="0">
+            <a:schemeClr val="accent1"/>
+          </a:effectRef>
+          <a:fontRef idx="minor">
+            <a:schemeClr val="lt1"/>
+          </a:fontRef>
+        </p:style>
+        <p:txBody>
+          <a:bodyPr rtlCol="0" anchor="ctr"/>
+          <a:lstStyle/>
+          <a:p>
+            <a:pPr algn="ctr"/>
+            <a:endParaRPr lang="ko-KR" altLang="en-US"/>
+          </a:p>
+        </p:txBody>
+      </p:sp>
+      <p:sp>
+        <p:nvSpPr>
+          <p:cNvPr id="38" name="직사각형 37">
+            <a:extLst>
+              <a:ext uri="{FF2B5EF4-FFF2-40B4-BE49-F238E27FC236}">
+                <a16:creationId xmlns:a16="http://schemas.microsoft.com/office/drawing/2014/main" id="{94530049-7F74-900D-B02A-6E30B6D558E4}"/>
+              </a:ext>
+            </a:extLst>
+          </p:cNvPr>
+          <p:cNvSpPr/>
+          <p:nvPr/>
+        </p:nvSpPr>
+        <p:spPr>
+          <a:xfrm>
+            <a:off x="8840524" y="5232943"/>
+            <a:ext cx="603120" cy="364895"/>
+          </a:xfrm>
+          <a:prstGeom prst="rect">
+            <a:avLst/>
+          </a:prstGeom>
+          <a:noFill/>
+        </p:spPr>
+        <p:style>
+          <a:lnRef idx="2">
+            <a:schemeClr val="accent1">
+              <a:shade val="15000"/>
+            </a:schemeClr>
+          </a:lnRef>
+          <a:fillRef idx="1">
+            <a:schemeClr val="accent1"/>
+          </a:fillRef>
+          <a:effectRef idx="0">
+            <a:schemeClr val="accent1"/>
+          </a:effectRef>
+          <a:fontRef idx="minor">
+            <a:schemeClr val="lt1"/>
+          </a:fontRef>
+        </p:style>
+        <p:txBody>
+          <a:bodyPr rtlCol="0" anchor="ctr"/>
+          <a:lstStyle/>
+          <a:p>
+            <a:pPr algn="ctr"/>
+            <a:endParaRPr lang="ko-KR" altLang="en-US"/>
+          </a:p>
+        </p:txBody>
+      </p:sp>
+      <p:sp>
+        <p:nvSpPr>
+          <p:cNvPr id="39" name="직사각형 38">
+            <a:extLst>
+              <a:ext uri="{FF2B5EF4-FFF2-40B4-BE49-F238E27FC236}">
+                <a16:creationId xmlns:a16="http://schemas.microsoft.com/office/drawing/2014/main" id="{03974A2A-E3EC-1081-AF3A-D4591212FE3F}"/>
+              </a:ext>
+            </a:extLst>
+          </p:cNvPr>
+          <p:cNvSpPr/>
+          <p:nvPr/>
+        </p:nvSpPr>
+        <p:spPr>
+          <a:xfrm>
+            <a:off x="8840524" y="5728094"/>
+            <a:ext cx="603120" cy="364895"/>
+          </a:xfrm>
+          <a:prstGeom prst="rect">
+            <a:avLst/>
+          </a:prstGeom>
+          <a:noFill/>
+        </p:spPr>
+        <p:style>
+          <a:lnRef idx="2">
+            <a:schemeClr val="accent1">
+              <a:shade val="15000"/>
+            </a:schemeClr>
+          </a:lnRef>
+          <a:fillRef idx="1">
+            <a:schemeClr val="accent1"/>
+          </a:fillRef>
+          <a:effectRef idx="0">
+            <a:schemeClr val="accent1"/>
+          </a:effectRef>
+          <a:fontRef idx="minor">
+            <a:schemeClr val="lt1"/>
+          </a:fontRef>
+        </p:style>
+        <p:txBody>
+          <a:bodyPr rtlCol="0" anchor="ctr"/>
+          <a:lstStyle/>
+          <a:p>
+            <a:pPr algn="ctr"/>
+            <a:endParaRPr lang="ko-KR" altLang="en-US"/>
+          </a:p>
+        </p:txBody>
+      </p:sp>
+      <p:sp>
+        <p:nvSpPr>
+          <p:cNvPr id="40" name="직사각형 39">
+            <a:extLst>
+              <a:ext uri="{FF2B5EF4-FFF2-40B4-BE49-F238E27FC236}">
+                <a16:creationId xmlns:a16="http://schemas.microsoft.com/office/drawing/2014/main" id="{CE87226E-4D37-A01C-7D34-E72207E39EEB}"/>
+              </a:ext>
+            </a:extLst>
+          </p:cNvPr>
+          <p:cNvSpPr/>
+          <p:nvPr/>
+        </p:nvSpPr>
+        <p:spPr>
+          <a:xfrm>
+            <a:off x="9565036" y="4751736"/>
+            <a:ext cx="943529" cy="530756"/>
+          </a:xfrm>
+          <a:prstGeom prst="rect">
+            <a:avLst/>
+          </a:prstGeom>
+        </p:spPr>
+        <p:style>
+          <a:lnRef idx="2">
+            <a:schemeClr val="accent1">
+              <a:shade val="15000"/>
+            </a:schemeClr>
+          </a:lnRef>
+          <a:fillRef idx="1">
+            <a:schemeClr val="accent1"/>
+          </a:fillRef>
+          <a:effectRef idx="0">
+            <a:schemeClr val="accent1"/>
+          </a:effectRef>
+          <a:fontRef idx="minor">
+            <a:schemeClr val="lt1"/>
+          </a:fontRef>
+        </p:style>
+        <p:txBody>
+          <a:bodyPr rtlCol="0" anchor="ctr"/>
+          <a:lstStyle/>
+          <a:p>
+            <a:pPr algn="ctr"/>
+            <a:r>
+              <a:rPr lang="en-US" altLang="ko-KR"/>
+              <a:t>Interval</a:t>
+            </a:r>
+            <a:endParaRPr lang="ko-KR" altLang="en-US"/>
+          </a:p>
+        </p:txBody>
+      </p:sp>
+      <p:sp>
+        <p:nvSpPr>
+          <p:cNvPr id="41" name="직사각형 40">
+            <a:extLst>
+              <a:ext uri="{FF2B5EF4-FFF2-40B4-BE49-F238E27FC236}">
+                <a16:creationId xmlns:a16="http://schemas.microsoft.com/office/drawing/2014/main" id="{30C4F7CB-BC50-787E-8BA5-AF0C90F7CBFC}"/>
+              </a:ext>
+            </a:extLst>
+          </p:cNvPr>
+          <p:cNvSpPr/>
+          <p:nvPr/>
+        </p:nvSpPr>
+        <p:spPr>
+          <a:xfrm>
+            <a:off x="10643103" y="4772911"/>
+            <a:ext cx="603120" cy="509581"/>
+          </a:xfrm>
+          <a:prstGeom prst="rect">
+            <a:avLst/>
+          </a:prstGeom>
+          <a:noFill/>
+        </p:spPr>
+        <p:style>
+          <a:lnRef idx="2">
+            <a:schemeClr val="accent1">
+              <a:shade val="15000"/>
+            </a:schemeClr>
+          </a:lnRef>
+          <a:fillRef idx="1">
+            <a:schemeClr val="accent1"/>
+          </a:fillRef>
+          <a:effectRef idx="0">
+            <a:schemeClr val="accent1"/>
+          </a:effectRef>
+          <a:fontRef idx="minor">
+            <a:schemeClr val="lt1"/>
+          </a:fontRef>
+        </p:style>
+        <p:txBody>
+          <a:bodyPr rtlCol="0" anchor="ctr"/>
+          <a:lstStyle/>
+          <a:p>
+            <a:pPr algn="ctr"/>
+            <a:endParaRPr lang="ko-KR" altLang="en-US"/>
+          </a:p>
+        </p:txBody>
+      </p:sp>
+      <p:sp>
+        <p:nvSpPr>
+          <p:cNvPr id="42" name="직사각형 41">
+            <a:extLst>
+              <a:ext uri="{FF2B5EF4-FFF2-40B4-BE49-F238E27FC236}">
+                <a16:creationId xmlns:a16="http://schemas.microsoft.com/office/drawing/2014/main" id="{77B50410-9466-6074-F2CC-3A9C7D2ECC4F}"/>
+              </a:ext>
+            </a:extLst>
+          </p:cNvPr>
+          <p:cNvSpPr/>
+          <p:nvPr/>
+        </p:nvSpPr>
+        <p:spPr>
+          <a:xfrm>
+            <a:off x="9571609" y="5481449"/>
+            <a:ext cx="943529" cy="530756"/>
+          </a:xfrm>
+          <a:prstGeom prst="rect">
+            <a:avLst/>
+          </a:prstGeom>
+        </p:spPr>
+        <p:style>
+          <a:lnRef idx="2">
+            <a:schemeClr val="accent1">
+              <a:shade val="15000"/>
+            </a:schemeClr>
+          </a:lnRef>
+          <a:fillRef idx="1">
+            <a:schemeClr val="accent1"/>
+          </a:fillRef>
+          <a:effectRef idx="0">
+            <a:schemeClr val="accent1"/>
+          </a:effectRef>
+          <a:fontRef idx="minor">
+            <a:schemeClr val="lt1"/>
+          </a:fontRef>
+        </p:style>
+        <p:txBody>
+          <a:bodyPr rtlCol="0" anchor="ctr"/>
+          <a:lstStyle/>
+          <a:p>
+            <a:pPr algn="ctr"/>
+            <a:r>
+              <a:rPr lang="en-US" altLang="ko-KR"/>
+              <a:t>Count</a:t>
+            </a:r>
+            <a:endParaRPr lang="ko-KR" altLang="en-US"/>
+          </a:p>
+        </p:txBody>
+      </p:sp>
+      <p:sp>
+        <p:nvSpPr>
+          <p:cNvPr id="43" name="직사각형 42">
+            <a:extLst>
+              <a:ext uri="{FF2B5EF4-FFF2-40B4-BE49-F238E27FC236}">
+                <a16:creationId xmlns:a16="http://schemas.microsoft.com/office/drawing/2014/main" id="{E03CE0EE-E6CC-F414-C39F-583415FB0513}"/>
+              </a:ext>
+            </a:extLst>
+          </p:cNvPr>
+          <p:cNvSpPr/>
+          <p:nvPr/>
+        </p:nvSpPr>
+        <p:spPr>
+          <a:xfrm>
+            <a:off x="10649676" y="5502624"/>
+            <a:ext cx="603120" cy="509581"/>
+          </a:xfrm>
+          <a:prstGeom prst="rect">
+            <a:avLst/>
+          </a:prstGeom>
+          <a:noFill/>
+        </p:spPr>
+        <p:style>
+          <a:lnRef idx="2">
+            <a:schemeClr val="accent1">
+              <a:shade val="15000"/>
+            </a:schemeClr>
+          </a:lnRef>
+          <a:fillRef idx="1">
+            <a:schemeClr val="accent1"/>
+          </a:fillRef>
+          <a:effectRef idx="0">
+            <a:schemeClr val="accent1"/>
+          </a:effectRef>
+          <a:fontRef idx="minor">
+            <a:schemeClr val="lt1"/>
+          </a:fontRef>
+        </p:style>
+        <p:txBody>
+          <a:bodyPr rtlCol="0" anchor="ctr"/>
+          <a:lstStyle/>
+          <a:p>
+            <a:pPr algn="ctr"/>
+            <a:endParaRPr lang="ko-KR" altLang="en-US"/>
+          </a:p>
+        </p:txBody>
+      </p:sp>
+    </p:spTree>
+    <p:extLst>
+      <p:ext uri="{BB962C8B-B14F-4D97-AF65-F5344CB8AC3E}">
+        <p14:creationId xmlns:p14="http://schemas.microsoft.com/office/powerpoint/2010/main" val="150581686"/>
+      </p:ext>
+    </p:extLst>
+  </p:cSld>
+  <p:clrMapOvr>
+    <a:masterClrMapping/>
+  </p:clrMapOvr>
+</p:sld>
+</file>
+
 <file path=ppt/slides/slide2.xml><?xml version="1.0" encoding="utf-8"?>
 <p:sld xmlns:a="http://schemas.openxmlformats.org/drawingml/2006/main" xmlns:r="http://schemas.openxmlformats.org/officeDocument/2006/relationships" xmlns:p="http://schemas.openxmlformats.org/presentationml/2006/main">
   <p:cSld>
@@ -3884,7 +7187,7 @@
         </p:nvGraphicFramePr>
         <p:xfrm>
           <a:off x="353085" y="2283141"/>
-          <a:ext cx="11380206" cy="2966720"/>
+          <a:ext cx="11380206" cy="4709160"/>
         </p:xfrm>
         <a:graphic>
           <a:graphicData uri="http://schemas.openxmlformats.org/drawingml/2006/table">
@@ -9591,6 +12894,172 @@
           </p:txBody>
         </p:sp>
       </p:grpSp>
+      <mc:AlternateContent xmlns:mc="http://schemas.openxmlformats.org/markup-compatibility/2006">
+        <mc:Choice xmlns:a14="http://schemas.microsoft.com/office/drawing/2010/main" Requires="a14">
+          <p:sp>
+            <p:nvSpPr>
+              <p:cNvPr id="2" name="TextBox 1">
+                <a:extLst>
+                  <a:ext uri="{FF2B5EF4-FFF2-40B4-BE49-F238E27FC236}">
+                    <a16:creationId xmlns:a16="http://schemas.microsoft.com/office/drawing/2014/main" id="{7812108D-A140-89AF-419D-DEA91CE930EA}"/>
+                  </a:ext>
+                </a:extLst>
+              </p:cNvPr>
+              <p:cNvSpPr txBox="1"/>
+              <p:nvPr/>
+            </p:nvSpPr>
+            <p:spPr>
+              <a:xfrm>
+                <a:off x="3360438" y="1906172"/>
+                <a:ext cx="4296561" cy="850169"/>
+              </a:xfrm>
+              <a:prstGeom prst="rect">
+                <a:avLst/>
+              </a:prstGeom>
+              <a:noFill/>
+            </p:spPr>
+            <p:txBody>
+              <a:bodyPr wrap="none" lIns="0" tIns="0" rIns="0" bIns="0" rtlCol="0">
+                <a:spAutoFit/>
+              </a:bodyPr>
+              <a:lstStyle/>
+              <a:p>
+                <a14:m>
+                  <m:oMathPara xmlns:m="http://schemas.openxmlformats.org/officeDocument/2006/math">
+                    <m:oMathParaPr>
+                      <m:jc m:val="centerGroup"/>
+                    </m:oMathParaPr>
+                    <m:oMath xmlns:m="http://schemas.openxmlformats.org/officeDocument/2006/math">
+                      <m:r>
+                        <a:rPr lang="en-US" altLang="ko-KR" b="0" i="1" smtClean="0">
+                          <a:latin typeface="Cambria Math" panose="02040503050406030204" pitchFamily="18" charset="0"/>
+                        </a:rPr>
+                        <m:t>𝑌</m:t>
+                      </m:r>
+                      <m:r>
+                        <a:rPr lang="en-US" altLang="ko-KR" b="0" i="1" smtClean="0">
+                          <a:latin typeface="Cambria Math" panose="02040503050406030204" pitchFamily="18" charset="0"/>
+                        </a:rPr>
+                        <m:t>=</m:t>
+                      </m:r>
+                      <m:r>
+                        <a:rPr lang="en-US" altLang="ko-KR" b="0" i="1" smtClean="0">
+                          <a:latin typeface="Cambria Math" panose="02040503050406030204" pitchFamily="18" charset="0"/>
+                        </a:rPr>
+                        <m:t>𝑀𝐴𝑋𝐿𝑈𝑀𝐼</m:t>
+                      </m:r>
+                      <m:sSup>
+                        <m:sSupPr>
+                          <m:ctrlPr>
+                            <a:rPr lang="el-GR" altLang="ko-KR" b="0" i="1" smtClean="0">
+                              <a:latin typeface="Cambria Math" panose="02040503050406030204" pitchFamily="18" charset="0"/>
+                            </a:rPr>
+                          </m:ctrlPr>
+                        </m:sSupPr>
+                        <m:e>
+                          <m:f>
+                            <m:fPr>
+                              <m:ctrlPr>
+                                <a:rPr lang="el-GR" altLang="ko-KR" i="1">
+                                  <a:latin typeface="Cambria Math" panose="02040503050406030204" pitchFamily="18" charset="0"/>
+                                </a:rPr>
+                              </m:ctrlPr>
+                            </m:fPr>
+                            <m:num>
+                              <m:r>
+                                <a:rPr lang="en-US" altLang="ko-KR" i="1">
+                                  <a:latin typeface="Cambria Math" panose="02040503050406030204" pitchFamily="18" charset="0"/>
+                                </a:rPr>
+                                <m:t>𝑋</m:t>
+                              </m:r>
+                            </m:num>
+                            <m:den>
+                              <m:r>
+                                <a:rPr lang="en-US" altLang="ko-KR" i="1">
+                                  <a:latin typeface="Cambria Math" panose="02040503050406030204" pitchFamily="18" charset="0"/>
+                                </a:rPr>
+                                <m:t>𝑀𝐴𝑋𝐼𝑁𝐷𝐸𝑋</m:t>
+                              </m:r>
+                            </m:den>
+                          </m:f>
+                        </m:e>
+                        <m:sup>
+                          <m:r>
+                            <a:rPr lang="en-US" altLang="ko-KR" b="0" i="1" smtClean="0">
+                              <a:latin typeface="Cambria Math" panose="02040503050406030204" pitchFamily="18" charset="0"/>
+                            </a:rPr>
+                            <m:t>𝐺𝑎𝑚𝑚𝑎</m:t>
+                          </m:r>
+                        </m:sup>
+                      </m:sSup>
+                      <m:r>
+                        <a:rPr lang="en-US" altLang="ko-KR" b="0" i="1" smtClean="0">
+                          <a:latin typeface="Cambria Math" panose="02040503050406030204" pitchFamily="18" charset="0"/>
+                        </a:rPr>
+                        <m:t>+</m:t>
+                      </m:r>
+                      <m:r>
+                        <a:rPr lang="en-US" altLang="ko-KR" b="0" i="1" smtClean="0">
+                          <a:latin typeface="Cambria Math" panose="02040503050406030204" pitchFamily="18" charset="0"/>
+                        </a:rPr>
+                        <m:t>𝑏𝑙𝑎𝑐𝑘</m:t>
+                      </m:r>
+                    </m:oMath>
+                  </m:oMathPara>
+                </a14:m>
+                <a:endParaRPr lang="en-US" altLang="ko-KR"/>
+              </a:p>
+              <a:p>
+                <a:endParaRPr lang="ko-KR" altLang="en-US"/>
+              </a:p>
+            </p:txBody>
+          </p:sp>
+        </mc:Choice>
+        <mc:Fallback>
+          <p:sp>
+            <p:nvSpPr>
+              <p:cNvPr id="2" name="TextBox 1">
+                <a:extLst>
+                  <a:ext uri="{FF2B5EF4-FFF2-40B4-BE49-F238E27FC236}">
+                    <a16:creationId xmlns:a16="http://schemas.microsoft.com/office/drawing/2014/main" id="{7812108D-A140-89AF-419D-DEA91CE930EA}"/>
+                  </a:ext>
+                </a:extLst>
+              </p:cNvPr>
+              <p:cNvSpPr txBox="1">
+                <a:spLocks noRot="1" noChangeAspect="1" noMove="1" noResize="1" noEditPoints="1" noAdjustHandles="1" noChangeArrowheads="1" noChangeShapeType="1" noTextEdit="1"/>
+              </p:cNvSpPr>
+              <p:nvPr/>
+            </p:nvSpPr>
+            <p:spPr>
+              <a:xfrm>
+                <a:off x="3360438" y="1906172"/>
+                <a:ext cx="4296561" cy="850169"/>
+              </a:xfrm>
+              <a:prstGeom prst="rect">
+                <a:avLst/>
+              </a:prstGeom>
+              <a:blipFill>
+                <a:blip r:embed="rId3"/>
+                <a:stretch>
+                  <a:fillRect/>
+                </a:stretch>
+              </a:blipFill>
+            </p:spPr>
+            <p:txBody>
+              <a:bodyPr/>
+              <a:lstStyle/>
+              <a:p>
+                <a:r>
+                  <a:rPr lang="ko-KR" altLang="en-US">
+                    <a:noFill/>
+                  </a:rPr>
+                  <a:t> </a:t>
+                </a:r>
+              </a:p>
+            </p:txBody>
+          </p:sp>
+        </mc:Fallback>
+      </mc:AlternateContent>
     </p:spTree>
     <p:extLst>
       <p:ext uri="{BB962C8B-B14F-4D97-AF65-F5344CB8AC3E}">
